--- a/final-deliverables/presentation-materials/presentation-slides.pptx
+++ b/final-deliverables/presentation-materials/presentation-slides.pptx
@@ -22,8 +22,8 @@
     <p:sldId id="277" r:id="rId13"/>
     <p:sldId id="278" r:id="rId14"/>
     <p:sldId id="279" r:id="rId15"/>
-    <p:sldId id="261" r:id="rId16"/>
-    <p:sldId id="262" r:id="rId17"/>
+    <p:sldId id="262" r:id="rId16"/>
+    <p:sldId id="261" r:id="rId17"/>
     <p:sldId id="263" r:id="rId18"/>
   </p:sldIdLst>
   <p:sldSz cx="12192000" cy="6858000"/>
@@ -213,7 +213,7 @@
           <a:p>
             <a:fld id="{A4A37183-B0EE-431D-96E3-BA67E9E45C63}" type="datetimeFigureOut">
               <a:rPr lang="en-US" smtClean="0"/>
-              <a:t>12/15/2019</a:t>
+              <a:t>12/16/2019</a:t>
             </a:fld>
             <a:endParaRPr lang="en-US"/>
           </a:p>
@@ -579,6 +579,90 @@
 </p:notes>
 </file>
 
+<file path=ppt/notesSlides/notesSlide2.xml><?xml version="1.0" encoding="utf-8"?>
+<p:notes xmlns:a="http://schemas.openxmlformats.org/drawingml/2006/main" xmlns:r="http://schemas.openxmlformats.org/officeDocument/2006/relationships" xmlns:p="http://schemas.openxmlformats.org/presentationml/2006/main">
+  <p:cSld>
+    <p:spTree>
+      <p:nvGrpSpPr>
+        <p:cNvPr id="1" name=""/>
+        <p:cNvGrpSpPr/>
+        <p:nvPr/>
+      </p:nvGrpSpPr>
+      <p:grpSpPr>
+        <a:xfrm>
+          <a:off x="0" y="0"/>
+          <a:ext cx="0" cy="0"/>
+          <a:chOff x="0" y="0"/>
+          <a:chExt cx="0" cy="0"/>
+        </a:xfrm>
+      </p:grpSpPr>
+      <p:sp>
+        <p:nvSpPr>
+          <p:cNvPr id="2" name="Slide Image Placeholder 1"/>
+          <p:cNvSpPr>
+            <a:spLocks noGrp="1" noRot="1" noChangeAspect="1"/>
+          </p:cNvSpPr>
+          <p:nvPr>
+            <p:ph type="sldImg"/>
+          </p:nvPr>
+        </p:nvSpPr>
+        <p:spPr/>
+      </p:sp>
+      <p:sp>
+        <p:nvSpPr>
+          <p:cNvPr id="3" name="Notes Placeholder 2"/>
+          <p:cNvSpPr>
+            <a:spLocks noGrp="1"/>
+          </p:cNvSpPr>
+          <p:nvPr>
+            <p:ph type="body" idx="1"/>
+          </p:nvPr>
+        </p:nvSpPr>
+        <p:spPr/>
+        <p:txBody>
+          <a:bodyPr/>
+          <a:lstStyle/>
+          <a:p>
+            <a:endParaRPr lang="en-US" dirty="0"/>
+          </a:p>
+        </p:txBody>
+      </p:sp>
+      <p:sp>
+        <p:nvSpPr>
+          <p:cNvPr id="4" name="Slide Number Placeholder 3"/>
+          <p:cNvSpPr>
+            <a:spLocks noGrp="1"/>
+          </p:cNvSpPr>
+          <p:nvPr>
+            <p:ph type="sldNum" sz="quarter" idx="5"/>
+          </p:nvPr>
+        </p:nvSpPr>
+        <p:spPr/>
+        <p:txBody>
+          <a:bodyPr/>
+          <a:lstStyle/>
+          <a:p>
+            <a:fld id="{D8B77BCE-A735-4E6E-A1D9-90F4E1BCADEF}" type="slidenum">
+              <a:rPr lang="en-US" smtClean="0"/>
+              <a:t>8</a:t>
+            </a:fld>
+            <a:endParaRPr lang="en-US"/>
+          </a:p>
+        </p:txBody>
+      </p:sp>
+    </p:spTree>
+    <p:extLst>
+      <p:ext uri="{BB962C8B-B14F-4D97-AF65-F5344CB8AC3E}">
+        <p14:creationId xmlns:p14="http://schemas.microsoft.com/office/powerpoint/2010/main" val="1473126708"/>
+      </p:ext>
+    </p:extLst>
+  </p:cSld>
+  <p:clrMapOvr>
+    <a:masterClrMapping/>
+  </p:clrMapOvr>
+</p:notes>
+</file>
+
 <file path=ppt/slideLayouts/slideLayout1.xml><?xml version="1.0" encoding="utf-8"?>
 <p:sldLayout xmlns:a="http://schemas.openxmlformats.org/drawingml/2006/main" xmlns:r="http://schemas.openxmlformats.org/officeDocument/2006/relationships" xmlns:p="http://schemas.openxmlformats.org/presentationml/2006/main" showMasterSp="0" type="title" preserve="1">
   <p:cSld name="Title Slide">
@@ -748,7 +832,7 @@
           <a:p>
             <a:fld id="{983A1C55-C3AB-4343-AC21-AAEAA1D782F8}" type="datetimeFigureOut">
               <a:rPr lang="en-US" smtClean="0"/>
-              <a:t>12/15/2019</a:t>
+              <a:t>12/16/2019</a:t>
             </a:fld>
             <a:endParaRPr lang="en-US"/>
           </a:p>
@@ -1078,7 +1162,7 @@
           <a:p>
             <a:fld id="{983A1C55-C3AB-4343-AC21-AAEAA1D782F8}" type="datetimeFigureOut">
               <a:rPr lang="en-US" smtClean="0"/>
-              <a:t>12/15/2019</a:t>
+              <a:t>12/16/2019</a:t>
             </a:fld>
             <a:endParaRPr lang="en-US"/>
           </a:p>
@@ -1258,7 +1342,7 @@
           <a:p>
             <a:fld id="{983A1C55-C3AB-4343-AC21-AAEAA1D782F8}" type="datetimeFigureOut">
               <a:rPr lang="en-US" smtClean="0"/>
-              <a:t>12/15/2019</a:t>
+              <a:t>12/16/2019</a:t>
             </a:fld>
             <a:endParaRPr lang="en-US"/>
           </a:p>
@@ -1428,7 +1512,7 @@
           <a:p>
             <a:fld id="{983A1C55-C3AB-4343-AC21-AAEAA1D782F8}" type="datetimeFigureOut">
               <a:rPr lang="en-US" smtClean="0"/>
-              <a:t>12/15/2019</a:t>
+              <a:t>12/16/2019</a:t>
             </a:fld>
             <a:endParaRPr lang="en-US"/>
           </a:p>
@@ -1705,7 +1789,7 @@
           <a:p>
             <a:fld id="{983A1C55-C3AB-4343-AC21-AAEAA1D782F8}" type="datetimeFigureOut">
               <a:rPr lang="en-US" smtClean="0"/>
-              <a:t>12/15/2019</a:t>
+              <a:t>12/16/2019</a:t>
             </a:fld>
             <a:endParaRPr lang="en-US"/>
           </a:p>
@@ -2099,7 +2183,7 @@
           <a:p>
             <a:fld id="{983A1C55-C3AB-4343-AC21-AAEAA1D782F8}" type="datetimeFigureOut">
               <a:rPr lang="en-US" smtClean="0"/>
-              <a:t>12/15/2019</a:t>
+              <a:t>12/16/2019</a:t>
             </a:fld>
             <a:endParaRPr lang="en-US"/>
           </a:p>
@@ -2576,7 +2660,7 @@
           <a:p>
             <a:fld id="{983A1C55-C3AB-4343-AC21-AAEAA1D782F8}" type="datetimeFigureOut">
               <a:rPr lang="en-US" smtClean="0"/>
-              <a:t>12/15/2019</a:t>
+              <a:t>12/16/2019</a:t>
             </a:fld>
             <a:endParaRPr lang="en-US"/>
           </a:p>
@@ -2694,7 +2778,7 @@
           <a:p>
             <a:fld id="{983A1C55-C3AB-4343-AC21-AAEAA1D782F8}" type="datetimeFigureOut">
               <a:rPr lang="en-US" smtClean="0"/>
-              <a:t>12/15/2019</a:t>
+              <a:t>12/16/2019</a:t>
             </a:fld>
             <a:endParaRPr lang="en-US"/>
           </a:p>
@@ -2789,7 +2873,7 @@
           <a:p>
             <a:fld id="{983A1C55-C3AB-4343-AC21-AAEAA1D782F8}" type="datetimeFigureOut">
               <a:rPr lang="en-US" smtClean="0"/>
-              <a:t>12/15/2019</a:t>
+              <a:t>12/16/2019</a:t>
             </a:fld>
             <a:endParaRPr lang="en-US"/>
           </a:p>
@@ -3135,7 +3219,7 @@
           <a:p>
             <a:fld id="{983A1C55-C3AB-4343-AC21-AAEAA1D782F8}" type="datetimeFigureOut">
               <a:rPr lang="en-US" smtClean="0"/>
-              <a:t>12/15/2019</a:t>
+              <a:t>12/16/2019</a:t>
             </a:fld>
             <a:endParaRPr lang="en-US"/>
           </a:p>
@@ -3523,7 +3607,7 @@
           <a:p>
             <a:fld id="{983A1C55-C3AB-4343-AC21-AAEAA1D782F8}" type="datetimeFigureOut">
               <a:rPr lang="en-US" smtClean="0"/>
-              <a:t>12/15/2019</a:t>
+              <a:t>12/16/2019</a:t>
             </a:fld>
             <a:endParaRPr lang="en-US"/>
           </a:p>
@@ -3801,7 +3885,7 @@
           <a:p>
             <a:fld id="{983A1C55-C3AB-4343-AC21-AAEAA1D782F8}" type="datetimeFigureOut">
               <a:rPr lang="en-US" smtClean="0"/>
-              <a:t>12/15/2019</a:t>
+              <a:t>12/16/2019</a:t>
             </a:fld>
             <a:endParaRPr lang="en-US"/>
           </a:p>
@@ -4778,89 +4862,6 @@
           <p:cNvPr id="2" name="Title 1">
             <a:extLst>
               <a:ext uri="{FF2B5EF4-FFF2-40B4-BE49-F238E27FC236}">
-                <a16:creationId xmlns:a16="http://schemas.microsoft.com/office/drawing/2014/main" id="{C2533E80-A15C-4B1D-99B3-19229E4F093E}"/>
-              </a:ext>
-            </a:extLst>
-          </p:cNvPr>
-          <p:cNvSpPr>
-            <a:spLocks noGrp="1"/>
-          </p:cNvSpPr>
-          <p:nvPr>
-            <p:ph type="title"/>
-          </p:nvPr>
-        </p:nvSpPr>
-        <p:spPr/>
-        <p:txBody>
-          <a:bodyPr/>
-          <a:lstStyle/>
-          <a:p>
-            <a:r>
-              <a:rPr lang="en-US" dirty="0"/>
-              <a:t>Problems overcome</a:t>
-            </a:r>
-          </a:p>
-        </p:txBody>
-      </p:sp>
-      <p:sp>
-        <p:nvSpPr>
-          <p:cNvPr id="3" name="Content Placeholder 2">
-            <a:extLst>
-              <a:ext uri="{FF2B5EF4-FFF2-40B4-BE49-F238E27FC236}">
-                <a16:creationId xmlns:a16="http://schemas.microsoft.com/office/drawing/2014/main" id="{E3D8CEBB-4A33-4032-8980-D1DB962C371F}"/>
-              </a:ext>
-            </a:extLst>
-          </p:cNvPr>
-          <p:cNvSpPr>
-            <a:spLocks noGrp="1"/>
-          </p:cNvSpPr>
-          <p:nvPr>
-            <p:ph idx="1"/>
-          </p:nvPr>
-        </p:nvSpPr>
-        <p:spPr/>
-        <p:txBody>
-          <a:bodyPr/>
-          <a:lstStyle/>
-          <a:p>
-            <a:endParaRPr lang="en-US"/>
-          </a:p>
-        </p:txBody>
-      </p:sp>
-    </p:spTree>
-    <p:extLst>
-      <p:ext uri="{BB962C8B-B14F-4D97-AF65-F5344CB8AC3E}">
-        <p14:creationId xmlns:p14="http://schemas.microsoft.com/office/powerpoint/2010/main" val="2160733859"/>
-      </p:ext>
-    </p:extLst>
-  </p:cSld>
-  <p:clrMapOvr>
-    <a:masterClrMapping/>
-  </p:clrMapOvr>
-</p:sld>
-</file>
-
-<file path=ppt/slides/slide16.xml><?xml version="1.0" encoding="utf-8"?>
-<p:sld xmlns:a="http://schemas.openxmlformats.org/drawingml/2006/main" xmlns:r="http://schemas.openxmlformats.org/officeDocument/2006/relationships" xmlns:p="http://schemas.openxmlformats.org/presentationml/2006/main">
-  <p:cSld>
-    <p:spTree>
-      <p:nvGrpSpPr>
-        <p:cNvPr id="1" name=""/>
-        <p:cNvGrpSpPr/>
-        <p:nvPr/>
-      </p:nvGrpSpPr>
-      <p:grpSpPr>
-        <a:xfrm>
-          <a:off x="0" y="0"/>
-          <a:ext cx="0" cy="0"/>
-          <a:chOff x="0" y="0"/>
-          <a:chExt cx="0" cy="0"/>
-        </a:xfrm>
-      </p:grpSpPr>
-      <p:sp>
-        <p:nvSpPr>
-          <p:cNvPr id="2" name="Title 1">
-            <a:extLst>
-              <a:ext uri="{FF2B5EF4-FFF2-40B4-BE49-F238E27FC236}">
                 <a16:creationId xmlns:a16="http://schemas.microsoft.com/office/drawing/2014/main" id="{19AE4C49-F78F-447D-AD20-727A489CE932}"/>
               </a:ext>
             </a:extLst>
@@ -5005,6 +5006,89 @@
 </p:sld>
 </file>
 
+<file path=ppt/slides/slide16.xml><?xml version="1.0" encoding="utf-8"?>
+<p:sld xmlns:a="http://schemas.openxmlformats.org/drawingml/2006/main" xmlns:r="http://schemas.openxmlformats.org/officeDocument/2006/relationships" xmlns:p="http://schemas.openxmlformats.org/presentationml/2006/main">
+  <p:cSld>
+    <p:spTree>
+      <p:nvGrpSpPr>
+        <p:cNvPr id="1" name=""/>
+        <p:cNvGrpSpPr/>
+        <p:nvPr/>
+      </p:nvGrpSpPr>
+      <p:grpSpPr>
+        <a:xfrm>
+          <a:off x="0" y="0"/>
+          <a:ext cx="0" cy="0"/>
+          <a:chOff x="0" y="0"/>
+          <a:chExt cx="0" cy="0"/>
+        </a:xfrm>
+      </p:grpSpPr>
+      <p:sp>
+        <p:nvSpPr>
+          <p:cNvPr id="2" name="Title 1">
+            <a:extLst>
+              <a:ext uri="{FF2B5EF4-FFF2-40B4-BE49-F238E27FC236}">
+                <a16:creationId xmlns:a16="http://schemas.microsoft.com/office/drawing/2014/main" id="{C2533E80-A15C-4B1D-99B3-19229E4F093E}"/>
+              </a:ext>
+            </a:extLst>
+          </p:cNvPr>
+          <p:cNvSpPr>
+            <a:spLocks noGrp="1"/>
+          </p:cNvSpPr>
+          <p:nvPr>
+            <p:ph type="title"/>
+          </p:nvPr>
+        </p:nvSpPr>
+        <p:spPr/>
+        <p:txBody>
+          <a:bodyPr/>
+          <a:lstStyle/>
+          <a:p>
+            <a:r>
+              <a:rPr lang="en-US" dirty="0"/>
+              <a:t>Problems overcome</a:t>
+            </a:r>
+          </a:p>
+        </p:txBody>
+      </p:sp>
+      <p:sp>
+        <p:nvSpPr>
+          <p:cNvPr id="3" name="Content Placeholder 2">
+            <a:extLst>
+              <a:ext uri="{FF2B5EF4-FFF2-40B4-BE49-F238E27FC236}">
+                <a16:creationId xmlns:a16="http://schemas.microsoft.com/office/drawing/2014/main" id="{E3D8CEBB-4A33-4032-8980-D1DB962C371F}"/>
+              </a:ext>
+            </a:extLst>
+          </p:cNvPr>
+          <p:cNvSpPr>
+            <a:spLocks noGrp="1"/>
+          </p:cNvSpPr>
+          <p:nvPr>
+            <p:ph idx="1"/>
+          </p:nvPr>
+        </p:nvSpPr>
+        <p:spPr/>
+        <p:txBody>
+          <a:bodyPr/>
+          <a:lstStyle/>
+          <a:p>
+            <a:endParaRPr lang="en-US"/>
+          </a:p>
+        </p:txBody>
+      </p:sp>
+    </p:spTree>
+    <p:extLst>
+      <p:ext uri="{BB962C8B-B14F-4D97-AF65-F5344CB8AC3E}">
+        <p14:creationId xmlns:p14="http://schemas.microsoft.com/office/powerpoint/2010/main" val="2160733859"/>
+      </p:ext>
+    </p:extLst>
+  </p:cSld>
+  <p:clrMapOvr>
+    <a:masterClrMapping/>
+  </p:clrMapOvr>
+</p:sld>
+</file>
+
 <file path=ppt/slides/slide17.xml><?xml version="1.0" encoding="utf-8"?>
 <p:sld xmlns:a="http://schemas.openxmlformats.org/drawingml/2006/main" xmlns:r="http://schemas.openxmlformats.org/officeDocument/2006/relationships" xmlns:p="http://schemas.openxmlformats.org/presentationml/2006/main">
   <p:cSld>
@@ -5489,81 +5573,6 @@
           </a:p>
         </p:txBody>
       </p:sp>
-      <p:sp>
-        <p:nvSpPr>
-          <p:cNvPr id="70" name="TextBox 69">
-            <a:extLst>
-              <a:ext uri="{FF2B5EF4-FFF2-40B4-BE49-F238E27FC236}">
-                <a16:creationId xmlns:a16="http://schemas.microsoft.com/office/drawing/2014/main" id="{961A7040-E2CF-498A-914F-BEA142AD8BE7}"/>
-              </a:ext>
-            </a:extLst>
-          </p:cNvPr>
-          <p:cNvSpPr txBox="1"/>
-          <p:nvPr/>
-        </p:nvSpPr>
-        <p:spPr>
-          <a:xfrm>
-            <a:off x="6477411" y="4976496"/>
-            <a:ext cx="4528913" cy="1554272"/>
-          </a:xfrm>
-          <a:prstGeom prst="rect">
-            <a:avLst/>
-          </a:prstGeom>
-          <a:noFill/>
-        </p:spPr>
-        <p:txBody>
-          <a:bodyPr wrap="square" rtlCol="0">
-            <a:spAutoFit/>
-          </a:bodyPr>
-          <a:lstStyle/>
-          <a:p>
-            <a:pPr algn="ctr">
-              <a:spcBef>
-                <a:spcPts val="1200"/>
-              </a:spcBef>
-            </a:pPr>
-            <a:r>
-              <a:rPr lang="en-US" sz="2500" dirty="0" err="1">
-                <a:latin typeface="Roboto" pitchFamily="2" charset="0"/>
-                <a:ea typeface="Roboto" pitchFamily="2" charset="0"/>
-              </a:rPr>
-              <a:t>OpenRefine</a:t>
-            </a:r>
-            <a:endParaRPr lang="en-US" sz="2500" dirty="0">
-              <a:latin typeface="Roboto" pitchFamily="2" charset="0"/>
-              <a:ea typeface="Roboto" pitchFamily="2" charset="0"/>
-            </a:endParaRPr>
-          </a:p>
-          <a:p>
-            <a:pPr algn="ctr">
-              <a:spcBef>
-                <a:spcPts val="1200"/>
-              </a:spcBef>
-            </a:pPr>
-            <a:r>
-              <a:rPr lang="en-US" sz="2500" dirty="0">
-                <a:latin typeface="Roboto" pitchFamily="2" charset="0"/>
-                <a:ea typeface="Roboto" pitchFamily="2" charset="0"/>
-              </a:rPr>
-              <a:t>Excel "text to column“ tool</a:t>
-            </a:r>
-          </a:p>
-          <a:p>
-            <a:pPr algn="ctr">
-              <a:spcBef>
-                <a:spcPts val="1200"/>
-              </a:spcBef>
-            </a:pPr>
-            <a:r>
-              <a:rPr lang="en-US" sz="2500" dirty="0">
-                <a:latin typeface="Roboto" pitchFamily="2" charset="0"/>
-                <a:ea typeface="Roboto" pitchFamily="2" charset="0"/>
-              </a:rPr>
-              <a:t>Hand editing</a:t>
-            </a:r>
-          </a:p>
-        </p:txBody>
-      </p:sp>
       <p:cxnSp>
         <p:nvCxnSpPr>
           <p:cNvPr id="53" name="Straight Connector 52">
@@ -5695,7 +5704,7 @@
         </p:nvSpPr>
         <p:spPr>
           <a:xfrm>
-            <a:off x="6045979" y="4047891"/>
+            <a:off x="6045979" y="4133618"/>
             <a:ext cx="5315150" cy="553998"/>
           </a:xfrm>
           <a:prstGeom prst="rect">
@@ -5735,7 +5744,7 @@
         </p:nvSpPr>
         <p:spPr>
           <a:xfrm>
-            <a:off x="579947" y="4047891"/>
+            <a:off x="579946" y="4133618"/>
             <a:ext cx="5315150" cy="553998"/>
           </a:xfrm>
           <a:prstGeom prst="rect">
@@ -5757,6 +5766,81 @@
                 <a:cs typeface="Gautami" panose="020B0502040204020203" pitchFamily="34" charset="0"/>
               </a:rPr>
               <a:t>COLLECTION</a:t>
+            </a:r>
+          </a:p>
+        </p:txBody>
+      </p:sp>
+      <p:sp>
+        <p:nvSpPr>
+          <p:cNvPr id="13" name="TextBox 12">
+            <a:extLst>
+              <a:ext uri="{FF2B5EF4-FFF2-40B4-BE49-F238E27FC236}">
+                <a16:creationId xmlns:a16="http://schemas.microsoft.com/office/drawing/2014/main" id="{7E4E408B-8A30-40B0-BA96-B6C54286927F}"/>
+              </a:ext>
+            </a:extLst>
+          </p:cNvPr>
+          <p:cNvSpPr txBox="1"/>
+          <p:nvPr/>
+        </p:nvSpPr>
+        <p:spPr>
+          <a:xfrm>
+            <a:off x="6439097" y="4976496"/>
+            <a:ext cx="4528913" cy="1554272"/>
+          </a:xfrm>
+          <a:prstGeom prst="rect">
+            <a:avLst/>
+          </a:prstGeom>
+          <a:noFill/>
+        </p:spPr>
+        <p:txBody>
+          <a:bodyPr wrap="square" rtlCol="0">
+            <a:spAutoFit/>
+          </a:bodyPr>
+          <a:lstStyle/>
+          <a:p>
+            <a:pPr algn="ctr">
+              <a:spcBef>
+                <a:spcPts val="1200"/>
+              </a:spcBef>
+            </a:pPr>
+            <a:r>
+              <a:rPr lang="en-US" sz="2500" dirty="0" err="1">
+                <a:latin typeface="Roboto" pitchFamily="2" charset="0"/>
+                <a:ea typeface="Roboto" pitchFamily="2" charset="0"/>
+              </a:rPr>
+              <a:t>OpenRefine</a:t>
+            </a:r>
+            <a:endParaRPr lang="en-US" sz="2500" dirty="0">
+              <a:latin typeface="Roboto" pitchFamily="2" charset="0"/>
+              <a:ea typeface="Roboto" pitchFamily="2" charset="0"/>
+            </a:endParaRPr>
+          </a:p>
+          <a:p>
+            <a:pPr algn="ctr">
+              <a:spcBef>
+                <a:spcPts val="1200"/>
+              </a:spcBef>
+            </a:pPr>
+            <a:r>
+              <a:rPr lang="en-US" sz="2500" dirty="0">
+                <a:latin typeface="Roboto" pitchFamily="2" charset="0"/>
+                <a:ea typeface="Roboto" pitchFamily="2" charset="0"/>
+              </a:rPr>
+              <a:t>Hand editing</a:t>
+            </a:r>
+          </a:p>
+          <a:p>
+            <a:pPr algn="ctr">
+              <a:spcBef>
+                <a:spcPts val="1200"/>
+              </a:spcBef>
+            </a:pPr>
+            <a:r>
+              <a:rPr lang="en-US" sz="2500" dirty="0">
+                <a:latin typeface="Roboto" pitchFamily="2" charset="0"/>
+                <a:ea typeface="Roboto" pitchFamily="2" charset="0"/>
+              </a:rPr>
+              <a:t>Excel "text to column“ tool</a:t>
             </a:r>
           </a:p>
         </p:txBody>
@@ -6003,86 +6087,6 @@
       </p:sp>
       <p:sp>
         <p:nvSpPr>
-          <p:cNvPr id="7" name="TextBox 6">
-            <a:extLst>
-              <a:ext uri="{FF2B5EF4-FFF2-40B4-BE49-F238E27FC236}">
-                <a16:creationId xmlns:a16="http://schemas.microsoft.com/office/drawing/2014/main" id="{F61108AA-2F9A-42AF-8864-E3DB6E223059}"/>
-              </a:ext>
-            </a:extLst>
-          </p:cNvPr>
-          <p:cNvSpPr txBox="1"/>
-          <p:nvPr/>
-        </p:nvSpPr>
-        <p:spPr>
-          <a:xfrm>
-            <a:off x="6045979" y="4047891"/>
-            <a:ext cx="5315150" cy="553998"/>
-          </a:xfrm>
-          <a:prstGeom prst="rect">
-            <a:avLst/>
-          </a:prstGeom>
-          <a:noFill/>
-        </p:spPr>
-        <p:txBody>
-          <a:bodyPr wrap="square" rtlCol="0">
-            <a:spAutoFit/>
-          </a:bodyPr>
-          <a:lstStyle/>
-          <a:p>
-            <a:pPr algn="ctr"/>
-            <a:r>
-              <a:rPr lang="en-US" sz="3000" b="1" spc="300" dirty="0">
-                <a:latin typeface="Roboto" pitchFamily="2" charset="0"/>
-                <a:ea typeface="Roboto" pitchFamily="2" charset="0"/>
-                <a:cs typeface="Gautami" panose="020B0502040204020203" pitchFamily="34" charset="0"/>
-              </a:rPr>
-              <a:t>CLEANING</a:t>
-            </a:r>
-          </a:p>
-        </p:txBody>
-      </p:sp>
-      <p:sp>
-        <p:nvSpPr>
-          <p:cNvPr id="8" name="TextBox 7">
-            <a:extLst>
-              <a:ext uri="{FF2B5EF4-FFF2-40B4-BE49-F238E27FC236}">
-                <a16:creationId xmlns:a16="http://schemas.microsoft.com/office/drawing/2014/main" id="{292800FD-E574-4A6F-A519-6BAD93597AA5}"/>
-              </a:ext>
-            </a:extLst>
-          </p:cNvPr>
-          <p:cNvSpPr txBox="1"/>
-          <p:nvPr/>
-        </p:nvSpPr>
-        <p:spPr>
-          <a:xfrm>
-            <a:off x="579947" y="4047891"/>
-            <a:ext cx="5315150" cy="553998"/>
-          </a:xfrm>
-          <a:prstGeom prst="rect">
-            <a:avLst/>
-          </a:prstGeom>
-          <a:noFill/>
-        </p:spPr>
-        <p:txBody>
-          <a:bodyPr wrap="square" rtlCol="0">
-            <a:spAutoFit/>
-          </a:bodyPr>
-          <a:lstStyle/>
-          <a:p>
-            <a:pPr algn="ctr"/>
-            <a:r>
-              <a:rPr lang="en-US" sz="3000" b="1" spc="300" dirty="0">
-                <a:latin typeface="Roboto" pitchFamily="2" charset="0"/>
-                <a:ea typeface="Roboto" pitchFamily="2" charset="0"/>
-                <a:cs typeface="Gautami" panose="020B0502040204020203" pitchFamily="34" charset="0"/>
-              </a:rPr>
-              <a:t>COLLECTION</a:t>
-            </a:r>
-          </a:p>
-        </p:txBody>
-      </p:sp>
-      <p:sp>
-        <p:nvSpPr>
           <p:cNvPr id="10" name="TextBox 9">
             <a:extLst>
               <a:ext uri="{FF2B5EF4-FFF2-40B4-BE49-F238E27FC236}">
@@ -6095,7 +6099,7 @@
         </p:nvSpPr>
         <p:spPr>
           <a:xfrm>
-            <a:off x="6477411" y="4976496"/>
+            <a:off x="6439097" y="4976496"/>
             <a:ext cx="4528913" cy="1554272"/>
           </a:xfrm>
           <a:prstGeom prst="rect">
@@ -6137,7 +6141,7 @@
                 <a:latin typeface="Roboto" pitchFamily="2" charset="0"/>
                 <a:ea typeface="Roboto" pitchFamily="2" charset="0"/>
               </a:rPr>
-              <a:t>Excel "text to column“ tool</a:t>
+              <a:t>Hand editing</a:t>
             </a:r>
           </a:p>
           <a:p>
@@ -6151,7 +6155,7 @@
                 <a:latin typeface="Roboto" pitchFamily="2" charset="0"/>
                 <a:ea typeface="Roboto" pitchFamily="2" charset="0"/>
               </a:rPr>
-              <a:t>Hand editing</a:t>
+              <a:t>Excel "text to column“ tool</a:t>
             </a:r>
           </a:p>
         </p:txBody>
@@ -6265,6 +6269,86 @@
                 <a:ea typeface="Roboto" pitchFamily="2" charset="0"/>
               </a:rPr>
               <a:t>Parsing JSON with Python</a:t>
+            </a:r>
+          </a:p>
+        </p:txBody>
+      </p:sp>
+      <p:sp>
+        <p:nvSpPr>
+          <p:cNvPr id="14" name="TextBox 13">
+            <a:extLst>
+              <a:ext uri="{FF2B5EF4-FFF2-40B4-BE49-F238E27FC236}">
+                <a16:creationId xmlns:a16="http://schemas.microsoft.com/office/drawing/2014/main" id="{145C92D3-6C3F-42AA-AA5C-85E491C18D4E}"/>
+              </a:ext>
+            </a:extLst>
+          </p:cNvPr>
+          <p:cNvSpPr txBox="1"/>
+          <p:nvPr/>
+        </p:nvSpPr>
+        <p:spPr>
+          <a:xfrm>
+            <a:off x="6045979" y="4133618"/>
+            <a:ext cx="5315150" cy="553998"/>
+          </a:xfrm>
+          <a:prstGeom prst="rect">
+            <a:avLst/>
+          </a:prstGeom>
+          <a:noFill/>
+        </p:spPr>
+        <p:txBody>
+          <a:bodyPr wrap="square" rtlCol="0">
+            <a:spAutoFit/>
+          </a:bodyPr>
+          <a:lstStyle/>
+          <a:p>
+            <a:pPr algn="ctr"/>
+            <a:r>
+              <a:rPr lang="en-US" sz="3000" b="1" spc="300" dirty="0">
+                <a:latin typeface="Roboto" pitchFamily="2" charset="0"/>
+                <a:ea typeface="Roboto" pitchFamily="2" charset="0"/>
+                <a:cs typeface="Gautami" panose="020B0502040204020203" pitchFamily="34" charset="0"/>
+              </a:rPr>
+              <a:t>CLEANING</a:t>
+            </a:r>
+          </a:p>
+        </p:txBody>
+      </p:sp>
+      <p:sp>
+        <p:nvSpPr>
+          <p:cNvPr id="17" name="TextBox 16">
+            <a:extLst>
+              <a:ext uri="{FF2B5EF4-FFF2-40B4-BE49-F238E27FC236}">
+                <a16:creationId xmlns:a16="http://schemas.microsoft.com/office/drawing/2014/main" id="{2A7A7BBB-6E5F-444E-9DC1-C783E6409479}"/>
+              </a:ext>
+            </a:extLst>
+          </p:cNvPr>
+          <p:cNvSpPr txBox="1"/>
+          <p:nvPr/>
+        </p:nvSpPr>
+        <p:spPr>
+          <a:xfrm>
+            <a:off x="579946" y="4133618"/>
+            <a:ext cx="5315150" cy="553998"/>
+          </a:xfrm>
+          <a:prstGeom prst="rect">
+            <a:avLst/>
+          </a:prstGeom>
+          <a:noFill/>
+        </p:spPr>
+        <p:txBody>
+          <a:bodyPr wrap="square" rtlCol="0">
+            <a:spAutoFit/>
+          </a:bodyPr>
+          <a:lstStyle/>
+          <a:p>
+            <a:pPr algn="ctr"/>
+            <a:r>
+              <a:rPr lang="en-US" sz="3000" b="1" spc="300" dirty="0">
+                <a:latin typeface="Roboto" pitchFamily="2" charset="0"/>
+                <a:ea typeface="Roboto" pitchFamily="2" charset="0"/>
+                <a:cs typeface="Gautami" panose="020B0502040204020203" pitchFamily="34" charset="0"/>
+              </a:rPr>
+              <a:t>COLLECTION</a:t>
             </a:r>
           </a:p>
         </p:txBody>
@@ -6466,7 +6550,7 @@
                 <a:latin typeface="Roboto" pitchFamily="2" charset="0"/>
                 <a:ea typeface="Roboto" pitchFamily="2" charset="0"/>
               </a:rPr>
-              <a:t>Excel "text to column“ tool</a:t>
+              <a:t>Hand editing</a:t>
             </a:r>
           </a:p>
           <a:p>
@@ -6480,7 +6564,7 @@
                 <a:latin typeface="Roboto" pitchFamily="2" charset="0"/>
                 <a:ea typeface="Roboto" pitchFamily="2" charset="0"/>
               </a:rPr>
-              <a:t>Hand editing</a:t>
+              <a:t>Excel "text to column“ tool</a:t>
             </a:r>
           </a:p>
         </p:txBody>
@@ -6648,10 +6732,10 @@
       </p:sp>
       <p:sp>
         <p:nvSpPr>
-          <p:cNvPr id="14" name="TextBox 13">
+          <p:cNvPr id="16" name="TextBox 15">
             <a:extLst>
               <a:ext uri="{FF2B5EF4-FFF2-40B4-BE49-F238E27FC236}">
-                <a16:creationId xmlns:a16="http://schemas.microsoft.com/office/drawing/2014/main" id="{6AC6A971-D960-493B-8154-E3037D1FC7BC}"/>
+                <a16:creationId xmlns:a16="http://schemas.microsoft.com/office/drawing/2014/main" id="{8035AF95-788A-4D3C-9D36-56D105A4FC94}"/>
               </a:ext>
             </a:extLst>
           </p:cNvPr>
@@ -6660,7 +6744,7 @@
         </p:nvSpPr>
         <p:spPr>
           <a:xfrm>
-            <a:off x="6045979" y="4047891"/>
+            <a:off x="6045979" y="4133618"/>
             <a:ext cx="5315150" cy="553998"/>
           </a:xfrm>
           <a:prstGeom prst="rect">
@@ -6688,10 +6772,10 @@
       </p:sp>
       <p:sp>
         <p:nvSpPr>
-          <p:cNvPr id="15" name="TextBox 14">
+          <p:cNvPr id="18" name="TextBox 17">
             <a:extLst>
               <a:ext uri="{FF2B5EF4-FFF2-40B4-BE49-F238E27FC236}">
-                <a16:creationId xmlns:a16="http://schemas.microsoft.com/office/drawing/2014/main" id="{5E7CFE4E-FD6F-4EF5-A35E-4B2382773903}"/>
+                <a16:creationId xmlns:a16="http://schemas.microsoft.com/office/drawing/2014/main" id="{670C7531-4DE8-47F6-A188-D6433DB54838}"/>
               </a:ext>
             </a:extLst>
           </p:cNvPr>
@@ -6700,7 +6784,7 @@
         </p:nvSpPr>
         <p:spPr>
           <a:xfrm>
-            <a:off x="579947" y="4047891"/>
+            <a:off x="579946" y="4133618"/>
             <a:ext cx="5315150" cy="553998"/>
           </a:xfrm>
           <a:prstGeom prst="rect">
@@ -6997,81 +7081,6 @@
       </p:cxnSp>
       <p:sp>
         <p:nvSpPr>
-          <p:cNvPr id="15" name="TextBox 14">
-            <a:extLst>
-              <a:ext uri="{FF2B5EF4-FFF2-40B4-BE49-F238E27FC236}">
-                <a16:creationId xmlns:a16="http://schemas.microsoft.com/office/drawing/2014/main" id="{053DB567-06C2-4B50-BC63-DB509D47AC69}"/>
-              </a:ext>
-            </a:extLst>
-          </p:cNvPr>
-          <p:cNvSpPr txBox="1"/>
-          <p:nvPr/>
-        </p:nvSpPr>
-        <p:spPr>
-          <a:xfrm>
-            <a:off x="6477411" y="4976496"/>
-            <a:ext cx="4528913" cy="1554272"/>
-          </a:xfrm>
-          <a:prstGeom prst="rect">
-            <a:avLst/>
-          </a:prstGeom>
-          <a:noFill/>
-        </p:spPr>
-        <p:txBody>
-          <a:bodyPr wrap="square" rtlCol="0">
-            <a:spAutoFit/>
-          </a:bodyPr>
-          <a:lstStyle/>
-          <a:p>
-            <a:pPr algn="ctr">
-              <a:spcBef>
-                <a:spcPts val="1200"/>
-              </a:spcBef>
-            </a:pPr>
-            <a:r>
-              <a:rPr lang="en-US" sz="2500" dirty="0" err="1">
-                <a:latin typeface="Roboto" pitchFamily="2" charset="0"/>
-                <a:ea typeface="Roboto" pitchFamily="2" charset="0"/>
-              </a:rPr>
-              <a:t>OpenRefine</a:t>
-            </a:r>
-            <a:endParaRPr lang="en-US" sz="2500" dirty="0">
-              <a:latin typeface="Roboto" pitchFamily="2" charset="0"/>
-              <a:ea typeface="Roboto" pitchFamily="2" charset="0"/>
-            </a:endParaRPr>
-          </a:p>
-          <a:p>
-            <a:pPr algn="ctr">
-              <a:spcBef>
-                <a:spcPts val="1200"/>
-              </a:spcBef>
-            </a:pPr>
-            <a:r>
-              <a:rPr lang="en-US" sz="2500" dirty="0">
-                <a:latin typeface="Roboto" pitchFamily="2" charset="0"/>
-                <a:ea typeface="Roboto" pitchFamily="2" charset="0"/>
-              </a:rPr>
-              <a:t>Excel "text to column“ tool</a:t>
-            </a:r>
-          </a:p>
-          <a:p>
-            <a:pPr algn="ctr">
-              <a:spcBef>
-                <a:spcPts val="1200"/>
-              </a:spcBef>
-            </a:pPr>
-            <a:r>
-              <a:rPr lang="en-US" sz="2500" dirty="0">
-                <a:latin typeface="Roboto" pitchFamily="2" charset="0"/>
-                <a:ea typeface="Roboto" pitchFamily="2" charset="0"/>
-              </a:rPr>
-              <a:t>Hand editing</a:t>
-            </a:r>
-          </a:p>
-        </p:txBody>
-      </p:sp>
-      <p:sp>
-        <p:nvSpPr>
           <p:cNvPr id="16" name="TextBox 15">
             <a:extLst>
               <a:ext uri="{FF2B5EF4-FFF2-40B4-BE49-F238E27FC236}">
@@ -7129,10 +7138,10 @@
       </p:sp>
       <p:sp>
         <p:nvSpPr>
-          <p:cNvPr id="18" name="TextBox 17">
+          <p:cNvPr id="13" name="TextBox 12">
             <a:extLst>
               <a:ext uri="{FF2B5EF4-FFF2-40B4-BE49-F238E27FC236}">
-                <a16:creationId xmlns:a16="http://schemas.microsoft.com/office/drawing/2014/main" id="{D8658B41-5DD2-475D-A457-BD467F6EEEBC}"/>
+                <a16:creationId xmlns:a16="http://schemas.microsoft.com/office/drawing/2014/main" id="{1CECCD9B-1766-4C52-8336-206C10395F51}"/>
               </a:ext>
             </a:extLst>
           </p:cNvPr>
@@ -7141,7 +7150,82 @@
         </p:nvSpPr>
         <p:spPr>
           <a:xfrm>
-            <a:off x="6045979" y="4047891"/>
+            <a:off x="6439097" y="4976496"/>
+            <a:ext cx="4528913" cy="1554272"/>
+          </a:xfrm>
+          <a:prstGeom prst="rect">
+            <a:avLst/>
+          </a:prstGeom>
+          <a:noFill/>
+        </p:spPr>
+        <p:txBody>
+          <a:bodyPr wrap="square" rtlCol="0">
+            <a:spAutoFit/>
+          </a:bodyPr>
+          <a:lstStyle/>
+          <a:p>
+            <a:pPr algn="ctr">
+              <a:spcBef>
+                <a:spcPts val="1200"/>
+              </a:spcBef>
+            </a:pPr>
+            <a:r>
+              <a:rPr lang="en-US" sz="2500" dirty="0" err="1">
+                <a:latin typeface="Roboto" pitchFamily="2" charset="0"/>
+                <a:ea typeface="Roboto" pitchFamily="2" charset="0"/>
+              </a:rPr>
+              <a:t>OpenRefine</a:t>
+            </a:r>
+            <a:endParaRPr lang="en-US" sz="2500" dirty="0">
+              <a:latin typeface="Roboto" pitchFamily="2" charset="0"/>
+              <a:ea typeface="Roboto" pitchFamily="2" charset="0"/>
+            </a:endParaRPr>
+          </a:p>
+          <a:p>
+            <a:pPr algn="ctr">
+              <a:spcBef>
+                <a:spcPts val="1200"/>
+              </a:spcBef>
+            </a:pPr>
+            <a:r>
+              <a:rPr lang="en-US" sz="2500" dirty="0">
+                <a:latin typeface="Roboto" pitchFamily="2" charset="0"/>
+                <a:ea typeface="Roboto" pitchFamily="2" charset="0"/>
+              </a:rPr>
+              <a:t>Hand editing</a:t>
+            </a:r>
+          </a:p>
+          <a:p>
+            <a:pPr algn="ctr">
+              <a:spcBef>
+                <a:spcPts val="1200"/>
+              </a:spcBef>
+            </a:pPr>
+            <a:r>
+              <a:rPr lang="en-US" sz="2500" dirty="0">
+                <a:latin typeface="Roboto" pitchFamily="2" charset="0"/>
+                <a:ea typeface="Roboto" pitchFamily="2" charset="0"/>
+              </a:rPr>
+              <a:t>Excel "text to column“ tool</a:t>
+            </a:r>
+          </a:p>
+        </p:txBody>
+      </p:sp>
+      <p:sp>
+        <p:nvSpPr>
+          <p:cNvPr id="14" name="TextBox 13">
+            <a:extLst>
+              <a:ext uri="{FF2B5EF4-FFF2-40B4-BE49-F238E27FC236}">
+                <a16:creationId xmlns:a16="http://schemas.microsoft.com/office/drawing/2014/main" id="{A53CA63A-63A1-4B9B-BD56-A06C66462426}"/>
+              </a:ext>
+            </a:extLst>
+          </p:cNvPr>
+          <p:cNvSpPr txBox="1"/>
+          <p:nvPr/>
+        </p:nvSpPr>
+        <p:spPr>
+          <a:xfrm>
+            <a:off x="6045979" y="4133618"/>
             <a:ext cx="5315150" cy="553998"/>
           </a:xfrm>
           <a:prstGeom prst="rect">
@@ -7169,10 +7253,10 @@
       </p:sp>
       <p:sp>
         <p:nvSpPr>
-          <p:cNvPr id="19" name="TextBox 18">
+          <p:cNvPr id="17" name="TextBox 16">
             <a:extLst>
               <a:ext uri="{FF2B5EF4-FFF2-40B4-BE49-F238E27FC236}">
-                <a16:creationId xmlns:a16="http://schemas.microsoft.com/office/drawing/2014/main" id="{4260C7DC-95A6-4862-9CA3-249DCC528D93}"/>
+                <a16:creationId xmlns:a16="http://schemas.microsoft.com/office/drawing/2014/main" id="{B54464E1-FDA0-4E1B-A036-8F7EC9EFBA48}"/>
               </a:ext>
             </a:extLst>
           </p:cNvPr>
@@ -7181,7 +7265,7 @@
         </p:nvSpPr>
         <p:spPr>
           <a:xfrm>
-            <a:off x="579947" y="4047891"/>
+            <a:off x="579946" y="4133618"/>
             <a:ext cx="5315150" cy="553998"/>
           </a:xfrm>
           <a:prstGeom prst="rect">
@@ -7366,12 +7450,173 @@
           </a:p>
         </p:txBody>
       </p:sp>
+      <p:pic>
+        <p:nvPicPr>
+          <p:cNvPr id="13" name="Picture 10" descr="Image result for project gutenberg logo">
+            <a:extLst>
+              <a:ext uri="{FF2B5EF4-FFF2-40B4-BE49-F238E27FC236}">
+                <a16:creationId xmlns:a16="http://schemas.microsoft.com/office/drawing/2014/main" id="{33CAAB0F-17B6-4C75-89D2-B30FA8D09ACE}"/>
+              </a:ext>
+            </a:extLst>
+          </p:cNvPr>
+          <p:cNvPicPr>
+            <a:picLocks noChangeAspect="1" noChangeArrowheads="1"/>
+          </p:cNvPicPr>
+          <p:nvPr/>
+        </p:nvPicPr>
+        <p:blipFill>
+          <a:blip r:embed="rId3">
+            <a:extLst>
+              <a:ext uri="{28A0092B-C50C-407E-A947-70E740481C1C}">
+                <a14:useLocalDpi xmlns:a14="http://schemas.microsoft.com/office/drawing/2010/main" val="0"/>
+              </a:ext>
+            </a:extLst>
+          </a:blip>
+          <a:srcRect/>
+          <a:stretch>
+            <a:fillRect/>
+          </a:stretch>
+        </p:blipFill>
+        <p:spPr bwMode="auto">
+          <a:xfrm>
+            <a:off x="2108767" y="608488"/>
+            <a:ext cx="2257507" cy="2257507"/>
+          </a:xfrm>
+          <a:prstGeom prst="rect">
+            <a:avLst/>
+          </a:prstGeom>
+          <a:noFill/>
+          <a:extLst>
+            <a:ext uri="{909E8E84-426E-40DD-AFC4-6F175D3DCCD1}">
+              <a14:hiddenFill xmlns:a14="http://schemas.microsoft.com/office/drawing/2010/main">
+                <a:solidFill>
+                  <a:srgbClr val="FFFFFF"/>
+                </a:solidFill>
+              </a14:hiddenFill>
+            </a:ext>
+          </a:extLst>
+        </p:spPr>
+      </p:pic>
+      <p:sp>
+        <p:nvSpPr>
+          <p:cNvPr id="17" name="TextBox 16">
+            <a:extLst>
+              <a:ext uri="{FF2B5EF4-FFF2-40B4-BE49-F238E27FC236}">
+                <a16:creationId xmlns:a16="http://schemas.microsoft.com/office/drawing/2014/main" id="{28895496-F5C1-41C6-8374-0F0AB851F0FA}"/>
+              </a:ext>
+            </a:extLst>
+          </p:cNvPr>
+          <p:cNvSpPr txBox="1"/>
+          <p:nvPr/>
+        </p:nvSpPr>
+        <p:spPr>
+          <a:xfrm>
+            <a:off x="590651" y="4976496"/>
+            <a:ext cx="5232527" cy="477054"/>
+          </a:xfrm>
+          <a:prstGeom prst="rect">
+            <a:avLst/>
+          </a:prstGeom>
+          <a:noFill/>
+        </p:spPr>
+        <p:txBody>
+          <a:bodyPr wrap="square" rtlCol="0">
+            <a:spAutoFit/>
+          </a:bodyPr>
+          <a:lstStyle/>
+          <a:p>
+            <a:pPr algn="ctr"/>
+            <a:r>
+              <a:rPr lang="en-US" sz="2500" dirty="0">
+                <a:latin typeface="Roboto" pitchFamily="2" charset="0"/>
+                <a:ea typeface="Roboto" pitchFamily="2" charset="0"/>
+              </a:rPr>
+              <a:t>Parsing RDF XML with Python</a:t>
+            </a:r>
+          </a:p>
+        </p:txBody>
+      </p:sp>
+      <p:sp>
+        <p:nvSpPr>
+          <p:cNvPr id="14" name="TextBox 13">
+            <a:extLst>
+              <a:ext uri="{FF2B5EF4-FFF2-40B4-BE49-F238E27FC236}">
+                <a16:creationId xmlns:a16="http://schemas.microsoft.com/office/drawing/2014/main" id="{41535FC2-F1BD-4C06-BF56-A4EB49806C04}"/>
+              </a:ext>
+            </a:extLst>
+          </p:cNvPr>
+          <p:cNvSpPr txBox="1"/>
+          <p:nvPr/>
+        </p:nvSpPr>
+        <p:spPr>
+          <a:xfrm>
+            <a:off x="6439097" y="4976496"/>
+            <a:ext cx="4528913" cy="1554272"/>
+          </a:xfrm>
+          <a:prstGeom prst="rect">
+            <a:avLst/>
+          </a:prstGeom>
+          <a:noFill/>
+        </p:spPr>
+        <p:txBody>
+          <a:bodyPr wrap="square" rtlCol="0">
+            <a:spAutoFit/>
+          </a:bodyPr>
+          <a:lstStyle/>
+          <a:p>
+            <a:pPr algn="ctr">
+              <a:spcBef>
+                <a:spcPts val="1200"/>
+              </a:spcBef>
+            </a:pPr>
+            <a:r>
+              <a:rPr lang="en-US" sz="2500" dirty="0" err="1">
+                <a:latin typeface="Roboto" pitchFamily="2" charset="0"/>
+                <a:ea typeface="Roboto" pitchFamily="2" charset="0"/>
+              </a:rPr>
+              <a:t>OpenRefine</a:t>
+            </a:r>
+            <a:endParaRPr lang="en-US" sz="2500" dirty="0">
+              <a:latin typeface="Roboto" pitchFamily="2" charset="0"/>
+              <a:ea typeface="Roboto" pitchFamily="2" charset="0"/>
+            </a:endParaRPr>
+          </a:p>
+          <a:p>
+            <a:pPr algn="ctr">
+              <a:spcBef>
+                <a:spcPts val="1200"/>
+              </a:spcBef>
+            </a:pPr>
+            <a:r>
+              <a:rPr lang="en-US" sz="2500" dirty="0">
+                <a:latin typeface="Roboto" pitchFamily="2" charset="0"/>
+                <a:ea typeface="Roboto" pitchFamily="2" charset="0"/>
+              </a:rPr>
+              <a:t>Hand editing</a:t>
+            </a:r>
+          </a:p>
+          <a:p>
+            <a:pPr algn="ctr">
+              <a:spcBef>
+                <a:spcPts val="1200"/>
+              </a:spcBef>
+            </a:pPr>
+            <a:r>
+              <a:rPr lang="en-US" sz="2500" dirty="0">
+                <a:latin typeface="Roboto" pitchFamily="2" charset="0"/>
+                <a:ea typeface="Roboto" pitchFamily="2" charset="0"/>
+              </a:rPr>
+              <a:t>Excel "text to column“ tool</a:t>
+            </a:r>
+          </a:p>
+        </p:txBody>
+      </p:sp>
       <p:cxnSp>
         <p:nvCxnSpPr>
-          <p:cNvPr id="11" name="Straight Connector 10">
+          <p:cNvPr id="21" name="Straight Connector 20">
             <a:extLst>
               <a:ext uri="{FF2B5EF4-FFF2-40B4-BE49-F238E27FC236}">
-                <a16:creationId xmlns:a16="http://schemas.microsoft.com/office/drawing/2014/main" id="{FFF405B0-30A4-4463-B9D9-797C625778D5}"/>
+                <a16:creationId xmlns:a16="http://schemas.microsoft.com/office/drawing/2014/main" id="{C244826B-F414-4C17-9AB7-BF32B8F7FC0A}"/>
               </a:ext>
             </a:extLst>
           </p:cNvPr>
@@ -7405,10 +7650,10 @@
       </p:cxnSp>
       <p:cxnSp>
         <p:nvCxnSpPr>
-          <p:cNvPr id="12" name="Straight Connector 11">
+          <p:cNvPr id="22" name="Straight Connector 21">
             <a:extLst>
               <a:ext uri="{FF2B5EF4-FFF2-40B4-BE49-F238E27FC236}">
-                <a16:creationId xmlns:a16="http://schemas.microsoft.com/office/drawing/2014/main" id="{352A98B1-4AE7-4931-8149-60B70A452C50}"/>
+                <a16:creationId xmlns:a16="http://schemas.microsoft.com/office/drawing/2014/main" id="{BC0F3BA8-BF39-494A-9B9E-74F3697CBED2}"/>
               </a:ext>
             </a:extLst>
           </p:cNvPr>
@@ -7442,10 +7687,10 @@
       </p:cxnSp>
       <p:sp>
         <p:nvSpPr>
-          <p:cNvPr id="15" name="TextBox 14">
+          <p:cNvPr id="23" name="TextBox 22">
             <a:extLst>
               <a:ext uri="{FF2B5EF4-FFF2-40B4-BE49-F238E27FC236}">
-                <a16:creationId xmlns:a16="http://schemas.microsoft.com/office/drawing/2014/main" id="{053DB567-06C2-4B50-BC63-DB509D47AC69}"/>
+                <a16:creationId xmlns:a16="http://schemas.microsoft.com/office/drawing/2014/main" id="{0FF06BBB-BCF0-45E0-BB38-7D32960ED234}"/>
               </a:ext>
             </a:extLst>
           </p:cNvPr>
@@ -7454,168 +7699,7 @@
         </p:nvSpPr>
         <p:spPr>
           <a:xfrm>
-            <a:off x="6477411" y="4976496"/>
-            <a:ext cx="4528913" cy="1554272"/>
-          </a:xfrm>
-          <a:prstGeom prst="rect">
-            <a:avLst/>
-          </a:prstGeom>
-          <a:noFill/>
-        </p:spPr>
-        <p:txBody>
-          <a:bodyPr wrap="square" rtlCol="0">
-            <a:spAutoFit/>
-          </a:bodyPr>
-          <a:lstStyle/>
-          <a:p>
-            <a:pPr algn="ctr">
-              <a:spcBef>
-                <a:spcPts val="1200"/>
-              </a:spcBef>
-            </a:pPr>
-            <a:r>
-              <a:rPr lang="en-US" sz="2500" dirty="0" err="1">
-                <a:latin typeface="Roboto" pitchFamily="2" charset="0"/>
-                <a:ea typeface="Roboto" pitchFamily="2" charset="0"/>
-              </a:rPr>
-              <a:t>OpenRefine</a:t>
-            </a:r>
-            <a:endParaRPr lang="en-US" sz="2500" dirty="0">
-              <a:latin typeface="Roboto" pitchFamily="2" charset="0"/>
-              <a:ea typeface="Roboto" pitchFamily="2" charset="0"/>
-            </a:endParaRPr>
-          </a:p>
-          <a:p>
-            <a:pPr algn="ctr">
-              <a:spcBef>
-                <a:spcPts val="1200"/>
-              </a:spcBef>
-            </a:pPr>
-            <a:r>
-              <a:rPr lang="en-US" sz="2500" dirty="0">
-                <a:latin typeface="Roboto" pitchFamily="2" charset="0"/>
-                <a:ea typeface="Roboto" pitchFamily="2" charset="0"/>
-              </a:rPr>
-              <a:t>Excel "text to column“ tool</a:t>
-            </a:r>
-          </a:p>
-          <a:p>
-            <a:pPr algn="ctr">
-              <a:spcBef>
-                <a:spcPts val="1200"/>
-              </a:spcBef>
-            </a:pPr>
-            <a:r>
-              <a:rPr lang="en-US" sz="2500" dirty="0">
-                <a:latin typeface="Roboto" pitchFamily="2" charset="0"/>
-                <a:ea typeface="Roboto" pitchFamily="2" charset="0"/>
-              </a:rPr>
-              <a:t>Hand editing</a:t>
-            </a:r>
-          </a:p>
-        </p:txBody>
-      </p:sp>
-      <p:pic>
-        <p:nvPicPr>
-          <p:cNvPr id="13" name="Picture 10" descr="Image result for project gutenberg logo">
-            <a:extLst>
-              <a:ext uri="{FF2B5EF4-FFF2-40B4-BE49-F238E27FC236}">
-                <a16:creationId xmlns:a16="http://schemas.microsoft.com/office/drawing/2014/main" id="{33CAAB0F-17B6-4C75-89D2-B30FA8D09ACE}"/>
-              </a:ext>
-            </a:extLst>
-          </p:cNvPr>
-          <p:cNvPicPr>
-            <a:picLocks noChangeAspect="1" noChangeArrowheads="1"/>
-          </p:cNvPicPr>
-          <p:nvPr/>
-        </p:nvPicPr>
-        <p:blipFill>
-          <a:blip r:embed="rId2">
-            <a:extLst>
-              <a:ext uri="{28A0092B-C50C-407E-A947-70E740481C1C}">
-                <a14:useLocalDpi xmlns:a14="http://schemas.microsoft.com/office/drawing/2010/main" val="0"/>
-              </a:ext>
-            </a:extLst>
-          </a:blip>
-          <a:srcRect/>
-          <a:stretch>
-            <a:fillRect/>
-          </a:stretch>
-        </p:blipFill>
-        <p:spPr bwMode="auto">
-          <a:xfrm>
-            <a:off x="2108767" y="608488"/>
-            <a:ext cx="2257507" cy="2257507"/>
-          </a:xfrm>
-          <a:prstGeom prst="rect">
-            <a:avLst/>
-          </a:prstGeom>
-          <a:noFill/>
-          <a:extLst>
-            <a:ext uri="{909E8E84-426E-40DD-AFC4-6F175D3DCCD1}">
-              <a14:hiddenFill xmlns:a14="http://schemas.microsoft.com/office/drawing/2010/main">
-                <a:solidFill>
-                  <a:srgbClr val="FFFFFF"/>
-                </a:solidFill>
-              </a14:hiddenFill>
-            </a:ext>
-          </a:extLst>
-        </p:spPr>
-      </p:pic>
-      <p:sp>
-        <p:nvSpPr>
-          <p:cNvPr id="17" name="TextBox 16">
-            <a:extLst>
-              <a:ext uri="{FF2B5EF4-FFF2-40B4-BE49-F238E27FC236}">
-                <a16:creationId xmlns:a16="http://schemas.microsoft.com/office/drawing/2014/main" id="{28895496-F5C1-41C6-8374-0F0AB851F0FA}"/>
-              </a:ext>
-            </a:extLst>
-          </p:cNvPr>
-          <p:cNvSpPr txBox="1"/>
-          <p:nvPr/>
-        </p:nvSpPr>
-        <p:spPr>
-          <a:xfrm>
-            <a:off x="590651" y="4976496"/>
-            <a:ext cx="5232527" cy="477054"/>
-          </a:xfrm>
-          <a:prstGeom prst="rect">
-            <a:avLst/>
-          </a:prstGeom>
-          <a:noFill/>
-        </p:spPr>
-        <p:txBody>
-          <a:bodyPr wrap="square" rtlCol="0">
-            <a:spAutoFit/>
-          </a:bodyPr>
-          <a:lstStyle/>
-          <a:p>
-            <a:pPr algn="ctr"/>
-            <a:r>
-              <a:rPr lang="en-US" sz="2500" dirty="0">
-                <a:latin typeface="Roboto" pitchFamily="2" charset="0"/>
-                <a:ea typeface="Roboto" pitchFamily="2" charset="0"/>
-              </a:rPr>
-              <a:t>Parsing RDF XML with Python</a:t>
-            </a:r>
-          </a:p>
-        </p:txBody>
-      </p:sp>
-      <p:sp>
-        <p:nvSpPr>
-          <p:cNvPr id="18" name="TextBox 17">
-            <a:extLst>
-              <a:ext uri="{FF2B5EF4-FFF2-40B4-BE49-F238E27FC236}">
-                <a16:creationId xmlns:a16="http://schemas.microsoft.com/office/drawing/2014/main" id="{A48D1067-9E73-4684-8965-90B6FCD0D95C}"/>
-              </a:ext>
-            </a:extLst>
-          </p:cNvPr>
-          <p:cNvSpPr txBox="1"/>
-          <p:nvPr/>
-        </p:nvSpPr>
-        <p:spPr>
-          <a:xfrm>
-            <a:off x="6045979" y="4047891"/>
+            <a:off x="6045979" y="4133618"/>
             <a:ext cx="5315150" cy="553998"/>
           </a:xfrm>
           <a:prstGeom prst="rect">
@@ -7643,10 +7727,10 @@
       </p:sp>
       <p:sp>
         <p:nvSpPr>
-          <p:cNvPr id="19" name="TextBox 18">
+          <p:cNvPr id="24" name="TextBox 23">
             <a:extLst>
               <a:ext uri="{FF2B5EF4-FFF2-40B4-BE49-F238E27FC236}">
-                <a16:creationId xmlns:a16="http://schemas.microsoft.com/office/drawing/2014/main" id="{50FAB244-7CE7-4579-A137-7BD8FD4AA1FD}"/>
+                <a16:creationId xmlns:a16="http://schemas.microsoft.com/office/drawing/2014/main" id="{FCE0EB2A-7B07-4CA0-9083-1BFFD7729F6E}"/>
               </a:ext>
             </a:extLst>
           </p:cNvPr>
@@ -7655,7 +7739,7 @@
         </p:nvSpPr>
         <p:spPr>
           <a:xfrm>
-            <a:off x="579947" y="4047891"/>
+            <a:off x="579946" y="4133618"/>
             <a:ext cx="5315150" cy="553998"/>
           </a:xfrm>
           <a:prstGeom prst="rect">

--- a/final-deliverables/presentation-materials/presentation-slides.pptx
+++ b/final-deliverables/presentation-materials/presentation-slides.pptx
@@ -5,26 +5,31 @@
     <p:sldMasterId id="2147483672" r:id="rId1"/>
   </p:sldMasterIdLst>
   <p:notesMasterIdLst>
-    <p:notesMasterId r:id="rId19"/>
+    <p:notesMasterId r:id="rId24"/>
   </p:notesMasterIdLst>
   <p:sldIdLst>
     <p:sldId id="256" r:id="rId2"/>
-    <p:sldId id="257" r:id="rId3"/>
+    <p:sldId id="280" r:id="rId3"/>
     <p:sldId id="258" r:id="rId4"/>
-    <p:sldId id="259" r:id="rId5"/>
-    <p:sldId id="271" r:id="rId6"/>
-    <p:sldId id="272" r:id="rId7"/>
-    <p:sldId id="273" r:id="rId8"/>
-    <p:sldId id="274" r:id="rId9"/>
-    <p:sldId id="260" r:id="rId10"/>
-    <p:sldId id="275" r:id="rId11"/>
-    <p:sldId id="276" r:id="rId12"/>
-    <p:sldId id="277" r:id="rId13"/>
-    <p:sldId id="278" r:id="rId14"/>
-    <p:sldId id="279" r:id="rId15"/>
-    <p:sldId id="262" r:id="rId16"/>
-    <p:sldId id="261" r:id="rId17"/>
-    <p:sldId id="263" r:id="rId18"/>
+    <p:sldId id="257" r:id="rId5"/>
+    <p:sldId id="281" r:id="rId6"/>
+    <p:sldId id="259" r:id="rId7"/>
+    <p:sldId id="271" r:id="rId8"/>
+    <p:sldId id="272" r:id="rId9"/>
+    <p:sldId id="273" r:id="rId10"/>
+    <p:sldId id="274" r:id="rId11"/>
+    <p:sldId id="282" r:id="rId12"/>
+    <p:sldId id="260" r:id="rId13"/>
+    <p:sldId id="275" r:id="rId14"/>
+    <p:sldId id="276" r:id="rId15"/>
+    <p:sldId id="277" r:id="rId16"/>
+    <p:sldId id="278" r:id="rId17"/>
+    <p:sldId id="279" r:id="rId18"/>
+    <p:sldId id="283" r:id="rId19"/>
+    <p:sldId id="262" r:id="rId20"/>
+    <p:sldId id="284" r:id="rId21"/>
+    <p:sldId id="261" r:id="rId22"/>
+    <p:sldId id="263" r:id="rId23"/>
   </p:sldIdLst>
   <p:sldSz cx="12192000" cy="6858000"/>
   <p:notesSz cx="6858000" cy="9144000"/>
@@ -524,22 +529,7 @@
           <a:bodyPr/>
           <a:lstStyle/>
           <a:p>
-            <a:r>
-              <a:rPr lang="en-US" dirty="0"/>
-              <a:t>High level data source overview</a:t>
-            </a:r>
-          </a:p>
-          <a:p>
             <a:endParaRPr lang="en-US" dirty="0"/>
-          </a:p>
-          <a:p>
-            <a:endParaRPr lang="en-US" dirty="0"/>
-          </a:p>
-          <a:p>
-            <a:r>
-              <a:rPr lang="en-US" dirty="0"/>
-              <a:t>Early English Books Online: </a:t>
-            </a:r>
           </a:p>
         </p:txBody>
       </p:sp>
@@ -560,7 +550,7 @@
           <a:p>
             <a:fld id="{D8B77BCE-A735-4E6E-A1D9-90F4E1BCADEF}" type="slidenum">
               <a:rPr lang="en-US" smtClean="0"/>
-              <a:t>4</a:t>
+              <a:t>3</a:t>
             </a:fld>
             <a:endParaRPr lang="en-US"/>
           </a:p>
@@ -569,7 +559,7 @@
     </p:spTree>
     <p:extLst>
       <p:ext uri="{BB962C8B-B14F-4D97-AF65-F5344CB8AC3E}">
-        <p14:creationId xmlns:p14="http://schemas.microsoft.com/office/powerpoint/2010/main" val="3566669850"/>
+        <p14:creationId xmlns:p14="http://schemas.microsoft.com/office/powerpoint/2010/main" val="88745702"/>
       </p:ext>
     </p:extLst>
   </p:cSld>
@@ -623,7 +613,22 @@
           <a:bodyPr/>
           <a:lstStyle/>
           <a:p>
+            <a:r>
+              <a:rPr lang="en-US" dirty="0"/>
+              <a:t>High level data source overview</a:t>
+            </a:r>
+          </a:p>
+          <a:p>
             <a:endParaRPr lang="en-US" dirty="0"/>
+          </a:p>
+          <a:p>
+            <a:endParaRPr lang="en-US" dirty="0"/>
+          </a:p>
+          <a:p>
+            <a:r>
+              <a:rPr lang="en-US" dirty="0"/>
+              <a:t>Early English Books Online: </a:t>
+            </a:r>
           </a:p>
         </p:txBody>
       </p:sp>
@@ -644,7 +649,91 @@
           <a:p>
             <a:fld id="{D8B77BCE-A735-4E6E-A1D9-90F4E1BCADEF}" type="slidenum">
               <a:rPr lang="en-US" smtClean="0"/>
-              <a:t>8</a:t>
+              <a:t>6</a:t>
+            </a:fld>
+            <a:endParaRPr lang="en-US"/>
+          </a:p>
+        </p:txBody>
+      </p:sp>
+    </p:spTree>
+    <p:extLst>
+      <p:ext uri="{BB962C8B-B14F-4D97-AF65-F5344CB8AC3E}">
+        <p14:creationId xmlns:p14="http://schemas.microsoft.com/office/powerpoint/2010/main" val="3566669850"/>
+      </p:ext>
+    </p:extLst>
+  </p:cSld>
+  <p:clrMapOvr>
+    <a:masterClrMapping/>
+  </p:clrMapOvr>
+</p:notes>
+</file>
+
+<file path=ppt/notesSlides/notesSlide3.xml><?xml version="1.0" encoding="utf-8"?>
+<p:notes xmlns:a="http://schemas.openxmlformats.org/drawingml/2006/main" xmlns:r="http://schemas.openxmlformats.org/officeDocument/2006/relationships" xmlns:p="http://schemas.openxmlformats.org/presentationml/2006/main">
+  <p:cSld>
+    <p:spTree>
+      <p:nvGrpSpPr>
+        <p:cNvPr id="1" name=""/>
+        <p:cNvGrpSpPr/>
+        <p:nvPr/>
+      </p:nvGrpSpPr>
+      <p:grpSpPr>
+        <a:xfrm>
+          <a:off x="0" y="0"/>
+          <a:ext cx="0" cy="0"/>
+          <a:chOff x="0" y="0"/>
+          <a:chExt cx="0" cy="0"/>
+        </a:xfrm>
+      </p:grpSpPr>
+      <p:sp>
+        <p:nvSpPr>
+          <p:cNvPr id="2" name="Slide Image Placeholder 1"/>
+          <p:cNvSpPr>
+            <a:spLocks noGrp="1" noRot="1" noChangeAspect="1"/>
+          </p:cNvSpPr>
+          <p:nvPr>
+            <p:ph type="sldImg"/>
+          </p:nvPr>
+        </p:nvSpPr>
+        <p:spPr/>
+      </p:sp>
+      <p:sp>
+        <p:nvSpPr>
+          <p:cNvPr id="3" name="Notes Placeholder 2"/>
+          <p:cNvSpPr>
+            <a:spLocks noGrp="1"/>
+          </p:cNvSpPr>
+          <p:nvPr>
+            <p:ph type="body" idx="1"/>
+          </p:nvPr>
+        </p:nvSpPr>
+        <p:spPr/>
+        <p:txBody>
+          <a:bodyPr/>
+          <a:lstStyle/>
+          <a:p>
+            <a:endParaRPr lang="en-US" dirty="0"/>
+          </a:p>
+        </p:txBody>
+      </p:sp>
+      <p:sp>
+        <p:nvSpPr>
+          <p:cNvPr id="4" name="Slide Number Placeholder 3"/>
+          <p:cNvSpPr>
+            <a:spLocks noGrp="1"/>
+          </p:cNvSpPr>
+          <p:nvPr>
+            <p:ph type="sldNum" sz="quarter" idx="5"/>
+          </p:nvPr>
+        </p:nvSpPr>
+        <p:spPr/>
+        <p:txBody>
+          <a:bodyPr/>
+          <a:lstStyle/>
+          <a:p>
+            <a:fld id="{D8B77BCE-A735-4E6E-A1D9-90F4E1BCADEF}" type="slidenum">
+              <a:rPr lang="en-US" smtClean="0"/>
+              <a:t>10</a:t>
             </a:fld>
             <a:endParaRPr lang="en-US"/>
           </a:p>
@@ -4527,46 +4616,454 @@
           <a:chExt cx="0" cy="0"/>
         </a:xfrm>
       </p:grpSpPr>
+      <p:sp>
+        <p:nvSpPr>
+          <p:cNvPr id="4" name="TextBox 3">
+            <a:extLst>
+              <a:ext uri="{FF2B5EF4-FFF2-40B4-BE49-F238E27FC236}">
+                <a16:creationId xmlns:a16="http://schemas.microsoft.com/office/drawing/2014/main" id="{C1AC3FDF-23CE-4A8E-811F-EF814D233BDC}"/>
+              </a:ext>
+            </a:extLst>
+          </p:cNvPr>
+          <p:cNvSpPr txBox="1"/>
+          <p:nvPr/>
+        </p:nvSpPr>
+        <p:spPr>
+          <a:xfrm>
+            <a:off x="5947297" y="400312"/>
+            <a:ext cx="5315150" cy="1077218"/>
+          </a:xfrm>
+          <a:prstGeom prst="rect">
+            <a:avLst/>
+          </a:prstGeom>
+          <a:noFill/>
+        </p:spPr>
+        <p:txBody>
+          <a:bodyPr wrap="square" rtlCol="0">
+            <a:spAutoFit/>
+          </a:bodyPr>
+          <a:lstStyle/>
+          <a:p>
+            <a:pPr algn="ctr"/>
+            <a:r>
+              <a:rPr lang="en-US" sz="3200" b="1" spc="300" dirty="0">
+                <a:latin typeface="Roboto" pitchFamily="2" charset="0"/>
+                <a:ea typeface="Roboto" pitchFamily="2" charset="0"/>
+                <a:cs typeface="Gautami" panose="020B0502040204020203" pitchFamily="34" charset="0"/>
+              </a:rPr>
+              <a:t>PROJECT</a:t>
+            </a:r>
+          </a:p>
+          <a:p>
+            <a:pPr algn="ctr"/>
+            <a:r>
+              <a:rPr lang="en-US" sz="3200" b="1" spc="300" dirty="0">
+                <a:latin typeface="Roboto" pitchFamily="2" charset="0"/>
+                <a:ea typeface="Roboto" pitchFamily="2" charset="0"/>
+                <a:cs typeface="Gautami" panose="020B0502040204020203" pitchFamily="34" charset="0"/>
+              </a:rPr>
+              <a:t>GUTENBERG</a:t>
+            </a:r>
+          </a:p>
+        </p:txBody>
+      </p:sp>
+      <p:sp>
+        <p:nvSpPr>
+          <p:cNvPr id="5" name="TextBox 4">
+            <a:extLst>
+              <a:ext uri="{FF2B5EF4-FFF2-40B4-BE49-F238E27FC236}">
+                <a16:creationId xmlns:a16="http://schemas.microsoft.com/office/drawing/2014/main" id="{D93EA9F8-C154-4B3C-9612-684F986C7497}"/>
+              </a:ext>
+            </a:extLst>
+          </p:cNvPr>
+          <p:cNvSpPr txBox="1"/>
+          <p:nvPr/>
+        </p:nvSpPr>
+        <p:spPr>
+          <a:xfrm>
+            <a:off x="5628067" y="1960967"/>
+            <a:ext cx="5953609" cy="477054"/>
+          </a:xfrm>
+          <a:prstGeom prst="rect">
+            <a:avLst/>
+          </a:prstGeom>
+          <a:noFill/>
+        </p:spPr>
+        <p:txBody>
+          <a:bodyPr wrap="square" rtlCol="0">
+            <a:spAutoFit/>
+          </a:bodyPr>
+          <a:lstStyle/>
+          <a:p>
+            <a:pPr algn="ctr"/>
+            <a:r>
+              <a:rPr lang="en-US" sz="2500" dirty="0">
+                <a:latin typeface="Roboto" pitchFamily="2" charset="0"/>
+                <a:ea typeface="Roboto" pitchFamily="2" charset="0"/>
+              </a:rPr>
+              <a:t>Collection Date: October 8, 2019</a:t>
+            </a:r>
+          </a:p>
+        </p:txBody>
+      </p:sp>
+      <p:sp>
+        <p:nvSpPr>
+          <p:cNvPr id="6" name="TextBox 5">
+            <a:extLst>
+              <a:ext uri="{FF2B5EF4-FFF2-40B4-BE49-F238E27FC236}">
+                <a16:creationId xmlns:a16="http://schemas.microsoft.com/office/drawing/2014/main" id="{B8EEF8A0-6173-4011-BBF7-B7615A164529}"/>
+              </a:ext>
+            </a:extLst>
+          </p:cNvPr>
+          <p:cNvSpPr txBox="1"/>
+          <p:nvPr/>
+        </p:nvSpPr>
+        <p:spPr>
+          <a:xfrm>
+            <a:off x="6847991" y="2552100"/>
+            <a:ext cx="3513762" cy="477054"/>
+          </a:xfrm>
+          <a:prstGeom prst="rect">
+            <a:avLst/>
+          </a:prstGeom>
+          <a:noFill/>
+        </p:spPr>
+        <p:txBody>
+          <a:bodyPr wrap="square" rtlCol="0">
+            <a:spAutoFit/>
+          </a:bodyPr>
+          <a:lstStyle/>
+          <a:p>
+            <a:pPr algn="ctr"/>
+            <a:r>
+              <a:rPr lang="en-US" sz="2500" dirty="0">
+                <a:latin typeface="Roboto" pitchFamily="2" charset="0"/>
+                <a:ea typeface="Roboto" pitchFamily="2" charset="0"/>
+              </a:rPr>
+              <a:t>Records: 20,801</a:t>
+            </a:r>
+          </a:p>
+        </p:txBody>
+      </p:sp>
       <p:pic>
         <p:nvPicPr>
-          <p:cNvPr id="4" name="Picture 3" descr="A screenshot of a cell phone&#10;&#10;Description automatically generated">
+          <p:cNvPr id="13" name="Picture 10" descr="Image result for project gutenberg logo">
             <a:extLst>
               <a:ext uri="{FF2B5EF4-FFF2-40B4-BE49-F238E27FC236}">
-                <a16:creationId xmlns:a16="http://schemas.microsoft.com/office/drawing/2014/main" id="{032B41BD-3A44-48D1-9B9C-9C42BAD4977E}"/>
+                <a16:creationId xmlns:a16="http://schemas.microsoft.com/office/drawing/2014/main" id="{33CAAB0F-17B6-4C75-89D2-B30FA8D09ACE}"/>
               </a:ext>
             </a:extLst>
           </p:cNvPr>
           <p:cNvPicPr>
-            <a:picLocks noChangeAspect="1"/>
+            <a:picLocks noChangeAspect="1" noChangeArrowheads="1"/>
           </p:cNvPicPr>
           <p:nvPr/>
         </p:nvPicPr>
         <p:blipFill>
-          <a:blip r:embed="rId2">
+          <a:blip r:embed="rId3">
             <a:extLst>
               <a:ext uri="{28A0092B-C50C-407E-A947-70E740481C1C}">
                 <a14:useLocalDpi xmlns:a14="http://schemas.microsoft.com/office/drawing/2010/main" val="0"/>
               </a:ext>
             </a:extLst>
           </a:blip>
+          <a:srcRect/>
           <a:stretch>
             <a:fillRect/>
           </a:stretch>
         </p:blipFill>
-        <p:spPr>
-          <a:xfrm>
-            <a:off x="143839" y="331331"/>
-            <a:ext cx="12192000" cy="5722727"/>
+        <p:spPr bwMode="auto">
+          <a:xfrm>
+            <a:off x="2108767" y="608488"/>
+            <a:ext cx="2257507" cy="2257507"/>
           </a:xfrm>
           <a:prstGeom prst="rect">
             <a:avLst/>
           </a:prstGeom>
+          <a:noFill/>
+          <a:extLst>
+            <a:ext uri="{909E8E84-426E-40DD-AFC4-6F175D3DCCD1}">
+              <a14:hiddenFill xmlns:a14="http://schemas.microsoft.com/office/drawing/2010/main">
+                <a:solidFill>
+                  <a:srgbClr val="FFFFFF"/>
+                </a:solidFill>
+              </a14:hiddenFill>
+            </a:ext>
+          </a:extLst>
         </p:spPr>
       </p:pic>
+      <p:sp>
+        <p:nvSpPr>
+          <p:cNvPr id="17" name="TextBox 16">
+            <a:extLst>
+              <a:ext uri="{FF2B5EF4-FFF2-40B4-BE49-F238E27FC236}">
+                <a16:creationId xmlns:a16="http://schemas.microsoft.com/office/drawing/2014/main" id="{28895496-F5C1-41C6-8374-0F0AB851F0FA}"/>
+              </a:ext>
+            </a:extLst>
+          </p:cNvPr>
+          <p:cNvSpPr txBox="1"/>
+          <p:nvPr/>
+        </p:nvSpPr>
+        <p:spPr>
+          <a:xfrm>
+            <a:off x="590651" y="4976496"/>
+            <a:ext cx="5232527" cy="477054"/>
+          </a:xfrm>
+          <a:prstGeom prst="rect">
+            <a:avLst/>
+          </a:prstGeom>
+          <a:noFill/>
+        </p:spPr>
+        <p:txBody>
+          <a:bodyPr wrap="square" rtlCol="0">
+            <a:spAutoFit/>
+          </a:bodyPr>
+          <a:lstStyle/>
+          <a:p>
+            <a:pPr algn="ctr"/>
+            <a:r>
+              <a:rPr lang="en-US" sz="2500" dirty="0">
+                <a:latin typeface="Roboto" pitchFamily="2" charset="0"/>
+                <a:ea typeface="Roboto" pitchFamily="2" charset="0"/>
+              </a:rPr>
+              <a:t>Parsing RDF XML with Python</a:t>
+            </a:r>
+          </a:p>
+        </p:txBody>
+      </p:sp>
+      <p:sp>
+        <p:nvSpPr>
+          <p:cNvPr id="14" name="TextBox 13">
+            <a:extLst>
+              <a:ext uri="{FF2B5EF4-FFF2-40B4-BE49-F238E27FC236}">
+                <a16:creationId xmlns:a16="http://schemas.microsoft.com/office/drawing/2014/main" id="{41535FC2-F1BD-4C06-BF56-A4EB49806C04}"/>
+              </a:ext>
+            </a:extLst>
+          </p:cNvPr>
+          <p:cNvSpPr txBox="1"/>
+          <p:nvPr/>
+        </p:nvSpPr>
+        <p:spPr>
+          <a:xfrm>
+            <a:off x="6439097" y="4976496"/>
+            <a:ext cx="4528913" cy="1554272"/>
+          </a:xfrm>
+          <a:prstGeom prst="rect">
+            <a:avLst/>
+          </a:prstGeom>
+          <a:noFill/>
+        </p:spPr>
+        <p:txBody>
+          <a:bodyPr wrap="square" rtlCol="0">
+            <a:spAutoFit/>
+          </a:bodyPr>
+          <a:lstStyle/>
+          <a:p>
+            <a:pPr algn="ctr">
+              <a:spcBef>
+                <a:spcPts val="1200"/>
+              </a:spcBef>
+            </a:pPr>
+            <a:r>
+              <a:rPr lang="en-US" sz="2500" dirty="0" err="1">
+                <a:latin typeface="Roboto" pitchFamily="2" charset="0"/>
+                <a:ea typeface="Roboto" pitchFamily="2" charset="0"/>
+              </a:rPr>
+              <a:t>OpenRefine</a:t>
+            </a:r>
+            <a:endParaRPr lang="en-US" sz="2500" dirty="0">
+              <a:latin typeface="Roboto" pitchFamily="2" charset="0"/>
+              <a:ea typeface="Roboto" pitchFamily="2" charset="0"/>
+            </a:endParaRPr>
+          </a:p>
+          <a:p>
+            <a:pPr algn="ctr">
+              <a:spcBef>
+                <a:spcPts val="1200"/>
+              </a:spcBef>
+            </a:pPr>
+            <a:r>
+              <a:rPr lang="en-US" sz="2500" dirty="0">
+                <a:latin typeface="Roboto" pitchFamily="2" charset="0"/>
+                <a:ea typeface="Roboto" pitchFamily="2" charset="0"/>
+              </a:rPr>
+              <a:t>Hand editing</a:t>
+            </a:r>
+          </a:p>
+          <a:p>
+            <a:pPr algn="ctr">
+              <a:spcBef>
+                <a:spcPts val="1200"/>
+              </a:spcBef>
+            </a:pPr>
+            <a:r>
+              <a:rPr lang="en-US" sz="2500" dirty="0">
+                <a:latin typeface="Roboto" pitchFamily="2" charset="0"/>
+                <a:ea typeface="Roboto" pitchFamily="2" charset="0"/>
+              </a:rPr>
+              <a:t>Excel "text to column“ tool</a:t>
+            </a:r>
+          </a:p>
+        </p:txBody>
+      </p:sp>
+      <p:cxnSp>
+        <p:nvCxnSpPr>
+          <p:cNvPr id="21" name="Straight Connector 20">
+            <a:extLst>
+              <a:ext uri="{FF2B5EF4-FFF2-40B4-BE49-F238E27FC236}">
+                <a16:creationId xmlns:a16="http://schemas.microsoft.com/office/drawing/2014/main" id="{C244826B-F414-4C17-9AB7-BF32B8F7FC0A}"/>
+              </a:ext>
+            </a:extLst>
+          </p:cNvPr>
+          <p:cNvCxnSpPr/>
+          <p:nvPr/>
+        </p:nvCxnSpPr>
+        <p:spPr>
+          <a:xfrm>
+            <a:off x="1011381" y="3707258"/>
+            <a:ext cx="4452286" cy="0"/>
+          </a:xfrm>
+          <a:prstGeom prst="line">
+            <a:avLst/>
+          </a:prstGeom>
+          <a:ln w="19050"/>
+        </p:spPr>
+        <p:style>
+          <a:lnRef idx="1">
+            <a:schemeClr val="dk1"/>
+          </a:lnRef>
+          <a:fillRef idx="0">
+            <a:schemeClr val="dk1"/>
+          </a:fillRef>
+          <a:effectRef idx="0">
+            <a:schemeClr val="dk1"/>
+          </a:effectRef>
+          <a:fontRef idx="minor">
+            <a:schemeClr val="tx1"/>
+          </a:fontRef>
+        </p:style>
+      </p:cxnSp>
+      <p:cxnSp>
+        <p:nvCxnSpPr>
+          <p:cNvPr id="22" name="Straight Connector 21">
+            <a:extLst>
+              <a:ext uri="{FF2B5EF4-FFF2-40B4-BE49-F238E27FC236}">
+                <a16:creationId xmlns:a16="http://schemas.microsoft.com/office/drawing/2014/main" id="{BC0F3BA8-BF39-494A-9B9E-74F3697CBED2}"/>
+              </a:ext>
+            </a:extLst>
+          </p:cNvPr>
+          <p:cNvCxnSpPr/>
+          <p:nvPr/>
+        </p:nvCxnSpPr>
+        <p:spPr>
+          <a:xfrm>
+            <a:off x="6477411" y="3707258"/>
+            <a:ext cx="4452286" cy="0"/>
+          </a:xfrm>
+          <a:prstGeom prst="line">
+            <a:avLst/>
+          </a:prstGeom>
+          <a:ln w="19050"/>
+        </p:spPr>
+        <p:style>
+          <a:lnRef idx="1">
+            <a:schemeClr val="dk1"/>
+          </a:lnRef>
+          <a:fillRef idx="0">
+            <a:schemeClr val="dk1"/>
+          </a:fillRef>
+          <a:effectRef idx="0">
+            <a:schemeClr val="dk1"/>
+          </a:effectRef>
+          <a:fontRef idx="minor">
+            <a:schemeClr val="tx1"/>
+          </a:fontRef>
+        </p:style>
+      </p:cxnSp>
+      <p:sp>
+        <p:nvSpPr>
+          <p:cNvPr id="23" name="TextBox 22">
+            <a:extLst>
+              <a:ext uri="{FF2B5EF4-FFF2-40B4-BE49-F238E27FC236}">
+                <a16:creationId xmlns:a16="http://schemas.microsoft.com/office/drawing/2014/main" id="{0FF06BBB-BCF0-45E0-BB38-7D32960ED234}"/>
+              </a:ext>
+            </a:extLst>
+          </p:cNvPr>
+          <p:cNvSpPr txBox="1"/>
+          <p:nvPr/>
+        </p:nvSpPr>
+        <p:spPr>
+          <a:xfrm>
+            <a:off x="6045979" y="4133618"/>
+            <a:ext cx="5315150" cy="553998"/>
+          </a:xfrm>
+          <a:prstGeom prst="rect">
+            <a:avLst/>
+          </a:prstGeom>
+          <a:noFill/>
+        </p:spPr>
+        <p:txBody>
+          <a:bodyPr wrap="square" rtlCol="0">
+            <a:spAutoFit/>
+          </a:bodyPr>
+          <a:lstStyle/>
+          <a:p>
+            <a:pPr algn="ctr"/>
+            <a:r>
+              <a:rPr lang="en-US" sz="3000" b="1" spc="300" dirty="0">
+                <a:latin typeface="Roboto" pitchFamily="2" charset="0"/>
+                <a:ea typeface="Roboto" pitchFamily="2" charset="0"/>
+                <a:cs typeface="Gautami" panose="020B0502040204020203" pitchFamily="34" charset="0"/>
+              </a:rPr>
+              <a:t>CLEANING</a:t>
+            </a:r>
+          </a:p>
+        </p:txBody>
+      </p:sp>
+      <p:sp>
+        <p:nvSpPr>
+          <p:cNvPr id="24" name="TextBox 23">
+            <a:extLst>
+              <a:ext uri="{FF2B5EF4-FFF2-40B4-BE49-F238E27FC236}">
+                <a16:creationId xmlns:a16="http://schemas.microsoft.com/office/drawing/2014/main" id="{FCE0EB2A-7B07-4CA0-9083-1BFFD7729F6E}"/>
+              </a:ext>
+            </a:extLst>
+          </p:cNvPr>
+          <p:cNvSpPr txBox="1"/>
+          <p:nvPr/>
+        </p:nvSpPr>
+        <p:spPr>
+          <a:xfrm>
+            <a:off x="579946" y="4133618"/>
+            <a:ext cx="5315150" cy="553998"/>
+          </a:xfrm>
+          <a:prstGeom prst="rect">
+            <a:avLst/>
+          </a:prstGeom>
+          <a:noFill/>
+        </p:spPr>
+        <p:txBody>
+          <a:bodyPr wrap="square" rtlCol="0">
+            <a:spAutoFit/>
+          </a:bodyPr>
+          <a:lstStyle/>
+          <a:p>
+            <a:pPr algn="ctr"/>
+            <a:r>
+              <a:rPr lang="en-US" sz="3000" b="1" spc="300" dirty="0">
+                <a:latin typeface="Roboto" pitchFamily="2" charset="0"/>
+                <a:ea typeface="Roboto" pitchFamily="2" charset="0"/>
+                <a:cs typeface="Gautami" panose="020B0502040204020203" pitchFamily="34" charset="0"/>
+              </a:rPr>
+              <a:t>COLLECTION</a:t>
+            </a:r>
+          </a:p>
+        </p:txBody>
+      </p:sp>
     </p:spTree>
     <p:extLst>
       <p:ext uri="{BB962C8B-B14F-4D97-AF65-F5344CB8AC3E}">
-        <p14:creationId xmlns:p14="http://schemas.microsoft.com/office/powerpoint/2010/main" val="61358348"/>
+        <p14:creationId xmlns:p14="http://schemas.microsoft.com/office/powerpoint/2010/main" val="3624004705"/>
       </p:ext>
     </p:extLst>
   </p:cSld>
@@ -4593,46 +5090,63 @@
           <a:chExt cx="0" cy="0"/>
         </a:xfrm>
       </p:grpSpPr>
-      <p:pic>
-        <p:nvPicPr>
-          <p:cNvPr id="4" name="Picture 3" descr="A screenshot of a cell phone&#10;&#10;Description automatically generated">
+      <p:sp>
+        <p:nvSpPr>
+          <p:cNvPr id="2" name="Title 1">
             <a:extLst>
               <a:ext uri="{FF2B5EF4-FFF2-40B4-BE49-F238E27FC236}">
-                <a16:creationId xmlns:a16="http://schemas.microsoft.com/office/drawing/2014/main" id="{06245D49-EB91-44F2-B93E-EFE6D8A11CF2}"/>
+                <a16:creationId xmlns:a16="http://schemas.microsoft.com/office/drawing/2014/main" id="{365AF4D0-DAC8-4B95-B626-9B53B447C416}"/>
               </a:ext>
             </a:extLst>
           </p:cNvPr>
-          <p:cNvPicPr>
-            <a:picLocks noChangeAspect="1"/>
-          </p:cNvPicPr>
-          <p:nvPr/>
-        </p:nvPicPr>
-        <p:blipFill>
-          <a:blip r:embed="rId2">
-            <a:extLst>
-              <a:ext uri="{28A0092B-C50C-407E-A947-70E740481C1C}">
-                <a14:useLocalDpi xmlns:a14="http://schemas.microsoft.com/office/drawing/2010/main" val="0"/>
-              </a:ext>
-            </a:extLst>
-          </a:blip>
-          <a:stretch>
-            <a:fillRect/>
-          </a:stretch>
-        </p:blipFill>
-        <p:spPr>
-          <a:xfrm>
-            <a:off x="893852" y="1600358"/>
-            <a:ext cx="10078948" cy="2989449"/>
-          </a:xfrm>
-          <a:prstGeom prst="rect">
-            <a:avLst/>
-          </a:prstGeom>
-        </p:spPr>
-      </p:pic>
+          <p:cNvSpPr>
+            <a:spLocks noGrp="1"/>
+          </p:cNvSpPr>
+          <p:nvPr>
+            <p:ph type="title"/>
+          </p:nvPr>
+        </p:nvSpPr>
+        <p:spPr/>
+        <p:txBody>
+          <a:bodyPr/>
+          <a:lstStyle/>
+          <a:p>
+            <a:r>
+              <a:rPr lang="en-US" dirty="0"/>
+              <a:t>WORKFLOW</a:t>
+            </a:r>
+          </a:p>
+        </p:txBody>
+      </p:sp>
+      <p:sp>
+        <p:nvSpPr>
+          <p:cNvPr id="3" name="Text Placeholder 2">
+            <a:extLst>
+              <a:ext uri="{FF2B5EF4-FFF2-40B4-BE49-F238E27FC236}">
+                <a16:creationId xmlns:a16="http://schemas.microsoft.com/office/drawing/2014/main" id="{0FEA6C78-5233-4A6D-B3CF-7CDABB3E5E3E}"/>
+              </a:ext>
+            </a:extLst>
+          </p:cNvPr>
+          <p:cNvSpPr>
+            <a:spLocks noGrp="1"/>
+          </p:cNvSpPr>
+          <p:nvPr>
+            <p:ph type="body" idx="1"/>
+          </p:nvPr>
+        </p:nvSpPr>
+        <p:spPr/>
+        <p:txBody>
+          <a:bodyPr/>
+          <a:lstStyle/>
+          <a:p>
+            <a:endParaRPr lang="en-US"/>
+          </a:p>
+        </p:txBody>
+      </p:sp>
     </p:spTree>
     <p:extLst>
       <p:ext uri="{BB962C8B-B14F-4D97-AF65-F5344CB8AC3E}">
-        <p14:creationId xmlns:p14="http://schemas.microsoft.com/office/powerpoint/2010/main" val="567251710"/>
+        <p14:creationId xmlns:p14="http://schemas.microsoft.com/office/powerpoint/2010/main" val="1197790670"/>
       </p:ext>
     </p:extLst>
   </p:cSld>
@@ -4661,10 +5175,10 @@
       </p:grpSpPr>
       <p:pic>
         <p:nvPicPr>
-          <p:cNvPr id="4" name="Picture 3" descr="A screenshot of a cell phone&#10;&#10;Description automatically generated">
+          <p:cNvPr id="3" name="Picture 2" descr="A screenshot of a cell phone&#10;&#10;Description automatically generated">
             <a:extLst>
               <a:ext uri="{FF2B5EF4-FFF2-40B4-BE49-F238E27FC236}">
-                <a16:creationId xmlns:a16="http://schemas.microsoft.com/office/drawing/2014/main" id="{B2C9A74F-B06D-489C-9645-329C6554136E}"/>
+                <a16:creationId xmlns:a16="http://schemas.microsoft.com/office/drawing/2014/main" id="{D4471C93-F208-41C5-86F8-09D2A75C1F13}"/>
               </a:ext>
             </a:extLst>
           </p:cNvPr>
@@ -4687,8 +5201,8 @@
         </p:blipFill>
         <p:spPr>
           <a:xfrm>
-            <a:off x="2040627" y="928111"/>
-            <a:ext cx="8110745" cy="5001778"/>
+            <a:off x="2254805" y="154113"/>
+            <a:ext cx="8430320" cy="6514974"/>
           </a:xfrm>
           <a:prstGeom prst="rect">
             <a:avLst/>
@@ -4698,7 +5212,7 @@
     </p:spTree>
     <p:extLst>
       <p:ext uri="{BB962C8B-B14F-4D97-AF65-F5344CB8AC3E}">
-        <p14:creationId xmlns:p14="http://schemas.microsoft.com/office/powerpoint/2010/main" val="1978230825"/>
+        <p14:creationId xmlns:p14="http://schemas.microsoft.com/office/powerpoint/2010/main" val="227689330"/>
       </p:ext>
     </p:extLst>
   </p:cSld>
@@ -4727,10 +5241,10 @@
       </p:grpSpPr>
       <p:pic>
         <p:nvPicPr>
-          <p:cNvPr id="4" name="Picture 3" descr="A picture containing drawing&#10;&#10;Description automatically generated">
+          <p:cNvPr id="4" name="Picture 3" descr="A screenshot of a cell phone&#10;&#10;Description automatically generated">
             <a:extLst>
               <a:ext uri="{FF2B5EF4-FFF2-40B4-BE49-F238E27FC236}">
-                <a16:creationId xmlns:a16="http://schemas.microsoft.com/office/drawing/2014/main" id="{9810B822-134D-4743-A1F3-1C4F46CC1B4E}"/>
+                <a16:creationId xmlns:a16="http://schemas.microsoft.com/office/drawing/2014/main" id="{032B41BD-3A44-48D1-9B9C-9C42BAD4977E}"/>
               </a:ext>
             </a:extLst>
           </p:cNvPr>
@@ -4753,8 +5267,8 @@
         </p:blipFill>
         <p:spPr>
           <a:xfrm>
-            <a:off x="382512" y="1691636"/>
-            <a:ext cx="11426975" cy="3474727"/>
+            <a:off x="246580" y="362154"/>
+            <a:ext cx="12192000" cy="5722727"/>
           </a:xfrm>
           <a:prstGeom prst="rect">
             <a:avLst/>
@@ -4764,7 +5278,7 @@
     </p:spTree>
     <p:extLst>
       <p:ext uri="{BB962C8B-B14F-4D97-AF65-F5344CB8AC3E}">
-        <p14:creationId xmlns:p14="http://schemas.microsoft.com/office/powerpoint/2010/main" val="837738964"/>
+        <p14:creationId xmlns:p14="http://schemas.microsoft.com/office/powerpoint/2010/main" val="61358348"/>
       </p:ext>
     </p:extLst>
   </p:cSld>
@@ -4793,10 +5307,10 @@
       </p:grpSpPr>
       <p:pic>
         <p:nvPicPr>
-          <p:cNvPr id="4" name="Picture 3" descr="A picture containing flower&#10;&#10;Description automatically generated">
+          <p:cNvPr id="4" name="Picture 3" descr="A screenshot of a cell phone&#10;&#10;Description automatically generated">
             <a:extLst>
               <a:ext uri="{FF2B5EF4-FFF2-40B4-BE49-F238E27FC236}">
-                <a16:creationId xmlns:a16="http://schemas.microsoft.com/office/drawing/2014/main" id="{D5509555-3D64-459B-9A39-8C44C7F007D0}"/>
+                <a16:creationId xmlns:a16="http://schemas.microsoft.com/office/drawing/2014/main" id="{06245D49-EB91-44F2-B93E-EFE6D8A11CF2}"/>
               </a:ext>
             </a:extLst>
           </p:cNvPr>
@@ -4819,8 +5333,8 @@
         </p:blipFill>
         <p:spPr>
           <a:xfrm>
-            <a:off x="1714491" y="1575812"/>
-            <a:ext cx="8763018" cy="3706376"/>
+            <a:off x="934949" y="1600358"/>
+            <a:ext cx="10078948" cy="2989449"/>
           </a:xfrm>
           <a:prstGeom prst="rect">
             <a:avLst/>
@@ -4830,7 +5344,7 @@
     </p:spTree>
     <p:extLst>
       <p:ext uri="{BB962C8B-B14F-4D97-AF65-F5344CB8AC3E}">
-        <p14:creationId xmlns:p14="http://schemas.microsoft.com/office/powerpoint/2010/main" val="1195726993"/>
+        <p14:creationId xmlns:p14="http://schemas.microsoft.com/office/powerpoint/2010/main" val="567251710"/>
       </p:ext>
     </p:extLst>
   </p:cSld>
@@ -4857,6 +5371,287 @@
           <a:chExt cx="0" cy="0"/>
         </a:xfrm>
       </p:grpSpPr>
+      <p:pic>
+        <p:nvPicPr>
+          <p:cNvPr id="4" name="Picture 3" descr="A screenshot of a cell phone&#10;&#10;Description automatically generated">
+            <a:extLst>
+              <a:ext uri="{FF2B5EF4-FFF2-40B4-BE49-F238E27FC236}">
+                <a16:creationId xmlns:a16="http://schemas.microsoft.com/office/drawing/2014/main" id="{B2C9A74F-B06D-489C-9645-329C6554136E}"/>
+              </a:ext>
+            </a:extLst>
+          </p:cNvPr>
+          <p:cNvPicPr>
+            <a:picLocks noChangeAspect="1"/>
+          </p:cNvPicPr>
+          <p:nvPr/>
+        </p:nvPicPr>
+        <p:blipFill>
+          <a:blip r:embed="rId2">
+            <a:extLst>
+              <a:ext uri="{28A0092B-C50C-407E-A947-70E740481C1C}">
+                <a14:useLocalDpi xmlns:a14="http://schemas.microsoft.com/office/drawing/2010/main" val="0"/>
+              </a:ext>
+            </a:extLst>
+          </a:blip>
+          <a:stretch>
+            <a:fillRect/>
+          </a:stretch>
+        </p:blipFill>
+        <p:spPr>
+          <a:xfrm>
+            <a:off x="2040627" y="712353"/>
+            <a:ext cx="8110745" cy="5001778"/>
+          </a:xfrm>
+          <a:prstGeom prst="rect">
+            <a:avLst/>
+          </a:prstGeom>
+        </p:spPr>
+      </p:pic>
+    </p:spTree>
+    <p:extLst>
+      <p:ext uri="{BB962C8B-B14F-4D97-AF65-F5344CB8AC3E}">
+        <p14:creationId xmlns:p14="http://schemas.microsoft.com/office/powerpoint/2010/main" val="1978230825"/>
+      </p:ext>
+    </p:extLst>
+  </p:cSld>
+  <p:clrMapOvr>
+    <a:masterClrMapping/>
+  </p:clrMapOvr>
+</p:sld>
+</file>
+
+<file path=ppt/slides/slide16.xml><?xml version="1.0" encoding="utf-8"?>
+<p:sld xmlns:a="http://schemas.openxmlformats.org/drawingml/2006/main" xmlns:r="http://schemas.openxmlformats.org/officeDocument/2006/relationships" xmlns:p="http://schemas.openxmlformats.org/presentationml/2006/main">
+  <p:cSld>
+    <p:spTree>
+      <p:nvGrpSpPr>
+        <p:cNvPr id="1" name=""/>
+        <p:cNvGrpSpPr/>
+        <p:nvPr/>
+      </p:nvGrpSpPr>
+      <p:grpSpPr>
+        <a:xfrm>
+          <a:off x="0" y="0"/>
+          <a:ext cx="0" cy="0"/>
+          <a:chOff x="0" y="0"/>
+          <a:chExt cx="0" cy="0"/>
+        </a:xfrm>
+      </p:grpSpPr>
+      <p:pic>
+        <p:nvPicPr>
+          <p:cNvPr id="4" name="Picture 3" descr="A picture containing drawing&#10;&#10;Description automatically generated">
+            <a:extLst>
+              <a:ext uri="{FF2B5EF4-FFF2-40B4-BE49-F238E27FC236}">
+                <a16:creationId xmlns:a16="http://schemas.microsoft.com/office/drawing/2014/main" id="{9810B822-134D-4743-A1F3-1C4F46CC1B4E}"/>
+              </a:ext>
+            </a:extLst>
+          </p:cNvPr>
+          <p:cNvPicPr>
+            <a:picLocks noChangeAspect="1"/>
+          </p:cNvPicPr>
+          <p:nvPr/>
+        </p:nvPicPr>
+        <p:blipFill>
+          <a:blip r:embed="rId2">
+            <a:extLst>
+              <a:ext uri="{28A0092B-C50C-407E-A947-70E740481C1C}">
+                <a14:useLocalDpi xmlns:a14="http://schemas.microsoft.com/office/drawing/2010/main" val="0"/>
+              </a:ext>
+            </a:extLst>
+          </a:blip>
+          <a:stretch>
+            <a:fillRect/>
+          </a:stretch>
+        </p:blipFill>
+        <p:spPr>
+          <a:xfrm>
+            <a:off x="693107" y="1691636"/>
+            <a:ext cx="11426975" cy="3474727"/>
+          </a:xfrm>
+          <a:prstGeom prst="rect">
+            <a:avLst/>
+          </a:prstGeom>
+        </p:spPr>
+      </p:pic>
+    </p:spTree>
+    <p:extLst>
+      <p:ext uri="{BB962C8B-B14F-4D97-AF65-F5344CB8AC3E}">
+        <p14:creationId xmlns:p14="http://schemas.microsoft.com/office/powerpoint/2010/main" val="837738964"/>
+      </p:ext>
+    </p:extLst>
+  </p:cSld>
+  <p:clrMapOvr>
+    <a:masterClrMapping/>
+  </p:clrMapOvr>
+</p:sld>
+</file>
+
+<file path=ppt/slides/slide17.xml><?xml version="1.0" encoding="utf-8"?>
+<p:sld xmlns:a="http://schemas.openxmlformats.org/drawingml/2006/main" xmlns:r="http://schemas.openxmlformats.org/officeDocument/2006/relationships" xmlns:p="http://schemas.openxmlformats.org/presentationml/2006/main">
+  <p:cSld>
+    <p:spTree>
+      <p:nvGrpSpPr>
+        <p:cNvPr id="1" name=""/>
+        <p:cNvGrpSpPr/>
+        <p:nvPr/>
+      </p:nvGrpSpPr>
+      <p:grpSpPr>
+        <a:xfrm>
+          <a:off x="0" y="0"/>
+          <a:ext cx="0" cy="0"/>
+          <a:chOff x="0" y="0"/>
+          <a:chExt cx="0" cy="0"/>
+        </a:xfrm>
+      </p:grpSpPr>
+      <p:pic>
+        <p:nvPicPr>
+          <p:cNvPr id="4" name="Picture 3" descr="A picture containing flower&#10;&#10;Description automatically generated">
+            <a:extLst>
+              <a:ext uri="{FF2B5EF4-FFF2-40B4-BE49-F238E27FC236}">
+                <a16:creationId xmlns:a16="http://schemas.microsoft.com/office/drawing/2014/main" id="{D5509555-3D64-459B-9A39-8C44C7F007D0}"/>
+              </a:ext>
+            </a:extLst>
+          </p:cNvPr>
+          <p:cNvPicPr>
+            <a:picLocks noChangeAspect="1"/>
+          </p:cNvPicPr>
+          <p:nvPr/>
+        </p:nvPicPr>
+        <p:blipFill>
+          <a:blip r:embed="rId2">
+            <a:extLst>
+              <a:ext uri="{28A0092B-C50C-407E-A947-70E740481C1C}">
+                <a14:useLocalDpi xmlns:a14="http://schemas.microsoft.com/office/drawing/2010/main" val="0"/>
+              </a:ext>
+            </a:extLst>
+          </a:blip>
+          <a:stretch>
+            <a:fillRect/>
+          </a:stretch>
+        </p:blipFill>
+        <p:spPr>
+          <a:xfrm>
+            <a:off x="1714491" y="1575812"/>
+            <a:ext cx="8763018" cy="3706376"/>
+          </a:xfrm>
+          <a:prstGeom prst="rect">
+            <a:avLst/>
+          </a:prstGeom>
+        </p:spPr>
+      </p:pic>
+    </p:spTree>
+    <p:extLst>
+      <p:ext uri="{BB962C8B-B14F-4D97-AF65-F5344CB8AC3E}">
+        <p14:creationId xmlns:p14="http://schemas.microsoft.com/office/powerpoint/2010/main" val="1195726993"/>
+      </p:ext>
+    </p:extLst>
+  </p:cSld>
+  <p:clrMapOvr>
+    <a:masterClrMapping/>
+  </p:clrMapOvr>
+</p:sld>
+</file>
+
+<file path=ppt/slides/slide18.xml><?xml version="1.0" encoding="utf-8"?>
+<p:sld xmlns:a="http://schemas.openxmlformats.org/drawingml/2006/main" xmlns:r="http://schemas.openxmlformats.org/officeDocument/2006/relationships" xmlns:p="http://schemas.openxmlformats.org/presentationml/2006/main">
+  <p:cSld>
+    <p:spTree>
+      <p:nvGrpSpPr>
+        <p:cNvPr id="1" name=""/>
+        <p:cNvGrpSpPr/>
+        <p:nvPr/>
+      </p:nvGrpSpPr>
+      <p:grpSpPr>
+        <a:xfrm>
+          <a:off x="0" y="0"/>
+          <a:ext cx="0" cy="0"/>
+          <a:chOff x="0" y="0"/>
+          <a:chExt cx="0" cy="0"/>
+        </a:xfrm>
+      </p:grpSpPr>
+      <p:sp>
+        <p:nvSpPr>
+          <p:cNvPr id="2" name="Title 1">
+            <a:extLst>
+              <a:ext uri="{FF2B5EF4-FFF2-40B4-BE49-F238E27FC236}">
+                <a16:creationId xmlns:a16="http://schemas.microsoft.com/office/drawing/2014/main" id="{365AF4D0-DAC8-4B95-B626-9B53B447C416}"/>
+              </a:ext>
+            </a:extLst>
+          </p:cNvPr>
+          <p:cNvSpPr>
+            <a:spLocks noGrp="1"/>
+          </p:cNvSpPr>
+          <p:nvPr>
+            <p:ph type="title"/>
+          </p:nvPr>
+        </p:nvSpPr>
+        <p:spPr/>
+        <p:txBody>
+          <a:bodyPr/>
+          <a:lstStyle/>
+          <a:p>
+            <a:r>
+              <a:rPr lang="en-US" dirty="0"/>
+              <a:t>RESULTS</a:t>
+            </a:r>
+          </a:p>
+        </p:txBody>
+      </p:sp>
+      <p:sp>
+        <p:nvSpPr>
+          <p:cNvPr id="3" name="Text Placeholder 2">
+            <a:extLst>
+              <a:ext uri="{FF2B5EF4-FFF2-40B4-BE49-F238E27FC236}">
+                <a16:creationId xmlns:a16="http://schemas.microsoft.com/office/drawing/2014/main" id="{0FEA6C78-5233-4A6D-B3CF-7CDABB3E5E3E}"/>
+              </a:ext>
+            </a:extLst>
+          </p:cNvPr>
+          <p:cNvSpPr>
+            <a:spLocks noGrp="1"/>
+          </p:cNvSpPr>
+          <p:nvPr>
+            <p:ph type="body" idx="1"/>
+          </p:nvPr>
+        </p:nvSpPr>
+        <p:spPr/>
+        <p:txBody>
+          <a:bodyPr/>
+          <a:lstStyle/>
+          <a:p>
+            <a:endParaRPr lang="en-US"/>
+          </a:p>
+        </p:txBody>
+      </p:sp>
+    </p:spTree>
+    <p:extLst>
+      <p:ext uri="{BB962C8B-B14F-4D97-AF65-F5344CB8AC3E}">
+        <p14:creationId xmlns:p14="http://schemas.microsoft.com/office/powerpoint/2010/main" val="402036942"/>
+      </p:ext>
+    </p:extLst>
+  </p:cSld>
+  <p:clrMapOvr>
+    <a:masterClrMapping/>
+  </p:clrMapOvr>
+</p:sld>
+</file>
+
+<file path=ppt/slides/slide19.xml><?xml version="1.0" encoding="utf-8"?>
+<p:sld xmlns:a="http://schemas.openxmlformats.org/drawingml/2006/main" xmlns:r="http://schemas.openxmlformats.org/officeDocument/2006/relationships" xmlns:p="http://schemas.openxmlformats.org/presentationml/2006/main">
+  <p:cSld>
+    <p:spTree>
+      <p:nvGrpSpPr>
+        <p:cNvPr id="1" name=""/>
+        <p:cNvGrpSpPr/>
+        <p:nvPr/>
+      </p:nvGrpSpPr>
+      <p:grpSpPr>
+        <a:xfrm>
+          <a:off x="0" y="0"/>
+          <a:ext cx="0" cy="0"/>
+          <a:chOff x="0" y="0"/>
+          <a:chExt cx="0" cy="0"/>
+        </a:xfrm>
+      </p:grpSpPr>
       <p:sp>
         <p:nvSpPr>
           <p:cNvPr id="2" name="Title 1">
@@ -4875,7 +5670,7 @@
         </p:nvSpPr>
         <p:spPr>
           <a:xfrm>
-            <a:off x="6849442" y="494763"/>
+            <a:off x="6849442" y="463940"/>
             <a:ext cx="5018066" cy="1325563"/>
           </a:xfrm>
         </p:spPr>
@@ -4884,8 +5679,13 @@
           <a:lstStyle/>
           <a:p>
             <a:r>
-              <a:rPr lang="en-US" dirty="0"/>
-              <a:t>Prelim results</a:t>
+              <a:rPr lang="en-US" dirty="0">
+                <a:solidFill>
+                  <a:schemeClr val="tx1"/>
+                </a:solidFill>
+                <a:latin typeface="Roboto"/>
+              </a:rPr>
+              <a:t>Results</a:t>
             </a:r>
           </a:p>
         </p:txBody>
@@ -4993,182 +5793,211 @@
           </p:txBody>
         </p:sp>
       </p:grpSp>
+      <p:sp>
+        <p:nvSpPr>
+          <p:cNvPr id="15" name="TextBox 14">
+            <a:extLst>
+              <a:ext uri="{FF2B5EF4-FFF2-40B4-BE49-F238E27FC236}">
+                <a16:creationId xmlns:a16="http://schemas.microsoft.com/office/drawing/2014/main" id="{5912DB3F-1CA3-46E7-A008-755702FAD3B3}"/>
+              </a:ext>
+            </a:extLst>
+          </p:cNvPr>
+          <p:cNvSpPr txBox="1"/>
+          <p:nvPr/>
+        </p:nvSpPr>
+        <p:spPr>
+          <a:xfrm>
+            <a:off x="6849442" y="1895147"/>
+            <a:ext cx="4749800" cy="461665"/>
+          </a:xfrm>
+          <a:prstGeom prst="rect">
+            <a:avLst/>
+          </a:prstGeom>
+          <a:noFill/>
+        </p:spPr>
+        <p:txBody>
+          <a:bodyPr wrap="square" rtlCol="0">
+            <a:spAutoFit/>
+          </a:bodyPr>
+          <a:lstStyle/>
+          <a:p>
+            <a:r>
+              <a:rPr lang="en-US" sz="2400" b="1" dirty="0">
+                <a:latin typeface="Roboto"/>
+              </a:rPr>
+              <a:t>Top 3 (named) authors</a:t>
+            </a:r>
+          </a:p>
+        </p:txBody>
+      </p:sp>
+      <p:sp>
+        <p:nvSpPr>
+          <p:cNvPr id="16" name="TextBox 15">
+            <a:extLst>
+              <a:ext uri="{FF2B5EF4-FFF2-40B4-BE49-F238E27FC236}">
+                <a16:creationId xmlns:a16="http://schemas.microsoft.com/office/drawing/2014/main" id="{B4F5FED7-22B7-48FF-BE49-8F9E3FBA5A11}"/>
+              </a:ext>
+            </a:extLst>
+          </p:cNvPr>
+          <p:cNvSpPr txBox="1"/>
+          <p:nvPr/>
+        </p:nvSpPr>
+        <p:spPr>
+          <a:xfrm>
+            <a:off x="6849442" y="2667000"/>
+            <a:ext cx="5342558" cy="1492716"/>
+          </a:xfrm>
+          <a:prstGeom prst="rect">
+            <a:avLst/>
+          </a:prstGeom>
+          <a:noFill/>
+        </p:spPr>
+        <p:txBody>
+          <a:bodyPr wrap="square" rtlCol="0">
+            <a:spAutoFit/>
+          </a:bodyPr>
+          <a:lstStyle/>
+          <a:p>
+            <a:pPr>
+              <a:spcBef>
+                <a:spcPts val="1500"/>
+              </a:spcBef>
+            </a:pPr>
+            <a:r>
+              <a:rPr lang="en-US" sz="2200" dirty="0">
+                <a:latin typeface="Roboto"/>
+              </a:rPr>
+              <a:t>1. Daniel Defoe (1660 – 1731)</a:t>
+            </a:r>
+          </a:p>
+          <a:p>
+            <a:pPr>
+              <a:spcBef>
+                <a:spcPts val="1500"/>
+              </a:spcBef>
+            </a:pPr>
+            <a:r>
+              <a:rPr lang="en-US" sz="2200" dirty="0">
+                <a:latin typeface="Roboto"/>
+              </a:rPr>
+              <a:t>2. William Shakespeare (1564 – 1616)</a:t>
+            </a:r>
+          </a:p>
+          <a:p>
+            <a:pPr>
+              <a:spcBef>
+                <a:spcPts val="1500"/>
+              </a:spcBef>
+            </a:pPr>
+            <a:r>
+              <a:rPr lang="en-US" sz="2200" dirty="0">
+                <a:latin typeface="Roboto"/>
+              </a:rPr>
+              <a:t>3. Jonathan Swift (1667 – 1745)</a:t>
+            </a:r>
+          </a:p>
+        </p:txBody>
+      </p:sp>
+      <p:sp>
+        <p:nvSpPr>
+          <p:cNvPr id="17" name="Rectangle 16">
+            <a:extLst>
+              <a:ext uri="{FF2B5EF4-FFF2-40B4-BE49-F238E27FC236}">
+                <a16:creationId xmlns:a16="http://schemas.microsoft.com/office/drawing/2014/main" id="{A0B98ED8-6A2B-49A3-A3CE-6D2B74CEF2EC}"/>
+              </a:ext>
+            </a:extLst>
+          </p:cNvPr>
+          <p:cNvSpPr/>
+          <p:nvPr/>
+        </p:nvSpPr>
+        <p:spPr>
+          <a:xfrm>
+            <a:off x="976044" y="1584960"/>
+            <a:ext cx="5334194" cy="1082040"/>
+          </a:xfrm>
+          <a:prstGeom prst="rect">
+            <a:avLst/>
+          </a:prstGeom>
+          <a:noFill/>
+          <a:ln>
+            <a:solidFill>
+              <a:srgbClr val="C80000"/>
+            </a:solidFill>
+          </a:ln>
+        </p:spPr>
+        <p:style>
+          <a:lnRef idx="2">
+            <a:schemeClr val="accent1">
+              <a:shade val="50000"/>
+            </a:schemeClr>
+          </a:lnRef>
+          <a:fillRef idx="1">
+            <a:schemeClr val="accent1"/>
+          </a:fillRef>
+          <a:effectRef idx="0">
+            <a:schemeClr val="accent1"/>
+          </a:effectRef>
+          <a:fontRef idx="minor">
+            <a:schemeClr val="lt1"/>
+          </a:fontRef>
+        </p:style>
+        <p:txBody>
+          <a:bodyPr rtlCol="0" anchor="ctr"/>
+          <a:lstStyle/>
+          <a:p>
+            <a:pPr algn="ctr"/>
+            <a:endParaRPr lang="en-US"/>
+          </a:p>
+        </p:txBody>
+      </p:sp>
+      <p:sp>
+        <p:nvSpPr>
+          <p:cNvPr id="18" name="TextBox 17">
+            <a:extLst>
+              <a:ext uri="{FF2B5EF4-FFF2-40B4-BE49-F238E27FC236}">
+                <a16:creationId xmlns:a16="http://schemas.microsoft.com/office/drawing/2014/main" id="{D8CA5292-2647-4EC3-9CBF-6BC8243C78AD}"/>
+              </a:ext>
+            </a:extLst>
+          </p:cNvPr>
+          <p:cNvSpPr txBox="1"/>
+          <p:nvPr/>
+        </p:nvSpPr>
+        <p:spPr>
+          <a:xfrm>
+            <a:off x="6849442" y="4934585"/>
+            <a:ext cx="4749800" cy="461665"/>
+          </a:xfrm>
+          <a:prstGeom prst="rect">
+            <a:avLst/>
+          </a:prstGeom>
+          <a:noFill/>
+        </p:spPr>
+        <p:txBody>
+          <a:bodyPr wrap="square" rtlCol="0">
+            <a:spAutoFit/>
+          </a:bodyPr>
+          <a:lstStyle/>
+          <a:p>
+            <a:r>
+              <a:rPr lang="en-US" sz="2400" b="1" dirty="0">
+                <a:latin typeface="Roboto"/>
+              </a:rPr>
+              <a:t>Total corpus: </a:t>
+            </a:r>
+            <a:r>
+              <a:rPr lang="en-US" sz="2200" dirty="0">
+                <a:latin typeface="Roboto"/>
+                <a:cs typeface="Segoe UI Light" panose="020B0502040204020203" pitchFamily="34" charset="0"/>
+              </a:rPr>
+              <a:t>1,427 authors</a:t>
+            </a:r>
+          </a:p>
+        </p:txBody>
+      </p:sp>
     </p:spTree>
     <p:extLst>
       <p:ext uri="{BB962C8B-B14F-4D97-AF65-F5344CB8AC3E}">
         <p14:creationId xmlns:p14="http://schemas.microsoft.com/office/powerpoint/2010/main" val="11451525"/>
-      </p:ext>
-    </p:extLst>
-  </p:cSld>
-  <p:clrMapOvr>
-    <a:masterClrMapping/>
-  </p:clrMapOvr>
-</p:sld>
-</file>
-
-<file path=ppt/slides/slide16.xml><?xml version="1.0" encoding="utf-8"?>
-<p:sld xmlns:a="http://schemas.openxmlformats.org/drawingml/2006/main" xmlns:r="http://schemas.openxmlformats.org/officeDocument/2006/relationships" xmlns:p="http://schemas.openxmlformats.org/presentationml/2006/main">
-  <p:cSld>
-    <p:spTree>
-      <p:nvGrpSpPr>
-        <p:cNvPr id="1" name=""/>
-        <p:cNvGrpSpPr/>
-        <p:nvPr/>
-      </p:nvGrpSpPr>
-      <p:grpSpPr>
-        <a:xfrm>
-          <a:off x="0" y="0"/>
-          <a:ext cx="0" cy="0"/>
-          <a:chOff x="0" y="0"/>
-          <a:chExt cx="0" cy="0"/>
-        </a:xfrm>
-      </p:grpSpPr>
-      <p:sp>
-        <p:nvSpPr>
-          <p:cNvPr id="2" name="Title 1">
-            <a:extLst>
-              <a:ext uri="{FF2B5EF4-FFF2-40B4-BE49-F238E27FC236}">
-                <a16:creationId xmlns:a16="http://schemas.microsoft.com/office/drawing/2014/main" id="{C2533E80-A15C-4B1D-99B3-19229E4F093E}"/>
-              </a:ext>
-            </a:extLst>
-          </p:cNvPr>
-          <p:cNvSpPr>
-            <a:spLocks noGrp="1"/>
-          </p:cNvSpPr>
-          <p:nvPr>
-            <p:ph type="title"/>
-          </p:nvPr>
-        </p:nvSpPr>
-        <p:spPr/>
-        <p:txBody>
-          <a:bodyPr/>
-          <a:lstStyle/>
-          <a:p>
-            <a:r>
-              <a:rPr lang="en-US" dirty="0"/>
-              <a:t>Problems overcome</a:t>
-            </a:r>
-          </a:p>
-        </p:txBody>
-      </p:sp>
-      <p:sp>
-        <p:nvSpPr>
-          <p:cNvPr id="3" name="Content Placeholder 2">
-            <a:extLst>
-              <a:ext uri="{FF2B5EF4-FFF2-40B4-BE49-F238E27FC236}">
-                <a16:creationId xmlns:a16="http://schemas.microsoft.com/office/drawing/2014/main" id="{E3D8CEBB-4A33-4032-8980-D1DB962C371F}"/>
-              </a:ext>
-            </a:extLst>
-          </p:cNvPr>
-          <p:cNvSpPr>
-            <a:spLocks noGrp="1"/>
-          </p:cNvSpPr>
-          <p:nvPr>
-            <p:ph idx="1"/>
-          </p:nvPr>
-        </p:nvSpPr>
-        <p:spPr/>
-        <p:txBody>
-          <a:bodyPr/>
-          <a:lstStyle/>
-          <a:p>
-            <a:endParaRPr lang="en-US"/>
-          </a:p>
-        </p:txBody>
-      </p:sp>
-    </p:spTree>
-    <p:extLst>
-      <p:ext uri="{BB962C8B-B14F-4D97-AF65-F5344CB8AC3E}">
-        <p14:creationId xmlns:p14="http://schemas.microsoft.com/office/powerpoint/2010/main" val="2160733859"/>
-      </p:ext>
-    </p:extLst>
-  </p:cSld>
-  <p:clrMapOvr>
-    <a:masterClrMapping/>
-  </p:clrMapOvr>
-</p:sld>
-</file>
-
-<file path=ppt/slides/slide17.xml><?xml version="1.0" encoding="utf-8"?>
-<p:sld xmlns:a="http://schemas.openxmlformats.org/drawingml/2006/main" xmlns:r="http://schemas.openxmlformats.org/officeDocument/2006/relationships" xmlns:p="http://schemas.openxmlformats.org/presentationml/2006/main">
-  <p:cSld>
-    <p:spTree>
-      <p:nvGrpSpPr>
-        <p:cNvPr id="1" name=""/>
-        <p:cNvGrpSpPr/>
-        <p:nvPr/>
-      </p:nvGrpSpPr>
-      <p:grpSpPr>
-        <a:xfrm>
-          <a:off x="0" y="0"/>
-          <a:ext cx="0" cy="0"/>
-          <a:chOff x="0" y="0"/>
-          <a:chExt cx="0" cy="0"/>
-        </a:xfrm>
-      </p:grpSpPr>
-      <p:sp>
-        <p:nvSpPr>
-          <p:cNvPr id="2" name="Title 1">
-            <a:extLst>
-              <a:ext uri="{FF2B5EF4-FFF2-40B4-BE49-F238E27FC236}">
-                <a16:creationId xmlns:a16="http://schemas.microsoft.com/office/drawing/2014/main" id="{DB58303F-0125-4B45-8521-6358843B1893}"/>
-              </a:ext>
-            </a:extLst>
-          </p:cNvPr>
-          <p:cNvSpPr>
-            <a:spLocks noGrp="1"/>
-          </p:cNvSpPr>
-          <p:nvPr>
-            <p:ph type="title"/>
-          </p:nvPr>
-        </p:nvSpPr>
-        <p:spPr/>
-        <p:txBody>
-          <a:bodyPr/>
-          <a:lstStyle/>
-          <a:p>
-            <a:r>
-              <a:rPr lang="en-US" dirty="0"/>
-              <a:t>Discussion of value</a:t>
-            </a:r>
-          </a:p>
-        </p:txBody>
-      </p:sp>
-      <p:sp>
-        <p:nvSpPr>
-          <p:cNvPr id="3" name="Content Placeholder 2">
-            <a:extLst>
-              <a:ext uri="{FF2B5EF4-FFF2-40B4-BE49-F238E27FC236}">
-                <a16:creationId xmlns:a16="http://schemas.microsoft.com/office/drawing/2014/main" id="{C76C433A-CC37-459B-957E-23B7B9CF979E}"/>
-              </a:ext>
-            </a:extLst>
-          </p:cNvPr>
-          <p:cNvSpPr>
-            <a:spLocks noGrp="1"/>
-          </p:cNvSpPr>
-          <p:nvPr>
-            <p:ph idx="1"/>
-          </p:nvPr>
-        </p:nvSpPr>
-        <p:spPr/>
-        <p:txBody>
-          <a:bodyPr/>
-          <a:lstStyle/>
-          <a:p>
-            <a:r>
-              <a:rPr lang="en-US" dirty="0"/>
-              <a:t>Value limited by scope – I would need to mash up significantly more datasets to use the corpus in the way I was hoping for my future research</a:t>
-            </a:r>
-          </a:p>
-          <a:p>
-            <a:endParaRPr lang="en-US" dirty="0"/>
-          </a:p>
-        </p:txBody>
-      </p:sp>
-    </p:spTree>
-    <p:extLst>
-      <p:ext uri="{BB962C8B-B14F-4D97-AF65-F5344CB8AC3E}">
-        <p14:creationId xmlns:p14="http://schemas.microsoft.com/office/powerpoint/2010/main" val="976970289"/>
       </p:ext>
     </p:extLst>
   </p:cSld>
@@ -5200,7 +6029,7 @@
           <p:cNvPr id="2" name="Title 1">
             <a:extLst>
               <a:ext uri="{FF2B5EF4-FFF2-40B4-BE49-F238E27FC236}">
-                <a16:creationId xmlns:a16="http://schemas.microsoft.com/office/drawing/2014/main" id="{A80407C8-112F-472F-9851-29780554174B}"/>
+                <a16:creationId xmlns:a16="http://schemas.microsoft.com/office/drawing/2014/main" id="{365AF4D0-DAC8-4B95-B626-9B53B447C416}"/>
               </a:ext>
             </a:extLst>
           </p:cNvPr>
@@ -5218,17 +6047,17 @@
           <a:p>
             <a:r>
               <a:rPr lang="en-US" dirty="0"/>
-              <a:t>Intro</a:t>
-            </a:r>
-          </a:p>
-        </p:txBody>
-      </p:sp>
-      <p:sp>
-        <p:nvSpPr>
-          <p:cNvPr id="3" name="Content Placeholder 2">
+              <a:t>INTRO</a:t>
+            </a:r>
+          </a:p>
+        </p:txBody>
+      </p:sp>
+      <p:sp>
+        <p:nvSpPr>
+          <p:cNvPr id="3" name="Text Placeholder 2">
             <a:extLst>
               <a:ext uri="{FF2B5EF4-FFF2-40B4-BE49-F238E27FC236}">
-                <a16:creationId xmlns:a16="http://schemas.microsoft.com/office/drawing/2014/main" id="{D7BB3F05-B03D-4F22-AA73-CCD81EAAA50B}"/>
+                <a16:creationId xmlns:a16="http://schemas.microsoft.com/office/drawing/2014/main" id="{0FEA6C78-5233-4A6D-B3CF-7CDABB3E5E3E}"/>
               </a:ext>
             </a:extLst>
           </p:cNvPr>
@@ -5236,7 +6065,7 @@
             <a:spLocks noGrp="1"/>
           </p:cNvSpPr>
           <p:nvPr>
-            <p:ph idx="1"/>
+            <p:ph type="body" idx="1"/>
           </p:nvPr>
         </p:nvSpPr>
         <p:spPr/>
@@ -5251,7 +6080,351 @@
     </p:spTree>
     <p:extLst>
       <p:ext uri="{BB962C8B-B14F-4D97-AF65-F5344CB8AC3E}">
-        <p14:creationId xmlns:p14="http://schemas.microsoft.com/office/powerpoint/2010/main" val="937343662"/>
+        <p14:creationId xmlns:p14="http://schemas.microsoft.com/office/powerpoint/2010/main" val="480967479"/>
+      </p:ext>
+    </p:extLst>
+  </p:cSld>
+  <p:clrMapOvr>
+    <a:masterClrMapping/>
+  </p:clrMapOvr>
+</p:sld>
+</file>
+
+<file path=ppt/slides/slide20.xml><?xml version="1.0" encoding="utf-8"?>
+<p:sld xmlns:a="http://schemas.openxmlformats.org/drawingml/2006/main" xmlns:r="http://schemas.openxmlformats.org/officeDocument/2006/relationships" xmlns:p="http://schemas.openxmlformats.org/presentationml/2006/main">
+  <p:cSld>
+    <p:spTree>
+      <p:nvGrpSpPr>
+        <p:cNvPr id="1" name=""/>
+        <p:cNvGrpSpPr/>
+        <p:nvPr/>
+      </p:nvGrpSpPr>
+      <p:grpSpPr>
+        <a:xfrm>
+          <a:off x="0" y="0"/>
+          <a:ext cx="0" cy="0"/>
+          <a:chOff x="0" y="0"/>
+          <a:chExt cx="0" cy="0"/>
+        </a:xfrm>
+      </p:grpSpPr>
+      <p:sp>
+        <p:nvSpPr>
+          <p:cNvPr id="2" name="Title 1">
+            <a:extLst>
+              <a:ext uri="{FF2B5EF4-FFF2-40B4-BE49-F238E27FC236}">
+                <a16:creationId xmlns:a16="http://schemas.microsoft.com/office/drawing/2014/main" id="{365AF4D0-DAC8-4B95-B626-9B53B447C416}"/>
+              </a:ext>
+            </a:extLst>
+          </p:cNvPr>
+          <p:cNvSpPr>
+            <a:spLocks noGrp="1"/>
+          </p:cNvSpPr>
+          <p:nvPr>
+            <p:ph type="title"/>
+          </p:nvPr>
+        </p:nvSpPr>
+        <p:spPr/>
+        <p:txBody>
+          <a:bodyPr/>
+          <a:lstStyle/>
+          <a:p>
+            <a:r>
+              <a:rPr lang="en-US" dirty="0"/>
+              <a:t>CONCLUSIONS</a:t>
+            </a:r>
+          </a:p>
+        </p:txBody>
+      </p:sp>
+      <p:sp>
+        <p:nvSpPr>
+          <p:cNvPr id="3" name="Text Placeholder 2">
+            <a:extLst>
+              <a:ext uri="{FF2B5EF4-FFF2-40B4-BE49-F238E27FC236}">
+                <a16:creationId xmlns:a16="http://schemas.microsoft.com/office/drawing/2014/main" id="{0FEA6C78-5233-4A6D-B3CF-7CDABB3E5E3E}"/>
+              </a:ext>
+            </a:extLst>
+          </p:cNvPr>
+          <p:cNvSpPr>
+            <a:spLocks noGrp="1"/>
+          </p:cNvSpPr>
+          <p:nvPr>
+            <p:ph type="body" idx="1"/>
+          </p:nvPr>
+        </p:nvSpPr>
+        <p:spPr/>
+        <p:txBody>
+          <a:bodyPr/>
+          <a:lstStyle/>
+          <a:p>
+            <a:endParaRPr lang="en-US"/>
+          </a:p>
+        </p:txBody>
+      </p:sp>
+    </p:spTree>
+    <p:extLst>
+      <p:ext uri="{BB962C8B-B14F-4D97-AF65-F5344CB8AC3E}">
+        <p14:creationId xmlns:p14="http://schemas.microsoft.com/office/powerpoint/2010/main" val="771377958"/>
+      </p:ext>
+    </p:extLst>
+  </p:cSld>
+  <p:clrMapOvr>
+    <a:masterClrMapping/>
+  </p:clrMapOvr>
+</p:sld>
+</file>
+
+<file path=ppt/slides/slide21.xml><?xml version="1.0" encoding="utf-8"?>
+<p:sld xmlns:a="http://schemas.openxmlformats.org/drawingml/2006/main" xmlns:r="http://schemas.openxmlformats.org/officeDocument/2006/relationships" xmlns:p="http://schemas.openxmlformats.org/presentationml/2006/main">
+  <p:cSld>
+    <p:spTree>
+      <p:nvGrpSpPr>
+        <p:cNvPr id="1" name=""/>
+        <p:cNvGrpSpPr/>
+        <p:nvPr/>
+      </p:nvGrpSpPr>
+      <p:grpSpPr>
+        <a:xfrm>
+          <a:off x="0" y="0"/>
+          <a:ext cx="0" cy="0"/>
+          <a:chOff x="0" y="0"/>
+          <a:chExt cx="0" cy="0"/>
+        </a:xfrm>
+      </p:grpSpPr>
+      <p:sp>
+        <p:nvSpPr>
+          <p:cNvPr id="2" name="Title 1">
+            <a:extLst>
+              <a:ext uri="{FF2B5EF4-FFF2-40B4-BE49-F238E27FC236}">
+                <a16:creationId xmlns:a16="http://schemas.microsoft.com/office/drawing/2014/main" id="{C2533E80-A15C-4B1D-99B3-19229E4F093E}"/>
+              </a:ext>
+            </a:extLst>
+          </p:cNvPr>
+          <p:cNvSpPr>
+            <a:spLocks noGrp="1"/>
+          </p:cNvSpPr>
+          <p:nvPr>
+            <p:ph type="title"/>
+          </p:nvPr>
+        </p:nvSpPr>
+        <p:spPr/>
+        <p:txBody>
+          <a:bodyPr/>
+          <a:lstStyle/>
+          <a:p>
+            <a:r>
+              <a:rPr lang="en-US" dirty="0">
+                <a:solidFill>
+                  <a:schemeClr val="tx1"/>
+                </a:solidFill>
+                <a:latin typeface="Roboto"/>
+              </a:rPr>
+              <a:t>Problems overcome</a:t>
+            </a:r>
+          </a:p>
+        </p:txBody>
+      </p:sp>
+      <p:sp>
+        <p:nvSpPr>
+          <p:cNvPr id="3" name="Content Placeholder 2">
+            <a:extLst>
+              <a:ext uri="{FF2B5EF4-FFF2-40B4-BE49-F238E27FC236}">
+                <a16:creationId xmlns:a16="http://schemas.microsoft.com/office/drawing/2014/main" id="{E3D8CEBB-4A33-4032-8980-D1DB962C371F}"/>
+              </a:ext>
+            </a:extLst>
+          </p:cNvPr>
+          <p:cNvSpPr>
+            <a:spLocks noGrp="1"/>
+          </p:cNvSpPr>
+          <p:nvPr>
+            <p:ph idx="1"/>
+          </p:nvPr>
+        </p:nvSpPr>
+        <p:spPr/>
+        <p:txBody>
+          <a:bodyPr>
+            <a:normAutofit/>
+          </a:bodyPr>
+          <a:lstStyle/>
+          <a:p>
+            <a:pPr>
+              <a:lnSpc>
+                <a:spcPct val="150000"/>
+              </a:lnSpc>
+            </a:pPr>
+            <a:endParaRPr lang="en-US" sz="2700">
+              <a:solidFill>
+                <a:schemeClr val="tx1"/>
+              </a:solidFill>
+              <a:latin typeface="Roboto"/>
+            </a:endParaRPr>
+          </a:p>
+        </p:txBody>
+      </p:sp>
+    </p:spTree>
+    <p:extLst>
+      <p:ext uri="{BB962C8B-B14F-4D97-AF65-F5344CB8AC3E}">
+        <p14:creationId xmlns:p14="http://schemas.microsoft.com/office/powerpoint/2010/main" val="2160733859"/>
+      </p:ext>
+    </p:extLst>
+  </p:cSld>
+  <p:clrMapOvr>
+    <a:masterClrMapping/>
+  </p:clrMapOvr>
+</p:sld>
+</file>
+
+<file path=ppt/slides/slide22.xml><?xml version="1.0" encoding="utf-8"?>
+<p:sld xmlns:a="http://schemas.openxmlformats.org/drawingml/2006/main" xmlns:r="http://schemas.openxmlformats.org/officeDocument/2006/relationships" xmlns:p="http://schemas.openxmlformats.org/presentationml/2006/main">
+  <p:cSld>
+    <p:spTree>
+      <p:nvGrpSpPr>
+        <p:cNvPr id="1" name=""/>
+        <p:cNvGrpSpPr/>
+        <p:nvPr/>
+      </p:nvGrpSpPr>
+      <p:grpSpPr>
+        <a:xfrm>
+          <a:off x="0" y="0"/>
+          <a:ext cx="0" cy="0"/>
+          <a:chOff x="0" y="0"/>
+          <a:chExt cx="0" cy="0"/>
+        </a:xfrm>
+      </p:grpSpPr>
+      <p:sp>
+        <p:nvSpPr>
+          <p:cNvPr id="2" name="Title 1">
+            <a:extLst>
+              <a:ext uri="{FF2B5EF4-FFF2-40B4-BE49-F238E27FC236}">
+                <a16:creationId xmlns:a16="http://schemas.microsoft.com/office/drawing/2014/main" id="{DB58303F-0125-4B45-8521-6358843B1893}"/>
+              </a:ext>
+            </a:extLst>
+          </p:cNvPr>
+          <p:cNvSpPr>
+            <a:spLocks noGrp="1"/>
+          </p:cNvSpPr>
+          <p:nvPr>
+            <p:ph type="title"/>
+          </p:nvPr>
+        </p:nvSpPr>
+        <p:spPr/>
+        <p:txBody>
+          <a:bodyPr/>
+          <a:lstStyle/>
+          <a:p>
+            <a:r>
+              <a:rPr lang="en-US" dirty="0">
+                <a:solidFill>
+                  <a:schemeClr val="tx1"/>
+                </a:solidFill>
+                <a:latin typeface="Roboto"/>
+              </a:rPr>
+              <a:t>Discussion of value</a:t>
+            </a:r>
+          </a:p>
+        </p:txBody>
+      </p:sp>
+      <p:sp>
+        <p:nvSpPr>
+          <p:cNvPr id="3" name="Content Placeholder 2">
+            <a:extLst>
+              <a:ext uri="{FF2B5EF4-FFF2-40B4-BE49-F238E27FC236}">
+                <a16:creationId xmlns:a16="http://schemas.microsoft.com/office/drawing/2014/main" id="{C76C433A-CC37-459B-957E-23B7B9CF979E}"/>
+              </a:ext>
+            </a:extLst>
+          </p:cNvPr>
+          <p:cNvSpPr>
+            <a:spLocks noGrp="1"/>
+          </p:cNvSpPr>
+          <p:nvPr>
+            <p:ph idx="1"/>
+          </p:nvPr>
+        </p:nvSpPr>
+        <p:spPr/>
+        <p:txBody>
+          <a:bodyPr>
+            <a:normAutofit lnSpcReduction="10000"/>
+          </a:bodyPr>
+          <a:lstStyle/>
+          <a:p>
+            <a:pPr>
+              <a:lnSpc>
+                <a:spcPct val="150000"/>
+              </a:lnSpc>
+            </a:pPr>
+            <a:r>
+              <a:rPr lang="en-US" sz="2700" dirty="0">
+                <a:solidFill>
+                  <a:schemeClr val="tx1"/>
+                </a:solidFill>
+                <a:latin typeface="Roboto"/>
+              </a:rPr>
+              <a:t>Value limited by scope – more datasets!</a:t>
+            </a:r>
+          </a:p>
+          <a:p>
+            <a:pPr>
+              <a:lnSpc>
+                <a:spcPct val="150000"/>
+              </a:lnSpc>
+            </a:pPr>
+            <a:endParaRPr lang="en-US" sz="2700" dirty="0">
+              <a:solidFill>
+                <a:schemeClr val="tx1"/>
+              </a:solidFill>
+              <a:latin typeface="Roboto"/>
+            </a:endParaRPr>
+          </a:p>
+          <a:p>
+            <a:pPr>
+              <a:lnSpc>
+                <a:spcPct val="150000"/>
+              </a:lnSpc>
+            </a:pPr>
+            <a:r>
+              <a:rPr lang="en-US" sz="2700" dirty="0">
+                <a:solidFill>
+                  <a:schemeClr val="tx1"/>
+                </a:solidFill>
+                <a:latin typeface="Roboto"/>
+              </a:rPr>
+              <a:t>Pilot program, with potential for broader application</a:t>
+            </a:r>
+          </a:p>
+          <a:p>
+            <a:pPr>
+              <a:lnSpc>
+                <a:spcPct val="150000"/>
+              </a:lnSpc>
+            </a:pPr>
+            <a:endParaRPr lang="en-US" sz="2700" dirty="0">
+              <a:solidFill>
+                <a:schemeClr val="tx1"/>
+              </a:solidFill>
+              <a:latin typeface="Roboto"/>
+            </a:endParaRPr>
+          </a:p>
+          <a:p>
+            <a:pPr>
+              <a:lnSpc>
+                <a:spcPct val="150000"/>
+              </a:lnSpc>
+            </a:pPr>
+            <a:r>
+              <a:rPr lang="en-US" sz="2700" dirty="0">
+                <a:solidFill>
+                  <a:schemeClr val="tx1"/>
+                </a:solidFill>
+                <a:latin typeface="Roboto"/>
+              </a:rPr>
+              <a:t>Useful exercise in working with data and datasets</a:t>
+            </a:r>
+          </a:p>
+        </p:txBody>
+      </p:sp>
+    </p:spTree>
+    <p:extLst>
+      <p:ext uri="{BB962C8B-B14F-4D97-AF65-F5344CB8AC3E}">
+        <p14:creationId xmlns:p14="http://schemas.microsoft.com/office/powerpoint/2010/main" val="976970289"/>
       </p:ext>
     </p:extLst>
   </p:cSld>
@@ -5280,13 +6453,153 @@
       </p:grpSpPr>
       <p:sp>
         <p:nvSpPr>
-          <p:cNvPr id="2" name="Title 1">
+          <p:cNvPr id="4" name="Rectangle 3">
             <a:extLst>
               <a:ext uri="{FF2B5EF4-FFF2-40B4-BE49-F238E27FC236}">
-                <a16:creationId xmlns:a16="http://schemas.microsoft.com/office/drawing/2014/main" id="{527464D1-1D62-4824-86DD-78D48ECF6E61}"/>
+                <a16:creationId xmlns:a16="http://schemas.microsoft.com/office/drawing/2014/main" id="{BD136C20-303B-49FF-8FC1-5CA7678EC29F}"/>
               </a:ext>
             </a:extLst>
           </p:cNvPr>
+          <p:cNvSpPr/>
+          <p:nvPr/>
+        </p:nvSpPr>
+        <p:spPr>
+          <a:xfrm>
+            <a:off x="1371600" y="1739326"/>
+            <a:ext cx="9998242" cy="1305165"/>
+          </a:xfrm>
+          <a:prstGeom prst="rect">
+            <a:avLst/>
+          </a:prstGeom>
+        </p:spPr>
+        <p:txBody>
+          <a:bodyPr wrap="square">
+            <a:spAutoFit/>
+          </a:bodyPr>
+          <a:lstStyle/>
+          <a:p>
+            <a:pPr algn="ctr">
+              <a:lnSpc>
+                <a:spcPct val="150000"/>
+              </a:lnSpc>
+              <a:spcAft>
+                <a:spcPts val="1000"/>
+              </a:spcAft>
+            </a:pPr>
+            <a:r>
+              <a:rPr lang="en-US" sz="2700" dirty="0">
+                <a:latin typeface="Roboto"/>
+              </a:rPr>
+              <a:t>Who is cited in English-language dictionaries? How does this citation corpus compare to the English literary canon?</a:t>
+            </a:r>
+          </a:p>
+        </p:txBody>
+      </p:sp>
+      <p:sp>
+        <p:nvSpPr>
+          <p:cNvPr id="11" name="Arrow: Down 10">
+            <a:extLst>
+              <a:ext uri="{FF2B5EF4-FFF2-40B4-BE49-F238E27FC236}">
+                <a16:creationId xmlns:a16="http://schemas.microsoft.com/office/drawing/2014/main" id="{067C4652-E85E-49DF-97DF-EDB58CED97B1}"/>
+              </a:ext>
+            </a:extLst>
+          </p:cNvPr>
+          <p:cNvSpPr/>
+          <p:nvPr/>
+        </p:nvSpPr>
+        <p:spPr>
+          <a:xfrm>
+            <a:off x="6028214" y="3392505"/>
+            <a:ext cx="685014" cy="1118010"/>
+          </a:xfrm>
+          <a:prstGeom prst="downArrow">
+            <a:avLst/>
+          </a:prstGeom>
+          <a:solidFill>
+            <a:schemeClr val="tx2"/>
+          </a:solidFill>
+          <a:ln>
+            <a:noFill/>
+          </a:ln>
+        </p:spPr>
+        <p:style>
+          <a:lnRef idx="2">
+            <a:schemeClr val="accent1">
+              <a:shade val="50000"/>
+            </a:schemeClr>
+          </a:lnRef>
+          <a:fillRef idx="1">
+            <a:schemeClr val="accent1"/>
+          </a:fillRef>
+          <a:effectRef idx="0">
+            <a:schemeClr val="accent1"/>
+          </a:effectRef>
+          <a:fontRef idx="minor">
+            <a:schemeClr val="lt1"/>
+          </a:fontRef>
+        </p:style>
+        <p:txBody>
+          <a:bodyPr rtlCol="0" anchor="ctr"/>
+          <a:lstStyle/>
+          <a:p>
+            <a:pPr algn="ctr"/>
+            <a:endParaRPr lang="en-US" sz="2700"/>
+          </a:p>
+        </p:txBody>
+      </p:sp>
+      <p:sp>
+        <p:nvSpPr>
+          <p:cNvPr id="12" name="Rectangle 11">
+            <a:extLst>
+              <a:ext uri="{FF2B5EF4-FFF2-40B4-BE49-F238E27FC236}">
+                <a16:creationId xmlns:a16="http://schemas.microsoft.com/office/drawing/2014/main" id="{D780E683-DE0D-4D3D-B985-365871ED26AA}"/>
+              </a:ext>
+            </a:extLst>
+          </p:cNvPr>
+          <p:cNvSpPr/>
+          <p:nvPr/>
+        </p:nvSpPr>
+        <p:spPr>
+          <a:xfrm>
+            <a:off x="1660716" y="4945156"/>
+            <a:ext cx="9420010" cy="1305165"/>
+          </a:xfrm>
+          <a:prstGeom prst="rect">
+            <a:avLst/>
+          </a:prstGeom>
+        </p:spPr>
+        <p:txBody>
+          <a:bodyPr wrap="square">
+            <a:spAutoFit/>
+          </a:bodyPr>
+          <a:lstStyle/>
+          <a:p>
+            <a:pPr algn="ctr">
+              <a:lnSpc>
+                <a:spcPct val="150000"/>
+              </a:lnSpc>
+            </a:pPr>
+            <a:r>
+              <a:rPr lang="en-US" sz="2700" dirty="0">
+                <a:solidFill>
+                  <a:srgbClr val="000000"/>
+                </a:solidFill>
+                <a:latin typeface="Roboto"/>
+              </a:rPr>
+              <a:t>Can digital literature repositories be aggregated to build a recognizable literary canon dataset?</a:t>
+            </a:r>
+          </a:p>
+        </p:txBody>
+      </p:sp>
+      <p:sp>
+        <p:nvSpPr>
+          <p:cNvPr id="16" name="Title 15">
+            <a:extLst>
+              <a:ext uri="{FF2B5EF4-FFF2-40B4-BE49-F238E27FC236}">
+                <a16:creationId xmlns:a16="http://schemas.microsoft.com/office/drawing/2014/main" id="{C339D2CB-015A-40EB-A23C-023F051C0584}"/>
+              </a:ext>
+            </a:extLst>
+          </p:cNvPr>
           <p:cNvSpPr>
             <a:spLocks noGrp="1"/>
           </p:cNvSpPr>
@@ -5300,34 +6613,13 @@
           <a:lstStyle/>
           <a:p>
             <a:r>
-              <a:rPr lang="en-US" dirty="0"/>
-              <a:t>Research Question</a:t>
-            </a:r>
-          </a:p>
-        </p:txBody>
-      </p:sp>
-      <p:sp>
-        <p:nvSpPr>
-          <p:cNvPr id="3" name="Content Placeholder 2">
-            <a:extLst>
-              <a:ext uri="{FF2B5EF4-FFF2-40B4-BE49-F238E27FC236}">
-                <a16:creationId xmlns:a16="http://schemas.microsoft.com/office/drawing/2014/main" id="{D2893250-190B-46D9-8DCF-EB9DCDC12C5D}"/>
-              </a:ext>
-            </a:extLst>
-          </p:cNvPr>
-          <p:cNvSpPr>
-            <a:spLocks noGrp="1"/>
-          </p:cNvSpPr>
-          <p:nvPr>
-            <p:ph idx="1"/>
-          </p:nvPr>
-        </p:nvSpPr>
-        <p:spPr/>
-        <p:txBody>
-          <a:bodyPr/>
-          <a:lstStyle/>
-          <a:p>
-            <a:endParaRPr lang="en-US"/>
+              <a:rPr lang="en-US" dirty="0">
+                <a:solidFill>
+                  <a:schemeClr val="tx1"/>
+                </a:solidFill>
+              </a:rPr>
+              <a:t>Research Questions</a:t>
+            </a:r>
           </a:p>
         </p:txBody>
       </p:sp>
@@ -5361,486 +6653,320 @@
           <a:chExt cx="0" cy="0"/>
         </a:xfrm>
       </p:grpSpPr>
-      <p:pic>
-        <p:nvPicPr>
-          <p:cNvPr id="1026" name="Picture 2" descr="Image result for early english books online">
+      <p:sp>
+        <p:nvSpPr>
+          <p:cNvPr id="2" name="Title 1">
             <a:extLst>
               <a:ext uri="{FF2B5EF4-FFF2-40B4-BE49-F238E27FC236}">
-                <a16:creationId xmlns:a16="http://schemas.microsoft.com/office/drawing/2014/main" id="{9D007041-1F17-470B-ACB3-14EA41926BDE}"/>
+                <a16:creationId xmlns:a16="http://schemas.microsoft.com/office/drawing/2014/main" id="{A80407C8-112F-472F-9851-29780554174B}"/>
               </a:ext>
             </a:extLst>
           </p:cNvPr>
-          <p:cNvPicPr>
-            <a:picLocks noChangeAspect="1" noChangeArrowheads="1"/>
-          </p:cNvPicPr>
+          <p:cNvSpPr>
+            <a:spLocks noGrp="1"/>
+          </p:cNvSpPr>
+          <p:nvPr>
+            <p:ph type="title"/>
+          </p:nvPr>
+        </p:nvSpPr>
+        <p:spPr/>
+        <p:txBody>
+          <a:bodyPr/>
+          <a:lstStyle/>
+          <a:p>
+            <a:r>
+              <a:rPr lang="en-US" dirty="0">
+                <a:solidFill>
+                  <a:schemeClr val="tx1"/>
+                </a:solidFill>
+                <a:latin typeface="Roboto"/>
+              </a:rPr>
+              <a:t>Objectives</a:t>
+            </a:r>
+          </a:p>
+        </p:txBody>
+      </p:sp>
+      <p:sp>
+        <p:nvSpPr>
+          <p:cNvPr id="3" name="Content Placeholder 2">
+            <a:extLst>
+              <a:ext uri="{FF2B5EF4-FFF2-40B4-BE49-F238E27FC236}">
+                <a16:creationId xmlns:a16="http://schemas.microsoft.com/office/drawing/2014/main" id="{D7BB3F05-B03D-4F22-AA73-CCD81EAAA50B}"/>
+              </a:ext>
+            </a:extLst>
+          </p:cNvPr>
+          <p:cNvSpPr>
+            <a:spLocks noGrp="1"/>
+          </p:cNvSpPr>
+          <p:nvPr>
+            <p:ph idx="1"/>
+          </p:nvPr>
+        </p:nvSpPr>
+        <p:spPr>
+          <a:xfrm>
+            <a:off x="1371600" y="2080517"/>
+            <a:ext cx="9601200" cy="1762018"/>
+          </a:xfrm>
+        </p:spPr>
+        <p:txBody>
+          <a:bodyPr>
+            <a:normAutofit/>
+          </a:bodyPr>
+          <a:lstStyle/>
+          <a:p>
+            <a:pPr>
+              <a:lnSpc>
+                <a:spcPct val="150000"/>
+              </a:lnSpc>
+            </a:pPr>
+            <a:r>
+              <a:rPr lang="en-US" sz="2700" dirty="0">
+                <a:solidFill>
+                  <a:schemeClr val="tx1"/>
+                </a:solidFill>
+                <a:latin typeface="Roboto"/>
+                <a:ea typeface="Roboto" pitchFamily="2" charset="0"/>
+                <a:cs typeface="Segoe UI Light" panose="020B0502040204020203" pitchFamily="34" charset="0"/>
+              </a:rPr>
+              <a:t>Aggregate author citation metadata from literary databases to explore prevalence of individual authors</a:t>
+            </a:r>
+          </a:p>
+        </p:txBody>
+      </p:sp>
+      <p:sp>
+        <p:nvSpPr>
+          <p:cNvPr id="4" name="Content Placeholder 2">
+            <a:extLst>
+              <a:ext uri="{FF2B5EF4-FFF2-40B4-BE49-F238E27FC236}">
+                <a16:creationId xmlns:a16="http://schemas.microsoft.com/office/drawing/2014/main" id="{B641FFF8-AE05-4810-A898-B67BE57967B4}"/>
+              </a:ext>
+            </a:extLst>
+          </p:cNvPr>
+          <p:cNvSpPr txBox="1">
+            <a:spLocks/>
+          </p:cNvSpPr>
           <p:nvPr/>
-        </p:nvPicPr>
-        <p:blipFill>
-          <a:blip r:embed="rId3">
-            <a:extLst>
-              <a:ext uri="{28A0092B-C50C-407E-A947-70E740481C1C}">
-                <a14:useLocalDpi xmlns:a14="http://schemas.microsoft.com/office/drawing/2010/main" val="0"/>
-              </a:ext>
-            </a:extLst>
-          </a:blip>
-          <a:srcRect/>
-          <a:stretch>
-            <a:fillRect/>
-          </a:stretch>
-        </p:blipFill>
-        <p:spPr bwMode="auto">
-          <a:xfrm>
-            <a:off x="1426403" y="473595"/>
-            <a:ext cx="3622237" cy="1177227"/>
+        </p:nvSpPr>
+        <p:spPr>
+          <a:xfrm>
+            <a:off x="1371600" y="3784316"/>
+            <a:ext cx="9601200" cy="1762018"/>
           </a:xfrm>
           <a:prstGeom prst="rect">
             <a:avLst/>
           </a:prstGeom>
-          <a:noFill/>
-          <a:extLst>
-            <a:ext uri="{909E8E84-426E-40DD-AFC4-6F175D3DCCD1}">
-              <a14:hiddenFill xmlns:a14="http://schemas.microsoft.com/office/drawing/2010/main">
+        </p:spPr>
+        <p:txBody>
+          <a:bodyPr vert="horz" lIns="91440" tIns="45720" rIns="91440" bIns="45720" rtlCol="0">
+            <a:normAutofit/>
+          </a:bodyPr>
+          <a:lstStyle>
+            <a:lvl1pPr marL="384048" indent="-384048" algn="l" defTabSz="914400" rtl="0" eaLnBrk="1" latinLnBrk="0" hangingPunct="1">
+              <a:lnSpc>
+                <a:spcPct val="94000"/>
+              </a:lnSpc>
+              <a:spcBef>
+                <a:spcPts val="1000"/>
+              </a:spcBef>
+              <a:spcAft>
+                <a:spcPts val="200"/>
+              </a:spcAft>
+              <a:buFont typeface="Franklin Gothic Book" panose="020B0503020102020204" pitchFamily="34" charset="0"/>
+              <a:buChar char="■"/>
+              <a:defRPr sz="2000" kern="1200" baseline="0">
                 <a:solidFill>
-                  <a:srgbClr val="FFFFFF"/>
+                  <a:schemeClr val="tx2"/>
                 </a:solidFill>
-              </a14:hiddenFill>
-            </a:ext>
-          </a:extLst>
-        </p:spPr>
-      </p:pic>
-      <p:pic>
-        <p:nvPicPr>
-          <p:cNvPr id="1028" name="Picture 4" descr="Image result for proquest">
-            <a:extLst>
-              <a:ext uri="{FF2B5EF4-FFF2-40B4-BE49-F238E27FC236}">
-                <a16:creationId xmlns:a16="http://schemas.microsoft.com/office/drawing/2014/main" id="{2F99ACB8-0168-491B-9844-EF7FBC808FE3}"/>
-              </a:ext>
-            </a:extLst>
-          </p:cNvPr>
-          <p:cNvPicPr>
-            <a:picLocks noChangeAspect="1" noChangeArrowheads="1"/>
-          </p:cNvPicPr>
-          <p:nvPr/>
-        </p:nvPicPr>
-        <p:blipFill>
-          <a:blip r:embed="rId4">
-            <a:extLst>
-              <a:ext uri="{28A0092B-C50C-407E-A947-70E740481C1C}">
-                <a14:useLocalDpi xmlns:a14="http://schemas.microsoft.com/office/drawing/2010/main" val="0"/>
-              </a:ext>
-            </a:extLst>
-          </a:blip>
-          <a:srcRect/>
-          <a:stretch>
-            <a:fillRect/>
-          </a:stretch>
-        </p:blipFill>
-        <p:spPr bwMode="auto">
-          <a:xfrm>
-            <a:off x="1682158" y="2024736"/>
-            <a:ext cx="3110726" cy="1177224"/>
-          </a:xfrm>
-          <a:prstGeom prst="rect">
-            <a:avLst/>
-          </a:prstGeom>
-          <a:noFill/>
-          <a:extLst>
-            <a:ext uri="{909E8E84-426E-40DD-AFC4-6F175D3DCCD1}">
-              <a14:hiddenFill xmlns:a14="http://schemas.microsoft.com/office/drawing/2010/main">
+                <a:latin typeface="+mn-lt"/>
+                <a:ea typeface="+mn-ea"/>
+                <a:cs typeface="+mn-cs"/>
+              </a:defRPr>
+            </a:lvl1pPr>
+            <a:lvl2pPr marL="914400" indent="-384048" algn="l" defTabSz="914400" rtl="0" eaLnBrk="1" latinLnBrk="0" hangingPunct="1">
+              <a:lnSpc>
+                <a:spcPct val="94000"/>
+              </a:lnSpc>
+              <a:spcBef>
+                <a:spcPts val="500"/>
+              </a:spcBef>
+              <a:spcAft>
+                <a:spcPts val="200"/>
+              </a:spcAft>
+              <a:buFont typeface="Franklin Gothic Book" panose="020B0503020102020204" pitchFamily="34" charset="0"/>
+              <a:buChar char="–"/>
+              <a:defRPr sz="2000" i="1" kern="1200" baseline="0">
                 <a:solidFill>
-                  <a:srgbClr val="FFFFFF"/>
+                  <a:schemeClr val="tx2"/>
                 </a:solidFill>
-              </a14:hiddenFill>
-            </a:ext>
-          </a:extLst>
-        </p:spPr>
-      </p:pic>
-      <p:sp>
-        <p:nvSpPr>
-          <p:cNvPr id="38" name="TextBox 37">
-            <a:extLst>
-              <a:ext uri="{FF2B5EF4-FFF2-40B4-BE49-F238E27FC236}">
-                <a16:creationId xmlns:a16="http://schemas.microsoft.com/office/drawing/2014/main" id="{84F4CE83-3999-43C4-A736-73D19B1079DC}"/>
-              </a:ext>
-            </a:extLst>
-          </p:cNvPr>
-          <p:cNvSpPr txBox="1"/>
-          <p:nvPr/>
-        </p:nvSpPr>
-        <p:spPr>
-          <a:xfrm>
-            <a:off x="5947297" y="431134"/>
-            <a:ext cx="5315150" cy="1077218"/>
-          </a:xfrm>
-          <a:prstGeom prst="rect">
-            <a:avLst/>
-          </a:prstGeom>
-          <a:noFill/>
-        </p:spPr>
-        <p:txBody>
-          <a:bodyPr wrap="square" rtlCol="0">
-            <a:spAutoFit/>
-          </a:bodyPr>
-          <a:lstStyle/>
-          <a:p>
-            <a:pPr algn="ctr"/>
-            <a:r>
-              <a:rPr lang="en-US" sz="3200" b="1" spc="300" dirty="0">
-                <a:latin typeface="Roboto" pitchFamily="2" charset="0"/>
+                <a:latin typeface="+mn-lt"/>
+                <a:ea typeface="+mn-ea"/>
+                <a:cs typeface="+mn-cs"/>
+              </a:defRPr>
+            </a:lvl2pPr>
+            <a:lvl3pPr marL="1371600" indent="-384048" algn="l" defTabSz="914400" rtl="0" eaLnBrk="1" latinLnBrk="0" hangingPunct="1">
+              <a:lnSpc>
+                <a:spcPct val="94000"/>
+              </a:lnSpc>
+              <a:spcBef>
+                <a:spcPts val="500"/>
+              </a:spcBef>
+              <a:spcAft>
+                <a:spcPts val="200"/>
+              </a:spcAft>
+              <a:buFont typeface="Franklin Gothic Book" panose="020B0503020102020204" pitchFamily="34" charset="0"/>
+              <a:buChar char="■"/>
+              <a:defRPr sz="1800" kern="1200" baseline="0">
+                <a:solidFill>
+                  <a:schemeClr val="tx2"/>
+                </a:solidFill>
+                <a:latin typeface="+mn-lt"/>
+                <a:ea typeface="+mn-ea"/>
+                <a:cs typeface="+mn-cs"/>
+              </a:defRPr>
+            </a:lvl3pPr>
+            <a:lvl4pPr marL="1828800" indent="-384048" algn="l" defTabSz="914400" rtl="0" eaLnBrk="1" latinLnBrk="0" hangingPunct="1">
+              <a:lnSpc>
+                <a:spcPct val="94000"/>
+              </a:lnSpc>
+              <a:spcBef>
+                <a:spcPts val="500"/>
+              </a:spcBef>
+              <a:spcAft>
+                <a:spcPts val="200"/>
+              </a:spcAft>
+              <a:buFont typeface="Franklin Gothic Book" panose="020B0503020102020204" pitchFamily="34" charset="0"/>
+              <a:buChar char="–"/>
+              <a:defRPr sz="1800" i="1" kern="1200" baseline="0">
+                <a:solidFill>
+                  <a:schemeClr val="tx2"/>
+                </a:solidFill>
+                <a:latin typeface="+mn-lt"/>
+                <a:ea typeface="+mn-ea"/>
+                <a:cs typeface="+mn-cs"/>
+              </a:defRPr>
+            </a:lvl4pPr>
+            <a:lvl5pPr marL="2286000" indent="-384048" algn="l" defTabSz="914400" rtl="0" eaLnBrk="1" latinLnBrk="0" hangingPunct="1">
+              <a:lnSpc>
+                <a:spcPct val="94000"/>
+              </a:lnSpc>
+              <a:spcBef>
+                <a:spcPts val="500"/>
+              </a:spcBef>
+              <a:spcAft>
+                <a:spcPts val="200"/>
+              </a:spcAft>
+              <a:buFont typeface="Franklin Gothic Book" panose="020B0503020102020204" pitchFamily="34" charset="0"/>
+              <a:buChar char="■"/>
+              <a:defRPr sz="1600" kern="1200" baseline="0">
+                <a:solidFill>
+                  <a:schemeClr val="tx2"/>
+                </a:solidFill>
+                <a:latin typeface="+mn-lt"/>
+                <a:ea typeface="+mn-ea"/>
+                <a:cs typeface="+mn-cs"/>
+              </a:defRPr>
+            </a:lvl5pPr>
+            <a:lvl6pPr marL="2743200" indent="-384048" algn="l" defTabSz="914400" rtl="0" eaLnBrk="1" latinLnBrk="0" hangingPunct="1">
+              <a:lnSpc>
+                <a:spcPct val="94000"/>
+              </a:lnSpc>
+              <a:spcBef>
+                <a:spcPts val="500"/>
+              </a:spcBef>
+              <a:spcAft>
+                <a:spcPts val="200"/>
+              </a:spcAft>
+              <a:buFont typeface="Franklin Gothic Book" panose="020B0503020102020204" pitchFamily="34" charset="0"/>
+              <a:buChar char="–"/>
+              <a:defRPr sz="1600" i="1" kern="1200" baseline="0">
+                <a:solidFill>
+                  <a:schemeClr val="tx2"/>
+                </a:solidFill>
+                <a:latin typeface="+mn-lt"/>
+                <a:ea typeface="+mn-ea"/>
+                <a:cs typeface="+mn-cs"/>
+              </a:defRPr>
+            </a:lvl6pPr>
+            <a:lvl7pPr marL="3200400" indent="-384048" algn="l" defTabSz="914400" rtl="0" eaLnBrk="1" latinLnBrk="0" hangingPunct="1">
+              <a:lnSpc>
+                <a:spcPct val="94000"/>
+              </a:lnSpc>
+              <a:spcBef>
+                <a:spcPts val="500"/>
+              </a:spcBef>
+              <a:spcAft>
+                <a:spcPts val="200"/>
+              </a:spcAft>
+              <a:buFont typeface="Franklin Gothic Book" panose="020B0503020102020204" pitchFamily="34" charset="0"/>
+              <a:buChar char="■"/>
+              <a:defRPr sz="1400" kern="1200" baseline="0">
+                <a:solidFill>
+                  <a:schemeClr val="tx2"/>
+                </a:solidFill>
+                <a:latin typeface="+mn-lt"/>
+                <a:ea typeface="+mn-ea"/>
+                <a:cs typeface="+mn-cs"/>
+              </a:defRPr>
+            </a:lvl7pPr>
+            <a:lvl8pPr marL="3657600" indent="-384048" algn="l" defTabSz="914400" rtl="0" eaLnBrk="1" latinLnBrk="0" hangingPunct="1">
+              <a:lnSpc>
+                <a:spcPct val="94000"/>
+              </a:lnSpc>
+              <a:spcBef>
+                <a:spcPts val="500"/>
+              </a:spcBef>
+              <a:spcAft>
+                <a:spcPts val="200"/>
+              </a:spcAft>
+              <a:buFont typeface="Franklin Gothic Book" panose="020B0503020102020204" pitchFamily="34" charset="0"/>
+              <a:buChar char="–"/>
+              <a:defRPr sz="1400" i="1" kern="1200" baseline="0">
+                <a:solidFill>
+                  <a:schemeClr val="tx2"/>
+                </a:solidFill>
+                <a:latin typeface="+mn-lt"/>
+                <a:ea typeface="+mn-ea"/>
+                <a:cs typeface="+mn-cs"/>
+              </a:defRPr>
+            </a:lvl8pPr>
+            <a:lvl9pPr marL="4114800" indent="-384048" algn="l" defTabSz="914400" rtl="0" eaLnBrk="1" latinLnBrk="0" hangingPunct="1">
+              <a:lnSpc>
+                <a:spcPct val="94000"/>
+              </a:lnSpc>
+              <a:spcBef>
+                <a:spcPts val="500"/>
+              </a:spcBef>
+              <a:spcAft>
+                <a:spcPts val="200"/>
+              </a:spcAft>
+              <a:buFont typeface="Franklin Gothic Book" panose="020B0503020102020204" pitchFamily="34" charset="0"/>
+              <a:buChar char="■"/>
+              <a:defRPr sz="1400" kern="1200" baseline="0">
+                <a:solidFill>
+                  <a:schemeClr val="tx2"/>
+                </a:solidFill>
+                <a:latin typeface="+mn-lt"/>
+                <a:ea typeface="+mn-ea"/>
+                <a:cs typeface="+mn-cs"/>
+              </a:defRPr>
+            </a:lvl9pPr>
+          </a:lstStyle>
+          <a:p>
+            <a:pPr>
+              <a:lnSpc>
+                <a:spcPct val="150000"/>
+              </a:lnSpc>
+            </a:pPr>
+            <a:r>
+              <a:rPr lang="en-US" sz="2700" dirty="0">
+                <a:solidFill>
+                  <a:schemeClr val="tx1"/>
+                </a:solidFill>
+                <a:latin typeface="Roboto"/>
                 <a:ea typeface="Roboto" pitchFamily="2" charset="0"/>
-                <a:cs typeface="Gautami" panose="020B0502040204020203" pitchFamily="34" charset="0"/>
+                <a:cs typeface="Segoe UI Light" panose="020B0502040204020203" pitchFamily="34" charset="0"/>
               </a:rPr>
-              <a:t>EARLY ENGLISH BOOKS ONLINE</a:t>
-            </a:r>
-          </a:p>
-        </p:txBody>
-      </p:sp>
-      <p:sp>
-        <p:nvSpPr>
-          <p:cNvPr id="42" name="TextBox 41">
-            <a:extLst>
-              <a:ext uri="{FF2B5EF4-FFF2-40B4-BE49-F238E27FC236}">
-                <a16:creationId xmlns:a16="http://schemas.microsoft.com/office/drawing/2014/main" id="{334937F2-AA20-42A1-B9F9-E24B95BA3AC7}"/>
-              </a:ext>
-            </a:extLst>
-          </p:cNvPr>
-          <p:cNvSpPr txBox="1"/>
-          <p:nvPr/>
-        </p:nvSpPr>
-        <p:spPr>
-          <a:xfrm>
-            <a:off x="5628067" y="1960967"/>
-            <a:ext cx="5953609" cy="477054"/>
-          </a:xfrm>
-          <a:prstGeom prst="rect">
-            <a:avLst/>
-          </a:prstGeom>
-          <a:noFill/>
-        </p:spPr>
-        <p:txBody>
-          <a:bodyPr wrap="square" rtlCol="0">
-            <a:spAutoFit/>
-          </a:bodyPr>
-          <a:lstStyle/>
-          <a:p>
-            <a:pPr algn="ctr"/>
-            <a:r>
-              <a:rPr lang="en-US" sz="2500" dirty="0">
-                <a:latin typeface="Roboto" pitchFamily="2" charset="0"/>
-                <a:ea typeface="Roboto" pitchFamily="2" charset="0"/>
-              </a:rPr>
-              <a:t>Collection Date: October 3, 2019</a:t>
-            </a:r>
-          </a:p>
-        </p:txBody>
-      </p:sp>
-      <p:sp>
-        <p:nvSpPr>
-          <p:cNvPr id="56" name="TextBox 55">
-            <a:extLst>
-              <a:ext uri="{FF2B5EF4-FFF2-40B4-BE49-F238E27FC236}">
-                <a16:creationId xmlns:a16="http://schemas.microsoft.com/office/drawing/2014/main" id="{5D0A9BE0-7856-43F5-8CE8-CB99A6A6CEE2}"/>
-              </a:ext>
-            </a:extLst>
-          </p:cNvPr>
-          <p:cNvSpPr txBox="1"/>
-          <p:nvPr/>
-        </p:nvSpPr>
-        <p:spPr>
-          <a:xfrm>
-            <a:off x="6847991" y="2552100"/>
-            <a:ext cx="3513762" cy="477054"/>
-          </a:xfrm>
-          <a:prstGeom prst="rect">
-            <a:avLst/>
-          </a:prstGeom>
-          <a:noFill/>
-        </p:spPr>
-        <p:txBody>
-          <a:bodyPr wrap="square" rtlCol="0">
-            <a:spAutoFit/>
-          </a:bodyPr>
-          <a:lstStyle/>
-          <a:p>
-            <a:pPr algn="ctr"/>
-            <a:r>
-              <a:rPr lang="en-US" sz="2500" dirty="0">
-                <a:latin typeface="Roboto" pitchFamily="2" charset="0"/>
-                <a:ea typeface="Roboto" pitchFamily="2" charset="0"/>
-              </a:rPr>
-              <a:t>Records: 860</a:t>
-            </a:r>
-          </a:p>
-        </p:txBody>
-      </p:sp>
-      <p:cxnSp>
-        <p:nvCxnSpPr>
-          <p:cNvPr id="53" name="Straight Connector 52">
-            <a:extLst>
-              <a:ext uri="{FF2B5EF4-FFF2-40B4-BE49-F238E27FC236}">
-                <a16:creationId xmlns:a16="http://schemas.microsoft.com/office/drawing/2014/main" id="{E4B6B28F-55A3-4F36-BA13-7FFE6CE4C8CE}"/>
-              </a:ext>
-            </a:extLst>
-          </p:cNvPr>
-          <p:cNvCxnSpPr/>
-          <p:nvPr/>
-        </p:nvCxnSpPr>
-        <p:spPr>
-          <a:xfrm>
-            <a:off x="1011381" y="3707258"/>
-            <a:ext cx="4452286" cy="0"/>
-          </a:xfrm>
-          <a:prstGeom prst="line">
-            <a:avLst/>
-          </a:prstGeom>
-          <a:ln w="19050"/>
-        </p:spPr>
-        <p:style>
-          <a:lnRef idx="1">
-            <a:schemeClr val="dk1"/>
-          </a:lnRef>
-          <a:fillRef idx="0">
-            <a:schemeClr val="dk1"/>
-          </a:fillRef>
-          <a:effectRef idx="0">
-            <a:schemeClr val="dk1"/>
-          </a:effectRef>
-          <a:fontRef idx="minor">
-            <a:schemeClr val="tx1"/>
-          </a:fontRef>
-        </p:style>
-      </p:cxnSp>
-      <p:cxnSp>
-        <p:nvCxnSpPr>
-          <p:cNvPr id="74" name="Straight Connector 73">
-            <a:extLst>
-              <a:ext uri="{FF2B5EF4-FFF2-40B4-BE49-F238E27FC236}">
-                <a16:creationId xmlns:a16="http://schemas.microsoft.com/office/drawing/2014/main" id="{EDDE31E0-B92E-44B2-9531-7C33535F4284}"/>
-              </a:ext>
-            </a:extLst>
-          </p:cNvPr>
-          <p:cNvCxnSpPr/>
-          <p:nvPr/>
-        </p:nvCxnSpPr>
-        <p:spPr>
-          <a:xfrm>
-            <a:off x="6477411" y="3707258"/>
-            <a:ext cx="4452286" cy="0"/>
-          </a:xfrm>
-          <a:prstGeom prst="line">
-            <a:avLst/>
-          </a:prstGeom>
-          <a:ln w="19050"/>
-        </p:spPr>
-        <p:style>
-          <a:lnRef idx="1">
-            <a:schemeClr val="dk1"/>
-          </a:lnRef>
-          <a:fillRef idx="0">
-            <a:schemeClr val="dk1"/>
-          </a:fillRef>
-          <a:effectRef idx="0">
-            <a:schemeClr val="dk1"/>
-          </a:effectRef>
-          <a:fontRef idx="minor">
-            <a:schemeClr val="tx1"/>
-          </a:fontRef>
-        </p:style>
-      </p:cxnSp>
-      <p:sp>
-        <p:nvSpPr>
-          <p:cNvPr id="14" name="TextBox 13">
-            <a:extLst>
-              <a:ext uri="{FF2B5EF4-FFF2-40B4-BE49-F238E27FC236}">
-                <a16:creationId xmlns:a16="http://schemas.microsoft.com/office/drawing/2014/main" id="{7F546B40-7165-41A3-8571-FD9BBE66A6EA}"/>
-              </a:ext>
-            </a:extLst>
-          </p:cNvPr>
-          <p:cNvSpPr txBox="1"/>
-          <p:nvPr/>
-        </p:nvSpPr>
-        <p:spPr>
-          <a:xfrm>
-            <a:off x="1056775" y="4976496"/>
-            <a:ext cx="4361493" cy="861774"/>
-          </a:xfrm>
-          <a:prstGeom prst="rect">
-            <a:avLst/>
-          </a:prstGeom>
-          <a:noFill/>
-        </p:spPr>
-        <p:txBody>
-          <a:bodyPr wrap="square" rtlCol="0">
-            <a:spAutoFit/>
-          </a:bodyPr>
-          <a:lstStyle/>
-          <a:p>
-            <a:pPr algn="ctr">
-              <a:spcBef>
-                <a:spcPts val="1200"/>
-              </a:spcBef>
-            </a:pPr>
-            <a:r>
-              <a:rPr lang="en-US" sz="2500" dirty="0">
-                <a:latin typeface="Roboto" pitchFamily="2" charset="0"/>
-                <a:ea typeface="Roboto" pitchFamily="2" charset="0"/>
-              </a:rPr>
-              <a:t>Copy-paste into Excel spreadsheet</a:t>
-            </a:r>
-          </a:p>
-        </p:txBody>
-      </p:sp>
-      <p:sp>
-        <p:nvSpPr>
-          <p:cNvPr id="15" name="TextBox 14">
-            <a:extLst>
-              <a:ext uri="{FF2B5EF4-FFF2-40B4-BE49-F238E27FC236}">
-                <a16:creationId xmlns:a16="http://schemas.microsoft.com/office/drawing/2014/main" id="{FC2EFCE8-45ED-4F82-B7DE-EE3B136BE62A}"/>
-              </a:ext>
-            </a:extLst>
-          </p:cNvPr>
-          <p:cNvSpPr txBox="1"/>
-          <p:nvPr/>
-        </p:nvSpPr>
-        <p:spPr>
-          <a:xfrm>
-            <a:off x="6045979" y="4133618"/>
-            <a:ext cx="5315150" cy="553998"/>
-          </a:xfrm>
-          <a:prstGeom prst="rect">
-            <a:avLst/>
-          </a:prstGeom>
-          <a:noFill/>
-        </p:spPr>
-        <p:txBody>
-          <a:bodyPr wrap="square" rtlCol="0">
-            <a:spAutoFit/>
-          </a:bodyPr>
-          <a:lstStyle/>
-          <a:p>
-            <a:pPr algn="ctr"/>
-            <a:r>
-              <a:rPr lang="en-US" sz="3000" b="1" spc="300" dirty="0">
-                <a:latin typeface="Roboto" pitchFamily="2" charset="0"/>
-                <a:ea typeface="Roboto" pitchFamily="2" charset="0"/>
-                <a:cs typeface="Gautami" panose="020B0502040204020203" pitchFamily="34" charset="0"/>
-              </a:rPr>
-              <a:t>CLEANING</a:t>
-            </a:r>
-          </a:p>
-        </p:txBody>
-      </p:sp>
-      <p:sp>
-        <p:nvSpPr>
-          <p:cNvPr id="16" name="TextBox 15">
-            <a:extLst>
-              <a:ext uri="{FF2B5EF4-FFF2-40B4-BE49-F238E27FC236}">
-                <a16:creationId xmlns:a16="http://schemas.microsoft.com/office/drawing/2014/main" id="{BDCD3D84-B0E6-4318-82D6-D0C7259096AB}"/>
-              </a:ext>
-            </a:extLst>
-          </p:cNvPr>
-          <p:cNvSpPr txBox="1"/>
-          <p:nvPr/>
-        </p:nvSpPr>
-        <p:spPr>
-          <a:xfrm>
-            <a:off x="579946" y="4133618"/>
-            <a:ext cx="5315150" cy="553998"/>
-          </a:xfrm>
-          <a:prstGeom prst="rect">
-            <a:avLst/>
-          </a:prstGeom>
-          <a:noFill/>
-        </p:spPr>
-        <p:txBody>
-          <a:bodyPr wrap="square" rtlCol="0">
-            <a:spAutoFit/>
-          </a:bodyPr>
-          <a:lstStyle/>
-          <a:p>
-            <a:pPr algn="ctr"/>
-            <a:r>
-              <a:rPr lang="en-US" sz="3000" b="1" spc="300" dirty="0">
-                <a:latin typeface="Roboto" pitchFamily="2" charset="0"/>
-                <a:ea typeface="Roboto" pitchFamily="2" charset="0"/>
-                <a:cs typeface="Gautami" panose="020B0502040204020203" pitchFamily="34" charset="0"/>
-              </a:rPr>
-              <a:t>COLLECTION</a:t>
-            </a:r>
-          </a:p>
-        </p:txBody>
-      </p:sp>
-      <p:sp>
-        <p:nvSpPr>
-          <p:cNvPr id="13" name="TextBox 12">
-            <a:extLst>
-              <a:ext uri="{FF2B5EF4-FFF2-40B4-BE49-F238E27FC236}">
-                <a16:creationId xmlns:a16="http://schemas.microsoft.com/office/drawing/2014/main" id="{7E4E408B-8A30-40B0-BA96-B6C54286927F}"/>
-              </a:ext>
-            </a:extLst>
-          </p:cNvPr>
-          <p:cNvSpPr txBox="1"/>
-          <p:nvPr/>
-        </p:nvSpPr>
-        <p:spPr>
-          <a:xfrm>
-            <a:off x="6439097" y="4976496"/>
-            <a:ext cx="4528913" cy="1554272"/>
-          </a:xfrm>
-          <a:prstGeom prst="rect">
-            <a:avLst/>
-          </a:prstGeom>
-          <a:noFill/>
-        </p:spPr>
-        <p:txBody>
-          <a:bodyPr wrap="square" rtlCol="0">
-            <a:spAutoFit/>
-          </a:bodyPr>
-          <a:lstStyle/>
-          <a:p>
-            <a:pPr algn="ctr">
-              <a:spcBef>
-                <a:spcPts val="1200"/>
-              </a:spcBef>
-            </a:pPr>
-            <a:r>
-              <a:rPr lang="en-US" sz="2500" dirty="0" err="1">
-                <a:latin typeface="Roboto" pitchFamily="2" charset="0"/>
-                <a:ea typeface="Roboto" pitchFamily="2" charset="0"/>
-              </a:rPr>
-              <a:t>OpenRefine</a:t>
-            </a:r>
-            <a:endParaRPr lang="en-US" sz="2500" dirty="0">
-              <a:latin typeface="Roboto" pitchFamily="2" charset="0"/>
-              <a:ea typeface="Roboto" pitchFamily="2" charset="0"/>
-            </a:endParaRPr>
-          </a:p>
-          <a:p>
-            <a:pPr algn="ctr">
-              <a:spcBef>
-                <a:spcPts val="1200"/>
-              </a:spcBef>
-            </a:pPr>
-            <a:r>
-              <a:rPr lang="en-US" sz="2500" dirty="0">
-                <a:latin typeface="Roboto" pitchFamily="2" charset="0"/>
-                <a:ea typeface="Roboto" pitchFamily="2" charset="0"/>
-              </a:rPr>
-              <a:t>Hand editing</a:t>
-            </a:r>
-          </a:p>
-          <a:p>
-            <a:pPr algn="ctr">
-              <a:spcBef>
-                <a:spcPts val="1200"/>
-              </a:spcBef>
-            </a:pPr>
-            <a:r>
-              <a:rPr lang="en-US" sz="2500" dirty="0">
-                <a:latin typeface="Roboto" pitchFamily="2" charset="0"/>
-                <a:ea typeface="Roboto" pitchFamily="2" charset="0"/>
-              </a:rPr>
-              <a:t>Excel "text to column“ tool</a:t>
+              <a:t>Build a corpus of author citations for use in literary history research</a:t>
             </a:r>
           </a:p>
         </p:txBody>
@@ -5848,7 +6974,7 @@
     </p:spTree>
     <p:extLst>
       <p:ext uri="{BB962C8B-B14F-4D97-AF65-F5344CB8AC3E}">
-        <p14:creationId xmlns:p14="http://schemas.microsoft.com/office/powerpoint/2010/main" val="329112806"/>
+        <p14:creationId xmlns:p14="http://schemas.microsoft.com/office/powerpoint/2010/main" val="937343662"/>
       </p:ext>
     </p:extLst>
   </p:cSld>
@@ -5875,488 +7001,63 @@
           <a:chExt cx="0" cy="0"/>
         </a:xfrm>
       </p:grpSpPr>
-      <p:pic>
-        <p:nvPicPr>
-          <p:cNvPr id="15" name="Picture 6" descr="Image result for hathitrust">
+      <p:sp>
+        <p:nvSpPr>
+          <p:cNvPr id="2" name="Title 1">
             <a:extLst>
               <a:ext uri="{FF2B5EF4-FFF2-40B4-BE49-F238E27FC236}">
-                <a16:creationId xmlns:a16="http://schemas.microsoft.com/office/drawing/2014/main" id="{585F986D-2DDB-42D6-849E-6CD2F726F518}"/>
+                <a16:creationId xmlns:a16="http://schemas.microsoft.com/office/drawing/2014/main" id="{365AF4D0-DAC8-4B95-B626-9B53B447C416}"/>
               </a:ext>
             </a:extLst>
           </p:cNvPr>
-          <p:cNvPicPr>
-            <a:picLocks noChangeAspect="1" noChangeArrowheads="1"/>
-          </p:cNvPicPr>
-          <p:nvPr/>
-        </p:nvPicPr>
-        <p:blipFill>
-          <a:blip r:embed="rId2">
-            <a:extLst>
-              <a:ext uri="{28A0092B-C50C-407E-A947-70E740481C1C}">
-                <a14:useLocalDpi xmlns:a14="http://schemas.microsoft.com/office/drawing/2010/main" val="0"/>
-              </a:ext>
-            </a:extLst>
-          </a:blip>
-          <a:srcRect/>
-          <a:stretch>
-            <a:fillRect/>
-          </a:stretch>
-        </p:blipFill>
-        <p:spPr bwMode="auto">
-          <a:xfrm>
-            <a:off x="1438859" y="368653"/>
-            <a:ext cx="3622237" cy="1186283"/>
-          </a:xfrm>
-          <a:prstGeom prst="rect">
-            <a:avLst/>
-          </a:prstGeom>
-          <a:noFill/>
-          <a:extLst>
-            <a:ext uri="{909E8E84-426E-40DD-AFC4-6F175D3DCCD1}">
-              <a14:hiddenFill xmlns:a14="http://schemas.microsoft.com/office/drawing/2010/main">
-                <a:solidFill>
-                  <a:srgbClr val="FFFFFF"/>
-                </a:solidFill>
-              </a14:hiddenFill>
-            </a:ext>
-          </a:extLst>
-        </p:spPr>
-      </p:pic>
-      <p:pic>
-        <p:nvPicPr>
-          <p:cNvPr id="16" name="Picture 12" descr="English Short Title Catalogue">
+          <p:cNvSpPr>
+            <a:spLocks noGrp="1"/>
+          </p:cNvSpPr>
+          <p:nvPr>
+            <p:ph type="title"/>
+          </p:nvPr>
+        </p:nvSpPr>
+        <p:spPr/>
+        <p:txBody>
+          <a:bodyPr/>
+          <a:lstStyle/>
+          <a:p>
+            <a:r>
+              <a:rPr lang="en-US" dirty="0"/>
+              <a:t>DATA SOURCES</a:t>
+            </a:r>
+          </a:p>
+        </p:txBody>
+      </p:sp>
+      <p:sp>
+        <p:nvSpPr>
+          <p:cNvPr id="3" name="Text Placeholder 2">
             <a:extLst>
               <a:ext uri="{FF2B5EF4-FFF2-40B4-BE49-F238E27FC236}">
-                <a16:creationId xmlns:a16="http://schemas.microsoft.com/office/drawing/2014/main" id="{7D33591E-B51B-4264-9FBA-49FF6EBC6765}"/>
+                <a16:creationId xmlns:a16="http://schemas.microsoft.com/office/drawing/2014/main" id="{0FEA6C78-5233-4A6D-B3CF-7CDABB3E5E3E}"/>
               </a:ext>
             </a:extLst>
           </p:cNvPr>
-          <p:cNvPicPr>
-            <a:picLocks noChangeAspect="1" noChangeArrowheads="1"/>
-          </p:cNvPicPr>
-          <p:nvPr/>
-        </p:nvPicPr>
-        <p:blipFill rotWithShape="1">
-          <a:blip r:embed="rId3">
-            <a:extLst>
-              <a:ext uri="{28A0092B-C50C-407E-A947-70E740481C1C}">
-                <a14:useLocalDpi xmlns:a14="http://schemas.microsoft.com/office/drawing/2010/main" val="0"/>
-              </a:ext>
-            </a:extLst>
-          </a:blip>
-          <a:srcRect l="60346"/>
-          <a:stretch/>
-        </p:blipFill>
-        <p:spPr bwMode="auto">
-          <a:xfrm>
-            <a:off x="1694615" y="1821498"/>
-            <a:ext cx="3098269" cy="1200196"/>
-          </a:xfrm>
-          <a:prstGeom prst="rect">
-            <a:avLst/>
-          </a:prstGeom>
-          <a:noFill/>
-          <a:extLst>
-            <a:ext uri="{909E8E84-426E-40DD-AFC4-6F175D3DCCD1}">
-              <a14:hiddenFill xmlns:a14="http://schemas.microsoft.com/office/drawing/2010/main">
-                <a:solidFill>
-                  <a:srgbClr val="FFFFFF"/>
-                </a:solidFill>
-              </a14:hiddenFill>
-            </a:ext>
-          </a:extLst>
-        </p:spPr>
-      </p:pic>
-      <p:sp>
-        <p:nvSpPr>
-          <p:cNvPr id="4" name="TextBox 3">
-            <a:extLst>
-              <a:ext uri="{FF2B5EF4-FFF2-40B4-BE49-F238E27FC236}">
-                <a16:creationId xmlns:a16="http://schemas.microsoft.com/office/drawing/2014/main" id="{C1AC3FDF-23CE-4A8E-811F-EF814D233BDC}"/>
-              </a:ext>
-            </a:extLst>
-          </p:cNvPr>
-          <p:cNvSpPr txBox="1"/>
-          <p:nvPr/>
-        </p:nvSpPr>
-        <p:spPr>
-          <a:xfrm>
-            <a:off x="5947297" y="431134"/>
-            <a:ext cx="5315150" cy="1077218"/>
-          </a:xfrm>
-          <a:prstGeom prst="rect">
-            <a:avLst/>
-          </a:prstGeom>
-          <a:noFill/>
-        </p:spPr>
-        <p:txBody>
-          <a:bodyPr wrap="square" rtlCol="0">
-            <a:spAutoFit/>
-          </a:bodyPr>
-          <a:lstStyle/>
-          <a:p>
-            <a:pPr algn="ctr"/>
-            <a:r>
-              <a:rPr lang="en-US" sz="3200" b="1" spc="300" dirty="0">
-                <a:latin typeface="Roboto" pitchFamily="2" charset="0"/>
-                <a:ea typeface="Roboto" pitchFamily="2" charset="0"/>
-                <a:cs typeface="Gautami" panose="020B0502040204020203" pitchFamily="34" charset="0"/>
-              </a:rPr>
-              <a:t>ENGLISH SHORT TITLE CATALOGUE</a:t>
-            </a:r>
-          </a:p>
-        </p:txBody>
-      </p:sp>
-      <p:sp>
-        <p:nvSpPr>
-          <p:cNvPr id="5" name="TextBox 4">
-            <a:extLst>
-              <a:ext uri="{FF2B5EF4-FFF2-40B4-BE49-F238E27FC236}">
-                <a16:creationId xmlns:a16="http://schemas.microsoft.com/office/drawing/2014/main" id="{D93EA9F8-C154-4B3C-9612-684F986C7497}"/>
-              </a:ext>
-            </a:extLst>
-          </p:cNvPr>
-          <p:cNvSpPr txBox="1"/>
-          <p:nvPr/>
-        </p:nvSpPr>
-        <p:spPr>
-          <a:xfrm>
-            <a:off x="5628067" y="1960967"/>
-            <a:ext cx="5953609" cy="477054"/>
-          </a:xfrm>
-          <a:prstGeom prst="rect">
-            <a:avLst/>
-          </a:prstGeom>
-          <a:noFill/>
-        </p:spPr>
-        <p:txBody>
-          <a:bodyPr wrap="square" rtlCol="0">
-            <a:spAutoFit/>
-          </a:bodyPr>
-          <a:lstStyle/>
-          <a:p>
-            <a:pPr algn="ctr"/>
-            <a:r>
-              <a:rPr lang="en-US" sz="2500" dirty="0">
-                <a:latin typeface="Roboto" pitchFamily="2" charset="0"/>
-                <a:ea typeface="Roboto" pitchFamily="2" charset="0"/>
-              </a:rPr>
-              <a:t>Collection Date: September 25, 2019</a:t>
-            </a:r>
-          </a:p>
-        </p:txBody>
-      </p:sp>
-      <p:sp>
-        <p:nvSpPr>
-          <p:cNvPr id="6" name="TextBox 5">
-            <a:extLst>
-              <a:ext uri="{FF2B5EF4-FFF2-40B4-BE49-F238E27FC236}">
-                <a16:creationId xmlns:a16="http://schemas.microsoft.com/office/drawing/2014/main" id="{B8EEF8A0-6173-4011-BBF7-B7615A164529}"/>
-              </a:ext>
-            </a:extLst>
-          </p:cNvPr>
-          <p:cNvSpPr txBox="1"/>
-          <p:nvPr/>
-        </p:nvSpPr>
-        <p:spPr>
-          <a:xfrm>
-            <a:off x="6847991" y="2552100"/>
-            <a:ext cx="3513762" cy="477054"/>
-          </a:xfrm>
-          <a:prstGeom prst="rect">
-            <a:avLst/>
-          </a:prstGeom>
-          <a:noFill/>
-        </p:spPr>
-        <p:txBody>
-          <a:bodyPr wrap="square" rtlCol="0">
-            <a:spAutoFit/>
-          </a:bodyPr>
-          <a:lstStyle/>
-          <a:p>
-            <a:pPr algn="ctr"/>
-            <a:r>
-              <a:rPr lang="en-US" sz="2500" dirty="0">
-                <a:latin typeface="Roboto" pitchFamily="2" charset="0"/>
-                <a:ea typeface="Roboto" pitchFamily="2" charset="0"/>
-              </a:rPr>
-              <a:t>Records: 3,137</a:t>
-            </a:r>
-          </a:p>
-        </p:txBody>
-      </p:sp>
-      <p:sp>
-        <p:nvSpPr>
-          <p:cNvPr id="10" name="TextBox 9">
-            <a:extLst>
-              <a:ext uri="{FF2B5EF4-FFF2-40B4-BE49-F238E27FC236}">
-                <a16:creationId xmlns:a16="http://schemas.microsoft.com/office/drawing/2014/main" id="{23DEB56F-1A55-4DE8-8C46-21BC2E129463}"/>
-              </a:ext>
-            </a:extLst>
-          </p:cNvPr>
-          <p:cNvSpPr txBox="1"/>
-          <p:nvPr/>
-        </p:nvSpPr>
-        <p:spPr>
-          <a:xfrm>
-            <a:off x="6439097" y="4976496"/>
-            <a:ext cx="4528913" cy="1554272"/>
-          </a:xfrm>
-          <a:prstGeom prst="rect">
-            <a:avLst/>
-          </a:prstGeom>
-          <a:noFill/>
-        </p:spPr>
-        <p:txBody>
-          <a:bodyPr wrap="square" rtlCol="0">
-            <a:spAutoFit/>
-          </a:bodyPr>
-          <a:lstStyle/>
-          <a:p>
-            <a:pPr algn="ctr">
-              <a:spcBef>
-                <a:spcPts val="1200"/>
-              </a:spcBef>
-            </a:pPr>
-            <a:r>
-              <a:rPr lang="en-US" sz="2500" dirty="0" err="1">
-                <a:latin typeface="Roboto" pitchFamily="2" charset="0"/>
-                <a:ea typeface="Roboto" pitchFamily="2" charset="0"/>
-              </a:rPr>
-              <a:t>OpenRefine</a:t>
-            </a:r>
-            <a:endParaRPr lang="en-US" sz="2500" dirty="0">
-              <a:latin typeface="Roboto" pitchFamily="2" charset="0"/>
-              <a:ea typeface="Roboto" pitchFamily="2" charset="0"/>
-            </a:endParaRPr>
-          </a:p>
-          <a:p>
-            <a:pPr algn="ctr">
-              <a:spcBef>
-                <a:spcPts val="1200"/>
-              </a:spcBef>
-            </a:pPr>
-            <a:r>
-              <a:rPr lang="en-US" sz="2500" dirty="0">
-                <a:latin typeface="Roboto" pitchFamily="2" charset="0"/>
-                <a:ea typeface="Roboto" pitchFamily="2" charset="0"/>
-              </a:rPr>
-              <a:t>Hand editing</a:t>
-            </a:r>
-          </a:p>
-          <a:p>
-            <a:pPr algn="ctr">
-              <a:spcBef>
-                <a:spcPts val="1200"/>
-              </a:spcBef>
-            </a:pPr>
-            <a:r>
-              <a:rPr lang="en-US" sz="2500" dirty="0">
-                <a:latin typeface="Roboto" pitchFamily="2" charset="0"/>
-                <a:ea typeface="Roboto" pitchFamily="2" charset="0"/>
-              </a:rPr>
-              <a:t>Excel "text to column“ tool</a:t>
-            </a:r>
-          </a:p>
-        </p:txBody>
-      </p:sp>
-      <p:cxnSp>
-        <p:nvCxnSpPr>
-          <p:cNvPr id="11" name="Straight Connector 10">
-            <a:extLst>
-              <a:ext uri="{FF2B5EF4-FFF2-40B4-BE49-F238E27FC236}">
-                <a16:creationId xmlns:a16="http://schemas.microsoft.com/office/drawing/2014/main" id="{FFF405B0-30A4-4463-B9D9-797C625778D5}"/>
-              </a:ext>
-            </a:extLst>
-          </p:cNvPr>
-          <p:cNvCxnSpPr/>
-          <p:nvPr/>
-        </p:nvCxnSpPr>
-        <p:spPr>
-          <a:xfrm>
-            <a:off x="1011381" y="3707258"/>
-            <a:ext cx="4452286" cy="0"/>
-          </a:xfrm>
-          <a:prstGeom prst="line">
-            <a:avLst/>
-          </a:prstGeom>
-          <a:ln w="19050"/>
-        </p:spPr>
-        <p:style>
-          <a:lnRef idx="1">
-            <a:schemeClr val="dk1"/>
-          </a:lnRef>
-          <a:fillRef idx="0">
-            <a:schemeClr val="dk1"/>
-          </a:fillRef>
-          <a:effectRef idx="0">
-            <a:schemeClr val="dk1"/>
-          </a:effectRef>
-          <a:fontRef idx="minor">
-            <a:schemeClr val="tx1"/>
-          </a:fontRef>
-        </p:style>
-      </p:cxnSp>
-      <p:cxnSp>
-        <p:nvCxnSpPr>
-          <p:cNvPr id="12" name="Straight Connector 11">
-            <a:extLst>
-              <a:ext uri="{FF2B5EF4-FFF2-40B4-BE49-F238E27FC236}">
-                <a16:creationId xmlns:a16="http://schemas.microsoft.com/office/drawing/2014/main" id="{352A98B1-4AE7-4931-8149-60B70A452C50}"/>
-              </a:ext>
-            </a:extLst>
-          </p:cNvPr>
-          <p:cNvCxnSpPr/>
-          <p:nvPr/>
-        </p:nvCxnSpPr>
-        <p:spPr>
-          <a:xfrm>
-            <a:off x="6477411" y="3707258"/>
-            <a:ext cx="4452286" cy="0"/>
-          </a:xfrm>
-          <a:prstGeom prst="line">
-            <a:avLst/>
-          </a:prstGeom>
-          <a:ln w="19050"/>
-        </p:spPr>
-        <p:style>
-          <a:lnRef idx="1">
-            <a:schemeClr val="dk1"/>
-          </a:lnRef>
-          <a:fillRef idx="0">
-            <a:schemeClr val="dk1"/>
-          </a:fillRef>
-          <a:effectRef idx="0">
-            <a:schemeClr val="dk1"/>
-          </a:effectRef>
-          <a:fontRef idx="minor">
-            <a:schemeClr val="tx1"/>
-          </a:fontRef>
-        </p:style>
-      </p:cxnSp>
-      <p:sp>
-        <p:nvSpPr>
-          <p:cNvPr id="13" name="TextBox 12">
-            <a:extLst>
-              <a:ext uri="{FF2B5EF4-FFF2-40B4-BE49-F238E27FC236}">
-                <a16:creationId xmlns:a16="http://schemas.microsoft.com/office/drawing/2014/main" id="{5E4CFE1B-A8A7-40A1-A61F-1806B083815D}"/>
-              </a:ext>
-            </a:extLst>
-          </p:cNvPr>
-          <p:cNvSpPr txBox="1"/>
-          <p:nvPr/>
-        </p:nvSpPr>
-        <p:spPr>
-          <a:xfrm>
-            <a:off x="590651" y="4976496"/>
-            <a:ext cx="5232527" cy="477054"/>
-          </a:xfrm>
-          <a:prstGeom prst="rect">
-            <a:avLst/>
-          </a:prstGeom>
-          <a:noFill/>
-        </p:spPr>
-        <p:txBody>
-          <a:bodyPr wrap="square" rtlCol="0">
-            <a:spAutoFit/>
-          </a:bodyPr>
-          <a:lstStyle/>
-          <a:p>
-            <a:pPr algn="ctr"/>
-            <a:r>
-              <a:rPr lang="en-US" sz="2500" dirty="0">
-                <a:latin typeface="Roboto" pitchFamily="2" charset="0"/>
-                <a:ea typeface="Roboto" pitchFamily="2" charset="0"/>
-              </a:rPr>
-              <a:t>Parsing JSON with Python</a:t>
-            </a:r>
-          </a:p>
-        </p:txBody>
-      </p:sp>
-      <p:sp>
-        <p:nvSpPr>
-          <p:cNvPr id="14" name="TextBox 13">
-            <a:extLst>
-              <a:ext uri="{FF2B5EF4-FFF2-40B4-BE49-F238E27FC236}">
-                <a16:creationId xmlns:a16="http://schemas.microsoft.com/office/drawing/2014/main" id="{145C92D3-6C3F-42AA-AA5C-85E491C18D4E}"/>
-              </a:ext>
-            </a:extLst>
-          </p:cNvPr>
-          <p:cNvSpPr txBox="1"/>
-          <p:nvPr/>
-        </p:nvSpPr>
-        <p:spPr>
-          <a:xfrm>
-            <a:off x="6045979" y="4133618"/>
-            <a:ext cx="5315150" cy="553998"/>
-          </a:xfrm>
-          <a:prstGeom prst="rect">
-            <a:avLst/>
-          </a:prstGeom>
-          <a:noFill/>
-        </p:spPr>
-        <p:txBody>
-          <a:bodyPr wrap="square" rtlCol="0">
-            <a:spAutoFit/>
-          </a:bodyPr>
-          <a:lstStyle/>
-          <a:p>
-            <a:pPr algn="ctr"/>
-            <a:r>
-              <a:rPr lang="en-US" sz="3000" b="1" spc="300" dirty="0">
-                <a:latin typeface="Roboto" pitchFamily="2" charset="0"/>
-                <a:ea typeface="Roboto" pitchFamily="2" charset="0"/>
-                <a:cs typeface="Gautami" panose="020B0502040204020203" pitchFamily="34" charset="0"/>
-              </a:rPr>
-              <a:t>CLEANING</a:t>
-            </a:r>
-          </a:p>
-        </p:txBody>
-      </p:sp>
-      <p:sp>
-        <p:nvSpPr>
-          <p:cNvPr id="17" name="TextBox 16">
-            <a:extLst>
-              <a:ext uri="{FF2B5EF4-FFF2-40B4-BE49-F238E27FC236}">
-                <a16:creationId xmlns:a16="http://schemas.microsoft.com/office/drawing/2014/main" id="{2A7A7BBB-6E5F-444E-9DC1-C783E6409479}"/>
-              </a:ext>
-            </a:extLst>
-          </p:cNvPr>
-          <p:cNvSpPr txBox="1"/>
-          <p:nvPr/>
-        </p:nvSpPr>
-        <p:spPr>
-          <a:xfrm>
-            <a:off x="579946" y="4133618"/>
-            <a:ext cx="5315150" cy="553998"/>
-          </a:xfrm>
-          <a:prstGeom prst="rect">
-            <a:avLst/>
-          </a:prstGeom>
-          <a:noFill/>
-        </p:spPr>
-        <p:txBody>
-          <a:bodyPr wrap="square" rtlCol="0">
-            <a:spAutoFit/>
-          </a:bodyPr>
-          <a:lstStyle/>
-          <a:p>
-            <a:pPr algn="ctr"/>
-            <a:r>
-              <a:rPr lang="en-US" sz="3000" b="1" spc="300" dirty="0">
-                <a:latin typeface="Roboto" pitchFamily="2" charset="0"/>
-                <a:ea typeface="Roboto" pitchFamily="2" charset="0"/>
-                <a:cs typeface="Gautami" panose="020B0502040204020203" pitchFamily="34" charset="0"/>
-              </a:rPr>
-              <a:t>COLLECTION</a:t>
-            </a:r>
+          <p:cNvSpPr>
+            <a:spLocks noGrp="1"/>
+          </p:cNvSpPr>
+          <p:nvPr>
+            <p:ph type="body" idx="1"/>
+          </p:nvPr>
+        </p:nvSpPr>
+        <p:spPr/>
+        <p:txBody>
+          <a:bodyPr/>
+          <a:lstStyle/>
+          <a:p>
+            <a:endParaRPr lang="en-US"/>
           </a:p>
         </p:txBody>
       </p:sp>
     </p:spTree>
     <p:extLst>
       <p:ext uri="{BB962C8B-B14F-4D97-AF65-F5344CB8AC3E}">
-        <p14:creationId xmlns:p14="http://schemas.microsoft.com/office/powerpoint/2010/main" val="231150258"/>
+        <p14:creationId xmlns:p14="http://schemas.microsoft.com/office/powerpoint/2010/main" val="1146688588"/>
       </p:ext>
     </p:extLst>
   </p:cSld>
@@ -6383,12 +7084,106 @@
           <a:chExt cx="0" cy="0"/>
         </a:xfrm>
       </p:grpSpPr>
-      <p:sp>
-        <p:nvSpPr>
-          <p:cNvPr id="4" name="TextBox 3">
+      <p:pic>
+        <p:nvPicPr>
+          <p:cNvPr id="1026" name="Picture 2" descr="Image result for early english books online">
             <a:extLst>
               <a:ext uri="{FF2B5EF4-FFF2-40B4-BE49-F238E27FC236}">
-                <a16:creationId xmlns:a16="http://schemas.microsoft.com/office/drawing/2014/main" id="{C1AC3FDF-23CE-4A8E-811F-EF814D233BDC}"/>
+                <a16:creationId xmlns:a16="http://schemas.microsoft.com/office/drawing/2014/main" id="{9D007041-1F17-470B-ACB3-14EA41926BDE}"/>
+              </a:ext>
+            </a:extLst>
+          </p:cNvPr>
+          <p:cNvPicPr>
+            <a:picLocks noChangeAspect="1" noChangeArrowheads="1"/>
+          </p:cNvPicPr>
+          <p:nvPr/>
+        </p:nvPicPr>
+        <p:blipFill>
+          <a:blip r:embed="rId3">
+            <a:extLst>
+              <a:ext uri="{28A0092B-C50C-407E-A947-70E740481C1C}">
+                <a14:useLocalDpi xmlns:a14="http://schemas.microsoft.com/office/drawing/2010/main" val="0"/>
+              </a:ext>
+            </a:extLst>
+          </a:blip>
+          <a:srcRect/>
+          <a:stretch>
+            <a:fillRect/>
+          </a:stretch>
+        </p:blipFill>
+        <p:spPr bwMode="auto">
+          <a:xfrm>
+            <a:off x="1426403" y="473595"/>
+            <a:ext cx="3622237" cy="1177227"/>
+          </a:xfrm>
+          <a:prstGeom prst="rect">
+            <a:avLst/>
+          </a:prstGeom>
+          <a:noFill/>
+          <a:extLst>
+            <a:ext uri="{909E8E84-426E-40DD-AFC4-6F175D3DCCD1}">
+              <a14:hiddenFill xmlns:a14="http://schemas.microsoft.com/office/drawing/2010/main">
+                <a:solidFill>
+                  <a:srgbClr val="FFFFFF"/>
+                </a:solidFill>
+              </a14:hiddenFill>
+            </a:ext>
+          </a:extLst>
+        </p:spPr>
+      </p:pic>
+      <p:pic>
+        <p:nvPicPr>
+          <p:cNvPr id="1028" name="Picture 4" descr="Image result for proquest">
+            <a:extLst>
+              <a:ext uri="{FF2B5EF4-FFF2-40B4-BE49-F238E27FC236}">
+                <a16:creationId xmlns:a16="http://schemas.microsoft.com/office/drawing/2014/main" id="{2F99ACB8-0168-491B-9844-EF7FBC808FE3}"/>
+              </a:ext>
+            </a:extLst>
+          </p:cNvPr>
+          <p:cNvPicPr>
+            <a:picLocks noChangeAspect="1" noChangeArrowheads="1"/>
+          </p:cNvPicPr>
+          <p:nvPr/>
+        </p:nvPicPr>
+        <p:blipFill>
+          <a:blip r:embed="rId4">
+            <a:extLst>
+              <a:ext uri="{28A0092B-C50C-407E-A947-70E740481C1C}">
+                <a14:useLocalDpi xmlns:a14="http://schemas.microsoft.com/office/drawing/2010/main" val="0"/>
+              </a:ext>
+            </a:extLst>
+          </a:blip>
+          <a:srcRect/>
+          <a:stretch>
+            <a:fillRect/>
+          </a:stretch>
+        </p:blipFill>
+        <p:spPr bwMode="auto">
+          <a:xfrm>
+            <a:off x="1682158" y="2024736"/>
+            <a:ext cx="3110726" cy="1177224"/>
+          </a:xfrm>
+          <a:prstGeom prst="rect">
+            <a:avLst/>
+          </a:prstGeom>
+          <a:noFill/>
+          <a:extLst>
+            <a:ext uri="{909E8E84-426E-40DD-AFC4-6F175D3DCCD1}">
+              <a14:hiddenFill xmlns:a14="http://schemas.microsoft.com/office/drawing/2010/main">
+                <a:solidFill>
+                  <a:srgbClr val="FFFFFF"/>
+                </a:solidFill>
+              </a14:hiddenFill>
+            </a:ext>
+          </a:extLst>
+        </p:spPr>
+      </p:pic>
+      <p:sp>
+        <p:nvSpPr>
+          <p:cNvPr id="38" name="TextBox 37">
+            <a:extLst>
+              <a:ext uri="{FF2B5EF4-FFF2-40B4-BE49-F238E27FC236}">
+                <a16:creationId xmlns:a16="http://schemas.microsoft.com/office/drawing/2014/main" id="{84F4CE83-3999-43C4-A736-73D19B1079DC}"/>
               </a:ext>
             </a:extLst>
           </p:cNvPr>
@@ -6397,7 +7192,7 @@
         </p:nvSpPr>
         <p:spPr>
           <a:xfrm>
-            <a:off x="5947297" y="400312"/>
+            <a:off x="5947297" y="431134"/>
             <a:ext cx="5315150" cy="1077218"/>
           </a:xfrm>
           <a:prstGeom prst="rect">
@@ -6418,28 +7213,17 @@
                 <a:ea typeface="Roboto" pitchFamily="2" charset="0"/>
                 <a:cs typeface="Gautami" panose="020B0502040204020203" pitchFamily="34" charset="0"/>
               </a:rPr>
-              <a:t>OPEN SYLLABUS</a:t>
-            </a:r>
-          </a:p>
-          <a:p>
-            <a:pPr algn="ctr"/>
-            <a:r>
-              <a:rPr lang="en-US" sz="3200" b="1" spc="300" dirty="0">
-                <a:latin typeface="Roboto" pitchFamily="2" charset="0"/>
-                <a:ea typeface="Roboto" pitchFamily="2" charset="0"/>
-                <a:cs typeface="Gautami" panose="020B0502040204020203" pitchFamily="34" charset="0"/>
-              </a:rPr>
-              <a:t>PROJECT</a:t>
-            </a:r>
-          </a:p>
-        </p:txBody>
-      </p:sp>
-      <p:sp>
-        <p:nvSpPr>
-          <p:cNvPr id="5" name="TextBox 4">
+              <a:t>EARLY ENGLISH BOOKS ONLINE</a:t>
+            </a:r>
+          </a:p>
+        </p:txBody>
+      </p:sp>
+      <p:sp>
+        <p:nvSpPr>
+          <p:cNvPr id="42" name="TextBox 41">
             <a:extLst>
               <a:ext uri="{FF2B5EF4-FFF2-40B4-BE49-F238E27FC236}">
-                <a16:creationId xmlns:a16="http://schemas.microsoft.com/office/drawing/2014/main" id="{D93EA9F8-C154-4B3C-9612-684F986C7497}"/>
+                <a16:creationId xmlns:a16="http://schemas.microsoft.com/office/drawing/2014/main" id="{334937F2-AA20-42A1-B9F9-E24B95BA3AC7}"/>
               </a:ext>
             </a:extLst>
           </p:cNvPr>
@@ -6468,17 +7252,17 @@
                 <a:latin typeface="Roboto" pitchFamily="2" charset="0"/>
                 <a:ea typeface="Roboto" pitchFamily="2" charset="0"/>
               </a:rPr>
-              <a:t>Collection Date: September 15, 2019</a:t>
-            </a:r>
-          </a:p>
-        </p:txBody>
-      </p:sp>
-      <p:sp>
-        <p:nvSpPr>
-          <p:cNvPr id="6" name="TextBox 5">
+              <a:t>Collection Date: October 3, 2019</a:t>
+            </a:r>
+          </a:p>
+        </p:txBody>
+      </p:sp>
+      <p:sp>
+        <p:nvSpPr>
+          <p:cNvPr id="56" name="TextBox 55">
             <a:extLst>
               <a:ext uri="{FF2B5EF4-FFF2-40B4-BE49-F238E27FC236}">
-                <a16:creationId xmlns:a16="http://schemas.microsoft.com/office/drawing/2014/main" id="{B8EEF8A0-6173-4011-BBF7-B7615A164529}"/>
+                <a16:creationId xmlns:a16="http://schemas.microsoft.com/office/drawing/2014/main" id="{5D0A9BE0-7856-43F5-8CE8-CB99A6A6CEE2}"/>
               </a:ext>
             </a:extLst>
           </p:cNvPr>
@@ -6507,74 +7291,17 @@
                 <a:latin typeface="Roboto" pitchFamily="2" charset="0"/>
                 <a:ea typeface="Roboto" pitchFamily="2" charset="0"/>
               </a:rPr>
-              <a:t>Records: 5,000</a:t>
-            </a:r>
-          </a:p>
-        </p:txBody>
-      </p:sp>
-      <p:sp>
-        <p:nvSpPr>
-          <p:cNvPr id="10" name="TextBox 9">
-            <a:extLst>
-              <a:ext uri="{FF2B5EF4-FFF2-40B4-BE49-F238E27FC236}">
-                <a16:creationId xmlns:a16="http://schemas.microsoft.com/office/drawing/2014/main" id="{23DEB56F-1A55-4DE8-8C46-21BC2E129463}"/>
-              </a:ext>
-            </a:extLst>
-          </p:cNvPr>
-          <p:cNvSpPr txBox="1"/>
-          <p:nvPr/>
-        </p:nvSpPr>
-        <p:spPr>
-          <a:xfrm>
-            <a:off x="6477411" y="4976496"/>
-            <a:ext cx="4528913" cy="1015663"/>
-          </a:xfrm>
-          <a:prstGeom prst="rect">
-            <a:avLst/>
-          </a:prstGeom>
-          <a:noFill/>
-        </p:spPr>
-        <p:txBody>
-          <a:bodyPr wrap="square" rtlCol="0">
-            <a:spAutoFit/>
-          </a:bodyPr>
-          <a:lstStyle/>
-          <a:p>
-            <a:pPr algn="ctr">
-              <a:spcBef>
-                <a:spcPts val="1200"/>
-              </a:spcBef>
-            </a:pPr>
-            <a:r>
-              <a:rPr lang="en-US" sz="2500" dirty="0">
-                <a:latin typeface="Roboto" pitchFamily="2" charset="0"/>
-                <a:ea typeface="Roboto" pitchFamily="2" charset="0"/>
-              </a:rPr>
-              <a:t>Hand editing</a:t>
-            </a:r>
-          </a:p>
-          <a:p>
-            <a:pPr algn="ctr">
-              <a:spcBef>
-                <a:spcPts val="1200"/>
-              </a:spcBef>
-            </a:pPr>
-            <a:r>
-              <a:rPr lang="en-US" sz="2500" dirty="0">
-                <a:latin typeface="Roboto" pitchFamily="2" charset="0"/>
-                <a:ea typeface="Roboto" pitchFamily="2" charset="0"/>
-              </a:rPr>
-              <a:t>Excel "text to column“ tool</a:t>
+              <a:t>Records: 860</a:t>
             </a:r>
           </a:p>
         </p:txBody>
       </p:sp>
       <p:cxnSp>
         <p:nvCxnSpPr>
-          <p:cNvPr id="11" name="Straight Connector 10">
+          <p:cNvPr id="53" name="Straight Connector 52">
             <a:extLst>
               <a:ext uri="{FF2B5EF4-FFF2-40B4-BE49-F238E27FC236}">
-                <a16:creationId xmlns:a16="http://schemas.microsoft.com/office/drawing/2014/main" id="{FFF405B0-30A4-4463-B9D9-797C625778D5}"/>
+                <a16:creationId xmlns:a16="http://schemas.microsoft.com/office/drawing/2014/main" id="{E4B6B28F-55A3-4F36-BA13-7FFE6CE4C8CE}"/>
               </a:ext>
             </a:extLst>
           </p:cNvPr>
@@ -6608,10 +7335,10 @@
       </p:cxnSp>
       <p:cxnSp>
         <p:nvCxnSpPr>
-          <p:cNvPr id="12" name="Straight Connector 11">
+          <p:cNvPr id="74" name="Straight Connector 73">
             <a:extLst>
               <a:ext uri="{FF2B5EF4-FFF2-40B4-BE49-F238E27FC236}">
-                <a16:creationId xmlns:a16="http://schemas.microsoft.com/office/drawing/2014/main" id="{352A98B1-4AE7-4931-8149-60B70A452C50}"/>
+                <a16:creationId xmlns:a16="http://schemas.microsoft.com/office/drawing/2014/main" id="{EDDE31E0-B92E-44B2-9531-7C33535F4284}"/>
               </a:ext>
             </a:extLst>
           </p:cNvPr>
@@ -6643,42 +7370,12 @@
           </a:fontRef>
         </p:style>
       </p:cxnSp>
-      <p:pic>
-        <p:nvPicPr>
-          <p:cNvPr id="13" name="Picture 12">
+      <p:sp>
+        <p:nvSpPr>
+          <p:cNvPr id="14" name="TextBox 13">
             <a:extLst>
               <a:ext uri="{FF2B5EF4-FFF2-40B4-BE49-F238E27FC236}">
-                <a16:creationId xmlns:a16="http://schemas.microsoft.com/office/drawing/2014/main" id="{70545BAD-2B21-4B01-A7B6-DF6C9497D7E6}"/>
-              </a:ext>
-            </a:extLst>
-          </p:cNvPr>
-          <p:cNvPicPr>
-            <a:picLocks noChangeAspect="1"/>
-          </p:cNvPicPr>
-          <p:nvPr/>
-        </p:nvPicPr>
-        <p:blipFill>
-          <a:blip r:embed="rId2"/>
-          <a:stretch>
-            <a:fillRect/>
-          </a:stretch>
-        </p:blipFill>
-        <p:spPr>
-          <a:xfrm>
-            <a:off x="1332522" y="1103064"/>
-            <a:ext cx="3810000" cy="1170306"/>
-          </a:xfrm>
-          <a:prstGeom prst="rect">
-            <a:avLst/>
-          </a:prstGeom>
-        </p:spPr>
-      </p:pic>
-      <p:sp>
-        <p:nvSpPr>
-          <p:cNvPr id="17" name="TextBox 16">
-            <a:extLst>
-              <a:ext uri="{FF2B5EF4-FFF2-40B4-BE49-F238E27FC236}">
-                <a16:creationId xmlns:a16="http://schemas.microsoft.com/office/drawing/2014/main" id="{F370B6F9-A1E5-462B-B464-9763D3B66E4C}"/>
+                <a16:creationId xmlns:a16="http://schemas.microsoft.com/office/drawing/2014/main" id="{7F546B40-7165-41A3-8571-FD9BBE66A6EA}"/>
               </a:ext>
             </a:extLst>
           </p:cNvPr>
@@ -6688,7 +7385,7 @@
         <p:spPr>
           <a:xfrm>
             <a:off x="1056775" y="4976496"/>
-            <a:ext cx="4361493" cy="1400383"/>
+            <a:ext cx="4361493" cy="861774"/>
           </a:xfrm>
           <a:prstGeom prst="rect">
             <a:avLst/>
@@ -6711,20 +7408,6 @@
                 <a:latin typeface="Roboto" pitchFamily="2" charset="0"/>
                 <a:ea typeface="Roboto" pitchFamily="2" charset="0"/>
               </a:rPr>
-              <a:t>XPATH Helper</a:t>
-            </a:r>
-          </a:p>
-          <a:p>
-            <a:pPr algn="ctr">
-              <a:spcBef>
-                <a:spcPts val="1200"/>
-              </a:spcBef>
-            </a:pPr>
-            <a:r>
-              <a:rPr lang="en-US" sz="2500" dirty="0">
-                <a:latin typeface="Roboto" pitchFamily="2" charset="0"/>
-                <a:ea typeface="Roboto" pitchFamily="2" charset="0"/>
-              </a:rPr>
               <a:t>Copy-paste into Excel spreadsheet</a:t>
             </a:r>
           </a:p>
@@ -6732,10 +7415,10 @@
       </p:sp>
       <p:sp>
         <p:nvSpPr>
-          <p:cNvPr id="16" name="TextBox 15">
+          <p:cNvPr id="15" name="TextBox 14">
             <a:extLst>
               <a:ext uri="{FF2B5EF4-FFF2-40B4-BE49-F238E27FC236}">
-                <a16:creationId xmlns:a16="http://schemas.microsoft.com/office/drawing/2014/main" id="{8035AF95-788A-4D3C-9D36-56D105A4FC94}"/>
+                <a16:creationId xmlns:a16="http://schemas.microsoft.com/office/drawing/2014/main" id="{FC2EFCE8-45ED-4F82-B7DE-EE3B136BE62A}"/>
               </a:ext>
             </a:extLst>
           </p:cNvPr>
@@ -6772,10 +7455,10 @@
       </p:sp>
       <p:sp>
         <p:nvSpPr>
-          <p:cNvPr id="18" name="TextBox 17">
+          <p:cNvPr id="16" name="TextBox 15">
             <a:extLst>
               <a:ext uri="{FF2B5EF4-FFF2-40B4-BE49-F238E27FC236}">
-                <a16:creationId xmlns:a16="http://schemas.microsoft.com/office/drawing/2014/main" id="{670C7531-4DE8-47F6-A188-D6433DB54838}"/>
+                <a16:creationId xmlns:a16="http://schemas.microsoft.com/office/drawing/2014/main" id="{BDCD3D84-B0E6-4318-82D6-D0C7259096AB}"/>
               </a:ext>
             </a:extLst>
           </p:cNvPr>
@@ -6810,10 +7493,85 @@
           </a:p>
         </p:txBody>
       </p:sp>
+      <p:sp>
+        <p:nvSpPr>
+          <p:cNvPr id="13" name="TextBox 12">
+            <a:extLst>
+              <a:ext uri="{FF2B5EF4-FFF2-40B4-BE49-F238E27FC236}">
+                <a16:creationId xmlns:a16="http://schemas.microsoft.com/office/drawing/2014/main" id="{7E4E408B-8A30-40B0-BA96-B6C54286927F}"/>
+              </a:ext>
+            </a:extLst>
+          </p:cNvPr>
+          <p:cNvSpPr txBox="1"/>
+          <p:nvPr/>
+        </p:nvSpPr>
+        <p:spPr>
+          <a:xfrm>
+            <a:off x="6439097" y="4976496"/>
+            <a:ext cx="4528913" cy="1554272"/>
+          </a:xfrm>
+          <a:prstGeom prst="rect">
+            <a:avLst/>
+          </a:prstGeom>
+          <a:noFill/>
+        </p:spPr>
+        <p:txBody>
+          <a:bodyPr wrap="square" rtlCol="0">
+            <a:spAutoFit/>
+          </a:bodyPr>
+          <a:lstStyle/>
+          <a:p>
+            <a:pPr algn="ctr">
+              <a:spcBef>
+                <a:spcPts val="1200"/>
+              </a:spcBef>
+            </a:pPr>
+            <a:r>
+              <a:rPr lang="en-US" sz="2500" dirty="0" err="1">
+                <a:latin typeface="Roboto" pitchFamily="2" charset="0"/>
+                <a:ea typeface="Roboto" pitchFamily="2" charset="0"/>
+              </a:rPr>
+              <a:t>OpenRefine</a:t>
+            </a:r>
+            <a:endParaRPr lang="en-US" sz="2500" dirty="0">
+              <a:latin typeface="Roboto" pitchFamily="2" charset="0"/>
+              <a:ea typeface="Roboto" pitchFamily="2" charset="0"/>
+            </a:endParaRPr>
+          </a:p>
+          <a:p>
+            <a:pPr algn="ctr">
+              <a:spcBef>
+                <a:spcPts val="1200"/>
+              </a:spcBef>
+            </a:pPr>
+            <a:r>
+              <a:rPr lang="en-US" sz="2500" dirty="0">
+                <a:latin typeface="Roboto" pitchFamily="2" charset="0"/>
+                <a:ea typeface="Roboto" pitchFamily="2" charset="0"/>
+              </a:rPr>
+              <a:t>Hand editing</a:t>
+            </a:r>
+          </a:p>
+          <a:p>
+            <a:pPr algn="ctr">
+              <a:spcBef>
+                <a:spcPts val="1200"/>
+              </a:spcBef>
+            </a:pPr>
+            <a:r>
+              <a:rPr lang="en-US" sz="2500" dirty="0">
+                <a:latin typeface="Roboto" pitchFamily="2" charset="0"/>
+                <a:ea typeface="Roboto" pitchFamily="2" charset="0"/>
+              </a:rPr>
+              <a:t>Excel "text to column“ tool</a:t>
+            </a:r>
+          </a:p>
+        </p:txBody>
+      </p:sp>
     </p:spTree>
     <p:extLst>
       <p:ext uri="{BB962C8B-B14F-4D97-AF65-F5344CB8AC3E}">
-        <p14:creationId xmlns:p14="http://schemas.microsoft.com/office/powerpoint/2010/main" val="3500545357"/>
+        <p14:creationId xmlns:p14="http://schemas.microsoft.com/office/powerpoint/2010/main" val="329112806"/>
       </p:ext>
     </p:extLst>
   </p:cSld>
@@ -6842,10 +7600,10 @@
       </p:grpSpPr>
       <p:pic>
         <p:nvPicPr>
-          <p:cNvPr id="1026" name="Picture 2" descr="Image result for university of oxford logo">
+          <p:cNvPr id="15" name="Picture 6" descr="Image result for hathitrust">
             <a:extLst>
               <a:ext uri="{FF2B5EF4-FFF2-40B4-BE49-F238E27FC236}">
-                <a16:creationId xmlns:a16="http://schemas.microsoft.com/office/drawing/2014/main" id="{CCB850C1-3C29-456A-857E-F8259E9B95A9}"/>
+                <a16:creationId xmlns:a16="http://schemas.microsoft.com/office/drawing/2014/main" id="{585F986D-2DDB-42D6-849E-6CD2F726F518}"/>
               </a:ext>
             </a:extLst>
           </p:cNvPr>
@@ -6869,8 +7627,8 @@
         </p:blipFill>
         <p:spPr bwMode="auto">
           <a:xfrm>
-            <a:off x="1793414" y="327987"/>
-            <a:ext cx="2822755" cy="2822755"/>
+            <a:off x="1438859" y="368653"/>
+            <a:ext cx="3622237" cy="1186283"/>
           </a:xfrm>
           <a:prstGeom prst="rect">
             <a:avLst/>
@@ -6887,6 +7645,51 @@
           </a:extLst>
         </p:spPr>
       </p:pic>
+      <p:pic>
+        <p:nvPicPr>
+          <p:cNvPr id="16" name="Picture 12" descr="English Short Title Catalogue">
+            <a:extLst>
+              <a:ext uri="{FF2B5EF4-FFF2-40B4-BE49-F238E27FC236}">
+                <a16:creationId xmlns:a16="http://schemas.microsoft.com/office/drawing/2014/main" id="{7D33591E-B51B-4264-9FBA-49FF6EBC6765}"/>
+              </a:ext>
+            </a:extLst>
+          </p:cNvPr>
+          <p:cNvPicPr>
+            <a:picLocks noChangeAspect="1" noChangeArrowheads="1"/>
+          </p:cNvPicPr>
+          <p:nvPr/>
+        </p:nvPicPr>
+        <p:blipFill rotWithShape="1">
+          <a:blip r:embed="rId3">
+            <a:extLst>
+              <a:ext uri="{28A0092B-C50C-407E-A947-70E740481C1C}">
+                <a14:useLocalDpi xmlns:a14="http://schemas.microsoft.com/office/drawing/2010/main" val="0"/>
+              </a:ext>
+            </a:extLst>
+          </a:blip>
+          <a:srcRect l="60346"/>
+          <a:stretch/>
+        </p:blipFill>
+        <p:spPr bwMode="auto">
+          <a:xfrm>
+            <a:off x="1694615" y="1821498"/>
+            <a:ext cx="3098269" cy="1200196"/>
+          </a:xfrm>
+          <a:prstGeom prst="rect">
+            <a:avLst/>
+          </a:prstGeom>
+          <a:noFill/>
+          <a:extLst>
+            <a:ext uri="{909E8E84-426E-40DD-AFC4-6F175D3DCCD1}">
+              <a14:hiddenFill xmlns:a14="http://schemas.microsoft.com/office/drawing/2010/main">
+                <a:solidFill>
+                  <a:srgbClr val="FFFFFF"/>
+                </a:solidFill>
+              </a14:hiddenFill>
+            </a:ext>
+          </a:extLst>
+        </p:spPr>
+      </p:pic>
       <p:sp>
         <p:nvSpPr>
           <p:cNvPr id="4" name="TextBox 3">
@@ -6901,7 +7704,7 @@
         </p:nvSpPr>
         <p:spPr>
           <a:xfrm>
-            <a:off x="5947297" y="400312"/>
+            <a:off x="5947297" y="431134"/>
             <a:ext cx="5315150" cy="1077218"/>
           </a:xfrm>
           <a:prstGeom prst="rect">
@@ -6922,7 +7725,7 @@
                 <a:ea typeface="Roboto" pitchFamily="2" charset="0"/>
                 <a:cs typeface="Gautami" panose="020B0502040204020203" pitchFamily="34" charset="0"/>
               </a:rPr>
-              <a:t>OXFORD TEXT ARCHIVE</a:t>
+              <a:t>ENGLISH SHORT TITLE CATALOGUE</a:t>
             </a:r>
           </a:p>
         </p:txBody>
@@ -6961,7 +7764,7 @@
                 <a:latin typeface="Roboto" pitchFamily="2" charset="0"/>
                 <a:ea typeface="Roboto" pitchFamily="2" charset="0"/>
               </a:rPr>
-              <a:t>Collection Date: September 15, 2019</a:t>
+              <a:t>Collection Date: September 25, 2019</a:t>
             </a:r>
           </a:p>
         </p:txBody>
@@ -7000,7 +7803,82 @@
                 <a:latin typeface="Roboto" pitchFamily="2" charset="0"/>
                 <a:ea typeface="Roboto" pitchFamily="2" charset="0"/>
               </a:rPr>
-              <a:t>Records: 600</a:t>
+              <a:t>Records: 3,137</a:t>
+            </a:r>
+          </a:p>
+        </p:txBody>
+      </p:sp>
+      <p:sp>
+        <p:nvSpPr>
+          <p:cNvPr id="10" name="TextBox 9">
+            <a:extLst>
+              <a:ext uri="{FF2B5EF4-FFF2-40B4-BE49-F238E27FC236}">
+                <a16:creationId xmlns:a16="http://schemas.microsoft.com/office/drawing/2014/main" id="{23DEB56F-1A55-4DE8-8C46-21BC2E129463}"/>
+              </a:ext>
+            </a:extLst>
+          </p:cNvPr>
+          <p:cNvSpPr txBox="1"/>
+          <p:nvPr/>
+        </p:nvSpPr>
+        <p:spPr>
+          <a:xfrm>
+            <a:off x="6439097" y="4976496"/>
+            <a:ext cx="4528913" cy="1554272"/>
+          </a:xfrm>
+          <a:prstGeom prst="rect">
+            <a:avLst/>
+          </a:prstGeom>
+          <a:noFill/>
+        </p:spPr>
+        <p:txBody>
+          <a:bodyPr wrap="square" rtlCol="0">
+            <a:spAutoFit/>
+          </a:bodyPr>
+          <a:lstStyle/>
+          <a:p>
+            <a:pPr algn="ctr">
+              <a:spcBef>
+                <a:spcPts val="1200"/>
+              </a:spcBef>
+            </a:pPr>
+            <a:r>
+              <a:rPr lang="en-US" sz="2500" dirty="0" err="1">
+                <a:latin typeface="Roboto" pitchFamily="2" charset="0"/>
+                <a:ea typeface="Roboto" pitchFamily="2" charset="0"/>
+              </a:rPr>
+              <a:t>OpenRefine</a:t>
+            </a:r>
+            <a:endParaRPr lang="en-US" sz="2500" dirty="0">
+              <a:latin typeface="Roboto" pitchFamily="2" charset="0"/>
+              <a:ea typeface="Roboto" pitchFamily="2" charset="0"/>
+            </a:endParaRPr>
+          </a:p>
+          <a:p>
+            <a:pPr algn="ctr">
+              <a:spcBef>
+                <a:spcPts val="1200"/>
+              </a:spcBef>
+            </a:pPr>
+            <a:r>
+              <a:rPr lang="en-US" sz="2500" dirty="0">
+                <a:latin typeface="Roboto" pitchFamily="2" charset="0"/>
+                <a:ea typeface="Roboto" pitchFamily="2" charset="0"/>
+              </a:rPr>
+              <a:t>Hand editing</a:t>
+            </a:r>
+          </a:p>
+          <a:p>
+            <a:pPr algn="ctr">
+              <a:spcBef>
+                <a:spcPts val="1200"/>
+              </a:spcBef>
+            </a:pPr>
+            <a:r>
+              <a:rPr lang="en-US" sz="2500" dirty="0">
+                <a:latin typeface="Roboto" pitchFamily="2" charset="0"/>
+                <a:ea typeface="Roboto" pitchFamily="2" charset="0"/>
+              </a:rPr>
+              <a:t>Excel "text to column“ tool</a:t>
             </a:r>
           </a:p>
         </p:txBody>
@@ -7081,10 +7959,10 @@
       </p:cxnSp>
       <p:sp>
         <p:nvSpPr>
-          <p:cNvPr id="16" name="TextBox 15">
+          <p:cNvPr id="13" name="TextBox 12">
             <a:extLst>
               <a:ext uri="{FF2B5EF4-FFF2-40B4-BE49-F238E27FC236}">
-                <a16:creationId xmlns:a16="http://schemas.microsoft.com/office/drawing/2014/main" id="{D8D9D907-5B4D-4252-9B6A-D75DAE115DD6}"/>
+                <a16:creationId xmlns:a16="http://schemas.microsoft.com/office/drawing/2014/main" id="{5E4CFE1B-A8A7-40A1-A61F-1806B083815D}"/>
               </a:ext>
             </a:extLst>
           </p:cNvPr>
@@ -7093,8 +7971,8 @@
         </p:nvSpPr>
         <p:spPr>
           <a:xfrm>
-            <a:off x="1056775" y="4976496"/>
-            <a:ext cx="4361493" cy="1400383"/>
+            <a:off x="590651" y="4976496"/>
+            <a:ext cx="5232527" cy="477054"/>
           </a:xfrm>
           <a:prstGeom prst="rect">
             <a:avLst/>
@@ -7107,116 +7985,23 @@
           </a:bodyPr>
           <a:lstStyle/>
           <a:p>
-            <a:pPr algn="ctr">
-              <a:spcBef>
-                <a:spcPts val="1200"/>
-              </a:spcBef>
-            </a:pPr>
+            <a:pPr algn="ctr"/>
             <a:r>
               <a:rPr lang="en-US" sz="2500" dirty="0">
                 <a:latin typeface="Roboto" pitchFamily="2" charset="0"/>
                 <a:ea typeface="Roboto" pitchFamily="2" charset="0"/>
               </a:rPr>
-              <a:t>XPATH Helper</a:t>
-            </a:r>
-          </a:p>
-          <a:p>
-            <a:pPr algn="ctr">
-              <a:spcBef>
-                <a:spcPts val="1200"/>
-              </a:spcBef>
-            </a:pPr>
-            <a:r>
-              <a:rPr lang="en-US" sz="2500" dirty="0">
-                <a:latin typeface="Roboto" pitchFamily="2" charset="0"/>
-                <a:ea typeface="Roboto" pitchFamily="2" charset="0"/>
-              </a:rPr>
-              <a:t>Copy-paste into Excel spreadsheet</a:t>
-            </a:r>
-          </a:p>
-        </p:txBody>
-      </p:sp>
-      <p:sp>
-        <p:nvSpPr>
-          <p:cNvPr id="13" name="TextBox 12">
+              <a:t>Parsing JSON with Python</a:t>
+            </a:r>
+          </a:p>
+        </p:txBody>
+      </p:sp>
+      <p:sp>
+        <p:nvSpPr>
+          <p:cNvPr id="14" name="TextBox 13">
             <a:extLst>
               <a:ext uri="{FF2B5EF4-FFF2-40B4-BE49-F238E27FC236}">
-                <a16:creationId xmlns:a16="http://schemas.microsoft.com/office/drawing/2014/main" id="{1CECCD9B-1766-4C52-8336-206C10395F51}"/>
-              </a:ext>
-            </a:extLst>
-          </p:cNvPr>
-          <p:cNvSpPr txBox="1"/>
-          <p:nvPr/>
-        </p:nvSpPr>
-        <p:spPr>
-          <a:xfrm>
-            <a:off x="6439097" y="4976496"/>
-            <a:ext cx="4528913" cy="1554272"/>
-          </a:xfrm>
-          <a:prstGeom prst="rect">
-            <a:avLst/>
-          </a:prstGeom>
-          <a:noFill/>
-        </p:spPr>
-        <p:txBody>
-          <a:bodyPr wrap="square" rtlCol="0">
-            <a:spAutoFit/>
-          </a:bodyPr>
-          <a:lstStyle/>
-          <a:p>
-            <a:pPr algn="ctr">
-              <a:spcBef>
-                <a:spcPts val="1200"/>
-              </a:spcBef>
-            </a:pPr>
-            <a:r>
-              <a:rPr lang="en-US" sz="2500" dirty="0" err="1">
-                <a:latin typeface="Roboto" pitchFamily="2" charset="0"/>
-                <a:ea typeface="Roboto" pitchFamily="2" charset="0"/>
-              </a:rPr>
-              <a:t>OpenRefine</a:t>
-            </a:r>
-            <a:endParaRPr lang="en-US" sz="2500" dirty="0">
-              <a:latin typeface="Roboto" pitchFamily="2" charset="0"/>
-              <a:ea typeface="Roboto" pitchFamily="2" charset="0"/>
-            </a:endParaRPr>
-          </a:p>
-          <a:p>
-            <a:pPr algn="ctr">
-              <a:spcBef>
-                <a:spcPts val="1200"/>
-              </a:spcBef>
-            </a:pPr>
-            <a:r>
-              <a:rPr lang="en-US" sz="2500" dirty="0">
-                <a:latin typeface="Roboto" pitchFamily="2" charset="0"/>
-                <a:ea typeface="Roboto" pitchFamily="2" charset="0"/>
-              </a:rPr>
-              <a:t>Hand editing</a:t>
-            </a:r>
-          </a:p>
-          <a:p>
-            <a:pPr algn="ctr">
-              <a:spcBef>
-                <a:spcPts val="1200"/>
-              </a:spcBef>
-            </a:pPr>
-            <a:r>
-              <a:rPr lang="en-US" sz="2500" dirty="0">
-                <a:latin typeface="Roboto" pitchFamily="2" charset="0"/>
-                <a:ea typeface="Roboto" pitchFamily="2" charset="0"/>
-              </a:rPr>
-              <a:t>Excel "text to column“ tool</a:t>
-            </a:r>
-          </a:p>
-        </p:txBody>
-      </p:sp>
-      <p:sp>
-        <p:nvSpPr>
-          <p:cNvPr id="14" name="TextBox 13">
-            <a:extLst>
-              <a:ext uri="{FF2B5EF4-FFF2-40B4-BE49-F238E27FC236}">
-                <a16:creationId xmlns:a16="http://schemas.microsoft.com/office/drawing/2014/main" id="{A53CA63A-63A1-4B9B-BD56-A06C66462426}"/>
+                <a16:creationId xmlns:a16="http://schemas.microsoft.com/office/drawing/2014/main" id="{145C92D3-6C3F-42AA-AA5C-85E491C18D4E}"/>
               </a:ext>
             </a:extLst>
           </p:cNvPr>
@@ -7256,7 +8041,7 @@
           <p:cNvPr id="17" name="TextBox 16">
             <a:extLst>
               <a:ext uri="{FF2B5EF4-FFF2-40B4-BE49-F238E27FC236}">
-                <a16:creationId xmlns:a16="http://schemas.microsoft.com/office/drawing/2014/main" id="{B54464E1-FDA0-4E1B-A036-8F7EC9EFBA48}"/>
+                <a16:creationId xmlns:a16="http://schemas.microsoft.com/office/drawing/2014/main" id="{2A7A7BBB-6E5F-444E-9DC1-C783E6409479}"/>
               </a:ext>
             </a:extLst>
           </p:cNvPr>
@@ -7294,7 +8079,7 @@
     </p:spTree>
     <p:extLst>
       <p:ext uri="{BB962C8B-B14F-4D97-AF65-F5344CB8AC3E}">
-        <p14:creationId xmlns:p14="http://schemas.microsoft.com/office/powerpoint/2010/main" val="3749287248"/>
+        <p14:creationId xmlns:p14="http://schemas.microsoft.com/office/powerpoint/2010/main" val="231150258"/>
       </p:ext>
     </p:extLst>
   </p:cSld>
@@ -7356,7 +8141,7 @@
                 <a:ea typeface="Roboto" pitchFamily="2" charset="0"/>
                 <a:cs typeface="Gautami" panose="020B0502040204020203" pitchFamily="34" charset="0"/>
               </a:rPr>
-              <a:t>PROJECT</a:t>
+              <a:t>OPEN SYLLABUS</a:t>
             </a:r>
           </a:p>
           <a:p>
@@ -7367,7 +8152,7 @@
                 <a:ea typeface="Roboto" pitchFamily="2" charset="0"/>
                 <a:cs typeface="Gautami" panose="020B0502040204020203" pitchFamily="34" charset="0"/>
               </a:rPr>
-              <a:t>GUTENBERG</a:t>
+              <a:t>PROJECT</a:t>
             </a:r>
           </a:p>
         </p:txBody>
@@ -7406,7 +8191,7 @@
                 <a:latin typeface="Roboto" pitchFamily="2" charset="0"/>
                 <a:ea typeface="Roboto" pitchFamily="2" charset="0"/>
               </a:rPr>
-              <a:t>Collection Date: October 8, 2019</a:t>
+              <a:t>Collection Date: September 15, 2019</a:t>
             </a:r>
           </a:p>
         </p:txBody>
@@ -7445,64 +8230,17 @@
                 <a:latin typeface="Roboto" pitchFamily="2" charset="0"/>
                 <a:ea typeface="Roboto" pitchFamily="2" charset="0"/>
               </a:rPr>
-              <a:t>Records: 20,801</a:t>
-            </a:r>
-          </a:p>
-        </p:txBody>
-      </p:sp>
-      <p:pic>
-        <p:nvPicPr>
-          <p:cNvPr id="13" name="Picture 10" descr="Image result for project gutenberg logo">
+              <a:t>Records: 5,000</a:t>
+            </a:r>
+          </a:p>
+        </p:txBody>
+      </p:sp>
+      <p:sp>
+        <p:nvSpPr>
+          <p:cNvPr id="10" name="TextBox 9">
             <a:extLst>
               <a:ext uri="{FF2B5EF4-FFF2-40B4-BE49-F238E27FC236}">
-                <a16:creationId xmlns:a16="http://schemas.microsoft.com/office/drawing/2014/main" id="{33CAAB0F-17B6-4C75-89D2-B30FA8D09ACE}"/>
-              </a:ext>
-            </a:extLst>
-          </p:cNvPr>
-          <p:cNvPicPr>
-            <a:picLocks noChangeAspect="1" noChangeArrowheads="1"/>
-          </p:cNvPicPr>
-          <p:nvPr/>
-        </p:nvPicPr>
-        <p:blipFill>
-          <a:blip r:embed="rId3">
-            <a:extLst>
-              <a:ext uri="{28A0092B-C50C-407E-A947-70E740481C1C}">
-                <a14:useLocalDpi xmlns:a14="http://schemas.microsoft.com/office/drawing/2010/main" val="0"/>
-              </a:ext>
-            </a:extLst>
-          </a:blip>
-          <a:srcRect/>
-          <a:stretch>
-            <a:fillRect/>
-          </a:stretch>
-        </p:blipFill>
-        <p:spPr bwMode="auto">
-          <a:xfrm>
-            <a:off x="2108767" y="608488"/>
-            <a:ext cx="2257507" cy="2257507"/>
-          </a:xfrm>
-          <a:prstGeom prst="rect">
-            <a:avLst/>
-          </a:prstGeom>
-          <a:noFill/>
-          <a:extLst>
-            <a:ext uri="{909E8E84-426E-40DD-AFC4-6F175D3DCCD1}">
-              <a14:hiddenFill xmlns:a14="http://schemas.microsoft.com/office/drawing/2010/main">
-                <a:solidFill>
-                  <a:srgbClr val="FFFFFF"/>
-                </a:solidFill>
-              </a14:hiddenFill>
-            </a:ext>
-          </a:extLst>
-        </p:spPr>
-      </p:pic>
-      <p:sp>
-        <p:nvSpPr>
-          <p:cNvPr id="17" name="TextBox 16">
-            <a:extLst>
-              <a:ext uri="{FF2B5EF4-FFF2-40B4-BE49-F238E27FC236}">
-                <a16:creationId xmlns:a16="http://schemas.microsoft.com/office/drawing/2014/main" id="{28895496-F5C1-41C6-8374-0F0AB851F0FA}"/>
+                <a16:creationId xmlns:a16="http://schemas.microsoft.com/office/drawing/2014/main" id="{23DEB56F-1A55-4DE8-8C46-21BC2E129463}"/>
               </a:ext>
             </a:extLst>
           </p:cNvPr>
@@ -7511,47 +8249,8 @@
         </p:nvSpPr>
         <p:spPr>
           <a:xfrm>
-            <a:off x="590651" y="4976496"/>
-            <a:ext cx="5232527" cy="477054"/>
-          </a:xfrm>
-          <a:prstGeom prst="rect">
-            <a:avLst/>
-          </a:prstGeom>
-          <a:noFill/>
-        </p:spPr>
-        <p:txBody>
-          <a:bodyPr wrap="square" rtlCol="0">
-            <a:spAutoFit/>
-          </a:bodyPr>
-          <a:lstStyle/>
-          <a:p>
-            <a:pPr algn="ctr"/>
-            <a:r>
-              <a:rPr lang="en-US" sz="2500" dirty="0">
-                <a:latin typeface="Roboto" pitchFamily="2" charset="0"/>
-                <a:ea typeface="Roboto" pitchFamily="2" charset="0"/>
-              </a:rPr>
-              <a:t>Parsing RDF XML with Python</a:t>
-            </a:r>
-          </a:p>
-        </p:txBody>
-      </p:sp>
-      <p:sp>
-        <p:nvSpPr>
-          <p:cNvPr id="14" name="TextBox 13">
-            <a:extLst>
-              <a:ext uri="{FF2B5EF4-FFF2-40B4-BE49-F238E27FC236}">
-                <a16:creationId xmlns:a16="http://schemas.microsoft.com/office/drawing/2014/main" id="{41535FC2-F1BD-4C06-BF56-A4EB49806C04}"/>
-              </a:ext>
-            </a:extLst>
-          </p:cNvPr>
-          <p:cNvSpPr txBox="1"/>
-          <p:nvPr/>
-        </p:nvSpPr>
-        <p:spPr>
-          <a:xfrm>
-            <a:off x="6439097" y="4976496"/>
-            <a:ext cx="4528913" cy="1554272"/>
+            <a:off x="6477411" y="4976496"/>
+            <a:ext cx="4528913" cy="1015663"/>
           </a:xfrm>
           <a:prstGeom prst="rect">
             <a:avLst/>
@@ -7570,16 +8269,12 @@
               </a:spcBef>
             </a:pPr>
             <a:r>
-              <a:rPr lang="en-US" sz="2500" dirty="0" err="1">
+              <a:rPr lang="en-US" sz="2500" dirty="0">
                 <a:latin typeface="Roboto" pitchFamily="2" charset="0"/>
                 <a:ea typeface="Roboto" pitchFamily="2" charset="0"/>
               </a:rPr>
-              <a:t>OpenRefine</a:t>
-            </a:r>
-            <a:endParaRPr lang="en-US" sz="2500" dirty="0">
-              <a:latin typeface="Roboto" pitchFamily="2" charset="0"/>
-              <a:ea typeface="Roboto" pitchFamily="2" charset="0"/>
-            </a:endParaRPr>
+              <a:t>Hand editing</a:t>
+            </a:r>
           </a:p>
           <a:p>
             <a:pPr algn="ctr">
@@ -7592,20 +8287,6 @@
                 <a:latin typeface="Roboto" pitchFamily="2" charset="0"/>
                 <a:ea typeface="Roboto" pitchFamily="2" charset="0"/>
               </a:rPr>
-              <a:t>Hand editing</a:t>
-            </a:r>
-          </a:p>
-          <a:p>
-            <a:pPr algn="ctr">
-              <a:spcBef>
-                <a:spcPts val="1200"/>
-              </a:spcBef>
-            </a:pPr>
-            <a:r>
-              <a:rPr lang="en-US" sz="2500" dirty="0">
-                <a:latin typeface="Roboto" pitchFamily="2" charset="0"/>
-                <a:ea typeface="Roboto" pitchFamily="2" charset="0"/>
-              </a:rPr>
               <a:t>Excel "text to column“ tool</a:t>
             </a:r>
           </a:p>
@@ -7613,10 +8294,10 @@
       </p:sp>
       <p:cxnSp>
         <p:nvCxnSpPr>
-          <p:cNvPr id="21" name="Straight Connector 20">
+          <p:cNvPr id="11" name="Straight Connector 10">
             <a:extLst>
               <a:ext uri="{FF2B5EF4-FFF2-40B4-BE49-F238E27FC236}">
-                <a16:creationId xmlns:a16="http://schemas.microsoft.com/office/drawing/2014/main" id="{C244826B-F414-4C17-9AB7-BF32B8F7FC0A}"/>
+                <a16:creationId xmlns:a16="http://schemas.microsoft.com/office/drawing/2014/main" id="{FFF405B0-30A4-4463-B9D9-797C625778D5}"/>
               </a:ext>
             </a:extLst>
           </p:cNvPr>
@@ -7650,10 +8331,10 @@
       </p:cxnSp>
       <p:cxnSp>
         <p:nvCxnSpPr>
-          <p:cNvPr id="22" name="Straight Connector 21">
+          <p:cNvPr id="12" name="Straight Connector 11">
             <a:extLst>
               <a:ext uri="{FF2B5EF4-FFF2-40B4-BE49-F238E27FC236}">
-                <a16:creationId xmlns:a16="http://schemas.microsoft.com/office/drawing/2014/main" id="{BC0F3BA8-BF39-494A-9B9E-74F3697CBED2}"/>
+                <a16:creationId xmlns:a16="http://schemas.microsoft.com/office/drawing/2014/main" id="{352A98B1-4AE7-4931-8149-60B70A452C50}"/>
               </a:ext>
             </a:extLst>
           </p:cNvPr>
@@ -7685,12 +8366,99 @@
           </a:fontRef>
         </p:style>
       </p:cxnSp>
-      <p:sp>
-        <p:nvSpPr>
-          <p:cNvPr id="23" name="TextBox 22">
+      <p:pic>
+        <p:nvPicPr>
+          <p:cNvPr id="13" name="Picture 12">
             <a:extLst>
               <a:ext uri="{FF2B5EF4-FFF2-40B4-BE49-F238E27FC236}">
-                <a16:creationId xmlns:a16="http://schemas.microsoft.com/office/drawing/2014/main" id="{0FF06BBB-BCF0-45E0-BB38-7D32960ED234}"/>
+                <a16:creationId xmlns:a16="http://schemas.microsoft.com/office/drawing/2014/main" id="{70545BAD-2B21-4B01-A7B6-DF6C9497D7E6}"/>
+              </a:ext>
+            </a:extLst>
+          </p:cNvPr>
+          <p:cNvPicPr>
+            <a:picLocks noChangeAspect="1"/>
+          </p:cNvPicPr>
+          <p:nvPr/>
+        </p:nvPicPr>
+        <p:blipFill>
+          <a:blip r:embed="rId2"/>
+          <a:stretch>
+            <a:fillRect/>
+          </a:stretch>
+        </p:blipFill>
+        <p:spPr>
+          <a:xfrm>
+            <a:off x="1332522" y="1103064"/>
+            <a:ext cx="3810000" cy="1170306"/>
+          </a:xfrm>
+          <a:prstGeom prst="rect">
+            <a:avLst/>
+          </a:prstGeom>
+        </p:spPr>
+      </p:pic>
+      <p:sp>
+        <p:nvSpPr>
+          <p:cNvPr id="17" name="TextBox 16">
+            <a:extLst>
+              <a:ext uri="{FF2B5EF4-FFF2-40B4-BE49-F238E27FC236}">
+                <a16:creationId xmlns:a16="http://schemas.microsoft.com/office/drawing/2014/main" id="{F370B6F9-A1E5-462B-B464-9763D3B66E4C}"/>
+              </a:ext>
+            </a:extLst>
+          </p:cNvPr>
+          <p:cNvSpPr txBox="1"/>
+          <p:nvPr/>
+        </p:nvSpPr>
+        <p:spPr>
+          <a:xfrm>
+            <a:off x="1056775" y="4976496"/>
+            <a:ext cx="4361493" cy="1400383"/>
+          </a:xfrm>
+          <a:prstGeom prst="rect">
+            <a:avLst/>
+          </a:prstGeom>
+          <a:noFill/>
+        </p:spPr>
+        <p:txBody>
+          <a:bodyPr wrap="square" rtlCol="0">
+            <a:spAutoFit/>
+          </a:bodyPr>
+          <a:lstStyle/>
+          <a:p>
+            <a:pPr algn="ctr">
+              <a:spcBef>
+                <a:spcPts val="1200"/>
+              </a:spcBef>
+            </a:pPr>
+            <a:r>
+              <a:rPr lang="en-US" sz="2500" dirty="0">
+                <a:latin typeface="Roboto" pitchFamily="2" charset="0"/>
+                <a:ea typeface="Roboto" pitchFamily="2" charset="0"/>
+              </a:rPr>
+              <a:t>XPATH Helper</a:t>
+            </a:r>
+          </a:p>
+          <a:p>
+            <a:pPr algn="ctr">
+              <a:spcBef>
+                <a:spcPts val="1200"/>
+              </a:spcBef>
+            </a:pPr>
+            <a:r>
+              <a:rPr lang="en-US" sz="2500" dirty="0">
+                <a:latin typeface="Roboto" pitchFamily="2" charset="0"/>
+                <a:ea typeface="Roboto" pitchFamily="2" charset="0"/>
+              </a:rPr>
+              <a:t>Copy-paste into Excel spreadsheet</a:t>
+            </a:r>
+          </a:p>
+        </p:txBody>
+      </p:sp>
+      <p:sp>
+        <p:nvSpPr>
+          <p:cNvPr id="16" name="TextBox 15">
+            <a:extLst>
+              <a:ext uri="{FF2B5EF4-FFF2-40B4-BE49-F238E27FC236}">
+                <a16:creationId xmlns:a16="http://schemas.microsoft.com/office/drawing/2014/main" id="{8035AF95-788A-4D3C-9D36-56D105A4FC94}"/>
               </a:ext>
             </a:extLst>
           </p:cNvPr>
@@ -7727,10 +8495,10 @@
       </p:sp>
       <p:sp>
         <p:nvSpPr>
-          <p:cNvPr id="24" name="TextBox 23">
+          <p:cNvPr id="18" name="TextBox 17">
             <a:extLst>
               <a:ext uri="{FF2B5EF4-FFF2-40B4-BE49-F238E27FC236}">
-                <a16:creationId xmlns:a16="http://schemas.microsoft.com/office/drawing/2014/main" id="{FCE0EB2A-7B07-4CA0-9083-1BFFD7729F6E}"/>
+                <a16:creationId xmlns:a16="http://schemas.microsoft.com/office/drawing/2014/main" id="{670C7531-4DE8-47F6-A188-D6433DB54838}"/>
               </a:ext>
             </a:extLst>
           </p:cNvPr>
@@ -7768,7 +8536,7 @@
     </p:spTree>
     <p:extLst>
       <p:ext uri="{BB962C8B-B14F-4D97-AF65-F5344CB8AC3E}">
-        <p14:creationId xmlns:p14="http://schemas.microsoft.com/office/powerpoint/2010/main" val="3624004705"/>
+        <p14:creationId xmlns:p14="http://schemas.microsoft.com/office/powerpoint/2010/main" val="3500545357"/>
       </p:ext>
     </p:extLst>
   </p:cSld>
@@ -7797,15 +8565,15 @@
       </p:grpSpPr>
       <p:pic>
         <p:nvPicPr>
-          <p:cNvPr id="3" name="Picture 2" descr="A screenshot of a cell phone&#10;&#10;Description automatically generated">
+          <p:cNvPr id="1026" name="Picture 2" descr="Image result for university of oxford logo">
             <a:extLst>
               <a:ext uri="{FF2B5EF4-FFF2-40B4-BE49-F238E27FC236}">
-                <a16:creationId xmlns:a16="http://schemas.microsoft.com/office/drawing/2014/main" id="{D4471C93-F208-41C5-86F8-09D2A75C1F13}"/>
+                <a16:creationId xmlns:a16="http://schemas.microsoft.com/office/drawing/2014/main" id="{CCB850C1-3C29-456A-857E-F8259E9B95A9}"/>
               </a:ext>
             </a:extLst>
           </p:cNvPr>
           <p:cNvPicPr>
-            <a:picLocks noChangeAspect="1"/>
+            <a:picLocks noChangeAspect="1" noChangeArrowheads="1"/>
           </p:cNvPicPr>
           <p:nvPr/>
         </p:nvPicPr>
@@ -7817,24 +8585,439 @@
               </a:ext>
             </a:extLst>
           </a:blip>
+          <a:srcRect/>
           <a:stretch>
             <a:fillRect/>
           </a:stretch>
         </p:blipFill>
-        <p:spPr>
-          <a:xfrm>
-            <a:off x="2254805" y="154113"/>
-            <a:ext cx="8430320" cy="6514974"/>
+        <p:spPr bwMode="auto">
+          <a:xfrm>
+            <a:off x="1793414" y="327987"/>
+            <a:ext cx="2822755" cy="2822755"/>
           </a:xfrm>
           <a:prstGeom prst="rect">
             <a:avLst/>
           </a:prstGeom>
+          <a:noFill/>
+          <a:extLst>
+            <a:ext uri="{909E8E84-426E-40DD-AFC4-6F175D3DCCD1}">
+              <a14:hiddenFill xmlns:a14="http://schemas.microsoft.com/office/drawing/2010/main">
+                <a:solidFill>
+                  <a:srgbClr val="FFFFFF"/>
+                </a:solidFill>
+              </a14:hiddenFill>
+            </a:ext>
+          </a:extLst>
         </p:spPr>
       </p:pic>
+      <p:sp>
+        <p:nvSpPr>
+          <p:cNvPr id="4" name="TextBox 3">
+            <a:extLst>
+              <a:ext uri="{FF2B5EF4-FFF2-40B4-BE49-F238E27FC236}">
+                <a16:creationId xmlns:a16="http://schemas.microsoft.com/office/drawing/2014/main" id="{C1AC3FDF-23CE-4A8E-811F-EF814D233BDC}"/>
+              </a:ext>
+            </a:extLst>
+          </p:cNvPr>
+          <p:cNvSpPr txBox="1"/>
+          <p:nvPr/>
+        </p:nvSpPr>
+        <p:spPr>
+          <a:xfrm>
+            <a:off x="5947297" y="400312"/>
+            <a:ext cx="5315150" cy="1077218"/>
+          </a:xfrm>
+          <a:prstGeom prst="rect">
+            <a:avLst/>
+          </a:prstGeom>
+          <a:noFill/>
+        </p:spPr>
+        <p:txBody>
+          <a:bodyPr wrap="square" rtlCol="0">
+            <a:spAutoFit/>
+          </a:bodyPr>
+          <a:lstStyle/>
+          <a:p>
+            <a:pPr algn="ctr"/>
+            <a:r>
+              <a:rPr lang="en-US" sz="3200" b="1" spc="300" dirty="0">
+                <a:latin typeface="Roboto" pitchFamily="2" charset="0"/>
+                <a:ea typeface="Roboto" pitchFamily="2" charset="0"/>
+                <a:cs typeface="Gautami" panose="020B0502040204020203" pitchFamily="34" charset="0"/>
+              </a:rPr>
+              <a:t>OXFORD TEXT ARCHIVE</a:t>
+            </a:r>
+          </a:p>
+        </p:txBody>
+      </p:sp>
+      <p:sp>
+        <p:nvSpPr>
+          <p:cNvPr id="5" name="TextBox 4">
+            <a:extLst>
+              <a:ext uri="{FF2B5EF4-FFF2-40B4-BE49-F238E27FC236}">
+                <a16:creationId xmlns:a16="http://schemas.microsoft.com/office/drawing/2014/main" id="{D93EA9F8-C154-4B3C-9612-684F986C7497}"/>
+              </a:ext>
+            </a:extLst>
+          </p:cNvPr>
+          <p:cNvSpPr txBox="1"/>
+          <p:nvPr/>
+        </p:nvSpPr>
+        <p:spPr>
+          <a:xfrm>
+            <a:off x="5628067" y="1960967"/>
+            <a:ext cx="5953609" cy="477054"/>
+          </a:xfrm>
+          <a:prstGeom prst="rect">
+            <a:avLst/>
+          </a:prstGeom>
+          <a:noFill/>
+        </p:spPr>
+        <p:txBody>
+          <a:bodyPr wrap="square" rtlCol="0">
+            <a:spAutoFit/>
+          </a:bodyPr>
+          <a:lstStyle/>
+          <a:p>
+            <a:pPr algn="ctr"/>
+            <a:r>
+              <a:rPr lang="en-US" sz="2500" dirty="0">
+                <a:latin typeface="Roboto" pitchFamily="2" charset="0"/>
+                <a:ea typeface="Roboto" pitchFamily="2" charset="0"/>
+              </a:rPr>
+              <a:t>Collection Date: September 15, 2019</a:t>
+            </a:r>
+          </a:p>
+        </p:txBody>
+      </p:sp>
+      <p:sp>
+        <p:nvSpPr>
+          <p:cNvPr id="6" name="TextBox 5">
+            <a:extLst>
+              <a:ext uri="{FF2B5EF4-FFF2-40B4-BE49-F238E27FC236}">
+                <a16:creationId xmlns:a16="http://schemas.microsoft.com/office/drawing/2014/main" id="{B8EEF8A0-6173-4011-BBF7-B7615A164529}"/>
+              </a:ext>
+            </a:extLst>
+          </p:cNvPr>
+          <p:cNvSpPr txBox="1"/>
+          <p:nvPr/>
+        </p:nvSpPr>
+        <p:spPr>
+          <a:xfrm>
+            <a:off x="6847991" y="2552100"/>
+            <a:ext cx="3513762" cy="477054"/>
+          </a:xfrm>
+          <a:prstGeom prst="rect">
+            <a:avLst/>
+          </a:prstGeom>
+          <a:noFill/>
+        </p:spPr>
+        <p:txBody>
+          <a:bodyPr wrap="square" rtlCol="0">
+            <a:spAutoFit/>
+          </a:bodyPr>
+          <a:lstStyle/>
+          <a:p>
+            <a:pPr algn="ctr"/>
+            <a:r>
+              <a:rPr lang="en-US" sz="2500" dirty="0">
+                <a:latin typeface="Roboto" pitchFamily="2" charset="0"/>
+                <a:ea typeface="Roboto" pitchFamily="2" charset="0"/>
+              </a:rPr>
+              <a:t>Records: 600</a:t>
+            </a:r>
+          </a:p>
+        </p:txBody>
+      </p:sp>
+      <p:cxnSp>
+        <p:nvCxnSpPr>
+          <p:cNvPr id="11" name="Straight Connector 10">
+            <a:extLst>
+              <a:ext uri="{FF2B5EF4-FFF2-40B4-BE49-F238E27FC236}">
+                <a16:creationId xmlns:a16="http://schemas.microsoft.com/office/drawing/2014/main" id="{FFF405B0-30A4-4463-B9D9-797C625778D5}"/>
+              </a:ext>
+            </a:extLst>
+          </p:cNvPr>
+          <p:cNvCxnSpPr/>
+          <p:nvPr/>
+        </p:nvCxnSpPr>
+        <p:spPr>
+          <a:xfrm>
+            <a:off x="1011381" y="3707258"/>
+            <a:ext cx="4452286" cy="0"/>
+          </a:xfrm>
+          <a:prstGeom prst="line">
+            <a:avLst/>
+          </a:prstGeom>
+          <a:ln w="19050"/>
+        </p:spPr>
+        <p:style>
+          <a:lnRef idx="1">
+            <a:schemeClr val="dk1"/>
+          </a:lnRef>
+          <a:fillRef idx="0">
+            <a:schemeClr val="dk1"/>
+          </a:fillRef>
+          <a:effectRef idx="0">
+            <a:schemeClr val="dk1"/>
+          </a:effectRef>
+          <a:fontRef idx="minor">
+            <a:schemeClr val="tx1"/>
+          </a:fontRef>
+        </p:style>
+      </p:cxnSp>
+      <p:cxnSp>
+        <p:nvCxnSpPr>
+          <p:cNvPr id="12" name="Straight Connector 11">
+            <a:extLst>
+              <a:ext uri="{FF2B5EF4-FFF2-40B4-BE49-F238E27FC236}">
+                <a16:creationId xmlns:a16="http://schemas.microsoft.com/office/drawing/2014/main" id="{352A98B1-4AE7-4931-8149-60B70A452C50}"/>
+              </a:ext>
+            </a:extLst>
+          </p:cNvPr>
+          <p:cNvCxnSpPr/>
+          <p:nvPr/>
+        </p:nvCxnSpPr>
+        <p:spPr>
+          <a:xfrm>
+            <a:off x="6477411" y="3707258"/>
+            <a:ext cx="4452286" cy="0"/>
+          </a:xfrm>
+          <a:prstGeom prst="line">
+            <a:avLst/>
+          </a:prstGeom>
+          <a:ln w="19050"/>
+        </p:spPr>
+        <p:style>
+          <a:lnRef idx="1">
+            <a:schemeClr val="dk1"/>
+          </a:lnRef>
+          <a:fillRef idx="0">
+            <a:schemeClr val="dk1"/>
+          </a:fillRef>
+          <a:effectRef idx="0">
+            <a:schemeClr val="dk1"/>
+          </a:effectRef>
+          <a:fontRef idx="minor">
+            <a:schemeClr val="tx1"/>
+          </a:fontRef>
+        </p:style>
+      </p:cxnSp>
+      <p:sp>
+        <p:nvSpPr>
+          <p:cNvPr id="16" name="TextBox 15">
+            <a:extLst>
+              <a:ext uri="{FF2B5EF4-FFF2-40B4-BE49-F238E27FC236}">
+                <a16:creationId xmlns:a16="http://schemas.microsoft.com/office/drawing/2014/main" id="{D8D9D907-5B4D-4252-9B6A-D75DAE115DD6}"/>
+              </a:ext>
+            </a:extLst>
+          </p:cNvPr>
+          <p:cNvSpPr txBox="1"/>
+          <p:nvPr/>
+        </p:nvSpPr>
+        <p:spPr>
+          <a:xfrm>
+            <a:off x="1056775" y="4976496"/>
+            <a:ext cx="4361493" cy="1400383"/>
+          </a:xfrm>
+          <a:prstGeom prst="rect">
+            <a:avLst/>
+          </a:prstGeom>
+          <a:noFill/>
+        </p:spPr>
+        <p:txBody>
+          <a:bodyPr wrap="square" rtlCol="0">
+            <a:spAutoFit/>
+          </a:bodyPr>
+          <a:lstStyle/>
+          <a:p>
+            <a:pPr algn="ctr">
+              <a:spcBef>
+                <a:spcPts val="1200"/>
+              </a:spcBef>
+            </a:pPr>
+            <a:r>
+              <a:rPr lang="en-US" sz="2500" dirty="0">
+                <a:latin typeface="Roboto" pitchFamily="2" charset="0"/>
+                <a:ea typeface="Roboto" pitchFamily="2" charset="0"/>
+              </a:rPr>
+              <a:t>XPATH Helper</a:t>
+            </a:r>
+          </a:p>
+          <a:p>
+            <a:pPr algn="ctr">
+              <a:spcBef>
+                <a:spcPts val="1200"/>
+              </a:spcBef>
+            </a:pPr>
+            <a:r>
+              <a:rPr lang="en-US" sz="2500" dirty="0">
+                <a:latin typeface="Roboto" pitchFamily="2" charset="0"/>
+                <a:ea typeface="Roboto" pitchFamily="2" charset="0"/>
+              </a:rPr>
+              <a:t>Copy-paste into Excel spreadsheet</a:t>
+            </a:r>
+          </a:p>
+        </p:txBody>
+      </p:sp>
+      <p:sp>
+        <p:nvSpPr>
+          <p:cNvPr id="13" name="TextBox 12">
+            <a:extLst>
+              <a:ext uri="{FF2B5EF4-FFF2-40B4-BE49-F238E27FC236}">
+                <a16:creationId xmlns:a16="http://schemas.microsoft.com/office/drawing/2014/main" id="{1CECCD9B-1766-4C52-8336-206C10395F51}"/>
+              </a:ext>
+            </a:extLst>
+          </p:cNvPr>
+          <p:cNvSpPr txBox="1"/>
+          <p:nvPr/>
+        </p:nvSpPr>
+        <p:spPr>
+          <a:xfrm>
+            <a:off x="6439097" y="4976496"/>
+            <a:ext cx="4528913" cy="1554272"/>
+          </a:xfrm>
+          <a:prstGeom prst="rect">
+            <a:avLst/>
+          </a:prstGeom>
+          <a:noFill/>
+        </p:spPr>
+        <p:txBody>
+          <a:bodyPr wrap="square" rtlCol="0">
+            <a:spAutoFit/>
+          </a:bodyPr>
+          <a:lstStyle/>
+          <a:p>
+            <a:pPr algn="ctr">
+              <a:spcBef>
+                <a:spcPts val="1200"/>
+              </a:spcBef>
+            </a:pPr>
+            <a:r>
+              <a:rPr lang="en-US" sz="2500" dirty="0" err="1">
+                <a:latin typeface="Roboto" pitchFamily="2" charset="0"/>
+                <a:ea typeface="Roboto" pitchFamily="2" charset="0"/>
+              </a:rPr>
+              <a:t>OpenRefine</a:t>
+            </a:r>
+            <a:endParaRPr lang="en-US" sz="2500" dirty="0">
+              <a:latin typeface="Roboto" pitchFamily="2" charset="0"/>
+              <a:ea typeface="Roboto" pitchFamily="2" charset="0"/>
+            </a:endParaRPr>
+          </a:p>
+          <a:p>
+            <a:pPr algn="ctr">
+              <a:spcBef>
+                <a:spcPts val="1200"/>
+              </a:spcBef>
+            </a:pPr>
+            <a:r>
+              <a:rPr lang="en-US" sz="2500" dirty="0">
+                <a:latin typeface="Roboto" pitchFamily="2" charset="0"/>
+                <a:ea typeface="Roboto" pitchFamily="2" charset="0"/>
+              </a:rPr>
+              <a:t>Hand editing</a:t>
+            </a:r>
+          </a:p>
+          <a:p>
+            <a:pPr algn="ctr">
+              <a:spcBef>
+                <a:spcPts val="1200"/>
+              </a:spcBef>
+            </a:pPr>
+            <a:r>
+              <a:rPr lang="en-US" sz="2500" dirty="0">
+                <a:latin typeface="Roboto" pitchFamily="2" charset="0"/>
+                <a:ea typeface="Roboto" pitchFamily="2" charset="0"/>
+              </a:rPr>
+              <a:t>Excel "text to column“ tool</a:t>
+            </a:r>
+          </a:p>
+        </p:txBody>
+      </p:sp>
+      <p:sp>
+        <p:nvSpPr>
+          <p:cNvPr id="14" name="TextBox 13">
+            <a:extLst>
+              <a:ext uri="{FF2B5EF4-FFF2-40B4-BE49-F238E27FC236}">
+                <a16:creationId xmlns:a16="http://schemas.microsoft.com/office/drawing/2014/main" id="{A53CA63A-63A1-4B9B-BD56-A06C66462426}"/>
+              </a:ext>
+            </a:extLst>
+          </p:cNvPr>
+          <p:cNvSpPr txBox="1"/>
+          <p:nvPr/>
+        </p:nvSpPr>
+        <p:spPr>
+          <a:xfrm>
+            <a:off x="6045979" y="4133618"/>
+            <a:ext cx="5315150" cy="553998"/>
+          </a:xfrm>
+          <a:prstGeom prst="rect">
+            <a:avLst/>
+          </a:prstGeom>
+          <a:noFill/>
+        </p:spPr>
+        <p:txBody>
+          <a:bodyPr wrap="square" rtlCol="0">
+            <a:spAutoFit/>
+          </a:bodyPr>
+          <a:lstStyle/>
+          <a:p>
+            <a:pPr algn="ctr"/>
+            <a:r>
+              <a:rPr lang="en-US" sz="3000" b="1" spc="300" dirty="0">
+                <a:latin typeface="Roboto" pitchFamily="2" charset="0"/>
+                <a:ea typeface="Roboto" pitchFamily="2" charset="0"/>
+                <a:cs typeface="Gautami" panose="020B0502040204020203" pitchFamily="34" charset="0"/>
+              </a:rPr>
+              <a:t>CLEANING</a:t>
+            </a:r>
+          </a:p>
+        </p:txBody>
+      </p:sp>
+      <p:sp>
+        <p:nvSpPr>
+          <p:cNvPr id="17" name="TextBox 16">
+            <a:extLst>
+              <a:ext uri="{FF2B5EF4-FFF2-40B4-BE49-F238E27FC236}">
+                <a16:creationId xmlns:a16="http://schemas.microsoft.com/office/drawing/2014/main" id="{B54464E1-FDA0-4E1B-A036-8F7EC9EFBA48}"/>
+              </a:ext>
+            </a:extLst>
+          </p:cNvPr>
+          <p:cNvSpPr txBox="1"/>
+          <p:nvPr/>
+        </p:nvSpPr>
+        <p:spPr>
+          <a:xfrm>
+            <a:off x="579946" y="4133618"/>
+            <a:ext cx="5315150" cy="553998"/>
+          </a:xfrm>
+          <a:prstGeom prst="rect">
+            <a:avLst/>
+          </a:prstGeom>
+          <a:noFill/>
+        </p:spPr>
+        <p:txBody>
+          <a:bodyPr wrap="square" rtlCol="0">
+            <a:spAutoFit/>
+          </a:bodyPr>
+          <a:lstStyle/>
+          <a:p>
+            <a:pPr algn="ctr"/>
+            <a:r>
+              <a:rPr lang="en-US" sz="3000" b="1" spc="300" dirty="0">
+                <a:latin typeface="Roboto" pitchFamily="2" charset="0"/>
+                <a:ea typeface="Roboto" pitchFamily="2" charset="0"/>
+                <a:cs typeface="Gautami" panose="020B0502040204020203" pitchFamily="34" charset="0"/>
+              </a:rPr>
+              <a:t>COLLECTION</a:t>
+            </a:r>
+          </a:p>
+        </p:txBody>
+      </p:sp>
     </p:spTree>
     <p:extLst>
       <p:ext uri="{BB962C8B-B14F-4D97-AF65-F5344CB8AC3E}">
-        <p14:creationId xmlns:p14="http://schemas.microsoft.com/office/powerpoint/2010/main" val="227689330"/>
+        <p14:creationId xmlns:p14="http://schemas.microsoft.com/office/powerpoint/2010/main" val="3749287248"/>
       </p:ext>
     </p:extLst>
   </p:cSld>

--- a/final-deliverables/presentation-materials/presentation-slides.pptx
+++ b/final-deliverables/presentation-materials/presentation-slides.pptx
@@ -9,26 +9,26 @@
   </p:notesMasterIdLst>
   <p:sldIdLst>
     <p:sldId id="256" r:id="rId2"/>
-    <p:sldId id="280" r:id="rId3"/>
-    <p:sldId id="258" r:id="rId4"/>
-    <p:sldId id="257" r:id="rId5"/>
-    <p:sldId id="281" r:id="rId6"/>
-    <p:sldId id="259" r:id="rId7"/>
-    <p:sldId id="271" r:id="rId8"/>
-    <p:sldId id="272" r:id="rId9"/>
-    <p:sldId id="273" r:id="rId10"/>
-    <p:sldId id="274" r:id="rId11"/>
-    <p:sldId id="282" r:id="rId12"/>
-    <p:sldId id="260" r:id="rId13"/>
-    <p:sldId id="275" r:id="rId14"/>
-    <p:sldId id="276" r:id="rId15"/>
-    <p:sldId id="277" r:id="rId16"/>
-    <p:sldId id="278" r:id="rId17"/>
-    <p:sldId id="279" r:id="rId18"/>
-    <p:sldId id="283" r:id="rId19"/>
-    <p:sldId id="262" r:id="rId20"/>
-    <p:sldId id="284" r:id="rId21"/>
-    <p:sldId id="261" r:id="rId22"/>
+    <p:sldId id="285" r:id="rId3"/>
+    <p:sldId id="280" r:id="rId4"/>
+    <p:sldId id="258" r:id="rId5"/>
+    <p:sldId id="257" r:id="rId6"/>
+    <p:sldId id="281" r:id="rId7"/>
+    <p:sldId id="259" r:id="rId8"/>
+    <p:sldId id="271" r:id="rId9"/>
+    <p:sldId id="272" r:id="rId10"/>
+    <p:sldId id="273" r:id="rId11"/>
+    <p:sldId id="274" r:id="rId12"/>
+    <p:sldId id="282" r:id="rId13"/>
+    <p:sldId id="260" r:id="rId14"/>
+    <p:sldId id="275" r:id="rId15"/>
+    <p:sldId id="276" r:id="rId16"/>
+    <p:sldId id="277" r:id="rId17"/>
+    <p:sldId id="278" r:id="rId18"/>
+    <p:sldId id="279" r:id="rId19"/>
+    <p:sldId id="283" r:id="rId20"/>
+    <p:sldId id="262" r:id="rId21"/>
+    <p:sldId id="284" r:id="rId22"/>
     <p:sldId id="263" r:id="rId23"/>
   </p:sldIdLst>
   <p:sldSz cx="12192000" cy="6858000"/>
@@ -218,7 +218,7 @@
           <a:p>
             <a:fld id="{A4A37183-B0EE-431D-96E3-BA67E9E45C63}" type="datetimeFigureOut">
               <a:rPr lang="en-US" smtClean="0"/>
-              <a:t>12/16/2019</a:t>
+              <a:t>12/17/2019</a:t>
             </a:fld>
             <a:endParaRPr lang="en-US"/>
           </a:p>
@@ -550,7 +550,7 @@
           <a:p>
             <a:fld id="{D8B77BCE-A735-4E6E-A1D9-90F4E1BCADEF}" type="slidenum">
               <a:rPr lang="en-US" smtClean="0"/>
-              <a:t>3</a:t>
+              <a:t>4</a:t>
             </a:fld>
             <a:endParaRPr lang="en-US"/>
           </a:p>
@@ -649,7 +649,7 @@
           <a:p>
             <a:fld id="{D8B77BCE-A735-4E6E-A1D9-90F4E1BCADEF}" type="slidenum">
               <a:rPr lang="en-US" smtClean="0"/>
-              <a:t>6</a:t>
+              <a:t>7</a:t>
             </a:fld>
             <a:endParaRPr lang="en-US"/>
           </a:p>
@@ -733,7 +733,7 @@
           <a:p>
             <a:fld id="{D8B77BCE-A735-4E6E-A1D9-90F4E1BCADEF}" type="slidenum">
               <a:rPr lang="en-US" smtClean="0"/>
-              <a:t>10</a:t>
+              <a:t>11</a:t>
             </a:fld>
             <a:endParaRPr lang="en-US"/>
           </a:p>
@@ -921,7 +921,7 @@
           <a:p>
             <a:fld id="{983A1C55-C3AB-4343-AC21-AAEAA1D782F8}" type="datetimeFigureOut">
               <a:rPr lang="en-US" smtClean="0"/>
-              <a:t>12/16/2019</a:t>
+              <a:t>12/17/2019</a:t>
             </a:fld>
             <a:endParaRPr lang="en-US"/>
           </a:p>
@@ -1251,7 +1251,7 @@
           <a:p>
             <a:fld id="{983A1C55-C3AB-4343-AC21-AAEAA1D782F8}" type="datetimeFigureOut">
               <a:rPr lang="en-US" smtClean="0"/>
-              <a:t>12/16/2019</a:t>
+              <a:t>12/17/2019</a:t>
             </a:fld>
             <a:endParaRPr lang="en-US"/>
           </a:p>
@@ -1431,7 +1431,7 @@
           <a:p>
             <a:fld id="{983A1C55-C3AB-4343-AC21-AAEAA1D782F8}" type="datetimeFigureOut">
               <a:rPr lang="en-US" smtClean="0"/>
-              <a:t>12/16/2019</a:t>
+              <a:t>12/17/2019</a:t>
             </a:fld>
             <a:endParaRPr lang="en-US"/>
           </a:p>
@@ -1601,7 +1601,7 @@
           <a:p>
             <a:fld id="{983A1C55-C3AB-4343-AC21-AAEAA1D782F8}" type="datetimeFigureOut">
               <a:rPr lang="en-US" smtClean="0"/>
-              <a:t>12/16/2019</a:t>
+              <a:t>12/17/2019</a:t>
             </a:fld>
             <a:endParaRPr lang="en-US"/>
           </a:p>
@@ -1878,7 +1878,7 @@
           <a:p>
             <a:fld id="{983A1C55-C3AB-4343-AC21-AAEAA1D782F8}" type="datetimeFigureOut">
               <a:rPr lang="en-US" smtClean="0"/>
-              <a:t>12/16/2019</a:t>
+              <a:t>12/17/2019</a:t>
             </a:fld>
             <a:endParaRPr lang="en-US"/>
           </a:p>
@@ -2272,7 +2272,7 @@
           <a:p>
             <a:fld id="{983A1C55-C3AB-4343-AC21-AAEAA1D782F8}" type="datetimeFigureOut">
               <a:rPr lang="en-US" smtClean="0"/>
-              <a:t>12/16/2019</a:t>
+              <a:t>12/17/2019</a:t>
             </a:fld>
             <a:endParaRPr lang="en-US"/>
           </a:p>
@@ -2749,7 +2749,7 @@
           <a:p>
             <a:fld id="{983A1C55-C3AB-4343-AC21-AAEAA1D782F8}" type="datetimeFigureOut">
               <a:rPr lang="en-US" smtClean="0"/>
-              <a:t>12/16/2019</a:t>
+              <a:t>12/17/2019</a:t>
             </a:fld>
             <a:endParaRPr lang="en-US"/>
           </a:p>
@@ -2867,7 +2867,7 @@
           <a:p>
             <a:fld id="{983A1C55-C3AB-4343-AC21-AAEAA1D782F8}" type="datetimeFigureOut">
               <a:rPr lang="en-US" smtClean="0"/>
-              <a:t>12/16/2019</a:t>
+              <a:t>12/17/2019</a:t>
             </a:fld>
             <a:endParaRPr lang="en-US"/>
           </a:p>
@@ -2962,7 +2962,7 @@
           <a:p>
             <a:fld id="{983A1C55-C3AB-4343-AC21-AAEAA1D782F8}" type="datetimeFigureOut">
               <a:rPr lang="en-US" smtClean="0"/>
-              <a:t>12/16/2019</a:t>
+              <a:t>12/17/2019</a:t>
             </a:fld>
             <a:endParaRPr lang="en-US"/>
           </a:p>
@@ -3308,7 +3308,7 @@
           <a:p>
             <a:fld id="{983A1C55-C3AB-4343-AC21-AAEAA1D782F8}" type="datetimeFigureOut">
               <a:rPr lang="en-US" smtClean="0"/>
-              <a:t>12/16/2019</a:t>
+              <a:t>12/17/2019</a:t>
             </a:fld>
             <a:endParaRPr lang="en-US"/>
           </a:p>
@@ -3696,7 +3696,7 @@
           <a:p>
             <a:fld id="{983A1C55-C3AB-4343-AC21-AAEAA1D782F8}" type="datetimeFigureOut">
               <a:rPr lang="en-US" smtClean="0"/>
-              <a:t>12/16/2019</a:t>
+              <a:t>12/17/2019</a:t>
             </a:fld>
             <a:endParaRPr lang="en-US"/>
           </a:p>
@@ -3974,7 +3974,7 @@
           <a:p>
             <a:fld id="{983A1C55-C3AB-4343-AC21-AAEAA1D782F8}" type="datetimeFigureOut">
               <a:rPr lang="en-US" smtClean="0"/>
-              <a:t>12/16/2019</a:t>
+              <a:t>12/17/2019</a:t>
             </a:fld>
             <a:endParaRPr lang="en-US"/>
           </a:p>
@@ -4519,7 +4519,7 @@
                 </a:solidFill>
                 <a:latin typeface="Roboto"/>
               </a:rPr>
-              <a:t>PRESENTATION TIME</a:t>
+              <a:t>FINAL PROJECT PRESENTATION</a:t>
             </a:r>
           </a:p>
         </p:txBody>
@@ -4616,141 +4616,12 @@
           <a:chExt cx="0" cy="0"/>
         </a:xfrm>
       </p:grpSpPr>
-      <p:sp>
-        <p:nvSpPr>
-          <p:cNvPr id="4" name="TextBox 3">
-            <a:extLst>
-              <a:ext uri="{FF2B5EF4-FFF2-40B4-BE49-F238E27FC236}">
-                <a16:creationId xmlns:a16="http://schemas.microsoft.com/office/drawing/2014/main" id="{C1AC3FDF-23CE-4A8E-811F-EF814D233BDC}"/>
-              </a:ext>
-            </a:extLst>
-          </p:cNvPr>
-          <p:cNvSpPr txBox="1"/>
-          <p:nvPr/>
-        </p:nvSpPr>
-        <p:spPr>
-          <a:xfrm>
-            <a:off x="5947297" y="400312"/>
-            <a:ext cx="5315150" cy="1077218"/>
-          </a:xfrm>
-          <a:prstGeom prst="rect">
-            <a:avLst/>
-          </a:prstGeom>
-          <a:noFill/>
-        </p:spPr>
-        <p:txBody>
-          <a:bodyPr wrap="square" rtlCol="0">
-            <a:spAutoFit/>
-          </a:bodyPr>
-          <a:lstStyle/>
-          <a:p>
-            <a:pPr algn="ctr"/>
-            <a:r>
-              <a:rPr lang="en-US" sz="3200" b="1" spc="300" dirty="0">
-                <a:latin typeface="Roboto" pitchFamily="2" charset="0"/>
-                <a:ea typeface="Roboto" pitchFamily="2" charset="0"/>
-                <a:cs typeface="Gautami" panose="020B0502040204020203" pitchFamily="34" charset="0"/>
-              </a:rPr>
-              <a:t>PROJECT</a:t>
-            </a:r>
-          </a:p>
-          <a:p>
-            <a:pPr algn="ctr"/>
-            <a:r>
-              <a:rPr lang="en-US" sz="3200" b="1" spc="300" dirty="0">
-                <a:latin typeface="Roboto" pitchFamily="2" charset="0"/>
-                <a:ea typeface="Roboto" pitchFamily="2" charset="0"/>
-                <a:cs typeface="Gautami" panose="020B0502040204020203" pitchFamily="34" charset="0"/>
-              </a:rPr>
-              <a:t>GUTENBERG</a:t>
-            </a:r>
-          </a:p>
-        </p:txBody>
-      </p:sp>
-      <p:sp>
-        <p:nvSpPr>
-          <p:cNvPr id="5" name="TextBox 4">
-            <a:extLst>
-              <a:ext uri="{FF2B5EF4-FFF2-40B4-BE49-F238E27FC236}">
-                <a16:creationId xmlns:a16="http://schemas.microsoft.com/office/drawing/2014/main" id="{D93EA9F8-C154-4B3C-9612-684F986C7497}"/>
-              </a:ext>
-            </a:extLst>
-          </p:cNvPr>
-          <p:cNvSpPr txBox="1"/>
-          <p:nvPr/>
-        </p:nvSpPr>
-        <p:spPr>
-          <a:xfrm>
-            <a:off x="5628067" y="1960967"/>
-            <a:ext cx="5953609" cy="477054"/>
-          </a:xfrm>
-          <a:prstGeom prst="rect">
-            <a:avLst/>
-          </a:prstGeom>
-          <a:noFill/>
-        </p:spPr>
-        <p:txBody>
-          <a:bodyPr wrap="square" rtlCol="0">
-            <a:spAutoFit/>
-          </a:bodyPr>
-          <a:lstStyle/>
-          <a:p>
-            <a:pPr algn="ctr"/>
-            <a:r>
-              <a:rPr lang="en-US" sz="2500" dirty="0">
-                <a:latin typeface="Roboto" pitchFamily="2" charset="0"/>
-                <a:ea typeface="Roboto" pitchFamily="2" charset="0"/>
-              </a:rPr>
-              <a:t>Collection Date: October 8, 2019</a:t>
-            </a:r>
-          </a:p>
-        </p:txBody>
-      </p:sp>
-      <p:sp>
-        <p:nvSpPr>
-          <p:cNvPr id="6" name="TextBox 5">
-            <a:extLst>
-              <a:ext uri="{FF2B5EF4-FFF2-40B4-BE49-F238E27FC236}">
-                <a16:creationId xmlns:a16="http://schemas.microsoft.com/office/drawing/2014/main" id="{B8EEF8A0-6173-4011-BBF7-B7615A164529}"/>
-              </a:ext>
-            </a:extLst>
-          </p:cNvPr>
-          <p:cNvSpPr txBox="1"/>
-          <p:nvPr/>
-        </p:nvSpPr>
-        <p:spPr>
-          <a:xfrm>
-            <a:off x="6847991" y="2552100"/>
-            <a:ext cx="3513762" cy="477054"/>
-          </a:xfrm>
-          <a:prstGeom prst="rect">
-            <a:avLst/>
-          </a:prstGeom>
-          <a:noFill/>
-        </p:spPr>
-        <p:txBody>
-          <a:bodyPr wrap="square" rtlCol="0">
-            <a:spAutoFit/>
-          </a:bodyPr>
-          <a:lstStyle/>
-          <a:p>
-            <a:pPr algn="ctr"/>
-            <a:r>
-              <a:rPr lang="en-US" sz="2500" dirty="0">
-                <a:latin typeface="Roboto" pitchFamily="2" charset="0"/>
-                <a:ea typeface="Roboto" pitchFamily="2" charset="0"/>
-              </a:rPr>
-              <a:t>Records: 20,801</a:t>
-            </a:r>
-          </a:p>
-        </p:txBody>
-      </p:sp>
       <p:pic>
         <p:nvPicPr>
-          <p:cNvPr id="13" name="Picture 10" descr="Image result for project gutenberg logo">
+          <p:cNvPr id="1026" name="Picture 2" descr="Image result for university of oxford logo">
             <a:extLst>
               <a:ext uri="{FF2B5EF4-FFF2-40B4-BE49-F238E27FC236}">
-                <a16:creationId xmlns:a16="http://schemas.microsoft.com/office/drawing/2014/main" id="{33CAAB0F-17B6-4C75-89D2-B30FA8D09ACE}"/>
+                <a16:creationId xmlns:a16="http://schemas.microsoft.com/office/drawing/2014/main" id="{CCB850C1-3C29-456A-857E-F8259E9B95A9}"/>
               </a:ext>
             </a:extLst>
           </p:cNvPr>
@@ -4760,7 +4631,7 @@
           <p:nvPr/>
         </p:nvPicPr>
         <p:blipFill>
-          <a:blip r:embed="rId3">
+          <a:blip r:embed="rId2">
             <a:extLst>
               <a:ext uri="{28A0092B-C50C-407E-A947-70E740481C1C}">
                 <a14:useLocalDpi xmlns:a14="http://schemas.microsoft.com/office/drawing/2010/main" val="0"/>
@@ -4774,8 +4645,8 @@
         </p:blipFill>
         <p:spPr bwMode="auto">
           <a:xfrm>
-            <a:off x="2108767" y="608488"/>
-            <a:ext cx="2257507" cy="2257507"/>
+            <a:off x="1793414" y="327987"/>
+            <a:ext cx="2822755" cy="2822755"/>
           </a:xfrm>
           <a:prstGeom prst="rect">
             <a:avLst/>
@@ -4794,10 +4665,10 @@
       </p:pic>
       <p:sp>
         <p:nvSpPr>
-          <p:cNvPr id="17" name="TextBox 16">
+          <p:cNvPr id="6" name="TextBox 5">
             <a:extLst>
               <a:ext uri="{FF2B5EF4-FFF2-40B4-BE49-F238E27FC236}">
-                <a16:creationId xmlns:a16="http://schemas.microsoft.com/office/drawing/2014/main" id="{28895496-F5C1-41C6-8374-0F0AB851F0FA}"/>
+                <a16:creationId xmlns:a16="http://schemas.microsoft.com/office/drawing/2014/main" id="{B8EEF8A0-6173-4011-BBF7-B7615A164529}"/>
               </a:ext>
             </a:extLst>
           </p:cNvPr>
@@ -4806,8 +4677,8 @@
         </p:nvSpPr>
         <p:spPr>
           <a:xfrm>
-            <a:off x="590651" y="4976496"/>
-            <a:ext cx="5232527" cy="477054"/>
+            <a:off x="6847991" y="2552100"/>
+            <a:ext cx="3513762" cy="477054"/>
           </a:xfrm>
           <a:prstGeom prst="rect">
             <a:avLst/>
@@ -4826,92 +4697,17 @@
                 <a:latin typeface="Roboto" pitchFamily="2" charset="0"/>
                 <a:ea typeface="Roboto" pitchFamily="2" charset="0"/>
               </a:rPr>
-              <a:t>Parsing RDF XML with Python</a:t>
-            </a:r>
-          </a:p>
-        </p:txBody>
-      </p:sp>
-      <p:sp>
-        <p:nvSpPr>
-          <p:cNvPr id="14" name="TextBox 13">
-            <a:extLst>
-              <a:ext uri="{FF2B5EF4-FFF2-40B4-BE49-F238E27FC236}">
-                <a16:creationId xmlns:a16="http://schemas.microsoft.com/office/drawing/2014/main" id="{41535FC2-F1BD-4C06-BF56-A4EB49806C04}"/>
-              </a:ext>
-            </a:extLst>
-          </p:cNvPr>
-          <p:cNvSpPr txBox="1"/>
-          <p:nvPr/>
-        </p:nvSpPr>
-        <p:spPr>
-          <a:xfrm>
-            <a:off x="6439097" y="4976496"/>
-            <a:ext cx="4528913" cy="1554272"/>
-          </a:xfrm>
-          <a:prstGeom prst="rect">
-            <a:avLst/>
-          </a:prstGeom>
-          <a:noFill/>
-        </p:spPr>
-        <p:txBody>
-          <a:bodyPr wrap="square" rtlCol="0">
-            <a:spAutoFit/>
-          </a:bodyPr>
-          <a:lstStyle/>
-          <a:p>
-            <a:pPr algn="ctr">
-              <a:spcBef>
-                <a:spcPts val="1200"/>
-              </a:spcBef>
-            </a:pPr>
-            <a:r>
-              <a:rPr lang="en-US" sz="2500" dirty="0" err="1">
-                <a:latin typeface="Roboto" pitchFamily="2" charset="0"/>
-                <a:ea typeface="Roboto" pitchFamily="2" charset="0"/>
-              </a:rPr>
-              <a:t>OpenRefine</a:t>
-            </a:r>
-            <a:endParaRPr lang="en-US" sz="2500" dirty="0">
-              <a:latin typeface="Roboto" pitchFamily="2" charset="0"/>
-              <a:ea typeface="Roboto" pitchFamily="2" charset="0"/>
-            </a:endParaRPr>
-          </a:p>
-          <a:p>
-            <a:pPr algn="ctr">
-              <a:spcBef>
-                <a:spcPts val="1200"/>
-              </a:spcBef>
-            </a:pPr>
-            <a:r>
-              <a:rPr lang="en-US" sz="2500" dirty="0">
-                <a:latin typeface="Roboto" pitchFamily="2" charset="0"/>
-                <a:ea typeface="Roboto" pitchFamily="2" charset="0"/>
-              </a:rPr>
-              <a:t>Hand editing</a:t>
-            </a:r>
-          </a:p>
-          <a:p>
-            <a:pPr algn="ctr">
-              <a:spcBef>
-                <a:spcPts val="1200"/>
-              </a:spcBef>
-            </a:pPr>
-            <a:r>
-              <a:rPr lang="en-US" sz="2500" dirty="0">
-                <a:latin typeface="Roboto" pitchFamily="2" charset="0"/>
-                <a:ea typeface="Roboto" pitchFamily="2" charset="0"/>
-              </a:rPr>
-              <a:t>Excel "text to column“ tool</a:t>
+              <a:t>Records: 600</a:t>
             </a:r>
           </a:p>
         </p:txBody>
       </p:sp>
       <p:cxnSp>
         <p:nvCxnSpPr>
-          <p:cNvPr id="21" name="Straight Connector 20">
+          <p:cNvPr id="11" name="Straight Connector 10">
             <a:extLst>
               <a:ext uri="{FF2B5EF4-FFF2-40B4-BE49-F238E27FC236}">
-                <a16:creationId xmlns:a16="http://schemas.microsoft.com/office/drawing/2014/main" id="{C244826B-F414-4C17-9AB7-BF32B8F7FC0A}"/>
+                <a16:creationId xmlns:a16="http://schemas.microsoft.com/office/drawing/2014/main" id="{FFF405B0-30A4-4463-B9D9-797C625778D5}"/>
               </a:ext>
             </a:extLst>
           </p:cNvPr>
@@ -4945,10 +4741,10 @@
       </p:cxnSp>
       <p:cxnSp>
         <p:nvCxnSpPr>
-          <p:cNvPr id="22" name="Straight Connector 21">
+          <p:cNvPr id="12" name="Straight Connector 11">
             <a:extLst>
               <a:ext uri="{FF2B5EF4-FFF2-40B4-BE49-F238E27FC236}">
-                <a16:creationId xmlns:a16="http://schemas.microsoft.com/office/drawing/2014/main" id="{BC0F3BA8-BF39-494A-9B9E-74F3697CBED2}"/>
+                <a16:creationId xmlns:a16="http://schemas.microsoft.com/office/drawing/2014/main" id="{352A98B1-4AE7-4931-8149-60B70A452C50}"/>
               </a:ext>
             </a:extLst>
           </p:cNvPr>
@@ -4982,10 +4778,142 @@
       </p:cxnSp>
       <p:sp>
         <p:nvSpPr>
-          <p:cNvPr id="23" name="TextBox 22">
+          <p:cNvPr id="16" name="TextBox 15">
             <a:extLst>
               <a:ext uri="{FF2B5EF4-FFF2-40B4-BE49-F238E27FC236}">
-                <a16:creationId xmlns:a16="http://schemas.microsoft.com/office/drawing/2014/main" id="{0FF06BBB-BCF0-45E0-BB38-7D32960ED234}"/>
+                <a16:creationId xmlns:a16="http://schemas.microsoft.com/office/drawing/2014/main" id="{D8D9D907-5B4D-4252-9B6A-D75DAE115DD6}"/>
+              </a:ext>
+            </a:extLst>
+          </p:cNvPr>
+          <p:cNvSpPr txBox="1"/>
+          <p:nvPr/>
+        </p:nvSpPr>
+        <p:spPr>
+          <a:xfrm>
+            <a:off x="1056775" y="4976496"/>
+            <a:ext cx="4361493" cy="1400383"/>
+          </a:xfrm>
+          <a:prstGeom prst="rect">
+            <a:avLst/>
+          </a:prstGeom>
+          <a:noFill/>
+        </p:spPr>
+        <p:txBody>
+          <a:bodyPr wrap="square" rtlCol="0">
+            <a:spAutoFit/>
+          </a:bodyPr>
+          <a:lstStyle/>
+          <a:p>
+            <a:pPr algn="ctr">
+              <a:spcBef>
+                <a:spcPts val="1200"/>
+              </a:spcBef>
+            </a:pPr>
+            <a:r>
+              <a:rPr lang="en-US" sz="2500" dirty="0">
+                <a:latin typeface="Roboto" pitchFamily="2" charset="0"/>
+                <a:ea typeface="Roboto" pitchFamily="2" charset="0"/>
+              </a:rPr>
+              <a:t>XPATH Helper</a:t>
+            </a:r>
+          </a:p>
+          <a:p>
+            <a:pPr algn="ctr">
+              <a:spcBef>
+                <a:spcPts val="1200"/>
+              </a:spcBef>
+            </a:pPr>
+            <a:r>
+              <a:rPr lang="en-US" sz="2500" dirty="0">
+                <a:latin typeface="Roboto" pitchFamily="2" charset="0"/>
+                <a:ea typeface="Roboto" pitchFamily="2" charset="0"/>
+              </a:rPr>
+              <a:t>Copy-paste into Excel spreadsheet</a:t>
+            </a:r>
+          </a:p>
+        </p:txBody>
+      </p:sp>
+      <p:sp>
+        <p:nvSpPr>
+          <p:cNvPr id="13" name="TextBox 12">
+            <a:extLst>
+              <a:ext uri="{FF2B5EF4-FFF2-40B4-BE49-F238E27FC236}">
+                <a16:creationId xmlns:a16="http://schemas.microsoft.com/office/drawing/2014/main" id="{1CECCD9B-1766-4C52-8336-206C10395F51}"/>
+              </a:ext>
+            </a:extLst>
+          </p:cNvPr>
+          <p:cNvSpPr txBox="1"/>
+          <p:nvPr/>
+        </p:nvSpPr>
+        <p:spPr>
+          <a:xfrm>
+            <a:off x="6439097" y="4976496"/>
+            <a:ext cx="4528913" cy="1554272"/>
+          </a:xfrm>
+          <a:prstGeom prst="rect">
+            <a:avLst/>
+          </a:prstGeom>
+          <a:noFill/>
+        </p:spPr>
+        <p:txBody>
+          <a:bodyPr wrap="square" rtlCol="0">
+            <a:spAutoFit/>
+          </a:bodyPr>
+          <a:lstStyle/>
+          <a:p>
+            <a:pPr algn="ctr">
+              <a:spcBef>
+                <a:spcPts val="1200"/>
+              </a:spcBef>
+            </a:pPr>
+            <a:r>
+              <a:rPr lang="en-US" sz="2500" dirty="0" err="1">
+                <a:latin typeface="Roboto" pitchFamily="2" charset="0"/>
+                <a:ea typeface="Roboto" pitchFamily="2" charset="0"/>
+              </a:rPr>
+              <a:t>OpenRefine</a:t>
+            </a:r>
+            <a:endParaRPr lang="en-US" sz="2500" dirty="0">
+              <a:latin typeface="Roboto" pitchFamily="2" charset="0"/>
+              <a:ea typeface="Roboto" pitchFamily="2" charset="0"/>
+            </a:endParaRPr>
+          </a:p>
+          <a:p>
+            <a:pPr algn="ctr">
+              <a:spcBef>
+                <a:spcPts val="1200"/>
+              </a:spcBef>
+            </a:pPr>
+            <a:r>
+              <a:rPr lang="en-US" sz="2500" dirty="0">
+                <a:latin typeface="Roboto" pitchFamily="2" charset="0"/>
+                <a:ea typeface="Roboto" pitchFamily="2" charset="0"/>
+              </a:rPr>
+              <a:t>Hand editing</a:t>
+            </a:r>
+          </a:p>
+          <a:p>
+            <a:pPr algn="ctr">
+              <a:spcBef>
+                <a:spcPts val="1200"/>
+              </a:spcBef>
+            </a:pPr>
+            <a:r>
+              <a:rPr lang="en-US" sz="2500" dirty="0">
+                <a:latin typeface="Roboto" pitchFamily="2" charset="0"/>
+                <a:ea typeface="Roboto" pitchFamily="2" charset="0"/>
+              </a:rPr>
+              <a:t>Excel "text to column“ tool</a:t>
+            </a:r>
+          </a:p>
+        </p:txBody>
+      </p:sp>
+      <p:sp>
+        <p:nvSpPr>
+          <p:cNvPr id="14" name="TextBox 13">
+            <a:extLst>
+              <a:ext uri="{FF2B5EF4-FFF2-40B4-BE49-F238E27FC236}">
+                <a16:creationId xmlns:a16="http://schemas.microsoft.com/office/drawing/2014/main" id="{A53CA63A-63A1-4B9B-BD56-A06C66462426}"/>
               </a:ext>
             </a:extLst>
           </p:cNvPr>
@@ -5022,10 +4950,10 @@
       </p:sp>
       <p:sp>
         <p:nvSpPr>
-          <p:cNvPr id="24" name="TextBox 23">
+          <p:cNvPr id="17" name="TextBox 16">
             <a:extLst>
               <a:ext uri="{FF2B5EF4-FFF2-40B4-BE49-F238E27FC236}">
-                <a16:creationId xmlns:a16="http://schemas.microsoft.com/office/drawing/2014/main" id="{FCE0EB2A-7B07-4CA0-9083-1BFFD7729F6E}"/>
+                <a16:creationId xmlns:a16="http://schemas.microsoft.com/office/drawing/2014/main" id="{B54464E1-FDA0-4E1B-A036-8F7EC9EFBA48}"/>
               </a:ext>
             </a:extLst>
           </p:cNvPr>
@@ -5060,10 +4988,50 @@
           </a:p>
         </p:txBody>
       </p:sp>
+      <p:sp>
+        <p:nvSpPr>
+          <p:cNvPr id="15" name="TextBox 14">
+            <a:extLst>
+              <a:ext uri="{FF2B5EF4-FFF2-40B4-BE49-F238E27FC236}">
+                <a16:creationId xmlns:a16="http://schemas.microsoft.com/office/drawing/2014/main" id="{E4EB23E1-0FCF-4E31-853A-D48582FEEF3A}"/>
+              </a:ext>
+            </a:extLst>
+          </p:cNvPr>
+          <p:cNvSpPr txBox="1"/>
+          <p:nvPr/>
+        </p:nvSpPr>
+        <p:spPr>
+          <a:xfrm>
+            <a:off x="5947297" y="947518"/>
+            <a:ext cx="5315150" cy="1077218"/>
+          </a:xfrm>
+          <a:prstGeom prst="rect">
+            <a:avLst/>
+          </a:prstGeom>
+          <a:noFill/>
+        </p:spPr>
+        <p:txBody>
+          <a:bodyPr wrap="square" rtlCol="0">
+            <a:spAutoFit/>
+          </a:bodyPr>
+          <a:lstStyle/>
+          <a:p>
+            <a:pPr algn="ctr"/>
+            <a:r>
+              <a:rPr lang="en-US" sz="3200" b="1" spc="300" dirty="0">
+                <a:latin typeface="Roboto" pitchFamily="2" charset="0"/>
+                <a:ea typeface="Roboto" pitchFamily="2" charset="0"/>
+                <a:cs typeface="Gautami" panose="020B0502040204020203" pitchFamily="34" charset="0"/>
+              </a:rPr>
+              <a:t>OXFORD TEXT ARCHIVE</a:t>
+            </a:r>
+          </a:p>
+        </p:txBody>
+      </p:sp>
     </p:spTree>
     <p:extLst>
       <p:ext uri="{BB962C8B-B14F-4D97-AF65-F5344CB8AC3E}">
-        <p14:creationId xmlns:p14="http://schemas.microsoft.com/office/powerpoint/2010/main" val="3624004705"/>
+        <p14:creationId xmlns:p14="http://schemas.microsoft.com/office/powerpoint/2010/main" val="3749287248"/>
       </p:ext>
     </p:extLst>
   </p:cSld>
@@ -5092,61 +5060,413 @@
       </p:grpSpPr>
       <p:sp>
         <p:nvSpPr>
-          <p:cNvPr id="2" name="Title 1">
+          <p:cNvPr id="6" name="TextBox 5">
             <a:extLst>
               <a:ext uri="{FF2B5EF4-FFF2-40B4-BE49-F238E27FC236}">
-                <a16:creationId xmlns:a16="http://schemas.microsoft.com/office/drawing/2014/main" id="{365AF4D0-DAC8-4B95-B626-9B53B447C416}"/>
+                <a16:creationId xmlns:a16="http://schemas.microsoft.com/office/drawing/2014/main" id="{B8EEF8A0-6173-4011-BBF7-B7615A164529}"/>
               </a:ext>
             </a:extLst>
           </p:cNvPr>
-          <p:cNvSpPr>
-            <a:spLocks noGrp="1"/>
-          </p:cNvSpPr>
-          <p:nvPr>
-            <p:ph type="title"/>
-          </p:nvPr>
-        </p:nvSpPr>
-        <p:spPr/>
-        <p:txBody>
-          <a:bodyPr/>
+          <p:cNvSpPr txBox="1"/>
+          <p:nvPr/>
+        </p:nvSpPr>
+        <p:spPr>
+          <a:xfrm>
+            <a:off x="6847991" y="2552100"/>
+            <a:ext cx="3513762" cy="477054"/>
+          </a:xfrm>
+          <a:prstGeom prst="rect">
+            <a:avLst/>
+          </a:prstGeom>
+          <a:noFill/>
+        </p:spPr>
+        <p:txBody>
+          <a:bodyPr wrap="square" rtlCol="0">
+            <a:spAutoFit/>
+          </a:bodyPr>
           <a:lstStyle/>
           <a:p>
-            <a:r>
-              <a:rPr lang="en-US" dirty="0"/>
-              <a:t>WORKFLOW</a:t>
-            </a:r>
-          </a:p>
-        </p:txBody>
-      </p:sp>
-      <p:sp>
-        <p:nvSpPr>
-          <p:cNvPr id="3" name="Text Placeholder 2">
+            <a:pPr algn="ctr"/>
+            <a:r>
+              <a:rPr lang="en-US" sz="2500" dirty="0">
+                <a:latin typeface="Roboto" pitchFamily="2" charset="0"/>
+                <a:ea typeface="Roboto" pitchFamily="2" charset="0"/>
+              </a:rPr>
+              <a:t>Records: 20,801</a:t>
+            </a:r>
+          </a:p>
+        </p:txBody>
+      </p:sp>
+      <p:pic>
+        <p:nvPicPr>
+          <p:cNvPr id="13" name="Picture 10" descr="Image result for project gutenberg logo">
             <a:extLst>
               <a:ext uri="{FF2B5EF4-FFF2-40B4-BE49-F238E27FC236}">
-                <a16:creationId xmlns:a16="http://schemas.microsoft.com/office/drawing/2014/main" id="{0FEA6C78-5233-4A6D-B3CF-7CDABB3E5E3E}"/>
+                <a16:creationId xmlns:a16="http://schemas.microsoft.com/office/drawing/2014/main" id="{33CAAB0F-17B6-4C75-89D2-B30FA8D09ACE}"/>
               </a:ext>
             </a:extLst>
           </p:cNvPr>
-          <p:cNvSpPr>
-            <a:spLocks noGrp="1"/>
-          </p:cNvSpPr>
-          <p:nvPr>
-            <p:ph type="body" idx="1"/>
-          </p:nvPr>
-        </p:nvSpPr>
-        <p:spPr/>
-        <p:txBody>
-          <a:bodyPr/>
+          <p:cNvPicPr>
+            <a:picLocks noChangeAspect="1" noChangeArrowheads="1"/>
+          </p:cNvPicPr>
+          <p:nvPr/>
+        </p:nvPicPr>
+        <p:blipFill>
+          <a:blip r:embed="rId3">
+            <a:extLst>
+              <a:ext uri="{28A0092B-C50C-407E-A947-70E740481C1C}">
+                <a14:useLocalDpi xmlns:a14="http://schemas.microsoft.com/office/drawing/2010/main" val="0"/>
+              </a:ext>
+            </a:extLst>
+          </a:blip>
+          <a:srcRect/>
+          <a:stretch>
+            <a:fillRect/>
+          </a:stretch>
+        </p:blipFill>
+        <p:spPr bwMode="auto">
+          <a:xfrm>
+            <a:off x="2108767" y="608488"/>
+            <a:ext cx="2257507" cy="2257507"/>
+          </a:xfrm>
+          <a:prstGeom prst="rect">
+            <a:avLst/>
+          </a:prstGeom>
+          <a:noFill/>
+          <a:extLst>
+            <a:ext uri="{909E8E84-426E-40DD-AFC4-6F175D3DCCD1}">
+              <a14:hiddenFill xmlns:a14="http://schemas.microsoft.com/office/drawing/2010/main">
+                <a:solidFill>
+                  <a:srgbClr val="FFFFFF"/>
+                </a:solidFill>
+              </a14:hiddenFill>
+            </a:ext>
+          </a:extLst>
+        </p:spPr>
+      </p:pic>
+      <p:sp>
+        <p:nvSpPr>
+          <p:cNvPr id="17" name="TextBox 16">
+            <a:extLst>
+              <a:ext uri="{FF2B5EF4-FFF2-40B4-BE49-F238E27FC236}">
+                <a16:creationId xmlns:a16="http://schemas.microsoft.com/office/drawing/2014/main" id="{28895496-F5C1-41C6-8374-0F0AB851F0FA}"/>
+              </a:ext>
+            </a:extLst>
+          </p:cNvPr>
+          <p:cNvSpPr txBox="1"/>
+          <p:nvPr/>
+        </p:nvSpPr>
+        <p:spPr>
+          <a:xfrm>
+            <a:off x="590651" y="4976496"/>
+            <a:ext cx="5232527" cy="477054"/>
+          </a:xfrm>
+          <a:prstGeom prst="rect">
+            <a:avLst/>
+          </a:prstGeom>
+          <a:noFill/>
+        </p:spPr>
+        <p:txBody>
+          <a:bodyPr wrap="square" rtlCol="0">
+            <a:spAutoFit/>
+          </a:bodyPr>
           <a:lstStyle/>
           <a:p>
-            <a:endParaRPr lang="en-US"/>
+            <a:pPr algn="ctr"/>
+            <a:r>
+              <a:rPr lang="en-US" sz="2500" dirty="0">
+                <a:latin typeface="Roboto" pitchFamily="2" charset="0"/>
+                <a:ea typeface="Roboto" pitchFamily="2" charset="0"/>
+              </a:rPr>
+              <a:t>Parsing RDF XML with Python</a:t>
+            </a:r>
+          </a:p>
+        </p:txBody>
+      </p:sp>
+      <p:sp>
+        <p:nvSpPr>
+          <p:cNvPr id="14" name="TextBox 13">
+            <a:extLst>
+              <a:ext uri="{FF2B5EF4-FFF2-40B4-BE49-F238E27FC236}">
+                <a16:creationId xmlns:a16="http://schemas.microsoft.com/office/drawing/2014/main" id="{41535FC2-F1BD-4C06-BF56-A4EB49806C04}"/>
+              </a:ext>
+            </a:extLst>
+          </p:cNvPr>
+          <p:cNvSpPr txBox="1"/>
+          <p:nvPr/>
+        </p:nvSpPr>
+        <p:spPr>
+          <a:xfrm>
+            <a:off x="6439097" y="4976496"/>
+            <a:ext cx="4528913" cy="1554272"/>
+          </a:xfrm>
+          <a:prstGeom prst="rect">
+            <a:avLst/>
+          </a:prstGeom>
+          <a:noFill/>
+        </p:spPr>
+        <p:txBody>
+          <a:bodyPr wrap="square" rtlCol="0">
+            <a:spAutoFit/>
+          </a:bodyPr>
+          <a:lstStyle/>
+          <a:p>
+            <a:pPr algn="ctr">
+              <a:spcBef>
+                <a:spcPts val="1200"/>
+              </a:spcBef>
+            </a:pPr>
+            <a:r>
+              <a:rPr lang="en-US" sz="2500" dirty="0" err="1">
+                <a:latin typeface="Roboto" pitchFamily="2" charset="0"/>
+                <a:ea typeface="Roboto" pitchFamily="2" charset="0"/>
+              </a:rPr>
+              <a:t>OpenRefine</a:t>
+            </a:r>
+            <a:endParaRPr lang="en-US" sz="2500" dirty="0">
+              <a:latin typeface="Roboto" pitchFamily="2" charset="0"/>
+              <a:ea typeface="Roboto" pitchFamily="2" charset="0"/>
+            </a:endParaRPr>
+          </a:p>
+          <a:p>
+            <a:pPr algn="ctr">
+              <a:spcBef>
+                <a:spcPts val="1200"/>
+              </a:spcBef>
+            </a:pPr>
+            <a:r>
+              <a:rPr lang="en-US" sz="2500" dirty="0">
+                <a:latin typeface="Roboto" pitchFamily="2" charset="0"/>
+                <a:ea typeface="Roboto" pitchFamily="2" charset="0"/>
+              </a:rPr>
+              <a:t>Hand editing</a:t>
+            </a:r>
+          </a:p>
+          <a:p>
+            <a:pPr algn="ctr">
+              <a:spcBef>
+                <a:spcPts val="1200"/>
+              </a:spcBef>
+            </a:pPr>
+            <a:r>
+              <a:rPr lang="en-US" sz="2500" dirty="0">
+                <a:latin typeface="Roboto" pitchFamily="2" charset="0"/>
+                <a:ea typeface="Roboto" pitchFamily="2" charset="0"/>
+              </a:rPr>
+              <a:t>Excel "text to column“ tool</a:t>
+            </a:r>
+          </a:p>
+        </p:txBody>
+      </p:sp>
+      <p:cxnSp>
+        <p:nvCxnSpPr>
+          <p:cNvPr id="21" name="Straight Connector 20">
+            <a:extLst>
+              <a:ext uri="{FF2B5EF4-FFF2-40B4-BE49-F238E27FC236}">
+                <a16:creationId xmlns:a16="http://schemas.microsoft.com/office/drawing/2014/main" id="{C244826B-F414-4C17-9AB7-BF32B8F7FC0A}"/>
+              </a:ext>
+            </a:extLst>
+          </p:cNvPr>
+          <p:cNvCxnSpPr/>
+          <p:nvPr/>
+        </p:nvCxnSpPr>
+        <p:spPr>
+          <a:xfrm>
+            <a:off x="1011381" y="3707258"/>
+            <a:ext cx="4452286" cy="0"/>
+          </a:xfrm>
+          <a:prstGeom prst="line">
+            <a:avLst/>
+          </a:prstGeom>
+          <a:ln w="19050"/>
+        </p:spPr>
+        <p:style>
+          <a:lnRef idx="1">
+            <a:schemeClr val="dk1"/>
+          </a:lnRef>
+          <a:fillRef idx="0">
+            <a:schemeClr val="dk1"/>
+          </a:fillRef>
+          <a:effectRef idx="0">
+            <a:schemeClr val="dk1"/>
+          </a:effectRef>
+          <a:fontRef idx="minor">
+            <a:schemeClr val="tx1"/>
+          </a:fontRef>
+        </p:style>
+      </p:cxnSp>
+      <p:cxnSp>
+        <p:nvCxnSpPr>
+          <p:cNvPr id="22" name="Straight Connector 21">
+            <a:extLst>
+              <a:ext uri="{FF2B5EF4-FFF2-40B4-BE49-F238E27FC236}">
+                <a16:creationId xmlns:a16="http://schemas.microsoft.com/office/drawing/2014/main" id="{BC0F3BA8-BF39-494A-9B9E-74F3697CBED2}"/>
+              </a:ext>
+            </a:extLst>
+          </p:cNvPr>
+          <p:cNvCxnSpPr/>
+          <p:nvPr/>
+        </p:nvCxnSpPr>
+        <p:spPr>
+          <a:xfrm>
+            <a:off x="6477411" y="3707258"/>
+            <a:ext cx="4452286" cy="0"/>
+          </a:xfrm>
+          <a:prstGeom prst="line">
+            <a:avLst/>
+          </a:prstGeom>
+          <a:ln w="19050"/>
+        </p:spPr>
+        <p:style>
+          <a:lnRef idx="1">
+            <a:schemeClr val="dk1"/>
+          </a:lnRef>
+          <a:fillRef idx="0">
+            <a:schemeClr val="dk1"/>
+          </a:fillRef>
+          <a:effectRef idx="0">
+            <a:schemeClr val="dk1"/>
+          </a:effectRef>
+          <a:fontRef idx="minor">
+            <a:schemeClr val="tx1"/>
+          </a:fontRef>
+        </p:style>
+      </p:cxnSp>
+      <p:sp>
+        <p:nvSpPr>
+          <p:cNvPr id="23" name="TextBox 22">
+            <a:extLst>
+              <a:ext uri="{FF2B5EF4-FFF2-40B4-BE49-F238E27FC236}">
+                <a16:creationId xmlns:a16="http://schemas.microsoft.com/office/drawing/2014/main" id="{0FF06BBB-BCF0-45E0-BB38-7D32960ED234}"/>
+              </a:ext>
+            </a:extLst>
+          </p:cNvPr>
+          <p:cNvSpPr txBox="1"/>
+          <p:nvPr/>
+        </p:nvSpPr>
+        <p:spPr>
+          <a:xfrm>
+            <a:off x="6045979" y="4133618"/>
+            <a:ext cx="5315150" cy="553998"/>
+          </a:xfrm>
+          <a:prstGeom prst="rect">
+            <a:avLst/>
+          </a:prstGeom>
+          <a:noFill/>
+        </p:spPr>
+        <p:txBody>
+          <a:bodyPr wrap="square" rtlCol="0">
+            <a:spAutoFit/>
+          </a:bodyPr>
+          <a:lstStyle/>
+          <a:p>
+            <a:pPr algn="ctr"/>
+            <a:r>
+              <a:rPr lang="en-US" sz="3000" b="1" spc="300" dirty="0">
+                <a:latin typeface="Roboto" pitchFamily="2" charset="0"/>
+                <a:ea typeface="Roboto" pitchFamily="2" charset="0"/>
+                <a:cs typeface="Gautami" panose="020B0502040204020203" pitchFamily="34" charset="0"/>
+              </a:rPr>
+              <a:t>CLEANING</a:t>
+            </a:r>
+          </a:p>
+        </p:txBody>
+      </p:sp>
+      <p:sp>
+        <p:nvSpPr>
+          <p:cNvPr id="24" name="TextBox 23">
+            <a:extLst>
+              <a:ext uri="{FF2B5EF4-FFF2-40B4-BE49-F238E27FC236}">
+                <a16:creationId xmlns:a16="http://schemas.microsoft.com/office/drawing/2014/main" id="{FCE0EB2A-7B07-4CA0-9083-1BFFD7729F6E}"/>
+              </a:ext>
+            </a:extLst>
+          </p:cNvPr>
+          <p:cNvSpPr txBox="1"/>
+          <p:nvPr/>
+        </p:nvSpPr>
+        <p:spPr>
+          <a:xfrm>
+            <a:off x="579946" y="4133618"/>
+            <a:ext cx="5315150" cy="553998"/>
+          </a:xfrm>
+          <a:prstGeom prst="rect">
+            <a:avLst/>
+          </a:prstGeom>
+          <a:noFill/>
+        </p:spPr>
+        <p:txBody>
+          <a:bodyPr wrap="square" rtlCol="0">
+            <a:spAutoFit/>
+          </a:bodyPr>
+          <a:lstStyle/>
+          <a:p>
+            <a:pPr algn="ctr"/>
+            <a:r>
+              <a:rPr lang="en-US" sz="3000" b="1" spc="300" dirty="0">
+                <a:latin typeface="Roboto" pitchFamily="2" charset="0"/>
+                <a:ea typeface="Roboto" pitchFamily="2" charset="0"/>
+                <a:cs typeface="Gautami" panose="020B0502040204020203" pitchFamily="34" charset="0"/>
+              </a:rPr>
+              <a:t>COLLECTION</a:t>
+            </a:r>
+          </a:p>
+        </p:txBody>
+      </p:sp>
+      <p:sp>
+        <p:nvSpPr>
+          <p:cNvPr id="12" name="TextBox 11">
+            <a:extLst>
+              <a:ext uri="{FF2B5EF4-FFF2-40B4-BE49-F238E27FC236}">
+                <a16:creationId xmlns:a16="http://schemas.microsoft.com/office/drawing/2014/main" id="{84D53BCA-F315-4724-BEB6-98E94699730A}"/>
+              </a:ext>
+            </a:extLst>
+          </p:cNvPr>
+          <p:cNvSpPr txBox="1"/>
+          <p:nvPr/>
+        </p:nvSpPr>
+        <p:spPr>
+          <a:xfrm>
+            <a:off x="5947297" y="947518"/>
+            <a:ext cx="5315150" cy="1077218"/>
+          </a:xfrm>
+          <a:prstGeom prst="rect">
+            <a:avLst/>
+          </a:prstGeom>
+          <a:noFill/>
+        </p:spPr>
+        <p:txBody>
+          <a:bodyPr wrap="square" rtlCol="0">
+            <a:spAutoFit/>
+          </a:bodyPr>
+          <a:lstStyle/>
+          <a:p>
+            <a:pPr algn="ctr"/>
+            <a:r>
+              <a:rPr lang="en-US" sz="3200" b="1" spc="300" dirty="0">
+                <a:latin typeface="Roboto" pitchFamily="2" charset="0"/>
+                <a:ea typeface="Roboto" pitchFamily="2" charset="0"/>
+                <a:cs typeface="Gautami" panose="020B0502040204020203" pitchFamily="34" charset="0"/>
+              </a:rPr>
+              <a:t>PROJECT</a:t>
+            </a:r>
+          </a:p>
+          <a:p>
+            <a:pPr algn="ctr"/>
+            <a:r>
+              <a:rPr lang="en-US" sz="3200" b="1" spc="300" dirty="0">
+                <a:latin typeface="Roboto" pitchFamily="2" charset="0"/>
+                <a:ea typeface="Roboto" pitchFamily="2" charset="0"/>
+                <a:cs typeface="Gautami" panose="020B0502040204020203" pitchFamily="34" charset="0"/>
+              </a:rPr>
+              <a:t>GUTENBERG</a:t>
+            </a:r>
           </a:p>
         </p:txBody>
       </p:sp>
     </p:spTree>
     <p:extLst>
       <p:ext uri="{BB962C8B-B14F-4D97-AF65-F5344CB8AC3E}">
-        <p14:creationId xmlns:p14="http://schemas.microsoft.com/office/powerpoint/2010/main" val="1197790670"/>
+        <p14:creationId xmlns:p14="http://schemas.microsoft.com/office/powerpoint/2010/main" val="3624004705"/>
       </p:ext>
     </p:extLst>
   </p:cSld>
@@ -5173,46 +5493,63 @@
           <a:chExt cx="0" cy="0"/>
         </a:xfrm>
       </p:grpSpPr>
-      <p:pic>
-        <p:nvPicPr>
-          <p:cNvPr id="3" name="Picture 2" descr="A screenshot of a cell phone&#10;&#10;Description automatically generated">
+      <p:sp>
+        <p:nvSpPr>
+          <p:cNvPr id="2" name="Title 1">
             <a:extLst>
               <a:ext uri="{FF2B5EF4-FFF2-40B4-BE49-F238E27FC236}">
-                <a16:creationId xmlns:a16="http://schemas.microsoft.com/office/drawing/2014/main" id="{D4471C93-F208-41C5-86F8-09D2A75C1F13}"/>
+                <a16:creationId xmlns:a16="http://schemas.microsoft.com/office/drawing/2014/main" id="{365AF4D0-DAC8-4B95-B626-9B53B447C416}"/>
               </a:ext>
             </a:extLst>
           </p:cNvPr>
-          <p:cNvPicPr>
-            <a:picLocks noChangeAspect="1"/>
-          </p:cNvPicPr>
-          <p:nvPr/>
-        </p:nvPicPr>
-        <p:blipFill>
-          <a:blip r:embed="rId2">
-            <a:extLst>
-              <a:ext uri="{28A0092B-C50C-407E-A947-70E740481C1C}">
-                <a14:useLocalDpi xmlns:a14="http://schemas.microsoft.com/office/drawing/2010/main" val="0"/>
-              </a:ext>
-            </a:extLst>
-          </a:blip>
-          <a:stretch>
-            <a:fillRect/>
-          </a:stretch>
-        </p:blipFill>
-        <p:spPr>
-          <a:xfrm>
-            <a:off x="2254805" y="154113"/>
-            <a:ext cx="8430320" cy="6514974"/>
-          </a:xfrm>
-          <a:prstGeom prst="rect">
-            <a:avLst/>
-          </a:prstGeom>
-        </p:spPr>
-      </p:pic>
+          <p:cNvSpPr>
+            <a:spLocks noGrp="1"/>
+          </p:cNvSpPr>
+          <p:nvPr>
+            <p:ph type="title"/>
+          </p:nvPr>
+        </p:nvSpPr>
+        <p:spPr/>
+        <p:txBody>
+          <a:bodyPr/>
+          <a:lstStyle/>
+          <a:p>
+            <a:r>
+              <a:rPr lang="en-US" dirty="0"/>
+              <a:t>WORKFLOW</a:t>
+            </a:r>
+          </a:p>
+        </p:txBody>
+      </p:sp>
+      <p:sp>
+        <p:nvSpPr>
+          <p:cNvPr id="3" name="Text Placeholder 2">
+            <a:extLst>
+              <a:ext uri="{FF2B5EF4-FFF2-40B4-BE49-F238E27FC236}">
+                <a16:creationId xmlns:a16="http://schemas.microsoft.com/office/drawing/2014/main" id="{0FEA6C78-5233-4A6D-B3CF-7CDABB3E5E3E}"/>
+              </a:ext>
+            </a:extLst>
+          </p:cNvPr>
+          <p:cNvSpPr>
+            <a:spLocks noGrp="1"/>
+          </p:cNvSpPr>
+          <p:nvPr>
+            <p:ph type="body" idx="1"/>
+          </p:nvPr>
+        </p:nvSpPr>
+        <p:spPr/>
+        <p:txBody>
+          <a:bodyPr/>
+          <a:lstStyle/>
+          <a:p>
+            <a:endParaRPr lang="en-US"/>
+          </a:p>
+        </p:txBody>
+      </p:sp>
     </p:spTree>
     <p:extLst>
       <p:ext uri="{BB962C8B-B14F-4D97-AF65-F5344CB8AC3E}">
-        <p14:creationId xmlns:p14="http://schemas.microsoft.com/office/powerpoint/2010/main" val="227689330"/>
+        <p14:creationId xmlns:p14="http://schemas.microsoft.com/office/powerpoint/2010/main" val="1197790670"/>
       </p:ext>
     </p:extLst>
   </p:cSld>
@@ -5241,10 +5578,10 @@
       </p:grpSpPr>
       <p:pic>
         <p:nvPicPr>
-          <p:cNvPr id="4" name="Picture 3" descr="A screenshot of a cell phone&#10;&#10;Description automatically generated">
+          <p:cNvPr id="3" name="Picture 2" descr="A screenshot of a cell phone&#10;&#10;Description automatically generated">
             <a:extLst>
               <a:ext uri="{FF2B5EF4-FFF2-40B4-BE49-F238E27FC236}">
-                <a16:creationId xmlns:a16="http://schemas.microsoft.com/office/drawing/2014/main" id="{032B41BD-3A44-48D1-9B9C-9C42BAD4977E}"/>
+                <a16:creationId xmlns:a16="http://schemas.microsoft.com/office/drawing/2014/main" id="{D4471C93-F208-41C5-86F8-09D2A75C1F13}"/>
               </a:ext>
             </a:extLst>
           </p:cNvPr>
@@ -5267,8 +5604,8 @@
         </p:blipFill>
         <p:spPr>
           <a:xfrm>
-            <a:off x="246580" y="362154"/>
-            <a:ext cx="12192000" cy="5722727"/>
+            <a:off x="2254805" y="154113"/>
+            <a:ext cx="8430320" cy="6514974"/>
           </a:xfrm>
           <a:prstGeom prst="rect">
             <a:avLst/>
@@ -5278,7 +5615,7 @@
     </p:spTree>
     <p:extLst>
       <p:ext uri="{BB962C8B-B14F-4D97-AF65-F5344CB8AC3E}">
-        <p14:creationId xmlns:p14="http://schemas.microsoft.com/office/powerpoint/2010/main" val="61358348"/>
+        <p14:creationId xmlns:p14="http://schemas.microsoft.com/office/powerpoint/2010/main" val="227689330"/>
       </p:ext>
     </p:extLst>
   </p:cSld>
@@ -5310,7 +5647,7 @@
           <p:cNvPr id="4" name="Picture 3" descr="A screenshot of a cell phone&#10;&#10;Description automatically generated">
             <a:extLst>
               <a:ext uri="{FF2B5EF4-FFF2-40B4-BE49-F238E27FC236}">
-                <a16:creationId xmlns:a16="http://schemas.microsoft.com/office/drawing/2014/main" id="{06245D49-EB91-44F2-B93E-EFE6D8A11CF2}"/>
+                <a16:creationId xmlns:a16="http://schemas.microsoft.com/office/drawing/2014/main" id="{032B41BD-3A44-48D1-9B9C-9C42BAD4977E}"/>
               </a:ext>
             </a:extLst>
           </p:cNvPr>
@@ -5333,8 +5670,8 @@
         </p:blipFill>
         <p:spPr>
           <a:xfrm>
-            <a:off x="934949" y="1600358"/>
-            <a:ext cx="10078948" cy="2989449"/>
+            <a:off x="246580" y="362154"/>
+            <a:ext cx="12192000" cy="5722727"/>
           </a:xfrm>
           <a:prstGeom prst="rect">
             <a:avLst/>
@@ -5344,7 +5681,7 @@
     </p:spTree>
     <p:extLst>
       <p:ext uri="{BB962C8B-B14F-4D97-AF65-F5344CB8AC3E}">
-        <p14:creationId xmlns:p14="http://schemas.microsoft.com/office/powerpoint/2010/main" val="567251710"/>
+        <p14:creationId xmlns:p14="http://schemas.microsoft.com/office/powerpoint/2010/main" val="61358348"/>
       </p:ext>
     </p:extLst>
   </p:cSld>
@@ -5376,7 +5713,7 @@
           <p:cNvPr id="4" name="Picture 3" descr="A screenshot of a cell phone&#10;&#10;Description automatically generated">
             <a:extLst>
               <a:ext uri="{FF2B5EF4-FFF2-40B4-BE49-F238E27FC236}">
-                <a16:creationId xmlns:a16="http://schemas.microsoft.com/office/drawing/2014/main" id="{B2C9A74F-B06D-489C-9645-329C6554136E}"/>
+                <a16:creationId xmlns:a16="http://schemas.microsoft.com/office/drawing/2014/main" id="{06245D49-EB91-44F2-B93E-EFE6D8A11CF2}"/>
               </a:ext>
             </a:extLst>
           </p:cNvPr>
@@ -5399,18 +5736,100 @@
         </p:blipFill>
         <p:spPr>
           <a:xfrm>
-            <a:off x="2040627" y="712353"/>
-            <a:ext cx="8110745" cy="5001778"/>
+            <a:off x="1256813" y="264885"/>
+            <a:ext cx="10078948" cy="2989449"/>
           </a:xfrm>
           <a:prstGeom prst="rect">
             <a:avLst/>
           </a:prstGeom>
         </p:spPr>
       </p:pic>
+      <p:pic>
+        <p:nvPicPr>
+          <p:cNvPr id="2" name="Picture 1">
+            <a:extLst>
+              <a:ext uri="{FF2B5EF4-FFF2-40B4-BE49-F238E27FC236}">
+                <a16:creationId xmlns:a16="http://schemas.microsoft.com/office/drawing/2014/main" id="{3A0B3643-16CD-431C-9B2E-033DC960E49C}"/>
+              </a:ext>
+            </a:extLst>
+          </p:cNvPr>
+          <p:cNvPicPr>
+            <a:picLocks noChangeAspect="1"/>
+          </p:cNvPicPr>
+          <p:nvPr/>
+        </p:nvPicPr>
+        <p:blipFill>
+          <a:blip r:embed="rId3"/>
+          <a:stretch>
+            <a:fillRect/>
+          </a:stretch>
+        </p:blipFill>
+        <p:spPr>
+          <a:xfrm>
+            <a:off x="2621260" y="3719781"/>
+            <a:ext cx="7683882" cy="2572147"/>
+          </a:xfrm>
+          <a:prstGeom prst="rect">
+            <a:avLst/>
+          </a:prstGeom>
+        </p:spPr>
+      </p:pic>
+      <p:sp>
+        <p:nvSpPr>
+          <p:cNvPr id="7" name="Rectangle 6">
+            <a:extLst>
+              <a:ext uri="{FF2B5EF4-FFF2-40B4-BE49-F238E27FC236}">
+                <a16:creationId xmlns:a16="http://schemas.microsoft.com/office/drawing/2014/main" id="{C8130DD8-603B-4182-BA64-D28F5D865E21}"/>
+              </a:ext>
+            </a:extLst>
+          </p:cNvPr>
+          <p:cNvSpPr/>
+          <p:nvPr/>
+        </p:nvSpPr>
+        <p:spPr>
+          <a:xfrm>
+            <a:off x="2621260" y="3719781"/>
+            <a:ext cx="7683882" cy="2572147"/>
+          </a:xfrm>
+          <a:prstGeom prst="rect">
+            <a:avLst/>
+          </a:prstGeom>
+          <a:noFill/>
+          <a:ln w="28575">
+            <a:solidFill>
+              <a:schemeClr val="tx1"/>
+            </a:solidFill>
+          </a:ln>
+        </p:spPr>
+        <p:style>
+          <a:lnRef idx="2">
+            <a:schemeClr val="accent1">
+              <a:shade val="50000"/>
+            </a:schemeClr>
+          </a:lnRef>
+          <a:fillRef idx="1">
+            <a:schemeClr val="accent1"/>
+          </a:fillRef>
+          <a:effectRef idx="0">
+            <a:schemeClr val="accent1"/>
+          </a:effectRef>
+          <a:fontRef idx="minor">
+            <a:schemeClr val="lt1"/>
+          </a:fontRef>
+        </p:style>
+        <p:txBody>
+          <a:bodyPr rtlCol="0" anchor="ctr"/>
+          <a:lstStyle/>
+          <a:p>
+            <a:pPr algn="ctr"/>
+            <a:endParaRPr lang="en-US"/>
+          </a:p>
+        </p:txBody>
+      </p:sp>
     </p:spTree>
     <p:extLst>
       <p:ext uri="{BB962C8B-B14F-4D97-AF65-F5344CB8AC3E}">
-        <p14:creationId xmlns:p14="http://schemas.microsoft.com/office/powerpoint/2010/main" val="1978230825"/>
+        <p14:creationId xmlns:p14="http://schemas.microsoft.com/office/powerpoint/2010/main" val="567251710"/>
       </p:ext>
     </p:extLst>
   </p:cSld>
@@ -5439,10 +5858,10 @@
       </p:grpSpPr>
       <p:pic>
         <p:nvPicPr>
-          <p:cNvPr id="4" name="Picture 3" descr="A picture containing drawing&#10;&#10;Description automatically generated">
+          <p:cNvPr id="4" name="Picture 3" descr="A screenshot of a cell phone&#10;&#10;Description automatically generated">
             <a:extLst>
               <a:ext uri="{FF2B5EF4-FFF2-40B4-BE49-F238E27FC236}">
-                <a16:creationId xmlns:a16="http://schemas.microsoft.com/office/drawing/2014/main" id="{9810B822-134D-4743-A1F3-1C4F46CC1B4E}"/>
+                <a16:creationId xmlns:a16="http://schemas.microsoft.com/office/drawing/2014/main" id="{B2C9A74F-B06D-489C-9645-329C6554136E}"/>
               </a:ext>
             </a:extLst>
           </p:cNvPr>
@@ -5465,18 +5884,100 @@
         </p:blipFill>
         <p:spPr>
           <a:xfrm>
-            <a:off x="693107" y="1691636"/>
-            <a:ext cx="11426975" cy="3474727"/>
+            <a:off x="2243827" y="0"/>
+            <a:ext cx="8110745" cy="5001778"/>
           </a:xfrm>
           <a:prstGeom prst="rect">
             <a:avLst/>
           </a:prstGeom>
         </p:spPr>
       </p:pic>
+      <p:pic>
+        <p:nvPicPr>
+          <p:cNvPr id="5" name="Picture 4">
+            <a:extLst>
+              <a:ext uri="{FF2B5EF4-FFF2-40B4-BE49-F238E27FC236}">
+                <a16:creationId xmlns:a16="http://schemas.microsoft.com/office/drawing/2014/main" id="{5DDBDA58-FA85-4FC8-8C9B-D37E4D10C493}"/>
+              </a:ext>
+            </a:extLst>
+          </p:cNvPr>
+          <p:cNvPicPr>
+            <a:picLocks noChangeAspect="1"/>
+          </p:cNvPicPr>
+          <p:nvPr/>
+        </p:nvPicPr>
+        <p:blipFill>
+          <a:blip r:embed="rId3"/>
+          <a:stretch>
+            <a:fillRect/>
+          </a:stretch>
+        </p:blipFill>
+        <p:spPr>
+          <a:xfrm>
+            <a:off x="3143774" y="5103378"/>
+            <a:ext cx="6488904" cy="978107"/>
+          </a:xfrm>
+          <a:prstGeom prst="rect">
+            <a:avLst/>
+          </a:prstGeom>
+        </p:spPr>
+      </p:pic>
+      <p:sp>
+        <p:nvSpPr>
+          <p:cNvPr id="6" name="Rectangle 5">
+            <a:extLst>
+              <a:ext uri="{FF2B5EF4-FFF2-40B4-BE49-F238E27FC236}">
+                <a16:creationId xmlns:a16="http://schemas.microsoft.com/office/drawing/2014/main" id="{DA40DDFD-0464-4E18-9AB2-DCA4A0F23F28}"/>
+              </a:ext>
+            </a:extLst>
+          </p:cNvPr>
+          <p:cNvSpPr/>
+          <p:nvPr/>
+        </p:nvSpPr>
+        <p:spPr>
+          <a:xfrm>
+            <a:off x="3143774" y="5103378"/>
+            <a:ext cx="6488903" cy="978108"/>
+          </a:xfrm>
+          <a:prstGeom prst="rect">
+            <a:avLst/>
+          </a:prstGeom>
+          <a:noFill/>
+          <a:ln w="28575">
+            <a:solidFill>
+              <a:schemeClr val="tx1"/>
+            </a:solidFill>
+          </a:ln>
+        </p:spPr>
+        <p:style>
+          <a:lnRef idx="2">
+            <a:schemeClr val="accent1">
+              <a:shade val="50000"/>
+            </a:schemeClr>
+          </a:lnRef>
+          <a:fillRef idx="1">
+            <a:schemeClr val="accent1"/>
+          </a:fillRef>
+          <a:effectRef idx="0">
+            <a:schemeClr val="accent1"/>
+          </a:effectRef>
+          <a:fontRef idx="minor">
+            <a:schemeClr val="lt1"/>
+          </a:fontRef>
+        </p:style>
+        <p:txBody>
+          <a:bodyPr rtlCol="0" anchor="ctr"/>
+          <a:lstStyle/>
+          <a:p>
+            <a:pPr algn="ctr"/>
+            <a:endParaRPr lang="en-US"/>
+          </a:p>
+        </p:txBody>
+      </p:sp>
     </p:spTree>
     <p:extLst>
       <p:ext uri="{BB962C8B-B14F-4D97-AF65-F5344CB8AC3E}">
-        <p14:creationId xmlns:p14="http://schemas.microsoft.com/office/powerpoint/2010/main" val="837738964"/>
+        <p14:creationId xmlns:p14="http://schemas.microsoft.com/office/powerpoint/2010/main" val="1978230825"/>
       </p:ext>
     </p:extLst>
   </p:cSld>
@@ -5505,10 +6006,10 @@
       </p:grpSpPr>
       <p:pic>
         <p:nvPicPr>
-          <p:cNvPr id="4" name="Picture 3" descr="A picture containing flower&#10;&#10;Description automatically generated">
+          <p:cNvPr id="4" name="Picture 3" descr="A picture containing drawing&#10;&#10;Description automatically generated">
             <a:extLst>
               <a:ext uri="{FF2B5EF4-FFF2-40B4-BE49-F238E27FC236}">
-                <a16:creationId xmlns:a16="http://schemas.microsoft.com/office/drawing/2014/main" id="{D5509555-3D64-459B-9A39-8C44C7F007D0}"/>
+                <a16:creationId xmlns:a16="http://schemas.microsoft.com/office/drawing/2014/main" id="{9810B822-134D-4743-A1F3-1C4F46CC1B4E}"/>
               </a:ext>
             </a:extLst>
           </p:cNvPr>
@@ -5531,8 +6032,8 @@
         </p:blipFill>
         <p:spPr>
           <a:xfrm>
-            <a:off x="1714491" y="1575812"/>
-            <a:ext cx="8763018" cy="3706376"/>
+            <a:off x="693107" y="1691636"/>
+            <a:ext cx="11426975" cy="3474727"/>
           </a:xfrm>
           <a:prstGeom prst="rect">
             <a:avLst/>
@@ -5542,7 +6043,7 @@
     </p:spTree>
     <p:extLst>
       <p:ext uri="{BB962C8B-B14F-4D97-AF65-F5344CB8AC3E}">
-        <p14:creationId xmlns:p14="http://schemas.microsoft.com/office/powerpoint/2010/main" val="1195726993"/>
+        <p14:creationId xmlns:p14="http://schemas.microsoft.com/office/powerpoint/2010/main" val="837738964"/>
       </p:ext>
     </p:extLst>
   </p:cSld>
@@ -5569,6 +6070,154 @@
           <a:chExt cx="0" cy="0"/>
         </a:xfrm>
       </p:grpSpPr>
+      <p:pic>
+        <p:nvPicPr>
+          <p:cNvPr id="4" name="Picture 3" descr="A picture containing flower&#10;&#10;Description automatically generated">
+            <a:extLst>
+              <a:ext uri="{FF2B5EF4-FFF2-40B4-BE49-F238E27FC236}">
+                <a16:creationId xmlns:a16="http://schemas.microsoft.com/office/drawing/2014/main" id="{D5509555-3D64-459B-9A39-8C44C7F007D0}"/>
+              </a:ext>
+            </a:extLst>
+          </p:cNvPr>
+          <p:cNvPicPr>
+            <a:picLocks noChangeAspect="1"/>
+          </p:cNvPicPr>
+          <p:nvPr/>
+        </p:nvPicPr>
+        <p:blipFill>
+          <a:blip r:embed="rId2">
+            <a:extLst>
+              <a:ext uri="{28A0092B-C50C-407E-A947-70E740481C1C}">
+                <a14:useLocalDpi xmlns:a14="http://schemas.microsoft.com/office/drawing/2010/main" val="0"/>
+              </a:ext>
+            </a:extLst>
+          </a:blip>
+          <a:stretch>
+            <a:fillRect/>
+          </a:stretch>
+        </p:blipFill>
+        <p:spPr>
+          <a:xfrm>
+            <a:off x="1714491" y="646897"/>
+            <a:ext cx="8763018" cy="3706376"/>
+          </a:xfrm>
+          <a:prstGeom prst="rect">
+            <a:avLst/>
+          </a:prstGeom>
+        </p:spPr>
+      </p:pic>
+      <p:pic>
+        <p:nvPicPr>
+          <p:cNvPr id="2" name="Picture 1">
+            <a:extLst>
+              <a:ext uri="{FF2B5EF4-FFF2-40B4-BE49-F238E27FC236}">
+                <a16:creationId xmlns:a16="http://schemas.microsoft.com/office/drawing/2014/main" id="{ADC5BBE5-3982-4E7D-B40A-EE009442E968}"/>
+              </a:ext>
+            </a:extLst>
+          </p:cNvPr>
+          <p:cNvPicPr>
+            <a:picLocks noChangeAspect="1"/>
+          </p:cNvPicPr>
+          <p:nvPr/>
+        </p:nvPicPr>
+        <p:blipFill>
+          <a:blip r:embed="rId3"/>
+          <a:stretch>
+            <a:fillRect/>
+          </a:stretch>
+        </p:blipFill>
+        <p:spPr>
+          <a:xfrm>
+            <a:off x="3230858" y="5116726"/>
+            <a:ext cx="6488905" cy="964405"/>
+          </a:xfrm>
+          <a:prstGeom prst="rect">
+            <a:avLst/>
+          </a:prstGeom>
+        </p:spPr>
+      </p:pic>
+      <p:sp>
+        <p:nvSpPr>
+          <p:cNvPr id="6" name="Rectangle 5">
+            <a:extLst>
+              <a:ext uri="{FF2B5EF4-FFF2-40B4-BE49-F238E27FC236}">
+                <a16:creationId xmlns:a16="http://schemas.microsoft.com/office/drawing/2014/main" id="{B46DD280-DBD1-470F-B581-F3F54C5FB2C0}"/>
+              </a:ext>
+            </a:extLst>
+          </p:cNvPr>
+          <p:cNvSpPr/>
+          <p:nvPr/>
+        </p:nvSpPr>
+        <p:spPr>
+          <a:xfrm>
+            <a:off x="3230858" y="5103023"/>
+            <a:ext cx="6488903" cy="978108"/>
+          </a:xfrm>
+          <a:prstGeom prst="rect">
+            <a:avLst/>
+          </a:prstGeom>
+          <a:noFill/>
+          <a:ln w="28575">
+            <a:solidFill>
+              <a:schemeClr val="tx1"/>
+            </a:solidFill>
+          </a:ln>
+        </p:spPr>
+        <p:style>
+          <a:lnRef idx="2">
+            <a:schemeClr val="accent1">
+              <a:shade val="50000"/>
+            </a:schemeClr>
+          </a:lnRef>
+          <a:fillRef idx="1">
+            <a:schemeClr val="accent1"/>
+          </a:fillRef>
+          <a:effectRef idx="0">
+            <a:schemeClr val="accent1"/>
+          </a:effectRef>
+          <a:fontRef idx="minor">
+            <a:schemeClr val="lt1"/>
+          </a:fontRef>
+        </p:style>
+        <p:txBody>
+          <a:bodyPr rtlCol="0" anchor="ctr"/>
+          <a:lstStyle/>
+          <a:p>
+            <a:pPr algn="ctr"/>
+            <a:endParaRPr lang="en-US"/>
+          </a:p>
+        </p:txBody>
+      </p:sp>
+    </p:spTree>
+    <p:extLst>
+      <p:ext uri="{BB962C8B-B14F-4D97-AF65-F5344CB8AC3E}">
+        <p14:creationId xmlns:p14="http://schemas.microsoft.com/office/powerpoint/2010/main" val="1195726993"/>
+      </p:ext>
+    </p:extLst>
+  </p:cSld>
+  <p:clrMapOvr>
+    <a:masterClrMapping/>
+  </p:clrMapOvr>
+</p:sld>
+</file>
+
+<file path=ppt/slides/slide19.xml><?xml version="1.0" encoding="utf-8"?>
+<p:sld xmlns:a="http://schemas.openxmlformats.org/drawingml/2006/main" xmlns:r="http://schemas.openxmlformats.org/officeDocument/2006/relationships" xmlns:p="http://schemas.openxmlformats.org/presentationml/2006/main">
+  <p:cSld>
+    <p:spTree>
+      <p:nvGrpSpPr>
+        <p:cNvPr id="1" name=""/>
+        <p:cNvGrpSpPr/>
+        <p:nvPr/>
+      </p:nvGrpSpPr>
+      <p:grpSpPr>
+        <a:xfrm>
+          <a:off x="0" y="0"/>
+          <a:ext cx="0" cy="0"/>
+          <a:chOff x="0" y="0"/>
+          <a:chExt cx="0" cy="0"/>
+        </a:xfrm>
+      </p:grpSpPr>
       <p:sp>
         <p:nvSpPr>
           <p:cNvPr id="2" name="Title 1">
@@ -5635,7 +6284,140 @@
 </p:sld>
 </file>
 
-<file path=ppt/slides/slide19.xml><?xml version="1.0" encoding="utf-8"?>
+<file path=ppt/slides/slide2.xml><?xml version="1.0" encoding="utf-8"?>
+<p:sld xmlns:a="http://schemas.openxmlformats.org/drawingml/2006/main" xmlns:r="http://schemas.openxmlformats.org/officeDocument/2006/relationships" xmlns:p="http://schemas.openxmlformats.org/presentationml/2006/main">
+  <p:cSld>
+    <p:spTree>
+      <p:nvGrpSpPr>
+        <p:cNvPr id="1" name=""/>
+        <p:cNvGrpSpPr/>
+        <p:nvPr/>
+      </p:nvGrpSpPr>
+      <p:grpSpPr>
+        <a:xfrm>
+          <a:off x="0" y="0"/>
+          <a:ext cx="0" cy="0"/>
+          <a:chOff x="0" y="0"/>
+          <a:chExt cx="0" cy="0"/>
+        </a:xfrm>
+      </p:grpSpPr>
+      <p:sp>
+        <p:nvSpPr>
+          <p:cNvPr id="4" name="Rectangle 3">
+            <a:extLst>
+              <a:ext uri="{FF2B5EF4-FFF2-40B4-BE49-F238E27FC236}">
+                <a16:creationId xmlns:a16="http://schemas.microsoft.com/office/drawing/2014/main" id="{F05A417D-4414-4858-B846-0B9391F2D44D}"/>
+              </a:ext>
+            </a:extLst>
+          </p:cNvPr>
+          <p:cNvSpPr/>
+          <p:nvPr/>
+        </p:nvSpPr>
+        <p:spPr>
+          <a:xfrm>
+            <a:off x="1756228" y="1010389"/>
+            <a:ext cx="6096000" cy="4837222"/>
+          </a:xfrm>
+          <a:prstGeom prst="rect">
+            <a:avLst/>
+          </a:prstGeom>
+        </p:spPr>
+        <p:txBody>
+          <a:bodyPr>
+            <a:spAutoFit/>
+          </a:bodyPr>
+          <a:lstStyle/>
+          <a:p>
+            <a:pPr marL="457200" indent="-457200">
+              <a:spcBef>
+                <a:spcPts val="4000"/>
+              </a:spcBef>
+              <a:buFont typeface="Arial" panose="020B0604020202020204" pitchFamily="34" charset="0"/>
+              <a:buChar char="•"/>
+            </a:pPr>
+            <a:r>
+              <a:rPr lang="en-US" sz="3500" dirty="0">
+                <a:latin typeface="Roboto"/>
+              </a:rPr>
+              <a:t>Project Intro</a:t>
+            </a:r>
+          </a:p>
+          <a:p>
+            <a:pPr marL="457200" indent="-457200">
+              <a:spcBef>
+                <a:spcPts val="4000"/>
+              </a:spcBef>
+              <a:buFont typeface="Arial" panose="020B0604020202020204" pitchFamily="34" charset="0"/>
+              <a:buChar char="•"/>
+            </a:pPr>
+            <a:r>
+              <a:rPr lang="en-US" sz="3500" dirty="0">
+                <a:latin typeface="Roboto"/>
+              </a:rPr>
+              <a:t>Data Sources</a:t>
+            </a:r>
+          </a:p>
+          <a:p>
+            <a:pPr marL="457200" indent="-457200">
+              <a:spcBef>
+                <a:spcPts val="4000"/>
+              </a:spcBef>
+              <a:buFont typeface="Arial" panose="020B0604020202020204" pitchFamily="34" charset="0"/>
+              <a:buChar char="•"/>
+            </a:pPr>
+            <a:r>
+              <a:rPr lang="en-US" sz="3500" dirty="0">
+                <a:latin typeface="Roboto"/>
+              </a:rPr>
+              <a:t>Workflow</a:t>
+            </a:r>
+          </a:p>
+          <a:p>
+            <a:pPr marL="457200" indent="-457200">
+              <a:spcBef>
+                <a:spcPts val="4000"/>
+              </a:spcBef>
+              <a:buFont typeface="Arial" panose="020B0604020202020204" pitchFamily="34" charset="0"/>
+              <a:buChar char="•"/>
+            </a:pPr>
+            <a:r>
+              <a:rPr lang="en-US" sz="3500" dirty="0">
+                <a:latin typeface="Roboto"/>
+              </a:rPr>
+              <a:t>Preliminary Results</a:t>
+            </a:r>
+          </a:p>
+          <a:p>
+            <a:pPr marL="457200" indent="-457200">
+              <a:spcBef>
+                <a:spcPts val="4000"/>
+              </a:spcBef>
+              <a:buFont typeface="Arial" panose="020B0604020202020204" pitchFamily="34" charset="0"/>
+              <a:buChar char="•"/>
+            </a:pPr>
+            <a:r>
+              <a:rPr lang="en-US" sz="3500" dirty="0">
+                <a:latin typeface="Roboto"/>
+              </a:rPr>
+              <a:t>Reflections</a:t>
+            </a:r>
+          </a:p>
+        </p:txBody>
+      </p:sp>
+    </p:spTree>
+    <p:extLst>
+      <p:ext uri="{BB962C8B-B14F-4D97-AF65-F5344CB8AC3E}">
+        <p14:creationId xmlns:p14="http://schemas.microsoft.com/office/powerpoint/2010/main" val="3876741561"/>
+      </p:ext>
+    </p:extLst>
+  </p:cSld>
+  <p:clrMapOvr>
+    <a:masterClrMapping/>
+  </p:clrMapOvr>
+</p:sld>
+</file>
+
+<file path=ppt/slides/slide20.xml><?xml version="1.0" encoding="utf-8"?>
 <p:sld xmlns:a="http://schemas.openxmlformats.org/drawingml/2006/main" xmlns:r="http://schemas.openxmlformats.org/officeDocument/2006/relationships" xmlns:p="http://schemas.openxmlformats.org/presentationml/2006/main">
   <p:cSld>
     <p:spTree>
@@ -6007,172 +6789,6 @@
 </p:sld>
 </file>
 
-<file path=ppt/slides/slide2.xml><?xml version="1.0" encoding="utf-8"?>
-<p:sld xmlns:a="http://schemas.openxmlformats.org/drawingml/2006/main" xmlns:r="http://schemas.openxmlformats.org/officeDocument/2006/relationships" xmlns:p="http://schemas.openxmlformats.org/presentationml/2006/main">
-  <p:cSld>
-    <p:spTree>
-      <p:nvGrpSpPr>
-        <p:cNvPr id="1" name=""/>
-        <p:cNvGrpSpPr/>
-        <p:nvPr/>
-      </p:nvGrpSpPr>
-      <p:grpSpPr>
-        <a:xfrm>
-          <a:off x="0" y="0"/>
-          <a:ext cx="0" cy="0"/>
-          <a:chOff x="0" y="0"/>
-          <a:chExt cx="0" cy="0"/>
-        </a:xfrm>
-      </p:grpSpPr>
-      <p:sp>
-        <p:nvSpPr>
-          <p:cNvPr id="2" name="Title 1">
-            <a:extLst>
-              <a:ext uri="{FF2B5EF4-FFF2-40B4-BE49-F238E27FC236}">
-                <a16:creationId xmlns:a16="http://schemas.microsoft.com/office/drawing/2014/main" id="{365AF4D0-DAC8-4B95-B626-9B53B447C416}"/>
-              </a:ext>
-            </a:extLst>
-          </p:cNvPr>
-          <p:cNvSpPr>
-            <a:spLocks noGrp="1"/>
-          </p:cNvSpPr>
-          <p:nvPr>
-            <p:ph type="title"/>
-          </p:nvPr>
-        </p:nvSpPr>
-        <p:spPr/>
-        <p:txBody>
-          <a:bodyPr/>
-          <a:lstStyle/>
-          <a:p>
-            <a:r>
-              <a:rPr lang="en-US" dirty="0"/>
-              <a:t>INTRO</a:t>
-            </a:r>
-          </a:p>
-        </p:txBody>
-      </p:sp>
-      <p:sp>
-        <p:nvSpPr>
-          <p:cNvPr id="3" name="Text Placeholder 2">
-            <a:extLst>
-              <a:ext uri="{FF2B5EF4-FFF2-40B4-BE49-F238E27FC236}">
-                <a16:creationId xmlns:a16="http://schemas.microsoft.com/office/drawing/2014/main" id="{0FEA6C78-5233-4A6D-B3CF-7CDABB3E5E3E}"/>
-              </a:ext>
-            </a:extLst>
-          </p:cNvPr>
-          <p:cNvSpPr>
-            <a:spLocks noGrp="1"/>
-          </p:cNvSpPr>
-          <p:nvPr>
-            <p:ph type="body" idx="1"/>
-          </p:nvPr>
-        </p:nvSpPr>
-        <p:spPr/>
-        <p:txBody>
-          <a:bodyPr/>
-          <a:lstStyle/>
-          <a:p>
-            <a:endParaRPr lang="en-US"/>
-          </a:p>
-        </p:txBody>
-      </p:sp>
-    </p:spTree>
-    <p:extLst>
-      <p:ext uri="{BB962C8B-B14F-4D97-AF65-F5344CB8AC3E}">
-        <p14:creationId xmlns:p14="http://schemas.microsoft.com/office/powerpoint/2010/main" val="480967479"/>
-      </p:ext>
-    </p:extLst>
-  </p:cSld>
-  <p:clrMapOvr>
-    <a:masterClrMapping/>
-  </p:clrMapOvr>
-</p:sld>
-</file>
-
-<file path=ppt/slides/slide20.xml><?xml version="1.0" encoding="utf-8"?>
-<p:sld xmlns:a="http://schemas.openxmlformats.org/drawingml/2006/main" xmlns:r="http://schemas.openxmlformats.org/officeDocument/2006/relationships" xmlns:p="http://schemas.openxmlformats.org/presentationml/2006/main">
-  <p:cSld>
-    <p:spTree>
-      <p:nvGrpSpPr>
-        <p:cNvPr id="1" name=""/>
-        <p:cNvGrpSpPr/>
-        <p:nvPr/>
-      </p:nvGrpSpPr>
-      <p:grpSpPr>
-        <a:xfrm>
-          <a:off x="0" y="0"/>
-          <a:ext cx="0" cy="0"/>
-          <a:chOff x="0" y="0"/>
-          <a:chExt cx="0" cy="0"/>
-        </a:xfrm>
-      </p:grpSpPr>
-      <p:sp>
-        <p:nvSpPr>
-          <p:cNvPr id="2" name="Title 1">
-            <a:extLst>
-              <a:ext uri="{FF2B5EF4-FFF2-40B4-BE49-F238E27FC236}">
-                <a16:creationId xmlns:a16="http://schemas.microsoft.com/office/drawing/2014/main" id="{365AF4D0-DAC8-4B95-B626-9B53B447C416}"/>
-              </a:ext>
-            </a:extLst>
-          </p:cNvPr>
-          <p:cNvSpPr>
-            <a:spLocks noGrp="1"/>
-          </p:cNvSpPr>
-          <p:nvPr>
-            <p:ph type="title"/>
-          </p:nvPr>
-        </p:nvSpPr>
-        <p:spPr/>
-        <p:txBody>
-          <a:bodyPr/>
-          <a:lstStyle/>
-          <a:p>
-            <a:r>
-              <a:rPr lang="en-US" dirty="0"/>
-              <a:t>CONCLUSIONS</a:t>
-            </a:r>
-          </a:p>
-        </p:txBody>
-      </p:sp>
-      <p:sp>
-        <p:nvSpPr>
-          <p:cNvPr id="3" name="Text Placeholder 2">
-            <a:extLst>
-              <a:ext uri="{FF2B5EF4-FFF2-40B4-BE49-F238E27FC236}">
-                <a16:creationId xmlns:a16="http://schemas.microsoft.com/office/drawing/2014/main" id="{0FEA6C78-5233-4A6D-B3CF-7CDABB3E5E3E}"/>
-              </a:ext>
-            </a:extLst>
-          </p:cNvPr>
-          <p:cNvSpPr>
-            <a:spLocks noGrp="1"/>
-          </p:cNvSpPr>
-          <p:nvPr>
-            <p:ph type="body" idx="1"/>
-          </p:nvPr>
-        </p:nvSpPr>
-        <p:spPr/>
-        <p:txBody>
-          <a:bodyPr/>
-          <a:lstStyle/>
-          <a:p>
-            <a:endParaRPr lang="en-US"/>
-          </a:p>
-        </p:txBody>
-      </p:sp>
-    </p:spTree>
-    <p:extLst>
-      <p:ext uri="{BB962C8B-B14F-4D97-AF65-F5344CB8AC3E}">
-        <p14:creationId xmlns:p14="http://schemas.microsoft.com/office/powerpoint/2010/main" val="771377958"/>
-      </p:ext>
-    </p:extLst>
-  </p:cSld>
-  <p:clrMapOvr>
-    <a:masterClrMapping/>
-  </p:clrMapOvr>
-</p:sld>
-</file>
-
 <file path=ppt/slides/slide21.xml><?xml version="1.0" encoding="utf-8"?>
 <p:sld xmlns:a="http://schemas.openxmlformats.org/drawingml/2006/main" xmlns:r="http://schemas.openxmlformats.org/officeDocument/2006/relationships" xmlns:p="http://schemas.openxmlformats.org/presentationml/2006/main">
   <p:cSld>
@@ -6195,7 +6811,7 @@
           <p:cNvPr id="2" name="Title 1">
             <a:extLst>
               <a:ext uri="{FF2B5EF4-FFF2-40B4-BE49-F238E27FC236}">
-                <a16:creationId xmlns:a16="http://schemas.microsoft.com/office/drawing/2014/main" id="{C2533E80-A15C-4B1D-99B3-19229E4F093E}"/>
+                <a16:creationId xmlns:a16="http://schemas.microsoft.com/office/drawing/2014/main" id="{365AF4D0-DAC8-4B95-B626-9B53B447C416}"/>
               </a:ext>
             </a:extLst>
           </p:cNvPr>
@@ -6212,23 +6828,18 @@
           <a:lstStyle/>
           <a:p>
             <a:r>
-              <a:rPr lang="en-US" dirty="0">
-                <a:solidFill>
-                  <a:schemeClr val="tx1"/>
-                </a:solidFill>
-                <a:latin typeface="Roboto"/>
-              </a:rPr>
-              <a:t>Problems overcome</a:t>
-            </a:r>
-          </a:p>
-        </p:txBody>
-      </p:sp>
-      <p:sp>
-        <p:nvSpPr>
-          <p:cNvPr id="3" name="Content Placeholder 2">
+              <a:rPr lang="en-US" dirty="0"/>
+              <a:t>CONCLUSIONS</a:t>
+            </a:r>
+          </a:p>
+        </p:txBody>
+      </p:sp>
+      <p:sp>
+        <p:nvSpPr>
+          <p:cNvPr id="3" name="Text Placeholder 2">
             <a:extLst>
               <a:ext uri="{FF2B5EF4-FFF2-40B4-BE49-F238E27FC236}">
-                <a16:creationId xmlns:a16="http://schemas.microsoft.com/office/drawing/2014/main" id="{E3D8CEBB-4A33-4032-8980-D1DB962C371F}"/>
+                <a16:creationId xmlns:a16="http://schemas.microsoft.com/office/drawing/2014/main" id="{0FEA6C78-5233-4A6D-B3CF-7CDABB3E5E3E}"/>
               </a:ext>
             </a:extLst>
           </p:cNvPr>
@@ -6236,34 +6847,22 @@
             <a:spLocks noGrp="1"/>
           </p:cNvSpPr>
           <p:nvPr>
-            <p:ph idx="1"/>
+            <p:ph type="body" idx="1"/>
           </p:nvPr>
         </p:nvSpPr>
         <p:spPr/>
         <p:txBody>
-          <a:bodyPr>
-            <a:normAutofit/>
-          </a:bodyPr>
+          <a:bodyPr/>
           <a:lstStyle/>
           <a:p>
-            <a:pPr>
-              <a:lnSpc>
-                <a:spcPct val="150000"/>
-              </a:lnSpc>
-            </a:pPr>
-            <a:endParaRPr lang="en-US" sz="2700">
-              <a:solidFill>
-                <a:schemeClr val="tx1"/>
-              </a:solidFill>
-              <a:latin typeface="Roboto"/>
-            </a:endParaRPr>
+            <a:endParaRPr lang="en-US"/>
           </a:p>
         </p:txBody>
       </p:sp>
     </p:spTree>
     <p:extLst>
       <p:ext uri="{BB962C8B-B14F-4D97-AF65-F5344CB8AC3E}">
-        <p14:creationId xmlns:p14="http://schemas.microsoft.com/office/powerpoint/2010/main" val="2160733859"/>
+        <p14:creationId xmlns:p14="http://schemas.microsoft.com/office/powerpoint/2010/main" val="771377958"/>
       </p:ext>
     </p:extLst>
   </p:cSld>
@@ -6453,6 +7052,89 @@
       </p:grpSpPr>
       <p:sp>
         <p:nvSpPr>
+          <p:cNvPr id="2" name="Title 1">
+            <a:extLst>
+              <a:ext uri="{FF2B5EF4-FFF2-40B4-BE49-F238E27FC236}">
+                <a16:creationId xmlns:a16="http://schemas.microsoft.com/office/drawing/2014/main" id="{365AF4D0-DAC8-4B95-B626-9B53B447C416}"/>
+              </a:ext>
+            </a:extLst>
+          </p:cNvPr>
+          <p:cNvSpPr>
+            <a:spLocks noGrp="1"/>
+          </p:cNvSpPr>
+          <p:nvPr>
+            <p:ph type="title"/>
+          </p:nvPr>
+        </p:nvSpPr>
+        <p:spPr/>
+        <p:txBody>
+          <a:bodyPr/>
+          <a:lstStyle/>
+          <a:p>
+            <a:r>
+              <a:rPr lang="en-US" dirty="0"/>
+              <a:t>INTRO</a:t>
+            </a:r>
+          </a:p>
+        </p:txBody>
+      </p:sp>
+      <p:sp>
+        <p:nvSpPr>
+          <p:cNvPr id="3" name="Text Placeholder 2">
+            <a:extLst>
+              <a:ext uri="{FF2B5EF4-FFF2-40B4-BE49-F238E27FC236}">
+                <a16:creationId xmlns:a16="http://schemas.microsoft.com/office/drawing/2014/main" id="{0FEA6C78-5233-4A6D-B3CF-7CDABB3E5E3E}"/>
+              </a:ext>
+            </a:extLst>
+          </p:cNvPr>
+          <p:cNvSpPr>
+            <a:spLocks noGrp="1"/>
+          </p:cNvSpPr>
+          <p:nvPr>
+            <p:ph type="body" idx="1"/>
+          </p:nvPr>
+        </p:nvSpPr>
+        <p:spPr/>
+        <p:txBody>
+          <a:bodyPr/>
+          <a:lstStyle/>
+          <a:p>
+            <a:endParaRPr lang="en-US"/>
+          </a:p>
+        </p:txBody>
+      </p:sp>
+    </p:spTree>
+    <p:extLst>
+      <p:ext uri="{BB962C8B-B14F-4D97-AF65-F5344CB8AC3E}">
+        <p14:creationId xmlns:p14="http://schemas.microsoft.com/office/powerpoint/2010/main" val="480967479"/>
+      </p:ext>
+    </p:extLst>
+  </p:cSld>
+  <p:clrMapOvr>
+    <a:masterClrMapping/>
+  </p:clrMapOvr>
+</p:sld>
+</file>
+
+<file path=ppt/slides/slide4.xml><?xml version="1.0" encoding="utf-8"?>
+<p:sld xmlns:a="http://schemas.openxmlformats.org/drawingml/2006/main" xmlns:r="http://schemas.openxmlformats.org/officeDocument/2006/relationships" xmlns:p="http://schemas.openxmlformats.org/presentationml/2006/main">
+  <p:cSld>
+    <p:spTree>
+      <p:nvGrpSpPr>
+        <p:cNvPr id="1" name=""/>
+        <p:cNvGrpSpPr/>
+        <p:nvPr/>
+      </p:nvGrpSpPr>
+      <p:grpSpPr>
+        <a:xfrm>
+          <a:off x="0" y="0"/>
+          <a:ext cx="0" cy="0"/>
+          <a:chOff x="0" y="0"/>
+          <a:chExt cx="0" cy="0"/>
+        </a:xfrm>
+      </p:grpSpPr>
+      <p:sp>
+        <p:nvSpPr>
           <p:cNvPr id="4" name="Rectangle 3">
             <a:extLst>
               <a:ext uri="{FF2B5EF4-FFF2-40B4-BE49-F238E27FC236}">
@@ -6586,7 +7268,7 @@
                 </a:solidFill>
                 <a:latin typeface="Roboto"/>
               </a:rPr>
-              <a:t>Can digital literature repositories be aggregated to build a recognizable literary canon dataset?</a:t>
+              <a:t>Will aggregated digital literature repositories form a recognizable literary canon dataset?</a:t>
             </a:r>
           </a:p>
         </p:txBody>
@@ -6636,7 +7318,7 @@
 </p:sld>
 </file>
 
-<file path=ppt/slides/slide4.xml><?xml version="1.0" encoding="utf-8"?>
+<file path=ppt/slides/slide5.xml><?xml version="1.0" encoding="utf-8"?>
 <p:sld xmlns:a="http://schemas.openxmlformats.org/drawingml/2006/main" xmlns:r="http://schemas.openxmlformats.org/officeDocument/2006/relationships" xmlns:p="http://schemas.openxmlformats.org/presentationml/2006/main">
   <p:cSld>
     <p:spTree>
@@ -6984,89 +7666,6 @@
 </p:sld>
 </file>
 
-<file path=ppt/slides/slide5.xml><?xml version="1.0" encoding="utf-8"?>
-<p:sld xmlns:a="http://schemas.openxmlformats.org/drawingml/2006/main" xmlns:r="http://schemas.openxmlformats.org/officeDocument/2006/relationships" xmlns:p="http://schemas.openxmlformats.org/presentationml/2006/main">
-  <p:cSld>
-    <p:spTree>
-      <p:nvGrpSpPr>
-        <p:cNvPr id="1" name=""/>
-        <p:cNvGrpSpPr/>
-        <p:nvPr/>
-      </p:nvGrpSpPr>
-      <p:grpSpPr>
-        <a:xfrm>
-          <a:off x="0" y="0"/>
-          <a:ext cx="0" cy="0"/>
-          <a:chOff x="0" y="0"/>
-          <a:chExt cx="0" cy="0"/>
-        </a:xfrm>
-      </p:grpSpPr>
-      <p:sp>
-        <p:nvSpPr>
-          <p:cNvPr id="2" name="Title 1">
-            <a:extLst>
-              <a:ext uri="{FF2B5EF4-FFF2-40B4-BE49-F238E27FC236}">
-                <a16:creationId xmlns:a16="http://schemas.microsoft.com/office/drawing/2014/main" id="{365AF4D0-DAC8-4B95-B626-9B53B447C416}"/>
-              </a:ext>
-            </a:extLst>
-          </p:cNvPr>
-          <p:cNvSpPr>
-            <a:spLocks noGrp="1"/>
-          </p:cNvSpPr>
-          <p:nvPr>
-            <p:ph type="title"/>
-          </p:nvPr>
-        </p:nvSpPr>
-        <p:spPr/>
-        <p:txBody>
-          <a:bodyPr/>
-          <a:lstStyle/>
-          <a:p>
-            <a:r>
-              <a:rPr lang="en-US" dirty="0"/>
-              <a:t>DATA SOURCES</a:t>
-            </a:r>
-          </a:p>
-        </p:txBody>
-      </p:sp>
-      <p:sp>
-        <p:nvSpPr>
-          <p:cNvPr id="3" name="Text Placeholder 2">
-            <a:extLst>
-              <a:ext uri="{FF2B5EF4-FFF2-40B4-BE49-F238E27FC236}">
-                <a16:creationId xmlns:a16="http://schemas.microsoft.com/office/drawing/2014/main" id="{0FEA6C78-5233-4A6D-B3CF-7CDABB3E5E3E}"/>
-              </a:ext>
-            </a:extLst>
-          </p:cNvPr>
-          <p:cNvSpPr>
-            <a:spLocks noGrp="1"/>
-          </p:cNvSpPr>
-          <p:nvPr>
-            <p:ph type="body" idx="1"/>
-          </p:nvPr>
-        </p:nvSpPr>
-        <p:spPr/>
-        <p:txBody>
-          <a:bodyPr/>
-          <a:lstStyle/>
-          <a:p>
-            <a:endParaRPr lang="en-US"/>
-          </a:p>
-        </p:txBody>
-      </p:sp>
-    </p:spTree>
-    <p:extLst>
-      <p:ext uri="{BB962C8B-B14F-4D97-AF65-F5344CB8AC3E}">
-        <p14:creationId xmlns:p14="http://schemas.microsoft.com/office/powerpoint/2010/main" val="1146688588"/>
-      </p:ext>
-    </p:extLst>
-  </p:cSld>
-  <p:clrMapOvr>
-    <a:masterClrMapping/>
-  </p:clrMapOvr>
-</p:sld>
-</file>
-
 <file path=ppt/slides/slide6.xml><?xml version="1.0" encoding="utf-8"?>
 <p:sld xmlns:a="http://schemas.openxmlformats.org/drawingml/2006/main" xmlns:r="http://schemas.openxmlformats.org/officeDocument/2006/relationships" xmlns:p="http://schemas.openxmlformats.org/presentationml/2006/main">
   <p:cSld>
@@ -7084,494 +7683,63 @@
           <a:chExt cx="0" cy="0"/>
         </a:xfrm>
       </p:grpSpPr>
-      <p:pic>
-        <p:nvPicPr>
-          <p:cNvPr id="1026" name="Picture 2" descr="Image result for early english books online">
+      <p:sp>
+        <p:nvSpPr>
+          <p:cNvPr id="2" name="Title 1">
             <a:extLst>
               <a:ext uri="{FF2B5EF4-FFF2-40B4-BE49-F238E27FC236}">
-                <a16:creationId xmlns:a16="http://schemas.microsoft.com/office/drawing/2014/main" id="{9D007041-1F17-470B-ACB3-14EA41926BDE}"/>
+                <a16:creationId xmlns:a16="http://schemas.microsoft.com/office/drawing/2014/main" id="{365AF4D0-DAC8-4B95-B626-9B53B447C416}"/>
               </a:ext>
             </a:extLst>
           </p:cNvPr>
-          <p:cNvPicPr>
-            <a:picLocks noChangeAspect="1" noChangeArrowheads="1"/>
-          </p:cNvPicPr>
-          <p:nvPr/>
-        </p:nvPicPr>
-        <p:blipFill>
-          <a:blip r:embed="rId3">
-            <a:extLst>
-              <a:ext uri="{28A0092B-C50C-407E-A947-70E740481C1C}">
-                <a14:useLocalDpi xmlns:a14="http://schemas.microsoft.com/office/drawing/2010/main" val="0"/>
-              </a:ext>
-            </a:extLst>
-          </a:blip>
-          <a:srcRect/>
-          <a:stretch>
-            <a:fillRect/>
-          </a:stretch>
-        </p:blipFill>
-        <p:spPr bwMode="auto">
-          <a:xfrm>
-            <a:off x="1426403" y="473595"/>
-            <a:ext cx="3622237" cy="1177227"/>
-          </a:xfrm>
-          <a:prstGeom prst="rect">
-            <a:avLst/>
-          </a:prstGeom>
-          <a:noFill/>
-          <a:extLst>
-            <a:ext uri="{909E8E84-426E-40DD-AFC4-6F175D3DCCD1}">
-              <a14:hiddenFill xmlns:a14="http://schemas.microsoft.com/office/drawing/2010/main">
-                <a:solidFill>
-                  <a:srgbClr val="FFFFFF"/>
-                </a:solidFill>
-              </a14:hiddenFill>
-            </a:ext>
-          </a:extLst>
-        </p:spPr>
-      </p:pic>
-      <p:pic>
-        <p:nvPicPr>
-          <p:cNvPr id="1028" name="Picture 4" descr="Image result for proquest">
+          <p:cNvSpPr>
+            <a:spLocks noGrp="1"/>
+          </p:cNvSpPr>
+          <p:nvPr>
+            <p:ph type="title"/>
+          </p:nvPr>
+        </p:nvSpPr>
+        <p:spPr/>
+        <p:txBody>
+          <a:bodyPr/>
+          <a:lstStyle/>
+          <a:p>
+            <a:r>
+              <a:rPr lang="en-US" dirty="0"/>
+              <a:t>DATA SOURCES</a:t>
+            </a:r>
+          </a:p>
+        </p:txBody>
+      </p:sp>
+      <p:sp>
+        <p:nvSpPr>
+          <p:cNvPr id="3" name="Text Placeholder 2">
             <a:extLst>
               <a:ext uri="{FF2B5EF4-FFF2-40B4-BE49-F238E27FC236}">
-                <a16:creationId xmlns:a16="http://schemas.microsoft.com/office/drawing/2014/main" id="{2F99ACB8-0168-491B-9844-EF7FBC808FE3}"/>
+                <a16:creationId xmlns:a16="http://schemas.microsoft.com/office/drawing/2014/main" id="{0FEA6C78-5233-4A6D-B3CF-7CDABB3E5E3E}"/>
               </a:ext>
             </a:extLst>
           </p:cNvPr>
-          <p:cNvPicPr>
-            <a:picLocks noChangeAspect="1" noChangeArrowheads="1"/>
-          </p:cNvPicPr>
-          <p:nvPr/>
-        </p:nvPicPr>
-        <p:blipFill>
-          <a:blip r:embed="rId4">
-            <a:extLst>
-              <a:ext uri="{28A0092B-C50C-407E-A947-70E740481C1C}">
-                <a14:useLocalDpi xmlns:a14="http://schemas.microsoft.com/office/drawing/2010/main" val="0"/>
-              </a:ext>
-            </a:extLst>
-          </a:blip>
-          <a:srcRect/>
-          <a:stretch>
-            <a:fillRect/>
-          </a:stretch>
-        </p:blipFill>
-        <p:spPr bwMode="auto">
-          <a:xfrm>
-            <a:off x="1682158" y="2024736"/>
-            <a:ext cx="3110726" cy="1177224"/>
-          </a:xfrm>
-          <a:prstGeom prst="rect">
-            <a:avLst/>
-          </a:prstGeom>
-          <a:noFill/>
-          <a:extLst>
-            <a:ext uri="{909E8E84-426E-40DD-AFC4-6F175D3DCCD1}">
-              <a14:hiddenFill xmlns:a14="http://schemas.microsoft.com/office/drawing/2010/main">
-                <a:solidFill>
-                  <a:srgbClr val="FFFFFF"/>
-                </a:solidFill>
-              </a14:hiddenFill>
-            </a:ext>
-          </a:extLst>
-        </p:spPr>
-      </p:pic>
-      <p:sp>
-        <p:nvSpPr>
-          <p:cNvPr id="38" name="TextBox 37">
-            <a:extLst>
-              <a:ext uri="{FF2B5EF4-FFF2-40B4-BE49-F238E27FC236}">
-                <a16:creationId xmlns:a16="http://schemas.microsoft.com/office/drawing/2014/main" id="{84F4CE83-3999-43C4-A736-73D19B1079DC}"/>
-              </a:ext>
-            </a:extLst>
-          </p:cNvPr>
-          <p:cNvSpPr txBox="1"/>
-          <p:nvPr/>
-        </p:nvSpPr>
-        <p:spPr>
-          <a:xfrm>
-            <a:off x="5947297" y="431134"/>
-            <a:ext cx="5315150" cy="1077218"/>
-          </a:xfrm>
-          <a:prstGeom prst="rect">
-            <a:avLst/>
-          </a:prstGeom>
-          <a:noFill/>
-        </p:spPr>
-        <p:txBody>
-          <a:bodyPr wrap="square" rtlCol="0">
-            <a:spAutoFit/>
-          </a:bodyPr>
+          <p:cNvSpPr>
+            <a:spLocks noGrp="1"/>
+          </p:cNvSpPr>
+          <p:nvPr>
+            <p:ph type="body" idx="1"/>
+          </p:nvPr>
+        </p:nvSpPr>
+        <p:spPr/>
+        <p:txBody>
+          <a:bodyPr/>
           <a:lstStyle/>
           <a:p>
-            <a:pPr algn="ctr"/>
-            <a:r>
-              <a:rPr lang="en-US" sz="3200" b="1" spc="300" dirty="0">
-                <a:latin typeface="Roboto" pitchFamily="2" charset="0"/>
-                <a:ea typeface="Roboto" pitchFamily="2" charset="0"/>
-                <a:cs typeface="Gautami" panose="020B0502040204020203" pitchFamily="34" charset="0"/>
-              </a:rPr>
-              <a:t>EARLY ENGLISH BOOKS ONLINE</a:t>
-            </a:r>
-          </a:p>
-        </p:txBody>
-      </p:sp>
-      <p:sp>
-        <p:nvSpPr>
-          <p:cNvPr id="42" name="TextBox 41">
-            <a:extLst>
-              <a:ext uri="{FF2B5EF4-FFF2-40B4-BE49-F238E27FC236}">
-                <a16:creationId xmlns:a16="http://schemas.microsoft.com/office/drawing/2014/main" id="{334937F2-AA20-42A1-B9F9-E24B95BA3AC7}"/>
-              </a:ext>
-            </a:extLst>
-          </p:cNvPr>
-          <p:cNvSpPr txBox="1"/>
-          <p:nvPr/>
-        </p:nvSpPr>
-        <p:spPr>
-          <a:xfrm>
-            <a:off x="5628067" y="1960967"/>
-            <a:ext cx="5953609" cy="477054"/>
-          </a:xfrm>
-          <a:prstGeom prst="rect">
-            <a:avLst/>
-          </a:prstGeom>
-          <a:noFill/>
-        </p:spPr>
-        <p:txBody>
-          <a:bodyPr wrap="square" rtlCol="0">
-            <a:spAutoFit/>
-          </a:bodyPr>
-          <a:lstStyle/>
-          <a:p>
-            <a:pPr algn="ctr"/>
-            <a:r>
-              <a:rPr lang="en-US" sz="2500" dirty="0">
-                <a:latin typeface="Roboto" pitchFamily="2" charset="0"/>
-                <a:ea typeface="Roboto" pitchFamily="2" charset="0"/>
-              </a:rPr>
-              <a:t>Collection Date: October 3, 2019</a:t>
-            </a:r>
-          </a:p>
-        </p:txBody>
-      </p:sp>
-      <p:sp>
-        <p:nvSpPr>
-          <p:cNvPr id="56" name="TextBox 55">
-            <a:extLst>
-              <a:ext uri="{FF2B5EF4-FFF2-40B4-BE49-F238E27FC236}">
-                <a16:creationId xmlns:a16="http://schemas.microsoft.com/office/drawing/2014/main" id="{5D0A9BE0-7856-43F5-8CE8-CB99A6A6CEE2}"/>
-              </a:ext>
-            </a:extLst>
-          </p:cNvPr>
-          <p:cNvSpPr txBox="1"/>
-          <p:nvPr/>
-        </p:nvSpPr>
-        <p:spPr>
-          <a:xfrm>
-            <a:off x="6847991" y="2552100"/>
-            <a:ext cx="3513762" cy="477054"/>
-          </a:xfrm>
-          <a:prstGeom prst="rect">
-            <a:avLst/>
-          </a:prstGeom>
-          <a:noFill/>
-        </p:spPr>
-        <p:txBody>
-          <a:bodyPr wrap="square" rtlCol="0">
-            <a:spAutoFit/>
-          </a:bodyPr>
-          <a:lstStyle/>
-          <a:p>
-            <a:pPr algn="ctr"/>
-            <a:r>
-              <a:rPr lang="en-US" sz="2500" dirty="0">
-                <a:latin typeface="Roboto" pitchFamily="2" charset="0"/>
-                <a:ea typeface="Roboto" pitchFamily="2" charset="0"/>
-              </a:rPr>
-              <a:t>Records: 860</a:t>
-            </a:r>
-          </a:p>
-        </p:txBody>
-      </p:sp>
-      <p:cxnSp>
-        <p:nvCxnSpPr>
-          <p:cNvPr id="53" name="Straight Connector 52">
-            <a:extLst>
-              <a:ext uri="{FF2B5EF4-FFF2-40B4-BE49-F238E27FC236}">
-                <a16:creationId xmlns:a16="http://schemas.microsoft.com/office/drawing/2014/main" id="{E4B6B28F-55A3-4F36-BA13-7FFE6CE4C8CE}"/>
-              </a:ext>
-            </a:extLst>
-          </p:cNvPr>
-          <p:cNvCxnSpPr/>
-          <p:nvPr/>
-        </p:nvCxnSpPr>
-        <p:spPr>
-          <a:xfrm>
-            <a:off x="1011381" y="3707258"/>
-            <a:ext cx="4452286" cy="0"/>
-          </a:xfrm>
-          <a:prstGeom prst="line">
-            <a:avLst/>
-          </a:prstGeom>
-          <a:ln w="19050"/>
-        </p:spPr>
-        <p:style>
-          <a:lnRef idx="1">
-            <a:schemeClr val="dk1"/>
-          </a:lnRef>
-          <a:fillRef idx="0">
-            <a:schemeClr val="dk1"/>
-          </a:fillRef>
-          <a:effectRef idx="0">
-            <a:schemeClr val="dk1"/>
-          </a:effectRef>
-          <a:fontRef idx="minor">
-            <a:schemeClr val="tx1"/>
-          </a:fontRef>
-        </p:style>
-      </p:cxnSp>
-      <p:cxnSp>
-        <p:nvCxnSpPr>
-          <p:cNvPr id="74" name="Straight Connector 73">
-            <a:extLst>
-              <a:ext uri="{FF2B5EF4-FFF2-40B4-BE49-F238E27FC236}">
-                <a16:creationId xmlns:a16="http://schemas.microsoft.com/office/drawing/2014/main" id="{EDDE31E0-B92E-44B2-9531-7C33535F4284}"/>
-              </a:ext>
-            </a:extLst>
-          </p:cNvPr>
-          <p:cNvCxnSpPr/>
-          <p:nvPr/>
-        </p:nvCxnSpPr>
-        <p:spPr>
-          <a:xfrm>
-            <a:off x="6477411" y="3707258"/>
-            <a:ext cx="4452286" cy="0"/>
-          </a:xfrm>
-          <a:prstGeom prst="line">
-            <a:avLst/>
-          </a:prstGeom>
-          <a:ln w="19050"/>
-        </p:spPr>
-        <p:style>
-          <a:lnRef idx="1">
-            <a:schemeClr val="dk1"/>
-          </a:lnRef>
-          <a:fillRef idx="0">
-            <a:schemeClr val="dk1"/>
-          </a:fillRef>
-          <a:effectRef idx="0">
-            <a:schemeClr val="dk1"/>
-          </a:effectRef>
-          <a:fontRef idx="minor">
-            <a:schemeClr val="tx1"/>
-          </a:fontRef>
-        </p:style>
-      </p:cxnSp>
-      <p:sp>
-        <p:nvSpPr>
-          <p:cNvPr id="14" name="TextBox 13">
-            <a:extLst>
-              <a:ext uri="{FF2B5EF4-FFF2-40B4-BE49-F238E27FC236}">
-                <a16:creationId xmlns:a16="http://schemas.microsoft.com/office/drawing/2014/main" id="{7F546B40-7165-41A3-8571-FD9BBE66A6EA}"/>
-              </a:ext>
-            </a:extLst>
-          </p:cNvPr>
-          <p:cNvSpPr txBox="1"/>
-          <p:nvPr/>
-        </p:nvSpPr>
-        <p:spPr>
-          <a:xfrm>
-            <a:off x="1056775" y="4976496"/>
-            <a:ext cx="4361493" cy="861774"/>
-          </a:xfrm>
-          <a:prstGeom prst="rect">
-            <a:avLst/>
-          </a:prstGeom>
-          <a:noFill/>
-        </p:spPr>
-        <p:txBody>
-          <a:bodyPr wrap="square" rtlCol="0">
-            <a:spAutoFit/>
-          </a:bodyPr>
-          <a:lstStyle/>
-          <a:p>
-            <a:pPr algn="ctr">
-              <a:spcBef>
-                <a:spcPts val="1200"/>
-              </a:spcBef>
-            </a:pPr>
-            <a:r>
-              <a:rPr lang="en-US" sz="2500" dirty="0">
-                <a:latin typeface="Roboto" pitchFamily="2" charset="0"/>
-                <a:ea typeface="Roboto" pitchFamily="2" charset="0"/>
-              </a:rPr>
-              <a:t>Copy-paste into Excel spreadsheet</a:t>
-            </a:r>
-          </a:p>
-        </p:txBody>
-      </p:sp>
-      <p:sp>
-        <p:nvSpPr>
-          <p:cNvPr id="15" name="TextBox 14">
-            <a:extLst>
-              <a:ext uri="{FF2B5EF4-FFF2-40B4-BE49-F238E27FC236}">
-                <a16:creationId xmlns:a16="http://schemas.microsoft.com/office/drawing/2014/main" id="{FC2EFCE8-45ED-4F82-B7DE-EE3B136BE62A}"/>
-              </a:ext>
-            </a:extLst>
-          </p:cNvPr>
-          <p:cNvSpPr txBox="1"/>
-          <p:nvPr/>
-        </p:nvSpPr>
-        <p:spPr>
-          <a:xfrm>
-            <a:off x="6045979" y="4133618"/>
-            <a:ext cx="5315150" cy="553998"/>
-          </a:xfrm>
-          <a:prstGeom prst="rect">
-            <a:avLst/>
-          </a:prstGeom>
-          <a:noFill/>
-        </p:spPr>
-        <p:txBody>
-          <a:bodyPr wrap="square" rtlCol="0">
-            <a:spAutoFit/>
-          </a:bodyPr>
-          <a:lstStyle/>
-          <a:p>
-            <a:pPr algn="ctr"/>
-            <a:r>
-              <a:rPr lang="en-US" sz="3000" b="1" spc="300" dirty="0">
-                <a:latin typeface="Roboto" pitchFamily="2" charset="0"/>
-                <a:ea typeface="Roboto" pitchFamily="2" charset="0"/>
-                <a:cs typeface="Gautami" panose="020B0502040204020203" pitchFamily="34" charset="0"/>
-              </a:rPr>
-              <a:t>CLEANING</a:t>
-            </a:r>
-          </a:p>
-        </p:txBody>
-      </p:sp>
-      <p:sp>
-        <p:nvSpPr>
-          <p:cNvPr id="16" name="TextBox 15">
-            <a:extLst>
-              <a:ext uri="{FF2B5EF4-FFF2-40B4-BE49-F238E27FC236}">
-                <a16:creationId xmlns:a16="http://schemas.microsoft.com/office/drawing/2014/main" id="{BDCD3D84-B0E6-4318-82D6-D0C7259096AB}"/>
-              </a:ext>
-            </a:extLst>
-          </p:cNvPr>
-          <p:cNvSpPr txBox="1"/>
-          <p:nvPr/>
-        </p:nvSpPr>
-        <p:spPr>
-          <a:xfrm>
-            <a:off x="579946" y="4133618"/>
-            <a:ext cx="5315150" cy="553998"/>
-          </a:xfrm>
-          <a:prstGeom prst="rect">
-            <a:avLst/>
-          </a:prstGeom>
-          <a:noFill/>
-        </p:spPr>
-        <p:txBody>
-          <a:bodyPr wrap="square" rtlCol="0">
-            <a:spAutoFit/>
-          </a:bodyPr>
-          <a:lstStyle/>
-          <a:p>
-            <a:pPr algn="ctr"/>
-            <a:r>
-              <a:rPr lang="en-US" sz="3000" b="1" spc="300" dirty="0">
-                <a:latin typeface="Roboto" pitchFamily="2" charset="0"/>
-                <a:ea typeface="Roboto" pitchFamily="2" charset="0"/>
-                <a:cs typeface="Gautami" panose="020B0502040204020203" pitchFamily="34" charset="0"/>
-              </a:rPr>
-              <a:t>COLLECTION</a:t>
-            </a:r>
-          </a:p>
-        </p:txBody>
-      </p:sp>
-      <p:sp>
-        <p:nvSpPr>
-          <p:cNvPr id="13" name="TextBox 12">
-            <a:extLst>
-              <a:ext uri="{FF2B5EF4-FFF2-40B4-BE49-F238E27FC236}">
-                <a16:creationId xmlns:a16="http://schemas.microsoft.com/office/drawing/2014/main" id="{7E4E408B-8A30-40B0-BA96-B6C54286927F}"/>
-              </a:ext>
-            </a:extLst>
-          </p:cNvPr>
-          <p:cNvSpPr txBox="1"/>
-          <p:nvPr/>
-        </p:nvSpPr>
-        <p:spPr>
-          <a:xfrm>
-            <a:off x="6439097" y="4976496"/>
-            <a:ext cx="4528913" cy="1554272"/>
-          </a:xfrm>
-          <a:prstGeom prst="rect">
-            <a:avLst/>
-          </a:prstGeom>
-          <a:noFill/>
-        </p:spPr>
-        <p:txBody>
-          <a:bodyPr wrap="square" rtlCol="0">
-            <a:spAutoFit/>
-          </a:bodyPr>
-          <a:lstStyle/>
-          <a:p>
-            <a:pPr algn="ctr">
-              <a:spcBef>
-                <a:spcPts val="1200"/>
-              </a:spcBef>
-            </a:pPr>
-            <a:r>
-              <a:rPr lang="en-US" sz="2500" dirty="0" err="1">
-                <a:latin typeface="Roboto" pitchFamily="2" charset="0"/>
-                <a:ea typeface="Roboto" pitchFamily="2" charset="0"/>
-              </a:rPr>
-              <a:t>OpenRefine</a:t>
-            </a:r>
-            <a:endParaRPr lang="en-US" sz="2500" dirty="0">
-              <a:latin typeface="Roboto" pitchFamily="2" charset="0"/>
-              <a:ea typeface="Roboto" pitchFamily="2" charset="0"/>
-            </a:endParaRPr>
-          </a:p>
-          <a:p>
-            <a:pPr algn="ctr">
-              <a:spcBef>
-                <a:spcPts val="1200"/>
-              </a:spcBef>
-            </a:pPr>
-            <a:r>
-              <a:rPr lang="en-US" sz="2500" dirty="0">
-                <a:latin typeface="Roboto" pitchFamily="2" charset="0"/>
-                <a:ea typeface="Roboto" pitchFamily="2" charset="0"/>
-              </a:rPr>
-              <a:t>Hand editing</a:t>
-            </a:r>
-          </a:p>
-          <a:p>
-            <a:pPr algn="ctr">
-              <a:spcBef>
-                <a:spcPts val="1200"/>
-              </a:spcBef>
-            </a:pPr>
-            <a:r>
-              <a:rPr lang="en-US" sz="2500" dirty="0">
-                <a:latin typeface="Roboto" pitchFamily="2" charset="0"/>
-                <a:ea typeface="Roboto" pitchFamily="2" charset="0"/>
-              </a:rPr>
-              <a:t>Excel "text to column“ tool</a:t>
-            </a:r>
+            <a:endParaRPr lang="en-US"/>
           </a:p>
         </p:txBody>
       </p:sp>
     </p:spTree>
     <p:extLst>
       <p:ext uri="{BB962C8B-B14F-4D97-AF65-F5344CB8AC3E}">
-        <p14:creationId xmlns:p14="http://schemas.microsoft.com/office/powerpoint/2010/main" val="329112806"/>
+        <p14:creationId xmlns:p14="http://schemas.microsoft.com/office/powerpoint/2010/main" val="1146688588"/>
       </p:ext>
     </p:extLst>
   </p:cSld>
@@ -7600,10 +7768,10 @@
       </p:grpSpPr>
       <p:pic>
         <p:nvPicPr>
-          <p:cNvPr id="15" name="Picture 6" descr="Image result for hathitrust">
+          <p:cNvPr id="1026" name="Picture 2" descr="Image result for early english books online">
             <a:extLst>
               <a:ext uri="{FF2B5EF4-FFF2-40B4-BE49-F238E27FC236}">
-                <a16:creationId xmlns:a16="http://schemas.microsoft.com/office/drawing/2014/main" id="{585F986D-2DDB-42D6-849E-6CD2F726F518}"/>
+                <a16:creationId xmlns:a16="http://schemas.microsoft.com/office/drawing/2014/main" id="{9D007041-1F17-470B-ACB3-14EA41926BDE}"/>
               </a:ext>
             </a:extLst>
           </p:cNvPr>
@@ -7613,7 +7781,7 @@
           <p:nvPr/>
         </p:nvPicPr>
         <p:blipFill>
-          <a:blip r:embed="rId2">
+          <a:blip r:embed="rId3">
             <a:extLst>
               <a:ext uri="{28A0092B-C50C-407E-A947-70E740481C1C}">
                 <a14:useLocalDpi xmlns:a14="http://schemas.microsoft.com/office/drawing/2010/main" val="0"/>
@@ -7627,8 +7795,8 @@
         </p:blipFill>
         <p:spPr bwMode="auto">
           <a:xfrm>
-            <a:off x="1438859" y="368653"/>
-            <a:ext cx="3622237" cy="1186283"/>
+            <a:off x="1426403" y="473595"/>
+            <a:ext cx="3622237" cy="1177227"/>
           </a:xfrm>
           <a:prstGeom prst="rect">
             <a:avLst/>
@@ -7647,10 +7815,10 @@
       </p:pic>
       <p:pic>
         <p:nvPicPr>
-          <p:cNvPr id="16" name="Picture 12" descr="English Short Title Catalogue">
+          <p:cNvPr id="1028" name="Picture 4" descr="Image result for proquest">
             <a:extLst>
               <a:ext uri="{FF2B5EF4-FFF2-40B4-BE49-F238E27FC236}">
-                <a16:creationId xmlns:a16="http://schemas.microsoft.com/office/drawing/2014/main" id="{7D33591E-B51B-4264-9FBA-49FF6EBC6765}"/>
+                <a16:creationId xmlns:a16="http://schemas.microsoft.com/office/drawing/2014/main" id="{2F99ACB8-0168-491B-9844-EF7FBC808FE3}"/>
               </a:ext>
             </a:extLst>
           </p:cNvPr>
@@ -7659,21 +7827,23 @@
           </p:cNvPicPr>
           <p:nvPr/>
         </p:nvPicPr>
-        <p:blipFill rotWithShape="1">
-          <a:blip r:embed="rId3">
+        <p:blipFill>
+          <a:blip r:embed="rId4">
             <a:extLst>
               <a:ext uri="{28A0092B-C50C-407E-A947-70E740481C1C}">
                 <a14:useLocalDpi xmlns:a14="http://schemas.microsoft.com/office/drawing/2010/main" val="0"/>
               </a:ext>
             </a:extLst>
           </a:blip>
-          <a:srcRect l="60346"/>
-          <a:stretch/>
+          <a:srcRect/>
+          <a:stretch>
+            <a:fillRect/>
+          </a:stretch>
         </p:blipFill>
         <p:spPr bwMode="auto">
           <a:xfrm>
-            <a:off x="1694615" y="1821498"/>
-            <a:ext cx="3098269" cy="1200196"/>
+            <a:off x="1682158" y="2024736"/>
+            <a:ext cx="3110726" cy="1177224"/>
           </a:xfrm>
           <a:prstGeom prst="rect">
             <a:avLst/>
@@ -7692,10 +7862,10 @@
       </p:pic>
       <p:sp>
         <p:nvSpPr>
-          <p:cNvPr id="4" name="TextBox 3">
+          <p:cNvPr id="38" name="TextBox 37">
             <a:extLst>
               <a:ext uri="{FF2B5EF4-FFF2-40B4-BE49-F238E27FC236}">
-                <a16:creationId xmlns:a16="http://schemas.microsoft.com/office/drawing/2014/main" id="{C1AC3FDF-23CE-4A8E-811F-EF814D233BDC}"/>
+                <a16:creationId xmlns:a16="http://schemas.microsoft.com/office/drawing/2014/main" id="{84F4CE83-3999-43C4-A736-73D19B1079DC}"/>
               </a:ext>
             </a:extLst>
           </p:cNvPr>
@@ -7704,7 +7874,7 @@
         </p:nvSpPr>
         <p:spPr>
           <a:xfrm>
-            <a:off x="5947297" y="431134"/>
+            <a:off x="5947297" y="947518"/>
             <a:ext cx="5315150" cy="1077218"/>
           </a:xfrm>
           <a:prstGeom prst="rect">
@@ -7725,17 +7895,17 @@
                 <a:ea typeface="Roboto" pitchFamily="2" charset="0"/>
                 <a:cs typeface="Gautami" panose="020B0502040204020203" pitchFamily="34" charset="0"/>
               </a:rPr>
-              <a:t>ENGLISH SHORT TITLE CATALOGUE</a:t>
-            </a:r>
-          </a:p>
-        </p:txBody>
-      </p:sp>
-      <p:sp>
-        <p:nvSpPr>
-          <p:cNvPr id="5" name="TextBox 4">
+              <a:t>EARLY ENGLISH BOOKS ONLINE</a:t>
+            </a:r>
+          </a:p>
+        </p:txBody>
+      </p:sp>
+      <p:sp>
+        <p:nvSpPr>
+          <p:cNvPr id="56" name="TextBox 55">
             <a:extLst>
               <a:ext uri="{FF2B5EF4-FFF2-40B4-BE49-F238E27FC236}">
-                <a16:creationId xmlns:a16="http://schemas.microsoft.com/office/drawing/2014/main" id="{D93EA9F8-C154-4B3C-9612-684F986C7497}"/>
+                <a16:creationId xmlns:a16="http://schemas.microsoft.com/office/drawing/2014/main" id="{5D0A9BE0-7856-43F5-8CE8-CB99A6A6CEE2}"/>
               </a:ext>
             </a:extLst>
           </p:cNvPr>
@@ -7744,8 +7914,8 @@
         </p:nvSpPr>
         <p:spPr>
           <a:xfrm>
-            <a:off x="5628067" y="1960967"/>
-            <a:ext cx="5953609" cy="477054"/>
+            <a:off x="6847991" y="2552100"/>
+            <a:ext cx="3513762" cy="477054"/>
           </a:xfrm>
           <a:prstGeom prst="rect">
             <a:avLst/>
@@ -7764,131 +7934,17 @@
                 <a:latin typeface="Roboto" pitchFamily="2" charset="0"/>
                 <a:ea typeface="Roboto" pitchFamily="2" charset="0"/>
               </a:rPr>
-              <a:t>Collection Date: September 25, 2019</a:t>
-            </a:r>
-          </a:p>
-        </p:txBody>
-      </p:sp>
-      <p:sp>
-        <p:nvSpPr>
-          <p:cNvPr id="6" name="TextBox 5">
-            <a:extLst>
-              <a:ext uri="{FF2B5EF4-FFF2-40B4-BE49-F238E27FC236}">
-                <a16:creationId xmlns:a16="http://schemas.microsoft.com/office/drawing/2014/main" id="{B8EEF8A0-6173-4011-BBF7-B7615A164529}"/>
-              </a:ext>
-            </a:extLst>
-          </p:cNvPr>
-          <p:cNvSpPr txBox="1"/>
-          <p:nvPr/>
-        </p:nvSpPr>
-        <p:spPr>
-          <a:xfrm>
-            <a:off x="6847991" y="2552100"/>
-            <a:ext cx="3513762" cy="477054"/>
-          </a:xfrm>
-          <a:prstGeom prst="rect">
-            <a:avLst/>
-          </a:prstGeom>
-          <a:noFill/>
-        </p:spPr>
-        <p:txBody>
-          <a:bodyPr wrap="square" rtlCol="0">
-            <a:spAutoFit/>
-          </a:bodyPr>
-          <a:lstStyle/>
-          <a:p>
-            <a:pPr algn="ctr"/>
-            <a:r>
-              <a:rPr lang="en-US" sz="2500" dirty="0">
-                <a:latin typeface="Roboto" pitchFamily="2" charset="0"/>
-                <a:ea typeface="Roboto" pitchFamily="2" charset="0"/>
-              </a:rPr>
-              <a:t>Records: 3,137</a:t>
-            </a:r>
-          </a:p>
-        </p:txBody>
-      </p:sp>
-      <p:sp>
-        <p:nvSpPr>
-          <p:cNvPr id="10" name="TextBox 9">
-            <a:extLst>
-              <a:ext uri="{FF2B5EF4-FFF2-40B4-BE49-F238E27FC236}">
-                <a16:creationId xmlns:a16="http://schemas.microsoft.com/office/drawing/2014/main" id="{23DEB56F-1A55-4DE8-8C46-21BC2E129463}"/>
-              </a:ext>
-            </a:extLst>
-          </p:cNvPr>
-          <p:cNvSpPr txBox="1"/>
-          <p:nvPr/>
-        </p:nvSpPr>
-        <p:spPr>
-          <a:xfrm>
-            <a:off x="6439097" y="4976496"/>
-            <a:ext cx="4528913" cy="1554272"/>
-          </a:xfrm>
-          <a:prstGeom prst="rect">
-            <a:avLst/>
-          </a:prstGeom>
-          <a:noFill/>
-        </p:spPr>
-        <p:txBody>
-          <a:bodyPr wrap="square" rtlCol="0">
-            <a:spAutoFit/>
-          </a:bodyPr>
-          <a:lstStyle/>
-          <a:p>
-            <a:pPr algn="ctr">
-              <a:spcBef>
-                <a:spcPts val="1200"/>
-              </a:spcBef>
-            </a:pPr>
-            <a:r>
-              <a:rPr lang="en-US" sz="2500" dirty="0" err="1">
-                <a:latin typeface="Roboto" pitchFamily="2" charset="0"/>
-                <a:ea typeface="Roboto" pitchFamily="2" charset="0"/>
-              </a:rPr>
-              <a:t>OpenRefine</a:t>
-            </a:r>
-            <a:endParaRPr lang="en-US" sz="2500" dirty="0">
-              <a:latin typeface="Roboto" pitchFamily="2" charset="0"/>
-              <a:ea typeface="Roboto" pitchFamily="2" charset="0"/>
-            </a:endParaRPr>
-          </a:p>
-          <a:p>
-            <a:pPr algn="ctr">
-              <a:spcBef>
-                <a:spcPts val="1200"/>
-              </a:spcBef>
-            </a:pPr>
-            <a:r>
-              <a:rPr lang="en-US" sz="2500" dirty="0">
-                <a:latin typeface="Roboto" pitchFamily="2" charset="0"/>
-                <a:ea typeface="Roboto" pitchFamily="2" charset="0"/>
-              </a:rPr>
-              <a:t>Hand editing</a:t>
-            </a:r>
-          </a:p>
-          <a:p>
-            <a:pPr algn="ctr">
-              <a:spcBef>
-                <a:spcPts val="1200"/>
-              </a:spcBef>
-            </a:pPr>
-            <a:r>
-              <a:rPr lang="en-US" sz="2500" dirty="0">
-                <a:latin typeface="Roboto" pitchFamily="2" charset="0"/>
-                <a:ea typeface="Roboto" pitchFamily="2" charset="0"/>
-              </a:rPr>
-              <a:t>Excel "text to column“ tool</a:t>
+              <a:t>Records: 860</a:t>
             </a:r>
           </a:p>
         </p:txBody>
       </p:sp>
       <p:cxnSp>
         <p:nvCxnSpPr>
-          <p:cNvPr id="11" name="Straight Connector 10">
+          <p:cNvPr id="53" name="Straight Connector 52">
             <a:extLst>
               <a:ext uri="{FF2B5EF4-FFF2-40B4-BE49-F238E27FC236}">
-                <a16:creationId xmlns:a16="http://schemas.microsoft.com/office/drawing/2014/main" id="{FFF405B0-30A4-4463-B9D9-797C625778D5}"/>
+                <a16:creationId xmlns:a16="http://schemas.microsoft.com/office/drawing/2014/main" id="{E4B6B28F-55A3-4F36-BA13-7FFE6CE4C8CE}"/>
               </a:ext>
             </a:extLst>
           </p:cNvPr>
@@ -7922,10 +7978,10 @@
       </p:cxnSp>
       <p:cxnSp>
         <p:nvCxnSpPr>
-          <p:cNvPr id="12" name="Straight Connector 11">
+          <p:cNvPr id="74" name="Straight Connector 73">
             <a:extLst>
               <a:ext uri="{FF2B5EF4-FFF2-40B4-BE49-F238E27FC236}">
-                <a16:creationId xmlns:a16="http://schemas.microsoft.com/office/drawing/2014/main" id="{352A98B1-4AE7-4931-8149-60B70A452C50}"/>
+                <a16:creationId xmlns:a16="http://schemas.microsoft.com/office/drawing/2014/main" id="{EDDE31E0-B92E-44B2-9531-7C33535F4284}"/>
               </a:ext>
             </a:extLst>
           </p:cNvPr>
@@ -7959,10 +8015,10 @@
       </p:cxnSp>
       <p:sp>
         <p:nvSpPr>
-          <p:cNvPr id="13" name="TextBox 12">
+          <p:cNvPr id="14" name="TextBox 13">
             <a:extLst>
               <a:ext uri="{FF2B5EF4-FFF2-40B4-BE49-F238E27FC236}">
-                <a16:creationId xmlns:a16="http://schemas.microsoft.com/office/drawing/2014/main" id="{5E4CFE1B-A8A7-40A1-A61F-1806B083815D}"/>
+                <a16:creationId xmlns:a16="http://schemas.microsoft.com/office/drawing/2014/main" id="{7F546B40-7165-41A3-8571-FD9BBE66A6EA}"/>
               </a:ext>
             </a:extLst>
           </p:cNvPr>
@@ -7971,8 +8027,8 @@
         </p:nvSpPr>
         <p:spPr>
           <a:xfrm>
-            <a:off x="590651" y="4976496"/>
-            <a:ext cx="5232527" cy="477054"/>
+            <a:off x="1056775" y="4976496"/>
+            <a:ext cx="4361493" cy="861774"/>
           </a:xfrm>
           <a:prstGeom prst="rect">
             <a:avLst/>
@@ -7985,23 +8041,27 @@
           </a:bodyPr>
           <a:lstStyle/>
           <a:p>
-            <a:pPr algn="ctr"/>
+            <a:pPr algn="ctr">
+              <a:spcBef>
+                <a:spcPts val="1200"/>
+              </a:spcBef>
+            </a:pPr>
             <a:r>
               <a:rPr lang="en-US" sz="2500" dirty="0">
                 <a:latin typeface="Roboto" pitchFamily="2" charset="0"/>
                 <a:ea typeface="Roboto" pitchFamily="2" charset="0"/>
               </a:rPr>
-              <a:t>Parsing JSON with Python</a:t>
-            </a:r>
-          </a:p>
-        </p:txBody>
-      </p:sp>
-      <p:sp>
-        <p:nvSpPr>
-          <p:cNvPr id="14" name="TextBox 13">
+              <a:t>Copy-paste into Excel spreadsheet</a:t>
+            </a:r>
+          </a:p>
+        </p:txBody>
+      </p:sp>
+      <p:sp>
+        <p:nvSpPr>
+          <p:cNvPr id="15" name="TextBox 14">
             <a:extLst>
               <a:ext uri="{FF2B5EF4-FFF2-40B4-BE49-F238E27FC236}">
-                <a16:creationId xmlns:a16="http://schemas.microsoft.com/office/drawing/2014/main" id="{145C92D3-6C3F-42AA-AA5C-85E491C18D4E}"/>
+                <a16:creationId xmlns:a16="http://schemas.microsoft.com/office/drawing/2014/main" id="{FC2EFCE8-45ED-4F82-B7DE-EE3B136BE62A}"/>
               </a:ext>
             </a:extLst>
           </p:cNvPr>
@@ -8038,10 +8098,10 @@
       </p:sp>
       <p:sp>
         <p:nvSpPr>
-          <p:cNvPr id="17" name="TextBox 16">
+          <p:cNvPr id="16" name="TextBox 15">
             <a:extLst>
               <a:ext uri="{FF2B5EF4-FFF2-40B4-BE49-F238E27FC236}">
-                <a16:creationId xmlns:a16="http://schemas.microsoft.com/office/drawing/2014/main" id="{2A7A7BBB-6E5F-444E-9DC1-C783E6409479}"/>
+                <a16:creationId xmlns:a16="http://schemas.microsoft.com/office/drawing/2014/main" id="{BDCD3D84-B0E6-4318-82D6-D0C7259096AB}"/>
               </a:ext>
             </a:extLst>
           </p:cNvPr>
@@ -8076,10 +8136,85 @@
           </a:p>
         </p:txBody>
       </p:sp>
+      <p:sp>
+        <p:nvSpPr>
+          <p:cNvPr id="13" name="TextBox 12">
+            <a:extLst>
+              <a:ext uri="{FF2B5EF4-FFF2-40B4-BE49-F238E27FC236}">
+                <a16:creationId xmlns:a16="http://schemas.microsoft.com/office/drawing/2014/main" id="{7E4E408B-8A30-40B0-BA96-B6C54286927F}"/>
+              </a:ext>
+            </a:extLst>
+          </p:cNvPr>
+          <p:cNvSpPr txBox="1"/>
+          <p:nvPr/>
+        </p:nvSpPr>
+        <p:spPr>
+          <a:xfrm>
+            <a:off x="6439097" y="4976496"/>
+            <a:ext cx="4528913" cy="1554272"/>
+          </a:xfrm>
+          <a:prstGeom prst="rect">
+            <a:avLst/>
+          </a:prstGeom>
+          <a:noFill/>
+        </p:spPr>
+        <p:txBody>
+          <a:bodyPr wrap="square" rtlCol="0">
+            <a:spAutoFit/>
+          </a:bodyPr>
+          <a:lstStyle/>
+          <a:p>
+            <a:pPr algn="ctr">
+              <a:spcBef>
+                <a:spcPts val="1200"/>
+              </a:spcBef>
+            </a:pPr>
+            <a:r>
+              <a:rPr lang="en-US" sz="2500" dirty="0" err="1">
+                <a:latin typeface="Roboto" pitchFamily="2" charset="0"/>
+                <a:ea typeface="Roboto" pitchFamily="2" charset="0"/>
+              </a:rPr>
+              <a:t>OpenRefine</a:t>
+            </a:r>
+            <a:endParaRPr lang="en-US" sz="2500" dirty="0">
+              <a:latin typeface="Roboto" pitchFamily="2" charset="0"/>
+              <a:ea typeface="Roboto" pitchFamily="2" charset="0"/>
+            </a:endParaRPr>
+          </a:p>
+          <a:p>
+            <a:pPr algn="ctr">
+              <a:spcBef>
+                <a:spcPts val="1200"/>
+              </a:spcBef>
+            </a:pPr>
+            <a:r>
+              <a:rPr lang="en-US" sz="2500" dirty="0">
+                <a:latin typeface="Roboto" pitchFamily="2" charset="0"/>
+                <a:ea typeface="Roboto" pitchFamily="2" charset="0"/>
+              </a:rPr>
+              <a:t>Hand editing</a:t>
+            </a:r>
+          </a:p>
+          <a:p>
+            <a:pPr algn="ctr">
+              <a:spcBef>
+                <a:spcPts val="1200"/>
+              </a:spcBef>
+            </a:pPr>
+            <a:r>
+              <a:rPr lang="en-US" sz="2500" dirty="0">
+                <a:latin typeface="Roboto" pitchFamily="2" charset="0"/>
+                <a:ea typeface="Roboto" pitchFamily="2" charset="0"/>
+              </a:rPr>
+              <a:t>Excel "text to column“ tool</a:t>
+            </a:r>
+          </a:p>
+        </p:txBody>
+      </p:sp>
     </p:spTree>
     <p:extLst>
       <p:ext uri="{BB962C8B-B14F-4D97-AF65-F5344CB8AC3E}">
-        <p14:creationId xmlns:p14="http://schemas.microsoft.com/office/powerpoint/2010/main" val="231150258"/>
+        <p14:creationId xmlns:p14="http://schemas.microsoft.com/office/powerpoint/2010/main" val="329112806"/>
       </p:ext>
     </p:extLst>
   </p:cSld>
@@ -8106,27 +8241,119 @@
           <a:chExt cx="0" cy="0"/>
         </a:xfrm>
       </p:grpSpPr>
-      <p:sp>
-        <p:nvSpPr>
-          <p:cNvPr id="4" name="TextBox 3">
+      <p:pic>
+        <p:nvPicPr>
+          <p:cNvPr id="15" name="Picture 6" descr="Image result for hathitrust">
             <a:extLst>
               <a:ext uri="{FF2B5EF4-FFF2-40B4-BE49-F238E27FC236}">
-                <a16:creationId xmlns:a16="http://schemas.microsoft.com/office/drawing/2014/main" id="{C1AC3FDF-23CE-4A8E-811F-EF814D233BDC}"/>
+                <a16:creationId xmlns:a16="http://schemas.microsoft.com/office/drawing/2014/main" id="{585F986D-2DDB-42D6-849E-6CD2F726F518}"/>
               </a:ext>
             </a:extLst>
           </p:cNvPr>
-          <p:cNvSpPr txBox="1"/>
+          <p:cNvPicPr>
+            <a:picLocks noChangeAspect="1" noChangeArrowheads="1"/>
+          </p:cNvPicPr>
           <p:nvPr/>
-        </p:nvSpPr>
-        <p:spPr>
-          <a:xfrm>
-            <a:off x="5947297" y="400312"/>
-            <a:ext cx="5315150" cy="1077218"/>
+        </p:nvPicPr>
+        <p:blipFill>
+          <a:blip r:embed="rId2">
+            <a:extLst>
+              <a:ext uri="{28A0092B-C50C-407E-A947-70E740481C1C}">
+                <a14:useLocalDpi xmlns:a14="http://schemas.microsoft.com/office/drawing/2010/main" val="0"/>
+              </a:ext>
+            </a:extLst>
+          </a:blip>
+          <a:srcRect/>
+          <a:stretch>
+            <a:fillRect/>
+          </a:stretch>
+        </p:blipFill>
+        <p:spPr bwMode="auto">
+          <a:xfrm>
+            <a:off x="1438859" y="368653"/>
+            <a:ext cx="3622237" cy="1186283"/>
           </a:xfrm>
           <a:prstGeom prst="rect">
             <a:avLst/>
           </a:prstGeom>
           <a:noFill/>
+          <a:extLst>
+            <a:ext uri="{909E8E84-426E-40DD-AFC4-6F175D3DCCD1}">
+              <a14:hiddenFill xmlns:a14="http://schemas.microsoft.com/office/drawing/2010/main">
+                <a:solidFill>
+                  <a:srgbClr val="FFFFFF"/>
+                </a:solidFill>
+              </a14:hiddenFill>
+            </a:ext>
+          </a:extLst>
+        </p:spPr>
+      </p:pic>
+      <p:pic>
+        <p:nvPicPr>
+          <p:cNvPr id="16" name="Picture 12" descr="English Short Title Catalogue">
+            <a:extLst>
+              <a:ext uri="{FF2B5EF4-FFF2-40B4-BE49-F238E27FC236}">
+                <a16:creationId xmlns:a16="http://schemas.microsoft.com/office/drawing/2014/main" id="{7D33591E-B51B-4264-9FBA-49FF6EBC6765}"/>
+              </a:ext>
+            </a:extLst>
+          </p:cNvPr>
+          <p:cNvPicPr>
+            <a:picLocks noChangeAspect="1" noChangeArrowheads="1"/>
+          </p:cNvPicPr>
+          <p:nvPr/>
+        </p:nvPicPr>
+        <p:blipFill rotWithShape="1">
+          <a:blip r:embed="rId3">
+            <a:extLst>
+              <a:ext uri="{28A0092B-C50C-407E-A947-70E740481C1C}">
+                <a14:useLocalDpi xmlns:a14="http://schemas.microsoft.com/office/drawing/2010/main" val="0"/>
+              </a:ext>
+            </a:extLst>
+          </a:blip>
+          <a:srcRect l="60346"/>
+          <a:stretch/>
+        </p:blipFill>
+        <p:spPr bwMode="auto">
+          <a:xfrm>
+            <a:off x="1694615" y="1821498"/>
+            <a:ext cx="3098269" cy="1200196"/>
+          </a:xfrm>
+          <a:prstGeom prst="rect">
+            <a:avLst/>
+          </a:prstGeom>
+          <a:noFill/>
+          <a:extLst>
+            <a:ext uri="{909E8E84-426E-40DD-AFC4-6F175D3DCCD1}">
+              <a14:hiddenFill xmlns:a14="http://schemas.microsoft.com/office/drawing/2010/main">
+                <a:solidFill>
+                  <a:srgbClr val="FFFFFF"/>
+                </a:solidFill>
+              </a14:hiddenFill>
+            </a:ext>
+          </a:extLst>
+        </p:spPr>
+      </p:pic>
+      <p:sp>
+        <p:nvSpPr>
+          <p:cNvPr id="6" name="TextBox 5">
+            <a:extLst>
+              <a:ext uri="{FF2B5EF4-FFF2-40B4-BE49-F238E27FC236}">
+                <a16:creationId xmlns:a16="http://schemas.microsoft.com/office/drawing/2014/main" id="{B8EEF8A0-6173-4011-BBF7-B7615A164529}"/>
+              </a:ext>
+            </a:extLst>
+          </p:cNvPr>
+          <p:cNvSpPr txBox="1"/>
+          <p:nvPr/>
+        </p:nvSpPr>
+        <p:spPr>
+          <a:xfrm>
+            <a:off x="6847991" y="2552100"/>
+            <a:ext cx="3513762" cy="477054"/>
+          </a:xfrm>
+          <a:prstGeom prst="rect">
+            <a:avLst/>
+          </a:prstGeom>
+          <a:noFill/>
         </p:spPr>
         <p:txBody>
           <a:bodyPr wrap="square" rtlCol="0">
@@ -8136,33 +8363,21 @@
           <a:p>
             <a:pPr algn="ctr"/>
             <a:r>
-              <a:rPr lang="en-US" sz="3200" b="1" spc="300" dirty="0">
+              <a:rPr lang="en-US" sz="2500" dirty="0">
                 <a:latin typeface="Roboto" pitchFamily="2" charset="0"/>
                 <a:ea typeface="Roboto" pitchFamily="2" charset="0"/>
-                <a:cs typeface="Gautami" panose="020B0502040204020203" pitchFamily="34" charset="0"/>
               </a:rPr>
-              <a:t>OPEN SYLLABUS</a:t>
-            </a:r>
-          </a:p>
-          <a:p>
-            <a:pPr algn="ctr"/>
-            <a:r>
-              <a:rPr lang="en-US" sz="3200" b="1" spc="300" dirty="0">
-                <a:latin typeface="Roboto" pitchFamily="2" charset="0"/>
-                <a:ea typeface="Roboto" pitchFamily="2" charset="0"/>
-                <a:cs typeface="Gautami" panose="020B0502040204020203" pitchFamily="34" charset="0"/>
-              </a:rPr>
-              <a:t>PROJECT</a:t>
-            </a:r>
-          </a:p>
-        </p:txBody>
-      </p:sp>
-      <p:sp>
-        <p:nvSpPr>
-          <p:cNvPr id="5" name="TextBox 4">
+              <a:t>Records: 3,137</a:t>
+            </a:r>
+          </a:p>
+        </p:txBody>
+      </p:sp>
+      <p:sp>
+        <p:nvSpPr>
+          <p:cNvPr id="10" name="TextBox 9">
             <a:extLst>
               <a:ext uri="{FF2B5EF4-FFF2-40B4-BE49-F238E27FC236}">
-                <a16:creationId xmlns:a16="http://schemas.microsoft.com/office/drawing/2014/main" id="{D93EA9F8-C154-4B3C-9612-684F986C7497}"/>
+                <a16:creationId xmlns:a16="http://schemas.microsoft.com/office/drawing/2014/main" id="{23DEB56F-1A55-4DE8-8C46-21BC2E129463}"/>
               </a:ext>
             </a:extLst>
           </p:cNvPr>
@@ -8171,8 +8386,8 @@
         </p:nvSpPr>
         <p:spPr>
           <a:xfrm>
-            <a:off x="5628067" y="1960967"/>
-            <a:ext cx="5953609" cy="477054"/>
+            <a:off x="6439097" y="4976496"/>
+            <a:ext cx="4528913" cy="1554272"/>
           </a:xfrm>
           <a:prstGeom prst="rect">
             <a:avLst/>
@@ -8185,83 +8400,23 @@
           </a:bodyPr>
           <a:lstStyle/>
           <a:p>
-            <a:pPr algn="ctr"/>
-            <a:r>
-              <a:rPr lang="en-US" sz="2500" dirty="0">
+            <a:pPr algn="ctr">
+              <a:spcBef>
+                <a:spcPts val="1200"/>
+              </a:spcBef>
+            </a:pPr>
+            <a:r>
+              <a:rPr lang="en-US" sz="2500" dirty="0" err="1">
                 <a:latin typeface="Roboto" pitchFamily="2" charset="0"/>
                 <a:ea typeface="Roboto" pitchFamily="2" charset="0"/>
               </a:rPr>
-              <a:t>Collection Date: September 15, 2019</a:t>
-            </a:r>
-          </a:p>
-        </p:txBody>
-      </p:sp>
-      <p:sp>
-        <p:nvSpPr>
-          <p:cNvPr id="6" name="TextBox 5">
-            <a:extLst>
-              <a:ext uri="{FF2B5EF4-FFF2-40B4-BE49-F238E27FC236}">
-                <a16:creationId xmlns:a16="http://schemas.microsoft.com/office/drawing/2014/main" id="{B8EEF8A0-6173-4011-BBF7-B7615A164529}"/>
-              </a:ext>
-            </a:extLst>
-          </p:cNvPr>
-          <p:cNvSpPr txBox="1"/>
-          <p:nvPr/>
-        </p:nvSpPr>
-        <p:spPr>
-          <a:xfrm>
-            <a:off x="6847991" y="2552100"/>
-            <a:ext cx="3513762" cy="477054"/>
-          </a:xfrm>
-          <a:prstGeom prst="rect">
-            <a:avLst/>
-          </a:prstGeom>
-          <a:noFill/>
-        </p:spPr>
-        <p:txBody>
-          <a:bodyPr wrap="square" rtlCol="0">
-            <a:spAutoFit/>
-          </a:bodyPr>
-          <a:lstStyle/>
-          <a:p>
-            <a:pPr algn="ctr"/>
-            <a:r>
-              <a:rPr lang="en-US" sz="2500" dirty="0">
-                <a:latin typeface="Roboto" pitchFamily="2" charset="0"/>
-                <a:ea typeface="Roboto" pitchFamily="2" charset="0"/>
-              </a:rPr>
-              <a:t>Records: 5,000</a:t>
-            </a:r>
-          </a:p>
-        </p:txBody>
-      </p:sp>
-      <p:sp>
-        <p:nvSpPr>
-          <p:cNvPr id="10" name="TextBox 9">
-            <a:extLst>
-              <a:ext uri="{FF2B5EF4-FFF2-40B4-BE49-F238E27FC236}">
-                <a16:creationId xmlns:a16="http://schemas.microsoft.com/office/drawing/2014/main" id="{23DEB56F-1A55-4DE8-8C46-21BC2E129463}"/>
-              </a:ext>
-            </a:extLst>
-          </p:cNvPr>
-          <p:cNvSpPr txBox="1"/>
-          <p:nvPr/>
-        </p:nvSpPr>
-        <p:spPr>
-          <a:xfrm>
-            <a:off x="6477411" y="4976496"/>
-            <a:ext cx="4528913" cy="1015663"/>
-          </a:xfrm>
-          <a:prstGeom prst="rect">
-            <a:avLst/>
-          </a:prstGeom>
-          <a:noFill/>
-        </p:spPr>
-        <p:txBody>
-          <a:bodyPr wrap="square" rtlCol="0">
-            <a:spAutoFit/>
-          </a:bodyPr>
-          <a:lstStyle/>
+              <a:t>OpenRefine</a:t>
+            </a:r>
+            <a:endParaRPr lang="en-US" sz="2500" dirty="0">
+              <a:latin typeface="Roboto" pitchFamily="2" charset="0"/>
+              <a:ea typeface="Roboto" pitchFamily="2" charset="0"/>
+            </a:endParaRPr>
+          </a:p>
           <a:p>
             <a:pPr algn="ctr">
               <a:spcBef>
@@ -8366,42 +8521,12 @@
           </a:fontRef>
         </p:style>
       </p:cxnSp>
-      <p:pic>
-        <p:nvPicPr>
-          <p:cNvPr id="13" name="Picture 12">
+      <p:sp>
+        <p:nvSpPr>
+          <p:cNvPr id="13" name="TextBox 12">
             <a:extLst>
               <a:ext uri="{FF2B5EF4-FFF2-40B4-BE49-F238E27FC236}">
-                <a16:creationId xmlns:a16="http://schemas.microsoft.com/office/drawing/2014/main" id="{70545BAD-2B21-4B01-A7B6-DF6C9497D7E6}"/>
-              </a:ext>
-            </a:extLst>
-          </p:cNvPr>
-          <p:cNvPicPr>
-            <a:picLocks noChangeAspect="1"/>
-          </p:cNvPicPr>
-          <p:nvPr/>
-        </p:nvPicPr>
-        <p:blipFill>
-          <a:blip r:embed="rId2"/>
-          <a:stretch>
-            <a:fillRect/>
-          </a:stretch>
-        </p:blipFill>
-        <p:spPr>
-          <a:xfrm>
-            <a:off x="1332522" y="1103064"/>
-            <a:ext cx="3810000" cy="1170306"/>
-          </a:xfrm>
-          <a:prstGeom prst="rect">
-            <a:avLst/>
-          </a:prstGeom>
-        </p:spPr>
-      </p:pic>
-      <p:sp>
-        <p:nvSpPr>
-          <p:cNvPr id="17" name="TextBox 16">
-            <a:extLst>
-              <a:ext uri="{FF2B5EF4-FFF2-40B4-BE49-F238E27FC236}">
-                <a16:creationId xmlns:a16="http://schemas.microsoft.com/office/drawing/2014/main" id="{F370B6F9-A1E5-462B-B464-9763D3B66E4C}"/>
+                <a16:creationId xmlns:a16="http://schemas.microsoft.com/office/drawing/2014/main" id="{5E4CFE1B-A8A7-40A1-A61F-1806B083815D}"/>
               </a:ext>
             </a:extLst>
           </p:cNvPr>
@@ -8410,8 +8535,8 @@
         </p:nvSpPr>
         <p:spPr>
           <a:xfrm>
-            <a:off x="1056775" y="4976496"/>
-            <a:ext cx="4361493" cy="1400383"/>
+            <a:off x="590651" y="4976496"/>
+            <a:ext cx="5232527" cy="477054"/>
           </a:xfrm>
           <a:prstGeom prst="rect">
             <a:avLst/>
@@ -8424,41 +8549,23 @@
           </a:bodyPr>
           <a:lstStyle/>
           <a:p>
-            <a:pPr algn="ctr">
-              <a:spcBef>
-                <a:spcPts val="1200"/>
-              </a:spcBef>
-            </a:pPr>
+            <a:pPr algn="ctr"/>
             <a:r>
               <a:rPr lang="en-US" sz="2500" dirty="0">
                 <a:latin typeface="Roboto" pitchFamily="2" charset="0"/>
                 <a:ea typeface="Roboto" pitchFamily="2" charset="0"/>
               </a:rPr>
-              <a:t>XPATH Helper</a:t>
-            </a:r>
-          </a:p>
-          <a:p>
-            <a:pPr algn="ctr">
-              <a:spcBef>
-                <a:spcPts val="1200"/>
-              </a:spcBef>
-            </a:pPr>
-            <a:r>
-              <a:rPr lang="en-US" sz="2500" dirty="0">
-                <a:latin typeface="Roboto" pitchFamily="2" charset="0"/>
-                <a:ea typeface="Roboto" pitchFamily="2" charset="0"/>
-              </a:rPr>
-              <a:t>Copy-paste into Excel spreadsheet</a:t>
-            </a:r>
-          </a:p>
-        </p:txBody>
-      </p:sp>
-      <p:sp>
-        <p:nvSpPr>
-          <p:cNvPr id="16" name="TextBox 15">
+              <a:t>Parsing JSON with Python</a:t>
+            </a:r>
+          </a:p>
+        </p:txBody>
+      </p:sp>
+      <p:sp>
+        <p:nvSpPr>
+          <p:cNvPr id="14" name="TextBox 13">
             <a:extLst>
               <a:ext uri="{FF2B5EF4-FFF2-40B4-BE49-F238E27FC236}">
-                <a16:creationId xmlns:a16="http://schemas.microsoft.com/office/drawing/2014/main" id="{8035AF95-788A-4D3C-9D36-56D105A4FC94}"/>
+                <a16:creationId xmlns:a16="http://schemas.microsoft.com/office/drawing/2014/main" id="{145C92D3-6C3F-42AA-AA5C-85E491C18D4E}"/>
               </a:ext>
             </a:extLst>
           </p:cNvPr>
@@ -8495,10 +8602,10 @@
       </p:sp>
       <p:sp>
         <p:nvSpPr>
-          <p:cNvPr id="18" name="TextBox 17">
+          <p:cNvPr id="17" name="TextBox 16">
             <a:extLst>
               <a:ext uri="{FF2B5EF4-FFF2-40B4-BE49-F238E27FC236}">
-                <a16:creationId xmlns:a16="http://schemas.microsoft.com/office/drawing/2014/main" id="{670C7531-4DE8-47F6-A188-D6433DB54838}"/>
+                <a16:creationId xmlns:a16="http://schemas.microsoft.com/office/drawing/2014/main" id="{2A7A7BBB-6E5F-444E-9DC1-C783E6409479}"/>
               </a:ext>
             </a:extLst>
           </p:cNvPr>
@@ -8533,10 +8640,50 @@
           </a:p>
         </p:txBody>
       </p:sp>
+      <p:sp>
+        <p:nvSpPr>
+          <p:cNvPr id="18" name="TextBox 17">
+            <a:extLst>
+              <a:ext uri="{FF2B5EF4-FFF2-40B4-BE49-F238E27FC236}">
+                <a16:creationId xmlns:a16="http://schemas.microsoft.com/office/drawing/2014/main" id="{357BDA42-C5CE-41AB-BBEB-E9842003D0DD}"/>
+              </a:ext>
+            </a:extLst>
+          </p:cNvPr>
+          <p:cNvSpPr txBox="1"/>
+          <p:nvPr/>
+        </p:nvSpPr>
+        <p:spPr>
+          <a:xfrm>
+            <a:off x="5947297" y="947518"/>
+            <a:ext cx="5315150" cy="1077218"/>
+          </a:xfrm>
+          <a:prstGeom prst="rect">
+            <a:avLst/>
+          </a:prstGeom>
+          <a:noFill/>
+        </p:spPr>
+        <p:txBody>
+          <a:bodyPr wrap="square" rtlCol="0">
+            <a:spAutoFit/>
+          </a:bodyPr>
+          <a:lstStyle/>
+          <a:p>
+            <a:pPr algn="ctr"/>
+            <a:r>
+              <a:rPr lang="en-US" sz="3200" b="1" spc="300" dirty="0">
+                <a:latin typeface="Roboto" pitchFamily="2" charset="0"/>
+                <a:ea typeface="Roboto" pitchFamily="2" charset="0"/>
+                <a:cs typeface="Gautami" panose="020B0502040204020203" pitchFamily="34" charset="0"/>
+              </a:rPr>
+              <a:t>ENGLISH SHORT TITLE CATALOG</a:t>
+            </a:r>
+          </a:p>
+        </p:txBody>
+      </p:sp>
     </p:spTree>
     <p:extLst>
       <p:ext uri="{BB962C8B-B14F-4D97-AF65-F5344CB8AC3E}">
-        <p14:creationId xmlns:p14="http://schemas.microsoft.com/office/powerpoint/2010/main" val="3500545357"/>
+        <p14:creationId xmlns:p14="http://schemas.microsoft.com/office/powerpoint/2010/main" val="231150258"/>
       </p:ext>
     </p:extLst>
   </p:cSld>
@@ -8563,59 +8710,51 @@
           <a:chExt cx="0" cy="0"/>
         </a:xfrm>
       </p:grpSpPr>
-      <p:pic>
-        <p:nvPicPr>
-          <p:cNvPr id="1026" name="Picture 2" descr="Image result for university of oxford logo">
+      <p:sp>
+        <p:nvSpPr>
+          <p:cNvPr id="6" name="TextBox 5">
             <a:extLst>
               <a:ext uri="{FF2B5EF4-FFF2-40B4-BE49-F238E27FC236}">
-                <a16:creationId xmlns:a16="http://schemas.microsoft.com/office/drawing/2014/main" id="{CCB850C1-3C29-456A-857E-F8259E9B95A9}"/>
+                <a16:creationId xmlns:a16="http://schemas.microsoft.com/office/drawing/2014/main" id="{B8EEF8A0-6173-4011-BBF7-B7615A164529}"/>
               </a:ext>
             </a:extLst>
           </p:cNvPr>
-          <p:cNvPicPr>
-            <a:picLocks noChangeAspect="1" noChangeArrowheads="1"/>
-          </p:cNvPicPr>
+          <p:cNvSpPr txBox="1"/>
           <p:nvPr/>
-        </p:nvPicPr>
-        <p:blipFill>
-          <a:blip r:embed="rId2">
-            <a:extLst>
-              <a:ext uri="{28A0092B-C50C-407E-A947-70E740481C1C}">
-                <a14:useLocalDpi xmlns:a14="http://schemas.microsoft.com/office/drawing/2010/main" val="0"/>
-              </a:ext>
-            </a:extLst>
-          </a:blip>
-          <a:srcRect/>
-          <a:stretch>
-            <a:fillRect/>
-          </a:stretch>
-        </p:blipFill>
-        <p:spPr bwMode="auto">
-          <a:xfrm>
-            <a:off x="1793414" y="327987"/>
-            <a:ext cx="2822755" cy="2822755"/>
+        </p:nvSpPr>
+        <p:spPr>
+          <a:xfrm>
+            <a:off x="6847991" y="2552100"/>
+            <a:ext cx="3513762" cy="477054"/>
           </a:xfrm>
           <a:prstGeom prst="rect">
             <a:avLst/>
           </a:prstGeom>
           <a:noFill/>
-          <a:extLst>
-            <a:ext uri="{909E8E84-426E-40DD-AFC4-6F175D3DCCD1}">
-              <a14:hiddenFill xmlns:a14="http://schemas.microsoft.com/office/drawing/2010/main">
-                <a:solidFill>
-                  <a:srgbClr val="FFFFFF"/>
-                </a:solidFill>
-              </a14:hiddenFill>
-            </a:ext>
-          </a:extLst>
-        </p:spPr>
-      </p:pic>
-      <p:sp>
-        <p:nvSpPr>
-          <p:cNvPr id="4" name="TextBox 3">
+        </p:spPr>
+        <p:txBody>
+          <a:bodyPr wrap="square" rtlCol="0">
+            <a:spAutoFit/>
+          </a:bodyPr>
+          <a:lstStyle/>
+          <a:p>
+            <a:pPr algn="ctr"/>
+            <a:r>
+              <a:rPr lang="en-US" sz="2500" dirty="0">
+                <a:latin typeface="Roboto" pitchFamily="2" charset="0"/>
+                <a:ea typeface="Roboto" pitchFamily="2" charset="0"/>
+              </a:rPr>
+              <a:t>Records: 5,000</a:t>
+            </a:r>
+          </a:p>
+        </p:txBody>
+      </p:sp>
+      <p:sp>
+        <p:nvSpPr>
+          <p:cNvPr id="10" name="TextBox 9">
             <a:extLst>
               <a:ext uri="{FF2B5EF4-FFF2-40B4-BE49-F238E27FC236}">
-                <a16:creationId xmlns:a16="http://schemas.microsoft.com/office/drawing/2014/main" id="{C1AC3FDF-23CE-4A8E-811F-EF814D233BDC}"/>
+                <a16:creationId xmlns:a16="http://schemas.microsoft.com/office/drawing/2014/main" id="{23DEB56F-1A55-4DE8-8C46-21BC2E129463}"/>
               </a:ext>
             </a:extLst>
           </p:cNvPr>
@@ -8624,8 +8763,8 @@
         </p:nvSpPr>
         <p:spPr>
           <a:xfrm>
-            <a:off x="5947297" y="400312"/>
-            <a:ext cx="5315150" cy="1077218"/>
+            <a:off x="6477411" y="4976496"/>
+            <a:ext cx="4528913" cy="1015663"/>
           </a:xfrm>
           <a:prstGeom prst="rect">
             <a:avLst/>
@@ -8638,92 +8777,31 @@
           </a:bodyPr>
           <a:lstStyle/>
           <a:p>
-            <a:pPr algn="ctr"/>
-            <a:r>
-              <a:rPr lang="en-US" sz="3200" b="1" spc="300" dirty="0">
-                <a:latin typeface="Roboto" pitchFamily="2" charset="0"/>
-                <a:ea typeface="Roboto" pitchFamily="2" charset="0"/>
-                <a:cs typeface="Gautami" panose="020B0502040204020203" pitchFamily="34" charset="0"/>
-              </a:rPr>
-              <a:t>OXFORD TEXT ARCHIVE</a:t>
-            </a:r>
-          </a:p>
-        </p:txBody>
-      </p:sp>
-      <p:sp>
-        <p:nvSpPr>
-          <p:cNvPr id="5" name="TextBox 4">
-            <a:extLst>
-              <a:ext uri="{FF2B5EF4-FFF2-40B4-BE49-F238E27FC236}">
-                <a16:creationId xmlns:a16="http://schemas.microsoft.com/office/drawing/2014/main" id="{D93EA9F8-C154-4B3C-9612-684F986C7497}"/>
-              </a:ext>
-            </a:extLst>
-          </p:cNvPr>
-          <p:cNvSpPr txBox="1"/>
-          <p:nvPr/>
-        </p:nvSpPr>
-        <p:spPr>
-          <a:xfrm>
-            <a:off x="5628067" y="1960967"/>
-            <a:ext cx="5953609" cy="477054"/>
-          </a:xfrm>
-          <a:prstGeom prst="rect">
-            <a:avLst/>
-          </a:prstGeom>
-          <a:noFill/>
-        </p:spPr>
-        <p:txBody>
-          <a:bodyPr wrap="square" rtlCol="0">
-            <a:spAutoFit/>
-          </a:bodyPr>
-          <a:lstStyle/>
-          <a:p>
-            <a:pPr algn="ctr"/>
+            <a:pPr algn="ctr">
+              <a:spcBef>
+                <a:spcPts val="1200"/>
+              </a:spcBef>
+            </a:pPr>
             <a:r>
               <a:rPr lang="en-US" sz="2500" dirty="0">
                 <a:latin typeface="Roboto" pitchFamily="2" charset="0"/>
                 <a:ea typeface="Roboto" pitchFamily="2" charset="0"/>
               </a:rPr>
-              <a:t>Collection Date: September 15, 2019</a:t>
-            </a:r>
-          </a:p>
-        </p:txBody>
-      </p:sp>
-      <p:sp>
-        <p:nvSpPr>
-          <p:cNvPr id="6" name="TextBox 5">
-            <a:extLst>
-              <a:ext uri="{FF2B5EF4-FFF2-40B4-BE49-F238E27FC236}">
-                <a16:creationId xmlns:a16="http://schemas.microsoft.com/office/drawing/2014/main" id="{B8EEF8A0-6173-4011-BBF7-B7615A164529}"/>
-              </a:ext>
-            </a:extLst>
-          </p:cNvPr>
-          <p:cNvSpPr txBox="1"/>
-          <p:nvPr/>
-        </p:nvSpPr>
-        <p:spPr>
-          <a:xfrm>
-            <a:off x="6847991" y="2552100"/>
-            <a:ext cx="3513762" cy="477054"/>
-          </a:xfrm>
-          <a:prstGeom prst="rect">
-            <a:avLst/>
-          </a:prstGeom>
-          <a:noFill/>
-        </p:spPr>
-        <p:txBody>
-          <a:bodyPr wrap="square" rtlCol="0">
-            <a:spAutoFit/>
-          </a:bodyPr>
-          <a:lstStyle/>
-          <a:p>
-            <a:pPr algn="ctr"/>
+              <a:t>Hand editing</a:t>
+            </a:r>
+          </a:p>
+          <a:p>
+            <a:pPr algn="ctr">
+              <a:spcBef>
+                <a:spcPts val="1200"/>
+              </a:spcBef>
+            </a:pPr>
             <a:r>
               <a:rPr lang="en-US" sz="2500" dirty="0">
                 <a:latin typeface="Roboto" pitchFamily="2" charset="0"/>
                 <a:ea typeface="Roboto" pitchFamily="2" charset="0"/>
               </a:rPr>
-              <a:t>Records: 600</a:t>
+              <a:t>Excel "text to column“ tool</a:t>
             </a:r>
           </a:p>
         </p:txBody>
@@ -8802,12 +8880,42 @@
           </a:fontRef>
         </p:style>
       </p:cxnSp>
-      <p:sp>
-        <p:nvSpPr>
-          <p:cNvPr id="16" name="TextBox 15">
+      <p:pic>
+        <p:nvPicPr>
+          <p:cNvPr id="13" name="Picture 12">
             <a:extLst>
               <a:ext uri="{FF2B5EF4-FFF2-40B4-BE49-F238E27FC236}">
-                <a16:creationId xmlns:a16="http://schemas.microsoft.com/office/drawing/2014/main" id="{D8D9D907-5B4D-4252-9B6A-D75DAE115DD6}"/>
+                <a16:creationId xmlns:a16="http://schemas.microsoft.com/office/drawing/2014/main" id="{70545BAD-2B21-4B01-A7B6-DF6C9497D7E6}"/>
+              </a:ext>
+            </a:extLst>
+          </p:cNvPr>
+          <p:cNvPicPr>
+            <a:picLocks noChangeAspect="1"/>
+          </p:cNvPicPr>
+          <p:nvPr/>
+        </p:nvPicPr>
+        <p:blipFill>
+          <a:blip r:embed="rId2"/>
+          <a:stretch>
+            <a:fillRect/>
+          </a:stretch>
+        </p:blipFill>
+        <p:spPr>
+          <a:xfrm>
+            <a:off x="1332522" y="1103064"/>
+            <a:ext cx="3810000" cy="1170306"/>
+          </a:xfrm>
+          <a:prstGeom prst="rect">
+            <a:avLst/>
+          </a:prstGeom>
+        </p:spPr>
+      </p:pic>
+      <p:sp>
+        <p:nvSpPr>
+          <p:cNvPr id="17" name="TextBox 16">
+            <a:extLst>
+              <a:ext uri="{FF2B5EF4-FFF2-40B4-BE49-F238E27FC236}">
+                <a16:creationId xmlns:a16="http://schemas.microsoft.com/office/drawing/2014/main" id="{F370B6F9-A1E5-462B-B464-9763D3B66E4C}"/>
               </a:ext>
             </a:extLst>
           </p:cNvPr>
@@ -8861,85 +8969,10 @@
       </p:sp>
       <p:sp>
         <p:nvSpPr>
-          <p:cNvPr id="13" name="TextBox 12">
+          <p:cNvPr id="16" name="TextBox 15">
             <a:extLst>
               <a:ext uri="{FF2B5EF4-FFF2-40B4-BE49-F238E27FC236}">
-                <a16:creationId xmlns:a16="http://schemas.microsoft.com/office/drawing/2014/main" id="{1CECCD9B-1766-4C52-8336-206C10395F51}"/>
-              </a:ext>
-            </a:extLst>
-          </p:cNvPr>
-          <p:cNvSpPr txBox="1"/>
-          <p:nvPr/>
-        </p:nvSpPr>
-        <p:spPr>
-          <a:xfrm>
-            <a:off x="6439097" y="4976496"/>
-            <a:ext cx="4528913" cy="1554272"/>
-          </a:xfrm>
-          <a:prstGeom prst="rect">
-            <a:avLst/>
-          </a:prstGeom>
-          <a:noFill/>
-        </p:spPr>
-        <p:txBody>
-          <a:bodyPr wrap="square" rtlCol="0">
-            <a:spAutoFit/>
-          </a:bodyPr>
-          <a:lstStyle/>
-          <a:p>
-            <a:pPr algn="ctr">
-              <a:spcBef>
-                <a:spcPts val="1200"/>
-              </a:spcBef>
-            </a:pPr>
-            <a:r>
-              <a:rPr lang="en-US" sz="2500" dirty="0" err="1">
-                <a:latin typeface="Roboto" pitchFamily="2" charset="0"/>
-                <a:ea typeface="Roboto" pitchFamily="2" charset="0"/>
-              </a:rPr>
-              <a:t>OpenRefine</a:t>
-            </a:r>
-            <a:endParaRPr lang="en-US" sz="2500" dirty="0">
-              <a:latin typeface="Roboto" pitchFamily="2" charset="0"/>
-              <a:ea typeface="Roboto" pitchFamily="2" charset="0"/>
-            </a:endParaRPr>
-          </a:p>
-          <a:p>
-            <a:pPr algn="ctr">
-              <a:spcBef>
-                <a:spcPts val="1200"/>
-              </a:spcBef>
-            </a:pPr>
-            <a:r>
-              <a:rPr lang="en-US" sz="2500" dirty="0">
-                <a:latin typeface="Roboto" pitchFamily="2" charset="0"/>
-                <a:ea typeface="Roboto" pitchFamily="2" charset="0"/>
-              </a:rPr>
-              <a:t>Hand editing</a:t>
-            </a:r>
-          </a:p>
-          <a:p>
-            <a:pPr algn="ctr">
-              <a:spcBef>
-                <a:spcPts val="1200"/>
-              </a:spcBef>
-            </a:pPr>
-            <a:r>
-              <a:rPr lang="en-US" sz="2500" dirty="0">
-                <a:latin typeface="Roboto" pitchFamily="2" charset="0"/>
-                <a:ea typeface="Roboto" pitchFamily="2" charset="0"/>
-              </a:rPr>
-              <a:t>Excel "text to column“ tool</a:t>
-            </a:r>
-          </a:p>
-        </p:txBody>
-      </p:sp>
-      <p:sp>
-        <p:nvSpPr>
-          <p:cNvPr id="14" name="TextBox 13">
-            <a:extLst>
-              <a:ext uri="{FF2B5EF4-FFF2-40B4-BE49-F238E27FC236}">
-                <a16:creationId xmlns:a16="http://schemas.microsoft.com/office/drawing/2014/main" id="{A53CA63A-63A1-4B9B-BD56-A06C66462426}"/>
+                <a16:creationId xmlns:a16="http://schemas.microsoft.com/office/drawing/2014/main" id="{8035AF95-788A-4D3C-9D36-56D105A4FC94}"/>
               </a:ext>
             </a:extLst>
           </p:cNvPr>
@@ -8976,10 +9009,10 @@
       </p:sp>
       <p:sp>
         <p:nvSpPr>
-          <p:cNvPr id="17" name="TextBox 16">
+          <p:cNvPr id="18" name="TextBox 17">
             <a:extLst>
               <a:ext uri="{FF2B5EF4-FFF2-40B4-BE49-F238E27FC236}">
-                <a16:creationId xmlns:a16="http://schemas.microsoft.com/office/drawing/2014/main" id="{B54464E1-FDA0-4E1B-A036-8F7EC9EFBA48}"/>
+                <a16:creationId xmlns:a16="http://schemas.microsoft.com/office/drawing/2014/main" id="{670C7531-4DE8-47F6-A188-D6433DB54838}"/>
               </a:ext>
             </a:extLst>
           </p:cNvPr>
@@ -9014,10 +9047,61 @@
           </a:p>
         </p:txBody>
       </p:sp>
+      <p:sp>
+        <p:nvSpPr>
+          <p:cNvPr id="14" name="TextBox 13">
+            <a:extLst>
+              <a:ext uri="{FF2B5EF4-FFF2-40B4-BE49-F238E27FC236}">
+                <a16:creationId xmlns:a16="http://schemas.microsoft.com/office/drawing/2014/main" id="{37165999-BB58-450F-BE5E-28AC96AFB5A8}"/>
+              </a:ext>
+            </a:extLst>
+          </p:cNvPr>
+          <p:cNvSpPr txBox="1"/>
+          <p:nvPr/>
+        </p:nvSpPr>
+        <p:spPr>
+          <a:xfrm>
+            <a:off x="5947297" y="947518"/>
+            <a:ext cx="5315150" cy="1077218"/>
+          </a:xfrm>
+          <a:prstGeom prst="rect">
+            <a:avLst/>
+          </a:prstGeom>
+          <a:noFill/>
+        </p:spPr>
+        <p:txBody>
+          <a:bodyPr wrap="square" rtlCol="0">
+            <a:spAutoFit/>
+          </a:bodyPr>
+          <a:lstStyle/>
+          <a:p>
+            <a:pPr algn="ctr"/>
+            <a:r>
+              <a:rPr lang="en-US" sz="3200" b="1" spc="300" dirty="0">
+                <a:latin typeface="Roboto" pitchFamily="2" charset="0"/>
+                <a:ea typeface="Roboto" pitchFamily="2" charset="0"/>
+                <a:cs typeface="Gautami" panose="020B0502040204020203" pitchFamily="34" charset="0"/>
+              </a:rPr>
+              <a:t>OPEN SYLLABUS</a:t>
+            </a:r>
+          </a:p>
+          <a:p>
+            <a:pPr algn="ctr"/>
+            <a:r>
+              <a:rPr lang="en-US" sz="3200" b="1" spc="300" dirty="0">
+                <a:latin typeface="Roboto" pitchFamily="2" charset="0"/>
+                <a:ea typeface="Roboto" pitchFamily="2" charset="0"/>
+                <a:cs typeface="Gautami" panose="020B0502040204020203" pitchFamily="34" charset="0"/>
+              </a:rPr>
+              <a:t>PROJECT</a:t>
+            </a:r>
+          </a:p>
+        </p:txBody>
+      </p:sp>
     </p:spTree>
     <p:extLst>
       <p:ext uri="{BB962C8B-B14F-4D97-AF65-F5344CB8AC3E}">
-        <p14:creationId xmlns:p14="http://schemas.microsoft.com/office/powerpoint/2010/main" val="3749287248"/>
+        <p14:creationId xmlns:p14="http://schemas.microsoft.com/office/powerpoint/2010/main" val="3500545357"/>
       </p:ext>
     </p:extLst>
   </p:cSld>
